--- a/result.pptx
+++ b/result.pptx
@@ -8,28 +8,28 @@
     <p:notesMasterId r:id="rId15"/>
   </p:notesMasterIdLst>
   <p:sldIdLst>
-    <p:sldId id="263" r:id="rId2"/>
-    <p:sldId id="264" r:id="rId3"/>
-    <p:sldId id="265" r:id="rId4"/>
-    <p:sldId id="266" r:id="rId5"/>
-    <p:sldId id="267" r:id="rId6"/>
-    <p:sldId id="268" r:id="rId7"/>
-    <p:sldId id="269" r:id="rId8"/>
-    <p:sldId id="270" r:id="rId9"/>
-    <p:sldId id="271" r:id="rId10"/>
-    <p:sldId id="272" r:id="rId11"/>
-    <p:sldId id="273" r:id="rId12"/>
-    <p:sldId id="274" r:id="rId13"/>
-    <p:sldId id="275" r:id="rId14"/>
+    <p:sldId id="256" r:id="rId2"/>
+    <p:sldId id="257" r:id="rId3"/>
+    <p:sldId id="258" r:id="rId4"/>
+    <p:sldId id="259" r:id="rId5"/>
+    <p:sldId id="260" r:id="rId6"/>
+    <p:sldId id="261" r:id="rId7"/>
+    <p:sldId id="262" r:id="rId8"/>
+    <p:sldId id="263" r:id="rId9"/>
+    <p:sldId id="264" r:id="rId10"/>
+    <p:sldId id="265" r:id="rId11"/>
+    <p:sldId id="266" r:id="rId12"/>
+    <p:sldId id="267" r:id="rId13"/>
+    <p:sldId id="268" r:id="rId14"/>
   </p:sldIdLst>
-  <p:sldSz cx="10693400" cy="7561263"/>
-  <p:notesSz cx="6807200" cy="9939338"/>
+  <p:sldSz cx="12192000" cy="6858000"/>
+  <p:notesSz cx="6858000" cy="9144000"/>
   <p:defaultTextStyle>
     <a:defPPr>
       <a:defRPr lang="ko-KR"/>
     </a:defPPr>
-    <a:lvl1pPr marL="0" algn="l" defTabSz="981730" rtl="0" eaLnBrk="1" latinLnBrk="1" hangingPunct="1">
-      <a:defRPr sz="1900" kern="1200">
+    <a:lvl1pPr marL="0" algn="l" defTabSz="914400" rtl="0" eaLnBrk="1" latinLnBrk="1" hangingPunct="1">
+      <a:defRPr sz="1800" kern="1200">
         <a:solidFill>
           <a:schemeClr val="tx1"/>
         </a:solidFill>
@@ -38,8 +38,8 @@
         <a:cs typeface="+mn-cs"/>
       </a:defRPr>
     </a:lvl1pPr>
-    <a:lvl2pPr marL="490865" algn="l" defTabSz="981730" rtl="0" eaLnBrk="1" latinLnBrk="1" hangingPunct="1">
-      <a:defRPr sz="1900" kern="1200">
+    <a:lvl2pPr marL="457200" algn="l" defTabSz="914400" rtl="0" eaLnBrk="1" latinLnBrk="1" hangingPunct="1">
+      <a:defRPr sz="1800" kern="1200">
         <a:solidFill>
           <a:schemeClr val="tx1"/>
         </a:solidFill>
@@ -48,8 +48,8 @@
         <a:cs typeface="+mn-cs"/>
       </a:defRPr>
     </a:lvl2pPr>
-    <a:lvl3pPr marL="981730" algn="l" defTabSz="981730" rtl="0" eaLnBrk="1" latinLnBrk="1" hangingPunct="1">
-      <a:defRPr sz="1900" kern="1200">
+    <a:lvl3pPr marL="914400" algn="l" defTabSz="914400" rtl="0" eaLnBrk="1" latinLnBrk="1" hangingPunct="1">
+      <a:defRPr sz="1800" kern="1200">
         <a:solidFill>
           <a:schemeClr val="tx1"/>
         </a:solidFill>
@@ -58,8 +58,8 @@
         <a:cs typeface="+mn-cs"/>
       </a:defRPr>
     </a:lvl3pPr>
-    <a:lvl4pPr marL="1472596" algn="l" defTabSz="981730" rtl="0" eaLnBrk="1" latinLnBrk="1" hangingPunct="1">
-      <a:defRPr sz="1900" kern="1200">
+    <a:lvl4pPr marL="1371600" algn="l" defTabSz="914400" rtl="0" eaLnBrk="1" latinLnBrk="1" hangingPunct="1">
+      <a:defRPr sz="1800" kern="1200">
         <a:solidFill>
           <a:schemeClr val="tx1"/>
         </a:solidFill>
@@ -68,8 +68,8 @@
         <a:cs typeface="+mn-cs"/>
       </a:defRPr>
     </a:lvl4pPr>
-    <a:lvl5pPr marL="1963460" algn="l" defTabSz="981730" rtl="0" eaLnBrk="1" latinLnBrk="1" hangingPunct="1">
-      <a:defRPr sz="1900" kern="1200">
+    <a:lvl5pPr marL="1828800" algn="l" defTabSz="914400" rtl="0" eaLnBrk="1" latinLnBrk="1" hangingPunct="1">
+      <a:defRPr sz="1800" kern="1200">
         <a:solidFill>
           <a:schemeClr val="tx1"/>
         </a:solidFill>
@@ -78,8 +78,8 @@
         <a:cs typeface="+mn-cs"/>
       </a:defRPr>
     </a:lvl5pPr>
-    <a:lvl6pPr marL="2454327" algn="l" defTabSz="981730" rtl="0" eaLnBrk="1" latinLnBrk="1" hangingPunct="1">
-      <a:defRPr sz="1900" kern="1200">
+    <a:lvl6pPr marL="2286000" algn="l" defTabSz="914400" rtl="0" eaLnBrk="1" latinLnBrk="1" hangingPunct="1">
+      <a:defRPr sz="1800" kern="1200">
         <a:solidFill>
           <a:schemeClr val="tx1"/>
         </a:solidFill>
@@ -88,8 +88,8 @@
         <a:cs typeface="+mn-cs"/>
       </a:defRPr>
     </a:lvl6pPr>
-    <a:lvl7pPr marL="2945191" algn="l" defTabSz="981730" rtl="0" eaLnBrk="1" latinLnBrk="1" hangingPunct="1">
-      <a:defRPr sz="1900" kern="1200">
+    <a:lvl7pPr marL="2743200" algn="l" defTabSz="914400" rtl="0" eaLnBrk="1" latinLnBrk="1" hangingPunct="1">
+      <a:defRPr sz="1800" kern="1200">
         <a:solidFill>
           <a:schemeClr val="tx1"/>
         </a:solidFill>
@@ -98,8 +98,8 @@
         <a:cs typeface="+mn-cs"/>
       </a:defRPr>
     </a:lvl7pPr>
-    <a:lvl8pPr marL="3436058" algn="l" defTabSz="981730" rtl="0" eaLnBrk="1" latinLnBrk="1" hangingPunct="1">
-      <a:defRPr sz="1900" kern="1200">
+    <a:lvl8pPr marL="3200400" algn="l" defTabSz="914400" rtl="0" eaLnBrk="1" latinLnBrk="1" hangingPunct="1">
+      <a:defRPr sz="1800" kern="1200">
         <a:solidFill>
           <a:schemeClr val="tx1"/>
         </a:solidFill>
@@ -108,8 +108,8 @@
         <a:cs typeface="+mn-cs"/>
       </a:defRPr>
     </a:lvl8pPr>
-    <a:lvl9pPr marL="3926923" algn="l" defTabSz="981730" rtl="0" eaLnBrk="1" latinLnBrk="1" hangingPunct="1">
-      <a:defRPr sz="1900" kern="1200">
+    <a:lvl9pPr marL="3657600" algn="l" defTabSz="914400" rtl="0" eaLnBrk="1" latinLnBrk="1" hangingPunct="1">
+      <a:defRPr sz="1800" kern="1200">
         <a:solidFill>
           <a:schemeClr val="tx1"/>
         </a:solidFill>
@@ -121,18 +121,7 @@
   </p:defaultTextStyle>
   <p:extLst>
     <p:ext uri="{EFAFB233-063F-42B5-8137-9DF3F51BA10A}">
-      <p15:sldGuideLst xmlns:p15="http://schemas.microsoft.com/office/powerpoint/2012/main">
-        <p15:guide id="1" orient="horz" pos="2382">
-          <p15:clr>
-            <a:srgbClr val="A4A3A4"/>
-          </p15:clr>
-        </p15:guide>
-        <p15:guide id="2" pos="3369">
-          <p15:clr>
-            <a:srgbClr val="A4A3A4"/>
-          </p15:clr>
-        </p15:guide>
-      </p15:sldGuideLst>
+      <p15:sldGuideLst xmlns:p15="http://schemas.microsoft.com/office/powerpoint/2012/main"/>
     </p:ext>
   </p:extLst>
 </p:presentation>
@@ -173,7 +162,7 @@
         <p:spPr>
           <a:xfrm>
             <a:off x="0" y="0"/>
-            <a:ext cx="2949575" cy="496888"/>
+            <a:ext cx="2971800" cy="458788"/>
           </a:xfrm>
           <a:prstGeom prst="rect">
             <a:avLst/>
@@ -203,8 +192,8 @@
         </p:nvSpPr>
         <p:spPr>
           <a:xfrm>
-            <a:off x="3856038" y="0"/>
-            <a:ext cx="2949575" cy="496888"/>
+            <a:off x="3884613" y="0"/>
+            <a:ext cx="2971800" cy="458788"/>
           </a:xfrm>
           <a:prstGeom prst="rect">
             <a:avLst/>
@@ -218,9 +207,9 @@
             </a:lvl1pPr>
           </a:lstStyle>
           <a:p>
-            <a:fld id="{04FD9B66-E4C8-4943-81FF-076B9424E259}" type="datetimeFigureOut">
+            <a:fld id="{19F13344-D54A-4D86-A5D2-FD81DD084F9F}" type="datetimeFigureOut">
               <a:rPr lang="ko-KR" altLang="en-US" smtClean="0"/>
-              <a:t>2022-04-04</a:t>
+              <a:t>2022-06-15</a:t>
             </a:fld>
             <a:endParaRPr lang="ko-KR" altLang="en-US"/>
           </a:p>
@@ -238,8 +227,8 @@
         </p:nvSpPr>
         <p:spPr>
           <a:xfrm>
-            <a:off x="769938" y="746125"/>
-            <a:ext cx="5267325" cy="3725863"/>
+            <a:off x="685800" y="1143000"/>
+            <a:ext cx="5486400" cy="3086100"/>
           </a:xfrm>
           <a:prstGeom prst="rect">
             <a:avLst/>
@@ -271,8 +260,8 @@
         </p:nvSpPr>
         <p:spPr>
           <a:xfrm>
-            <a:off x="681038" y="4721225"/>
-            <a:ext cx="5445125" cy="4471988"/>
+            <a:off x="685800" y="4400550"/>
+            <a:ext cx="5486400" cy="3600450"/>
           </a:xfrm>
           <a:prstGeom prst="rect">
             <a:avLst/>
@@ -285,35 +274,35 @@
             <a:pPr lvl="0"/>
             <a:r>
               <a:rPr lang="ko-KR" altLang="en-US"/>
-              <a:t>마스터 텍스트 스타일을 편집합니다</a:t>
+              <a:t>마스터 텍스트 스타일을 편집하려면 클릭</a:t>
             </a:r>
           </a:p>
           <a:p>
             <a:pPr lvl="1"/>
             <a:r>
               <a:rPr lang="ko-KR" altLang="en-US"/>
-              <a:t>둘째 수준</a:t>
+              <a:t>두 번째 수준</a:t>
             </a:r>
           </a:p>
           <a:p>
             <a:pPr lvl="2"/>
             <a:r>
               <a:rPr lang="ko-KR" altLang="en-US"/>
-              <a:t>셋째 수준</a:t>
+              <a:t>세 번째 수준</a:t>
             </a:r>
           </a:p>
           <a:p>
             <a:pPr lvl="3"/>
             <a:r>
               <a:rPr lang="ko-KR" altLang="en-US"/>
-              <a:t>넷째 수준</a:t>
+              <a:t>네 번째 수준</a:t>
             </a:r>
           </a:p>
           <a:p>
             <a:pPr lvl="4"/>
             <a:r>
               <a:rPr lang="ko-KR" altLang="en-US"/>
-              <a:t>다섯째 수준</a:t>
+              <a:t>다섯 번째 수준</a:t>
             </a:r>
           </a:p>
         </p:txBody>
@@ -330,8 +319,8 @@
         </p:nvSpPr>
         <p:spPr>
           <a:xfrm>
-            <a:off x="0" y="9440863"/>
-            <a:ext cx="2949575" cy="496887"/>
+            <a:off x="0" y="8685213"/>
+            <a:ext cx="2971800" cy="458787"/>
           </a:xfrm>
           <a:prstGeom prst="rect">
             <a:avLst/>
@@ -361,8 +350,8 @@
         </p:nvSpPr>
         <p:spPr>
           <a:xfrm>
-            <a:off x="3856038" y="9440863"/>
-            <a:ext cx="2949575" cy="496887"/>
+            <a:off x="3884613" y="8685213"/>
+            <a:ext cx="2971800" cy="458787"/>
           </a:xfrm>
           <a:prstGeom prst="rect">
             <a:avLst/>
@@ -376,7 +365,7 @@
             </a:lvl1pPr>
           </a:lstStyle>
           <a:p>
-            <a:fld id="{1762AB33-34AB-433E-870C-38AB7D71EAFD}" type="slidenum">
+            <a:fld id="{F79600EF-DB9D-4FE4-ABAD-B988F7679422}" type="slidenum">
               <a:rPr lang="ko-KR" altLang="en-US" smtClean="0"/>
               <a:t>‹#›</a:t>
             </a:fld>
@@ -387,7 +376,7 @@
     </p:spTree>
     <p:extLst>
       <p:ext uri="{BB962C8B-B14F-4D97-AF65-F5344CB8AC3E}">
-        <p14:creationId xmlns:p14="http://schemas.microsoft.com/office/powerpoint/2010/main" val="833745156"/>
+        <p14:creationId xmlns:p14="http://schemas.microsoft.com/office/powerpoint/2010/main" val="249057186"/>
       </p:ext>
     </p:extLst>
   </p:cSld>
@@ -506,7 +495,13 @@
       </p:grpSpPr>
       <p:sp>
         <p:nvSpPr>
-          <p:cNvPr id="2" name="제목 1"/>
+          <p:cNvPr id="2" name="제목 1">
+            <a:extLst>
+              <a:ext uri="{FF2B5EF4-FFF2-40B4-BE49-F238E27FC236}">
+                <a16:creationId xmlns:a16="http://schemas.microsoft.com/office/drawing/2014/main" id="{A7EF59D8-1B01-4867-BB6D-63543B60E7B3}"/>
+              </a:ext>
+            </a:extLst>
+          </p:cNvPr>
           <p:cNvSpPr>
             <a:spLocks noGrp="1"/>
           </p:cNvSpPr>
@@ -516,13 +511,17 @@
         </p:nvSpPr>
         <p:spPr>
           <a:xfrm>
-            <a:off x="802005" y="2348905"/>
-            <a:ext cx="9089390" cy="1620771"/>
-          </a:xfrm>
-        </p:spPr>
-        <p:txBody>
-          <a:bodyPr/>
-          <a:lstStyle/>
+            <a:off x="1524000" y="1122363"/>
+            <a:ext cx="9144000" cy="2387600"/>
+          </a:xfrm>
+        </p:spPr>
+        <p:txBody>
+          <a:bodyPr anchor="b"/>
+          <a:lstStyle>
+            <a:lvl1pPr algn="ctr">
+              <a:defRPr sz="6000"/>
+            </a:lvl1pPr>
+          </a:lstStyle>
           <a:p>
             <a:r>
               <a:rPr lang="ko-KR" altLang="en-US"/>
@@ -533,7 +532,13 @@
       </p:sp>
       <p:sp>
         <p:nvSpPr>
-          <p:cNvPr id="3" name="부제목 2"/>
+          <p:cNvPr id="3" name="부제목 2">
+            <a:extLst>
+              <a:ext uri="{FF2B5EF4-FFF2-40B4-BE49-F238E27FC236}">
+                <a16:creationId xmlns:a16="http://schemas.microsoft.com/office/drawing/2014/main" id="{A2F4190A-8F68-4788-A776-6032F1E5735D}"/>
+              </a:ext>
+            </a:extLst>
+          </p:cNvPr>
           <p:cNvSpPr>
             <a:spLocks noGrp="1"/>
           </p:cNvSpPr>
@@ -543,8 +548,8 @@
         </p:nvSpPr>
         <p:spPr>
           <a:xfrm>
-            <a:off x="1604010" y="4284723"/>
-            <a:ext cx="7485380" cy="1932323"/>
+            <a:off x="1524000" y="3602038"/>
+            <a:ext cx="9144000" cy="1655762"/>
           </a:xfrm>
         </p:spPr>
         <p:txBody>
@@ -552,106 +557,58 @@
           <a:lstStyle>
             <a:lvl1pPr marL="0" indent="0" algn="ctr">
               <a:buNone/>
-              <a:defRPr>
-                <a:solidFill>
-                  <a:schemeClr val="tx1">
-                    <a:tint val="75000"/>
-                  </a:schemeClr>
-                </a:solidFill>
-              </a:defRPr>
+              <a:defRPr sz="2400"/>
             </a:lvl1pPr>
-            <a:lvl2pPr marL="490865" indent="0" algn="ctr">
-              <a:buNone/>
-              <a:defRPr>
-                <a:solidFill>
-                  <a:schemeClr val="tx1">
-                    <a:tint val="75000"/>
-                  </a:schemeClr>
-                </a:solidFill>
-              </a:defRPr>
+            <a:lvl2pPr marL="457200" indent="0" algn="ctr">
+              <a:buNone/>
+              <a:defRPr sz="2000"/>
             </a:lvl2pPr>
-            <a:lvl3pPr marL="981730" indent="0" algn="ctr">
-              <a:buNone/>
-              <a:defRPr>
-                <a:solidFill>
-                  <a:schemeClr val="tx1">
-                    <a:tint val="75000"/>
-                  </a:schemeClr>
-                </a:solidFill>
-              </a:defRPr>
+            <a:lvl3pPr marL="914400" indent="0" algn="ctr">
+              <a:buNone/>
+              <a:defRPr sz="1800"/>
             </a:lvl3pPr>
-            <a:lvl4pPr marL="1472596" indent="0" algn="ctr">
-              <a:buNone/>
-              <a:defRPr>
-                <a:solidFill>
-                  <a:schemeClr val="tx1">
-                    <a:tint val="75000"/>
-                  </a:schemeClr>
-                </a:solidFill>
-              </a:defRPr>
+            <a:lvl4pPr marL="1371600" indent="0" algn="ctr">
+              <a:buNone/>
+              <a:defRPr sz="1600"/>
             </a:lvl4pPr>
-            <a:lvl5pPr marL="1963460" indent="0" algn="ctr">
-              <a:buNone/>
-              <a:defRPr>
-                <a:solidFill>
-                  <a:schemeClr val="tx1">
-                    <a:tint val="75000"/>
-                  </a:schemeClr>
-                </a:solidFill>
-              </a:defRPr>
+            <a:lvl5pPr marL="1828800" indent="0" algn="ctr">
+              <a:buNone/>
+              <a:defRPr sz="1600"/>
             </a:lvl5pPr>
-            <a:lvl6pPr marL="2454327" indent="0" algn="ctr">
-              <a:buNone/>
-              <a:defRPr>
-                <a:solidFill>
-                  <a:schemeClr val="tx1">
-                    <a:tint val="75000"/>
-                  </a:schemeClr>
-                </a:solidFill>
-              </a:defRPr>
+            <a:lvl6pPr marL="2286000" indent="0" algn="ctr">
+              <a:buNone/>
+              <a:defRPr sz="1600"/>
             </a:lvl6pPr>
-            <a:lvl7pPr marL="2945191" indent="0" algn="ctr">
-              <a:buNone/>
-              <a:defRPr>
-                <a:solidFill>
-                  <a:schemeClr val="tx1">
-                    <a:tint val="75000"/>
-                  </a:schemeClr>
-                </a:solidFill>
-              </a:defRPr>
+            <a:lvl7pPr marL="2743200" indent="0" algn="ctr">
+              <a:buNone/>
+              <a:defRPr sz="1600"/>
             </a:lvl7pPr>
-            <a:lvl8pPr marL="3436058" indent="0" algn="ctr">
-              <a:buNone/>
-              <a:defRPr>
-                <a:solidFill>
-                  <a:schemeClr val="tx1">
-                    <a:tint val="75000"/>
-                  </a:schemeClr>
-                </a:solidFill>
-              </a:defRPr>
+            <a:lvl8pPr marL="3200400" indent="0" algn="ctr">
+              <a:buNone/>
+              <a:defRPr sz="1600"/>
             </a:lvl8pPr>
-            <a:lvl9pPr marL="3926923" indent="0" algn="ctr">
-              <a:buNone/>
-              <a:defRPr>
-                <a:solidFill>
-                  <a:schemeClr val="tx1">
-                    <a:tint val="75000"/>
-                  </a:schemeClr>
-                </a:solidFill>
-              </a:defRPr>
+            <a:lvl9pPr marL="3657600" indent="0" algn="ctr">
+              <a:buNone/>
+              <a:defRPr sz="1600"/>
             </a:lvl9pPr>
           </a:lstStyle>
           <a:p>
             <a:r>
               <a:rPr lang="ko-KR" altLang="en-US"/>
-              <a:t>마스터 부제목 스타일 편집</a:t>
-            </a:r>
-          </a:p>
-        </p:txBody>
-      </p:sp>
-      <p:sp>
-        <p:nvSpPr>
-          <p:cNvPr id="4" name="날짜 개체 틀 3"/>
+              <a:t>클릭하여 마스터 부제목 스타일 편집</a:t>
+            </a:r>
+          </a:p>
+        </p:txBody>
+      </p:sp>
+      <p:sp>
+        <p:nvSpPr>
+          <p:cNvPr id="4" name="날짜 개체 틀 3">
+            <a:extLst>
+              <a:ext uri="{FF2B5EF4-FFF2-40B4-BE49-F238E27FC236}">
+                <a16:creationId xmlns:a16="http://schemas.microsoft.com/office/drawing/2014/main" id="{3A7B1411-855B-4FD3-9351-3A71864FE660}"/>
+              </a:ext>
+            </a:extLst>
+          </p:cNvPr>
           <p:cNvSpPr>
             <a:spLocks noGrp="1"/>
           </p:cNvSpPr>
@@ -664,9 +621,9 @@
           <a:bodyPr/>
           <a:lstStyle/>
           <a:p>
-            <a:fld id="{DEB04459-77A1-459B-84E6-AB5CF6BAEB25}" type="datetimeFigureOut">
+            <a:fld id="{22AABA13-C4C2-407F-881C-FF016485D499}" type="datetime1">
               <a:rPr lang="ko-KR" altLang="en-US" smtClean="0"/>
-              <a:t>2022-04-04</a:t>
+              <a:t>2022-06-15</a:t>
             </a:fld>
             <a:endParaRPr lang="ko-KR" altLang="en-US"/>
           </a:p>
@@ -674,7 +631,13 @@
       </p:sp>
       <p:sp>
         <p:nvSpPr>
-          <p:cNvPr id="5" name="바닥글 개체 틀 4"/>
+          <p:cNvPr id="5" name="바닥글 개체 틀 4">
+            <a:extLst>
+              <a:ext uri="{FF2B5EF4-FFF2-40B4-BE49-F238E27FC236}">
+                <a16:creationId xmlns:a16="http://schemas.microsoft.com/office/drawing/2014/main" id="{AFCBB3AE-1F6A-4A1B-A02B-91F2B0665422}"/>
+              </a:ext>
+            </a:extLst>
+          </p:cNvPr>
           <p:cNvSpPr>
             <a:spLocks noGrp="1"/>
           </p:cNvSpPr>
@@ -693,7 +656,13 @@
       </p:sp>
       <p:sp>
         <p:nvSpPr>
-          <p:cNvPr id="6" name="슬라이드 번호 개체 틀 5"/>
+          <p:cNvPr id="6" name="슬라이드 번호 개체 틀 5">
+            <a:extLst>
+              <a:ext uri="{FF2B5EF4-FFF2-40B4-BE49-F238E27FC236}">
+                <a16:creationId xmlns:a16="http://schemas.microsoft.com/office/drawing/2014/main" id="{07BE0CF5-6F3C-4268-8459-BA0284C9067D}"/>
+              </a:ext>
+            </a:extLst>
+          </p:cNvPr>
           <p:cNvSpPr>
             <a:spLocks noGrp="1"/>
           </p:cNvSpPr>
@@ -706,7 +675,7 @@
           <a:bodyPr/>
           <a:lstStyle/>
           <a:p>
-            <a:fld id="{25B3C12B-D75D-4C66-B5B8-0CB552AAA939}" type="slidenum">
+            <a:fld id="{A7C62C25-B5F5-4B62-AB91-5480B186A043}" type="slidenum">
               <a:rPr lang="ko-KR" altLang="en-US" smtClean="0"/>
               <a:t>‹#›</a:t>
             </a:fld>
@@ -717,7 +686,7 @@
     </p:spTree>
     <p:extLst>
       <p:ext uri="{BB962C8B-B14F-4D97-AF65-F5344CB8AC3E}">
-        <p14:creationId xmlns:p14="http://schemas.microsoft.com/office/powerpoint/2010/main" val="3827276575"/>
+        <p14:creationId xmlns:p14="http://schemas.microsoft.com/office/powerpoint/2010/main" val="3909105038"/>
       </p:ext>
     </p:extLst>
   </p:cSld>
@@ -746,7 +715,13 @@
       </p:grpSpPr>
       <p:sp>
         <p:nvSpPr>
-          <p:cNvPr id="2" name="제목 1"/>
+          <p:cNvPr id="2" name="제목 1">
+            <a:extLst>
+              <a:ext uri="{FF2B5EF4-FFF2-40B4-BE49-F238E27FC236}">
+                <a16:creationId xmlns:a16="http://schemas.microsoft.com/office/drawing/2014/main" id="{7BFF915B-3876-4E59-9F98-647D324028BF}"/>
+              </a:ext>
+            </a:extLst>
+          </p:cNvPr>
           <p:cNvSpPr>
             <a:spLocks noGrp="1"/>
           </p:cNvSpPr>
@@ -768,7 +743,13 @@
       </p:sp>
       <p:sp>
         <p:nvSpPr>
-          <p:cNvPr id="3" name="세로 텍스트 개체 틀 2"/>
+          <p:cNvPr id="3" name="세로 텍스트 개체 틀 2">
+            <a:extLst>
+              <a:ext uri="{FF2B5EF4-FFF2-40B4-BE49-F238E27FC236}">
+                <a16:creationId xmlns:a16="http://schemas.microsoft.com/office/drawing/2014/main" id="{C1D41216-6274-4D98-AABC-62341E507E1A}"/>
+              </a:ext>
+            </a:extLst>
+          </p:cNvPr>
           <p:cNvSpPr>
             <a:spLocks noGrp="1"/>
           </p:cNvSpPr>
@@ -784,42 +765,48 @@
             <a:pPr lvl="0"/>
             <a:r>
               <a:rPr lang="ko-KR" altLang="en-US"/>
-              <a:t>마스터 텍스트 스타일을 편집합니다</a:t>
+              <a:t>마스터 텍스트 스타일을 편집하려면 클릭</a:t>
             </a:r>
           </a:p>
           <a:p>
             <a:pPr lvl="1"/>
             <a:r>
               <a:rPr lang="ko-KR" altLang="en-US"/>
-              <a:t>둘째 수준</a:t>
+              <a:t>두 번째 수준</a:t>
             </a:r>
           </a:p>
           <a:p>
             <a:pPr lvl="2"/>
             <a:r>
               <a:rPr lang="ko-KR" altLang="en-US"/>
-              <a:t>셋째 수준</a:t>
+              <a:t>세 번째 수준</a:t>
             </a:r>
           </a:p>
           <a:p>
             <a:pPr lvl="3"/>
             <a:r>
               <a:rPr lang="ko-KR" altLang="en-US"/>
-              <a:t>넷째 수준</a:t>
+              <a:t>네 번째 수준</a:t>
             </a:r>
           </a:p>
           <a:p>
             <a:pPr lvl="4"/>
             <a:r>
               <a:rPr lang="ko-KR" altLang="en-US"/>
-              <a:t>다섯째 수준</a:t>
-            </a:r>
-          </a:p>
-        </p:txBody>
-      </p:sp>
-      <p:sp>
-        <p:nvSpPr>
-          <p:cNvPr id="4" name="날짜 개체 틀 3"/>
+              <a:t>다섯 번째 수준</a:t>
+            </a:r>
+          </a:p>
+        </p:txBody>
+      </p:sp>
+      <p:sp>
+        <p:nvSpPr>
+          <p:cNvPr id="4" name="날짜 개체 틀 3">
+            <a:extLst>
+              <a:ext uri="{FF2B5EF4-FFF2-40B4-BE49-F238E27FC236}">
+                <a16:creationId xmlns:a16="http://schemas.microsoft.com/office/drawing/2014/main" id="{9DDE6B6E-EDC1-4B68-9A71-C1DB29C5826B}"/>
+              </a:ext>
+            </a:extLst>
+          </p:cNvPr>
           <p:cNvSpPr>
             <a:spLocks noGrp="1"/>
           </p:cNvSpPr>
@@ -832,9 +819,9 @@
           <a:bodyPr/>
           <a:lstStyle/>
           <a:p>
-            <a:fld id="{DEB04459-77A1-459B-84E6-AB5CF6BAEB25}" type="datetimeFigureOut">
+            <a:fld id="{8AC93597-FD44-4047-B60D-64BFDFC9AB07}" type="datetime1">
               <a:rPr lang="ko-KR" altLang="en-US" smtClean="0"/>
-              <a:t>2022-04-04</a:t>
+              <a:t>2022-06-15</a:t>
             </a:fld>
             <a:endParaRPr lang="ko-KR" altLang="en-US"/>
           </a:p>
@@ -842,7 +829,13 @@
       </p:sp>
       <p:sp>
         <p:nvSpPr>
-          <p:cNvPr id="5" name="바닥글 개체 틀 4"/>
+          <p:cNvPr id="5" name="바닥글 개체 틀 4">
+            <a:extLst>
+              <a:ext uri="{FF2B5EF4-FFF2-40B4-BE49-F238E27FC236}">
+                <a16:creationId xmlns:a16="http://schemas.microsoft.com/office/drawing/2014/main" id="{8DBDD26E-73E8-4E4A-ACA0-53BA1E1556A9}"/>
+              </a:ext>
+            </a:extLst>
+          </p:cNvPr>
           <p:cNvSpPr>
             <a:spLocks noGrp="1"/>
           </p:cNvSpPr>
@@ -861,7 +854,13 @@
       </p:sp>
       <p:sp>
         <p:nvSpPr>
-          <p:cNvPr id="6" name="슬라이드 번호 개체 틀 5"/>
+          <p:cNvPr id="6" name="슬라이드 번호 개체 틀 5">
+            <a:extLst>
+              <a:ext uri="{FF2B5EF4-FFF2-40B4-BE49-F238E27FC236}">
+                <a16:creationId xmlns:a16="http://schemas.microsoft.com/office/drawing/2014/main" id="{92EDCD88-7C15-4803-A2CD-2FDC073E786D}"/>
+              </a:ext>
+            </a:extLst>
+          </p:cNvPr>
           <p:cNvSpPr>
             <a:spLocks noGrp="1"/>
           </p:cNvSpPr>
@@ -874,7 +873,7 @@
           <a:bodyPr/>
           <a:lstStyle/>
           <a:p>
-            <a:fld id="{25B3C12B-D75D-4C66-B5B8-0CB552AAA939}" type="slidenum">
+            <a:fld id="{A7C62C25-B5F5-4B62-AB91-5480B186A043}" type="slidenum">
               <a:rPr lang="ko-KR" altLang="en-US" smtClean="0"/>
               <a:t>‹#›</a:t>
             </a:fld>
@@ -885,7 +884,7 @@
     </p:spTree>
     <p:extLst>
       <p:ext uri="{BB962C8B-B14F-4D97-AF65-F5344CB8AC3E}">
-        <p14:creationId xmlns:p14="http://schemas.microsoft.com/office/powerpoint/2010/main" val="903657167"/>
+        <p14:creationId xmlns:p14="http://schemas.microsoft.com/office/powerpoint/2010/main" val="4106402321"/>
       </p:ext>
     </p:extLst>
   </p:cSld>
@@ -914,7 +913,13 @@
       </p:grpSpPr>
       <p:sp>
         <p:nvSpPr>
-          <p:cNvPr id="2" name="세로 제목 1"/>
+          <p:cNvPr id="2" name="세로 제목 1">
+            <a:extLst>
+              <a:ext uri="{FF2B5EF4-FFF2-40B4-BE49-F238E27FC236}">
+                <a16:creationId xmlns:a16="http://schemas.microsoft.com/office/drawing/2014/main" id="{37004517-0A2C-4F47-AE7B-CC96E7A52D21}"/>
+              </a:ext>
+            </a:extLst>
+          </p:cNvPr>
           <p:cNvSpPr>
             <a:spLocks noGrp="1"/>
           </p:cNvSpPr>
@@ -924,8 +929,8 @@
         </p:nvSpPr>
         <p:spPr>
           <a:xfrm>
-            <a:off x="7752718" y="302807"/>
-            <a:ext cx="2406015" cy="6451578"/>
+            <a:off x="8724900" y="365125"/>
+            <a:ext cx="2628900" cy="5811838"/>
           </a:xfrm>
         </p:spPr>
         <p:txBody>
@@ -941,7 +946,13 @@
       </p:sp>
       <p:sp>
         <p:nvSpPr>
-          <p:cNvPr id="3" name="세로 텍스트 개체 틀 2"/>
+          <p:cNvPr id="3" name="세로 텍스트 개체 틀 2">
+            <a:extLst>
+              <a:ext uri="{FF2B5EF4-FFF2-40B4-BE49-F238E27FC236}">
+                <a16:creationId xmlns:a16="http://schemas.microsoft.com/office/drawing/2014/main" id="{77194869-D53B-407A-ABD9-2DB87F36C3F6}"/>
+              </a:ext>
+            </a:extLst>
+          </p:cNvPr>
           <p:cNvSpPr>
             <a:spLocks noGrp="1"/>
           </p:cNvSpPr>
@@ -951,8 +962,8 @@
         </p:nvSpPr>
         <p:spPr>
           <a:xfrm>
-            <a:off x="534672" y="302807"/>
-            <a:ext cx="7039821" cy="6451578"/>
+            <a:off x="838200" y="365125"/>
+            <a:ext cx="7734300" cy="5811838"/>
           </a:xfrm>
         </p:spPr>
         <p:txBody>
@@ -962,42 +973,48 @@
             <a:pPr lvl="0"/>
             <a:r>
               <a:rPr lang="ko-KR" altLang="en-US"/>
-              <a:t>마스터 텍스트 스타일을 편집합니다</a:t>
+              <a:t>마스터 텍스트 스타일을 편집하려면 클릭</a:t>
             </a:r>
           </a:p>
           <a:p>
             <a:pPr lvl="1"/>
             <a:r>
               <a:rPr lang="ko-KR" altLang="en-US"/>
-              <a:t>둘째 수준</a:t>
+              <a:t>두 번째 수준</a:t>
             </a:r>
           </a:p>
           <a:p>
             <a:pPr lvl="2"/>
             <a:r>
               <a:rPr lang="ko-KR" altLang="en-US"/>
-              <a:t>셋째 수준</a:t>
+              <a:t>세 번째 수준</a:t>
             </a:r>
           </a:p>
           <a:p>
             <a:pPr lvl="3"/>
             <a:r>
               <a:rPr lang="ko-KR" altLang="en-US"/>
-              <a:t>넷째 수준</a:t>
+              <a:t>네 번째 수준</a:t>
             </a:r>
           </a:p>
           <a:p>
             <a:pPr lvl="4"/>
             <a:r>
               <a:rPr lang="ko-KR" altLang="en-US"/>
-              <a:t>다섯째 수준</a:t>
-            </a:r>
-          </a:p>
-        </p:txBody>
-      </p:sp>
-      <p:sp>
-        <p:nvSpPr>
-          <p:cNvPr id="4" name="날짜 개체 틀 3"/>
+              <a:t>다섯 번째 수준</a:t>
+            </a:r>
+          </a:p>
+        </p:txBody>
+      </p:sp>
+      <p:sp>
+        <p:nvSpPr>
+          <p:cNvPr id="4" name="날짜 개체 틀 3">
+            <a:extLst>
+              <a:ext uri="{FF2B5EF4-FFF2-40B4-BE49-F238E27FC236}">
+                <a16:creationId xmlns:a16="http://schemas.microsoft.com/office/drawing/2014/main" id="{9F5BBFFE-E8A1-426A-BE8C-61DEDB4BEE56}"/>
+              </a:ext>
+            </a:extLst>
+          </p:cNvPr>
           <p:cNvSpPr>
             <a:spLocks noGrp="1"/>
           </p:cNvSpPr>
@@ -1010,9 +1027,9 @@
           <a:bodyPr/>
           <a:lstStyle/>
           <a:p>
-            <a:fld id="{DEB04459-77A1-459B-84E6-AB5CF6BAEB25}" type="datetimeFigureOut">
+            <a:fld id="{D8E00E24-022F-4624-AA34-8D2AEF725D1C}" type="datetime1">
               <a:rPr lang="ko-KR" altLang="en-US" smtClean="0"/>
-              <a:t>2022-04-04</a:t>
+              <a:t>2022-06-15</a:t>
             </a:fld>
             <a:endParaRPr lang="ko-KR" altLang="en-US"/>
           </a:p>
@@ -1020,7 +1037,13 @@
       </p:sp>
       <p:sp>
         <p:nvSpPr>
-          <p:cNvPr id="5" name="바닥글 개체 틀 4"/>
+          <p:cNvPr id="5" name="바닥글 개체 틀 4">
+            <a:extLst>
+              <a:ext uri="{FF2B5EF4-FFF2-40B4-BE49-F238E27FC236}">
+                <a16:creationId xmlns:a16="http://schemas.microsoft.com/office/drawing/2014/main" id="{291029B6-0196-4780-9984-1F4D5138A249}"/>
+              </a:ext>
+            </a:extLst>
+          </p:cNvPr>
           <p:cNvSpPr>
             <a:spLocks noGrp="1"/>
           </p:cNvSpPr>
@@ -1039,7 +1062,13 @@
       </p:sp>
       <p:sp>
         <p:nvSpPr>
-          <p:cNvPr id="6" name="슬라이드 번호 개체 틀 5"/>
+          <p:cNvPr id="6" name="슬라이드 번호 개체 틀 5">
+            <a:extLst>
+              <a:ext uri="{FF2B5EF4-FFF2-40B4-BE49-F238E27FC236}">
+                <a16:creationId xmlns:a16="http://schemas.microsoft.com/office/drawing/2014/main" id="{72C71F74-65C7-4933-BA68-910C2D365F06}"/>
+              </a:ext>
+            </a:extLst>
+          </p:cNvPr>
           <p:cNvSpPr>
             <a:spLocks noGrp="1"/>
           </p:cNvSpPr>
@@ -1052,7 +1081,7 @@
           <a:bodyPr/>
           <a:lstStyle/>
           <a:p>
-            <a:fld id="{25B3C12B-D75D-4C66-B5B8-0CB552AAA939}" type="slidenum">
+            <a:fld id="{A7C62C25-B5F5-4B62-AB91-5480B186A043}" type="slidenum">
               <a:rPr lang="ko-KR" altLang="en-US" smtClean="0"/>
               <a:t>‹#›</a:t>
             </a:fld>
@@ -1063,7 +1092,7 @@
     </p:spTree>
     <p:extLst>
       <p:ext uri="{BB962C8B-B14F-4D97-AF65-F5344CB8AC3E}">
-        <p14:creationId xmlns:p14="http://schemas.microsoft.com/office/powerpoint/2010/main" val="296473275"/>
+        <p14:creationId xmlns:p14="http://schemas.microsoft.com/office/powerpoint/2010/main" val="17826210"/>
       </p:ext>
     </p:extLst>
   </p:cSld>
@@ -1092,7 +1121,13 @@
       </p:grpSpPr>
       <p:sp>
         <p:nvSpPr>
-          <p:cNvPr id="2" name="제목 1"/>
+          <p:cNvPr id="2" name="제목 1">
+            <a:extLst>
+              <a:ext uri="{FF2B5EF4-FFF2-40B4-BE49-F238E27FC236}">
+                <a16:creationId xmlns:a16="http://schemas.microsoft.com/office/drawing/2014/main" id="{CA7F8D9C-3FE1-4190-84B3-6B37F5FDAB9D}"/>
+              </a:ext>
+            </a:extLst>
+          </p:cNvPr>
           <p:cNvSpPr>
             <a:spLocks noGrp="1"/>
           </p:cNvSpPr>
@@ -1114,7 +1149,13 @@
       </p:sp>
       <p:sp>
         <p:nvSpPr>
-          <p:cNvPr id="3" name="내용 개체 틀 2"/>
+          <p:cNvPr id="3" name="내용 개체 틀 2">
+            <a:extLst>
+              <a:ext uri="{FF2B5EF4-FFF2-40B4-BE49-F238E27FC236}">
+                <a16:creationId xmlns:a16="http://schemas.microsoft.com/office/drawing/2014/main" id="{ED29D3A8-6542-4470-99BA-C592C67E407D}"/>
+              </a:ext>
+            </a:extLst>
+          </p:cNvPr>
           <p:cNvSpPr>
             <a:spLocks noGrp="1"/>
           </p:cNvSpPr>
@@ -1130,42 +1171,48 @@
             <a:pPr lvl="0"/>
             <a:r>
               <a:rPr lang="ko-KR" altLang="en-US"/>
-              <a:t>마스터 텍스트 스타일을 편집합니다</a:t>
+              <a:t>마스터 텍스트 스타일을 편집하려면 클릭</a:t>
             </a:r>
           </a:p>
           <a:p>
             <a:pPr lvl="1"/>
             <a:r>
               <a:rPr lang="ko-KR" altLang="en-US"/>
-              <a:t>둘째 수준</a:t>
+              <a:t>두 번째 수준</a:t>
             </a:r>
           </a:p>
           <a:p>
             <a:pPr lvl="2"/>
             <a:r>
               <a:rPr lang="ko-KR" altLang="en-US"/>
-              <a:t>셋째 수준</a:t>
+              <a:t>세 번째 수준</a:t>
             </a:r>
           </a:p>
           <a:p>
             <a:pPr lvl="3"/>
             <a:r>
               <a:rPr lang="ko-KR" altLang="en-US"/>
-              <a:t>넷째 수준</a:t>
+              <a:t>네 번째 수준</a:t>
             </a:r>
           </a:p>
           <a:p>
             <a:pPr lvl="4"/>
             <a:r>
               <a:rPr lang="ko-KR" altLang="en-US"/>
-              <a:t>다섯째 수준</a:t>
-            </a:r>
-          </a:p>
-        </p:txBody>
-      </p:sp>
-      <p:sp>
-        <p:nvSpPr>
-          <p:cNvPr id="4" name="날짜 개체 틀 3"/>
+              <a:t>다섯 번째 수준</a:t>
+            </a:r>
+          </a:p>
+        </p:txBody>
+      </p:sp>
+      <p:sp>
+        <p:nvSpPr>
+          <p:cNvPr id="4" name="날짜 개체 틀 3">
+            <a:extLst>
+              <a:ext uri="{FF2B5EF4-FFF2-40B4-BE49-F238E27FC236}">
+                <a16:creationId xmlns:a16="http://schemas.microsoft.com/office/drawing/2014/main" id="{EF6D1F08-AA06-445A-9FAC-367CB5869353}"/>
+              </a:ext>
+            </a:extLst>
+          </p:cNvPr>
           <p:cNvSpPr>
             <a:spLocks noGrp="1"/>
           </p:cNvSpPr>
@@ -1178,9 +1225,9 @@
           <a:bodyPr/>
           <a:lstStyle/>
           <a:p>
-            <a:fld id="{DEB04459-77A1-459B-84E6-AB5CF6BAEB25}" type="datetimeFigureOut">
+            <a:fld id="{912C9545-3AFA-49E2-BC82-B75E4BA824F3}" type="datetime1">
               <a:rPr lang="ko-KR" altLang="en-US" smtClean="0"/>
-              <a:t>2022-04-04</a:t>
+              <a:t>2022-06-15</a:t>
             </a:fld>
             <a:endParaRPr lang="ko-KR" altLang="en-US"/>
           </a:p>
@@ -1188,7 +1235,13 @@
       </p:sp>
       <p:sp>
         <p:nvSpPr>
-          <p:cNvPr id="5" name="바닥글 개체 틀 4"/>
+          <p:cNvPr id="5" name="바닥글 개체 틀 4">
+            <a:extLst>
+              <a:ext uri="{FF2B5EF4-FFF2-40B4-BE49-F238E27FC236}">
+                <a16:creationId xmlns:a16="http://schemas.microsoft.com/office/drawing/2014/main" id="{B65397B1-02B8-416B-A1A4-E7A09DB9C28D}"/>
+              </a:ext>
+            </a:extLst>
+          </p:cNvPr>
           <p:cNvSpPr>
             <a:spLocks noGrp="1"/>
           </p:cNvSpPr>
@@ -1207,7 +1260,13 @@
       </p:sp>
       <p:sp>
         <p:nvSpPr>
-          <p:cNvPr id="6" name="슬라이드 번호 개체 틀 5"/>
+          <p:cNvPr id="6" name="슬라이드 번호 개체 틀 5">
+            <a:extLst>
+              <a:ext uri="{FF2B5EF4-FFF2-40B4-BE49-F238E27FC236}">
+                <a16:creationId xmlns:a16="http://schemas.microsoft.com/office/drawing/2014/main" id="{A0A7CB5A-846B-416B-B85F-5B2818CB1058}"/>
+              </a:ext>
+            </a:extLst>
+          </p:cNvPr>
           <p:cNvSpPr>
             <a:spLocks noGrp="1"/>
           </p:cNvSpPr>
@@ -1220,7 +1279,7 @@
           <a:bodyPr/>
           <a:lstStyle/>
           <a:p>
-            <a:fld id="{25B3C12B-D75D-4C66-B5B8-0CB552AAA939}" type="slidenum">
+            <a:fld id="{A7C62C25-B5F5-4B62-AB91-5480B186A043}" type="slidenum">
               <a:rPr lang="ko-KR" altLang="en-US" smtClean="0"/>
               <a:t>‹#›</a:t>
             </a:fld>
@@ -1231,7 +1290,7 @@
     </p:spTree>
     <p:extLst>
       <p:ext uri="{BB962C8B-B14F-4D97-AF65-F5344CB8AC3E}">
-        <p14:creationId xmlns:p14="http://schemas.microsoft.com/office/powerpoint/2010/main" val="264924792"/>
+        <p14:creationId xmlns:p14="http://schemas.microsoft.com/office/powerpoint/2010/main" val="3983429987"/>
       </p:ext>
     </p:extLst>
   </p:cSld>
@@ -1260,7 +1319,13 @@
       </p:grpSpPr>
       <p:sp>
         <p:nvSpPr>
-          <p:cNvPr id="2" name="제목 1"/>
+          <p:cNvPr id="2" name="제목 1">
+            <a:extLst>
+              <a:ext uri="{FF2B5EF4-FFF2-40B4-BE49-F238E27FC236}">
+                <a16:creationId xmlns:a16="http://schemas.microsoft.com/office/drawing/2014/main" id="{8C40B242-1C33-4516-904B-42E7787A6437}"/>
+              </a:ext>
+            </a:extLst>
+          </p:cNvPr>
           <p:cNvSpPr>
             <a:spLocks noGrp="1"/>
           </p:cNvSpPr>
@@ -1270,15 +1335,15 @@
         </p:nvSpPr>
         <p:spPr>
           <a:xfrm>
-            <a:off x="844705" y="4858825"/>
-            <a:ext cx="9089390" cy="1501751"/>
-          </a:xfrm>
-        </p:spPr>
-        <p:txBody>
-          <a:bodyPr anchor="t"/>
+            <a:off x="831850" y="1709738"/>
+            <a:ext cx="10515600" cy="2852737"/>
+          </a:xfrm>
+        </p:spPr>
+        <p:txBody>
+          <a:bodyPr anchor="b"/>
           <a:lstStyle>
-            <a:lvl1pPr algn="l">
-              <a:defRPr sz="4300" b="1" cap="all"/>
+            <a:lvl1pPr>
+              <a:defRPr sz="6000"/>
             </a:lvl1pPr>
           </a:lstStyle>
           <a:p>
@@ -1291,7 +1356,13 @@
       </p:sp>
       <p:sp>
         <p:nvSpPr>
-          <p:cNvPr id="3" name="텍스트 개체 틀 2"/>
+          <p:cNvPr id="3" name="텍스트 개체 틀 2">
+            <a:extLst>
+              <a:ext uri="{FF2B5EF4-FFF2-40B4-BE49-F238E27FC236}">
+                <a16:creationId xmlns:a16="http://schemas.microsoft.com/office/drawing/2014/main" id="{B6B3F9D9-3857-4616-9467-0345D1AB9073}"/>
+              </a:ext>
+            </a:extLst>
+          </p:cNvPr>
           <p:cNvSpPr>
             <a:spLocks noGrp="1"/>
           </p:cNvSpPr>
@@ -1301,16 +1372,16 @@
         </p:nvSpPr>
         <p:spPr>
           <a:xfrm>
-            <a:off x="844705" y="3204786"/>
-            <a:ext cx="9089390" cy="1654026"/>
-          </a:xfrm>
-        </p:spPr>
-        <p:txBody>
-          <a:bodyPr anchor="b"/>
+            <a:off x="831850" y="4589463"/>
+            <a:ext cx="10515600" cy="1500187"/>
+          </a:xfrm>
+        </p:spPr>
+        <p:txBody>
+          <a:bodyPr/>
           <a:lstStyle>
             <a:lvl1pPr marL="0" indent="0">
               <a:buNone/>
-              <a:defRPr sz="2100">
+              <a:defRPr sz="2400">
                 <a:solidFill>
                   <a:schemeClr val="tx1">
                     <a:tint val="75000"/>
@@ -1318,9 +1389,9 @@
                 </a:solidFill>
               </a:defRPr>
             </a:lvl1pPr>
-            <a:lvl2pPr marL="490865" indent="0">
-              <a:buNone/>
-              <a:defRPr sz="1900">
+            <a:lvl2pPr marL="457200" indent="0">
+              <a:buNone/>
+              <a:defRPr sz="2000">
                 <a:solidFill>
                   <a:schemeClr val="tx1">
                     <a:tint val="75000"/>
@@ -1328,9 +1399,9 @@
                 </a:solidFill>
               </a:defRPr>
             </a:lvl2pPr>
-            <a:lvl3pPr marL="981730" indent="0">
-              <a:buNone/>
-              <a:defRPr sz="1700">
+            <a:lvl3pPr marL="914400" indent="0">
+              <a:buNone/>
+              <a:defRPr sz="1800">
                 <a:solidFill>
                   <a:schemeClr val="tx1">
                     <a:tint val="75000"/>
@@ -1338,9 +1409,9 @@
                 </a:solidFill>
               </a:defRPr>
             </a:lvl3pPr>
-            <a:lvl4pPr marL="1472596" indent="0">
-              <a:buNone/>
-              <a:defRPr sz="1500">
+            <a:lvl4pPr marL="1371600" indent="0">
+              <a:buNone/>
+              <a:defRPr sz="1600">
                 <a:solidFill>
                   <a:schemeClr val="tx1">
                     <a:tint val="75000"/>
@@ -1348,9 +1419,9 @@
                 </a:solidFill>
               </a:defRPr>
             </a:lvl4pPr>
-            <a:lvl5pPr marL="1963460" indent="0">
-              <a:buNone/>
-              <a:defRPr sz="1500">
+            <a:lvl5pPr marL="1828800" indent="0">
+              <a:buNone/>
+              <a:defRPr sz="1600">
                 <a:solidFill>
                   <a:schemeClr val="tx1">
                     <a:tint val="75000"/>
@@ -1358,9 +1429,9 @@
                 </a:solidFill>
               </a:defRPr>
             </a:lvl5pPr>
-            <a:lvl6pPr marL="2454327" indent="0">
-              <a:buNone/>
-              <a:defRPr sz="1500">
+            <a:lvl6pPr marL="2286000" indent="0">
+              <a:buNone/>
+              <a:defRPr sz="1600">
                 <a:solidFill>
                   <a:schemeClr val="tx1">
                     <a:tint val="75000"/>
@@ -1368,9 +1439,9 @@
                 </a:solidFill>
               </a:defRPr>
             </a:lvl6pPr>
-            <a:lvl7pPr marL="2945191" indent="0">
-              <a:buNone/>
-              <a:defRPr sz="1500">
+            <a:lvl7pPr marL="2743200" indent="0">
+              <a:buNone/>
+              <a:defRPr sz="1600">
                 <a:solidFill>
                   <a:schemeClr val="tx1">
                     <a:tint val="75000"/>
@@ -1378,9 +1449,9 @@
                 </a:solidFill>
               </a:defRPr>
             </a:lvl7pPr>
-            <a:lvl8pPr marL="3436058" indent="0">
-              <a:buNone/>
-              <a:defRPr sz="1500">
+            <a:lvl8pPr marL="3200400" indent="0">
+              <a:buNone/>
+              <a:defRPr sz="1600">
                 <a:solidFill>
                   <a:schemeClr val="tx1">
                     <a:tint val="75000"/>
@@ -1388,9 +1459,9 @@
                 </a:solidFill>
               </a:defRPr>
             </a:lvl8pPr>
-            <a:lvl9pPr marL="3926923" indent="0">
-              <a:buNone/>
-              <a:defRPr sz="1500">
+            <a:lvl9pPr marL="3657600" indent="0">
+              <a:buNone/>
+              <a:defRPr sz="1600">
                 <a:solidFill>
                   <a:schemeClr val="tx1">
                     <a:tint val="75000"/>
@@ -1403,14 +1474,20 @@
             <a:pPr lvl="0"/>
             <a:r>
               <a:rPr lang="ko-KR" altLang="en-US"/>
-              <a:t>마스터 텍스트 스타일을 편집합니다</a:t>
-            </a:r>
-          </a:p>
-        </p:txBody>
-      </p:sp>
-      <p:sp>
-        <p:nvSpPr>
-          <p:cNvPr id="4" name="날짜 개체 틀 3"/>
+              <a:t>마스터 텍스트 스타일을 편집하려면 클릭</a:t>
+            </a:r>
+          </a:p>
+        </p:txBody>
+      </p:sp>
+      <p:sp>
+        <p:nvSpPr>
+          <p:cNvPr id="4" name="날짜 개체 틀 3">
+            <a:extLst>
+              <a:ext uri="{FF2B5EF4-FFF2-40B4-BE49-F238E27FC236}">
+                <a16:creationId xmlns:a16="http://schemas.microsoft.com/office/drawing/2014/main" id="{02A310D7-EB4B-46DE-8D20-9CF7E37E36F8}"/>
+              </a:ext>
+            </a:extLst>
+          </p:cNvPr>
           <p:cNvSpPr>
             <a:spLocks noGrp="1"/>
           </p:cNvSpPr>
@@ -1423,9 +1500,9 @@
           <a:bodyPr/>
           <a:lstStyle/>
           <a:p>
-            <a:fld id="{DEB04459-77A1-459B-84E6-AB5CF6BAEB25}" type="datetimeFigureOut">
+            <a:fld id="{EC8CC216-051A-4DD0-A620-105A76326424}" type="datetime1">
               <a:rPr lang="ko-KR" altLang="en-US" smtClean="0"/>
-              <a:t>2022-04-04</a:t>
+              <a:t>2022-06-15</a:t>
             </a:fld>
             <a:endParaRPr lang="ko-KR" altLang="en-US"/>
           </a:p>
@@ -1433,7 +1510,13 @@
       </p:sp>
       <p:sp>
         <p:nvSpPr>
-          <p:cNvPr id="5" name="바닥글 개체 틀 4"/>
+          <p:cNvPr id="5" name="바닥글 개체 틀 4">
+            <a:extLst>
+              <a:ext uri="{FF2B5EF4-FFF2-40B4-BE49-F238E27FC236}">
+                <a16:creationId xmlns:a16="http://schemas.microsoft.com/office/drawing/2014/main" id="{96316A24-1B5A-4DDC-AE3A-51C338523C6B}"/>
+              </a:ext>
+            </a:extLst>
+          </p:cNvPr>
           <p:cNvSpPr>
             <a:spLocks noGrp="1"/>
           </p:cNvSpPr>
@@ -1452,7 +1535,13 @@
       </p:sp>
       <p:sp>
         <p:nvSpPr>
-          <p:cNvPr id="6" name="슬라이드 번호 개체 틀 5"/>
+          <p:cNvPr id="6" name="슬라이드 번호 개체 틀 5">
+            <a:extLst>
+              <a:ext uri="{FF2B5EF4-FFF2-40B4-BE49-F238E27FC236}">
+                <a16:creationId xmlns:a16="http://schemas.microsoft.com/office/drawing/2014/main" id="{D487488D-BFF1-4D6B-8AAB-CDD76B47BF1A}"/>
+              </a:ext>
+            </a:extLst>
+          </p:cNvPr>
           <p:cNvSpPr>
             <a:spLocks noGrp="1"/>
           </p:cNvSpPr>
@@ -1465,7 +1554,7 @@
           <a:bodyPr/>
           <a:lstStyle/>
           <a:p>
-            <a:fld id="{25B3C12B-D75D-4C66-B5B8-0CB552AAA939}" type="slidenum">
+            <a:fld id="{A7C62C25-B5F5-4B62-AB91-5480B186A043}" type="slidenum">
               <a:rPr lang="ko-KR" altLang="en-US" smtClean="0"/>
               <a:t>‹#›</a:t>
             </a:fld>
@@ -1476,7 +1565,7 @@
     </p:spTree>
     <p:extLst>
       <p:ext uri="{BB962C8B-B14F-4D97-AF65-F5344CB8AC3E}">
-        <p14:creationId xmlns:p14="http://schemas.microsoft.com/office/powerpoint/2010/main" val="288829441"/>
+        <p14:creationId xmlns:p14="http://schemas.microsoft.com/office/powerpoint/2010/main" val="2931150371"/>
       </p:ext>
     </p:extLst>
   </p:cSld>
@@ -1505,7 +1594,13 @@
       </p:grpSpPr>
       <p:sp>
         <p:nvSpPr>
-          <p:cNvPr id="2" name="제목 1"/>
+          <p:cNvPr id="2" name="제목 1">
+            <a:extLst>
+              <a:ext uri="{FF2B5EF4-FFF2-40B4-BE49-F238E27FC236}">
+                <a16:creationId xmlns:a16="http://schemas.microsoft.com/office/drawing/2014/main" id="{725230BA-74D9-4377-B573-B99728E26222}"/>
+              </a:ext>
+            </a:extLst>
+          </p:cNvPr>
           <p:cNvSpPr>
             <a:spLocks noGrp="1"/>
           </p:cNvSpPr>
@@ -1527,7 +1622,13 @@
       </p:sp>
       <p:sp>
         <p:nvSpPr>
-          <p:cNvPr id="3" name="내용 개체 틀 2"/>
+          <p:cNvPr id="3" name="내용 개체 틀 2">
+            <a:extLst>
+              <a:ext uri="{FF2B5EF4-FFF2-40B4-BE49-F238E27FC236}">
+                <a16:creationId xmlns:a16="http://schemas.microsoft.com/office/drawing/2014/main" id="{716EF2FF-D3A8-4092-B740-BC7B0800F146}"/>
+              </a:ext>
+            </a:extLst>
+          </p:cNvPr>
           <p:cNvSpPr>
             <a:spLocks noGrp="1"/>
           </p:cNvSpPr>
@@ -1537,81 +1638,59 @@
         </p:nvSpPr>
         <p:spPr>
           <a:xfrm>
-            <a:off x="534671" y="1764303"/>
-            <a:ext cx="4722918" cy="4990084"/>
+            <a:off x="838200" y="1825625"/>
+            <a:ext cx="5181600" cy="4351338"/>
           </a:xfrm>
         </p:spPr>
         <p:txBody>
           <a:bodyPr/>
-          <a:lstStyle>
-            <a:lvl1pPr>
-              <a:defRPr sz="3000"/>
-            </a:lvl1pPr>
-            <a:lvl2pPr>
-              <a:defRPr sz="2600"/>
-            </a:lvl2pPr>
-            <a:lvl3pPr>
-              <a:defRPr sz="2100"/>
-            </a:lvl3pPr>
-            <a:lvl4pPr>
-              <a:defRPr sz="1900"/>
-            </a:lvl4pPr>
-            <a:lvl5pPr>
-              <a:defRPr sz="1900"/>
-            </a:lvl5pPr>
-            <a:lvl6pPr>
-              <a:defRPr sz="1900"/>
-            </a:lvl6pPr>
-            <a:lvl7pPr>
-              <a:defRPr sz="1900"/>
-            </a:lvl7pPr>
-            <a:lvl8pPr>
-              <a:defRPr sz="1900"/>
-            </a:lvl8pPr>
-            <a:lvl9pPr>
-              <a:defRPr sz="1900"/>
-            </a:lvl9pPr>
-          </a:lstStyle>
+          <a:lstStyle/>
           <a:p>
             <a:pPr lvl="0"/>
             <a:r>
               <a:rPr lang="ko-KR" altLang="en-US"/>
-              <a:t>마스터 텍스트 스타일을 편집합니다</a:t>
+              <a:t>마스터 텍스트 스타일을 편집하려면 클릭</a:t>
             </a:r>
           </a:p>
           <a:p>
             <a:pPr lvl="1"/>
             <a:r>
               <a:rPr lang="ko-KR" altLang="en-US"/>
-              <a:t>둘째 수준</a:t>
+              <a:t>두 번째 수준</a:t>
             </a:r>
           </a:p>
           <a:p>
             <a:pPr lvl="2"/>
             <a:r>
               <a:rPr lang="ko-KR" altLang="en-US"/>
-              <a:t>셋째 수준</a:t>
+              <a:t>세 번째 수준</a:t>
             </a:r>
           </a:p>
           <a:p>
             <a:pPr lvl="3"/>
             <a:r>
               <a:rPr lang="ko-KR" altLang="en-US"/>
-              <a:t>넷째 수준</a:t>
+              <a:t>네 번째 수준</a:t>
             </a:r>
           </a:p>
           <a:p>
             <a:pPr lvl="4"/>
             <a:r>
               <a:rPr lang="ko-KR" altLang="en-US"/>
-              <a:t>다섯째 수준</a:t>
-            </a:r>
-          </a:p>
-        </p:txBody>
-      </p:sp>
-      <p:sp>
-        <p:nvSpPr>
-          <p:cNvPr id="4" name="내용 개체 틀 3"/>
+              <a:t>다섯 번째 수준</a:t>
+            </a:r>
+          </a:p>
+        </p:txBody>
+      </p:sp>
+      <p:sp>
+        <p:nvSpPr>
+          <p:cNvPr id="4" name="내용 개체 틀 3">
+            <a:extLst>
+              <a:ext uri="{FF2B5EF4-FFF2-40B4-BE49-F238E27FC236}">
+                <a16:creationId xmlns:a16="http://schemas.microsoft.com/office/drawing/2014/main" id="{3EFBA432-ED59-4B88-BF40-D1FD1C22C211}"/>
+              </a:ext>
+            </a:extLst>
+          </p:cNvPr>
           <p:cNvSpPr>
             <a:spLocks noGrp="1"/>
           </p:cNvSpPr>
@@ -1621,81 +1700,59 @@
         </p:nvSpPr>
         <p:spPr>
           <a:xfrm>
-            <a:off x="5435811" y="1764303"/>
-            <a:ext cx="4722918" cy="4990084"/>
+            <a:off x="6172200" y="1825625"/>
+            <a:ext cx="5181600" cy="4351338"/>
           </a:xfrm>
         </p:spPr>
         <p:txBody>
           <a:bodyPr/>
-          <a:lstStyle>
-            <a:lvl1pPr>
-              <a:defRPr sz="3000"/>
-            </a:lvl1pPr>
-            <a:lvl2pPr>
-              <a:defRPr sz="2600"/>
-            </a:lvl2pPr>
-            <a:lvl3pPr>
-              <a:defRPr sz="2100"/>
-            </a:lvl3pPr>
-            <a:lvl4pPr>
-              <a:defRPr sz="1900"/>
-            </a:lvl4pPr>
-            <a:lvl5pPr>
-              <a:defRPr sz="1900"/>
-            </a:lvl5pPr>
-            <a:lvl6pPr>
-              <a:defRPr sz="1900"/>
-            </a:lvl6pPr>
-            <a:lvl7pPr>
-              <a:defRPr sz="1900"/>
-            </a:lvl7pPr>
-            <a:lvl8pPr>
-              <a:defRPr sz="1900"/>
-            </a:lvl8pPr>
-            <a:lvl9pPr>
-              <a:defRPr sz="1900"/>
-            </a:lvl9pPr>
-          </a:lstStyle>
+          <a:lstStyle/>
           <a:p>
             <a:pPr lvl="0"/>
             <a:r>
               <a:rPr lang="ko-KR" altLang="en-US"/>
-              <a:t>마스터 텍스트 스타일을 편집합니다</a:t>
+              <a:t>마스터 텍스트 스타일을 편집하려면 클릭</a:t>
             </a:r>
           </a:p>
           <a:p>
             <a:pPr lvl="1"/>
             <a:r>
               <a:rPr lang="ko-KR" altLang="en-US"/>
-              <a:t>둘째 수준</a:t>
+              <a:t>두 번째 수준</a:t>
             </a:r>
           </a:p>
           <a:p>
             <a:pPr lvl="2"/>
             <a:r>
               <a:rPr lang="ko-KR" altLang="en-US"/>
-              <a:t>셋째 수준</a:t>
+              <a:t>세 번째 수준</a:t>
             </a:r>
           </a:p>
           <a:p>
             <a:pPr lvl="3"/>
             <a:r>
               <a:rPr lang="ko-KR" altLang="en-US"/>
-              <a:t>넷째 수준</a:t>
+              <a:t>네 번째 수준</a:t>
             </a:r>
           </a:p>
           <a:p>
             <a:pPr lvl="4"/>
             <a:r>
               <a:rPr lang="ko-KR" altLang="en-US"/>
-              <a:t>다섯째 수준</a:t>
-            </a:r>
-          </a:p>
-        </p:txBody>
-      </p:sp>
-      <p:sp>
-        <p:nvSpPr>
-          <p:cNvPr id="5" name="날짜 개체 틀 4"/>
+              <a:t>다섯 번째 수준</a:t>
+            </a:r>
+          </a:p>
+        </p:txBody>
+      </p:sp>
+      <p:sp>
+        <p:nvSpPr>
+          <p:cNvPr id="5" name="날짜 개체 틀 4">
+            <a:extLst>
+              <a:ext uri="{FF2B5EF4-FFF2-40B4-BE49-F238E27FC236}">
+                <a16:creationId xmlns:a16="http://schemas.microsoft.com/office/drawing/2014/main" id="{1E8B5CA5-7303-4679-97AE-FC6F174DAED2}"/>
+              </a:ext>
+            </a:extLst>
+          </p:cNvPr>
           <p:cNvSpPr>
             <a:spLocks noGrp="1"/>
           </p:cNvSpPr>
@@ -1708,9 +1765,9 @@
           <a:bodyPr/>
           <a:lstStyle/>
           <a:p>
-            <a:fld id="{DEB04459-77A1-459B-84E6-AB5CF6BAEB25}" type="datetimeFigureOut">
+            <a:fld id="{1512F9A8-1B10-4C2A-942C-2744240A590B}" type="datetime1">
               <a:rPr lang="ko-KR" altLang="en-US" smtClean="0"/>
-              <a:t>2022-04-04</a:t>
+              <a:t>2022-06-15</a:t>
             </a:fld>
             <a:endParaRPr lang="ko-KR" altLang="en-US"/>
           </a:p>
@@ -1718,7 +1775,13 @@
       </p:sp>
       <p:sp>
         <p:nvSpPr>
-          <p:cNvPr id="6" name="바닥글 개체 틀 5"/>
+          <p:cNvPr id="6" name="바닥글 개체 틀 5">
+            <a:extLst>
+              <a:ext uri="{FF2B5EF4-FFF2-40B4-BE49-F238E27FC236}">
+                <a16:creationId xmlns:a16="http://schemas.microsoft.com/office/drawing/2014/main" id="{51AE38C9-84C1-4533-A75D-78D7B8034363}"/>
+              </a:ext>
+            </a:extLst>
+          </p:cNvPr>
           <p:cNvSpPr>
             <a:spLocks noGrp="1"/>
           </p:cNvSpPr>
@@ -1737,7 +1800,13 @@
       </p:sp>
       <p:sp>
         <p:nvSpPr>
-          <p:cNvPr id="7" name="슬라이드 번호 개체 틀 6"/>
+          <p:cNvPr id="7" name="슬라이드 번호 개체 틀 6">
+            <a:extLst>
+              <a:ext uri="{FF2B5EF4-FFF2-40B4-BE49-F238E27FC236}">
+                <a16:creationId xmlns:a16="http://schemas.microsoft.com/office/drawing/2014/main" id="{12E5A4B6-D561-4D39-A359-5C454DEDB45C}"/>
+              </a:ext>
+            </a:extLst>
+          </p:cNvPr>
           <p:cNvSpPr>
             <a:spLocks noGrp="1"/>
           </p:cNvSpPr>
@@ -1750,7 +1819,7 @@
           <a:bodyPr/>
           <a:lstStyle/>
           <a:p>
-            <a:fld id="{25B3C12B-D75D-4C66-B5B8-0CB552AAA939}" type="slidenum">
+            <a:fld id="{A7C62C25-B5F5-4B62-AB91-5480B186A043}" type="slidenum">
               <a:rPr lang="ko-KR" altLang="en-US" smtClean="0"/>
               <a:t>‹#›</a:t>
             </a:fld>
@@ -1761,7 +1830,7 @@
     </p:spTree>
     <p:extLst>
       <p:ext uri="{BB962C8B-B14F-4D97-AF65-F5344CB8AC3E}">
-        <p14:creationId xmlns:p14="http://schemas.microsoft.com/office/powerpoint/2010/main" val="4159602547"/>
+        <p14:creationId xmlns:p14="http://schemas.microsoft.com/office/powerpoint/2010/main" val="4084124143"/>
       </p:ext>
     </p:extLst>
   </p:cSld>
@@ -1790,7 +1859,13 @@
       </p:grpSpPr>
       <p:sp>
         <p:nvSpPr>
-          <p:cNvPr id="2" name="제목 1"/>
+          <p:cNvPr id="2" name="제목 1">
+            <a:extLst>
+              <a:ext uri="{FF2B5EF4-FFF2-40B4-BE49-F238E27FC236}">
+                <a16:creationId xmlns:a16="http://schemas.microsoft.com/office/drawing/2014/main" id="{D216DF96-280C-4DB3-B8B3-39EAEA77F997}"/>
+              </a:ext>
+            </a:extLst>
+          </p:cNvPr>
           <p:cNvSpPr>
             <a:spLocks noGrp="1"/>
           </p:cNvSpPr>
@@ -1798,14 +1873,15 @@
             <p:ph type="title"/>
           </p:nvPr>
         </p:nvSpPr>
-        <p:spPr/>
+        <p:spPr>
+          <a:xfrm>
+            <a:off x="839788" y="365125"/>
+            <a:ext cx="10515600" cy="1325563"/>
+          </a:xfrm>
+        </p:spPr>
         <p:txBody>
           <a:bodyPr/>
-          <a:lstStyle>
-            <a:lvl1pPr>
-              <a:defRPr/>
-            </a:lvl1pPr>
-          </a:lstStyle>
+          <a:lstStyle/>
           <a:p>
             <a:r>
               <a:rPr lang="ko-KR" altLang="en-US"/>
@@ -1816,7 +1892,13 @@
       </p:sp>
       <p:sp>
         <p:nvSpPr>
-          <p:cNvPr id="3" name="텍스트 개체 틀 2"/>
+          <p:cNvPr id="3" name="텍스트 개체 틀 2">
+            <a:extLst>
+              <a:ext uri="{FF2B5EF4-FFF2-40B4-BE49-F238E27FC236}">
+                <a16:creationId xmlns:a16="http://schemas.microsoft.com/office/drawing/2014/main" id="{1E4B9251-DCD1-4EED-BCB6-3C0B4039B0DC}"/>
+              </a:ext>
+            </a:extLst>
+          </p:cNvPr>
           <p:cNvSpPr>
             <a:spLocks noGrp="1"/>
           </p:cNvSpPr>
@@ -1826,8 +1908,8 @@
         </p:nvSpPr>
         <p:spPr>
           <a:xfrm>
-            <a:off x="534675" y="1692539"/>
-            <a:ext cx="4724775" cy="705367"/>
+            <a:off x="839788" y="1681163"/>
+            <a:ext cx="5157787" cy="823912"/>
           </a:xfrm>
         </p:spPr>
         <p:txBody>
@@ -1835,53 +1917,59 @@
           <a:lstStyle>
             <a:lvl1pPr marL="0" indent="0">
               <a:buNone/>
-              <a:defRPr sz="2600" b="1"/>
+              <a:defRPr sz="2400" b="1"/>
             </a:lvl1pPr>
-            <a:lvl2pPr marL="490865" indent="0">
-              <a:buNone/>
-              <a:defRPr sz="2100" b="1"/>
+            <a:lvl2pPr marL="457200" indent="0">
+              <a:buNone/>
+              <a:defRPr sz="2000" b="1"/>
             </a:lvl2pPr>
-            <a:lvl3pPr marL="981730" indent="0">
-              <a:buNone/>
-              <a:defRPr sz="1900" b="1"/>
+            <a:lvl3pPr marL="914400" indent="0">
+              <a:buNone/>
+              <a:defRPr sz="1800" b="1"/>
             </a:lvl3pPr>
-            <a:lvl4pPr marL="1472596" indent="0">
-              <a:buNone/>
-              <a:defRPr sz="1700" b="1"/>
+            <a:lvl4pPr marL="1371600" indent="0">
+              <a:buNone/>
+              <a:defRPr sz="1600" b="1"/>
             </a:lvl4pPr>
-            <a:lvl5pPr marL="1963460" indent="0">
-              <a:buNone/>
-              <a:defRPr sz="1700" b="1"/>
+            <a:lvl5pPr marL="1828800" indent="0">
+              <a:buNone/>
+              <a:defRPr sz="1600" b="1"/>
             </a:lvl5pPr>
-            <a:lvl6pPr marL="2454327" indent="0">
-              <a:buNone/>
-              <a:defRPr sz="1700" b="1"/>
+            <a:lvl6pPr marL="2286000" indent="0">
+              <a:buNone/>
+              <a:defRPr sz="1600" b="1"/>
             </a:lvl6pPr>
-            <a:lvl7pPr marL="2945191" indent="0">
-              <a:buNone/>
-              <a:defRPr sz="1700" b="1"/>
+            <a:lvl7pPr marL="2743200" indent="0">
+              <a:buNone/>
+              <a:defRPr sz="1600" b="1"/>
             </a:lvl7pPr>
-            <a:lvl8pPr marL="3436058" indent="0">
-              <a:buNone/>
-              <a:defRPr sz="1700" b="1"/>
+            <a:lvl8pPr marL="3200400" indent="0">
+              <a:buNone/>
+              <a:defRPr sz="1600" b="1"/>
             </a:lvl8pPr>
-            <a:lvl9pPr marL="3926923" indent="0">
-              <a:buNone/>
-              <a:defRPr sz="1700" b="1"/>
+            <a:lvl9pPr marL="3657600" indent="0">
+              <a:buNone/>
+              <a:defRPr sz="1600" b="1"/>
             </a:lvl9pPr>
           </a:lstStyle>
           <a:p>
             <a:pPr lvl="0"/>
             <a:r>
               <a:rPr lang="ko-KR" altLang="en-US"/>
-              <a:t>마스터 텍스트 스타일을 편집합니다</a:t>
-            </a:r>
-          </a:p>
-        </p:txBody>
-      </p:sp>
-      <p:sp>
-        <p:nvSpPr>
-          <p:cNvPr id="4" name="내용 개체 틀 3"/>
+              <a:t>마스터 텍스트 스타일을 편집하려면 클릭</a:t>
+            </a:r>
+          </a:p>
+        </p:txBody>
+      </p:sp>
+      <p:sp>
+        <p:nvSpPr>
+          <p:cNvPr id="4" name="내용 개체 틀 3">
+            <a:extLst>
+              <a:ext uri="{FF2B5EF4-FFF2-40B4-BE49-F238E27FC236}">
+                <a16:creationId xmlns:a16="http://schemas.microsoft.com/office/drawing/2014/main" id="{CF8E9AE1-0EE0-4261-AF81-27BBC23CDE40}"/>
+              </a:ext>
+            </a:extLst>
+          </p:cNvPr>
           <p:cNvSpPr>
             <a:spLocks noGrp="1"/>
           </p:cNvSpPr>
@@ -1891,81 +1979,59 @@
         </p:nvSpPr>
         <p:spPr>
           <a:xfrm>
-            <a:off x="534675" y="2397901"/>
-            <a:ext cx="4724775" cy="4356478"/>
+            <a:off x="839788" y="2505075"/>
+            <a:ext cx="5157787" cy="3684588"/>
           </a:xfrm>
         </p:spPr>
         <p:txBody>
           <a:bodyPr/>
-          <a:lstStyle>
-            <a:lvl1pPr>
-              <a:defRPr sz="2600"/>
-            </a:lvl1pPr>
-            <a:lvl2pPr>
-              <a:defRPr sz="2100"/>
-            </a:lvl2pPr>
-            <a:lvl3pPr>
-              <a:defRPr sz="1900"/>
-            </a:lvl3pPr>
-            <a:lvl4pPr>
-              <a:defRPr sz="1700"/>
-            </a:lvl4pPr>
-            <a:lvl5pPr>
-              <a:defRPr sz="1700"/>
-            </a:lvl5pPr>
-            <a:lvl6pPr>
-              <a:defRPr sz="1700"/>
-            </a:lvl6pPr>
-            <a:lvl7pPr>
-              <a:defRPr sz="1700"/>
-            </a:lvl7pPr>
-            <a:lvl8pPr>
-              <a:defRPr sz="1700"/>
-            </a:lvl8pPr>
-            <a:lvl9pPr>
-              <a:defRPr sz="1700"/>
-            </a:lvl9pPr>
-          </a:lstStyle>
+          <a:lstStyle/>
           <a:p>
             <a:pPr lvl="0"/>
             <a:r>
               <a:rPr lang="ko-KR" altLang="en-US"/>
-              <a:t>마스터 텍스트 스타일을 편집합니다</a:t>
+              <a:t>마스터 텍스트 스타일을 편집하려면 클릭</a:t>
             </a:r>
           </a:p>
           <a:p>
             <a:pPr lvl="1"/>
             <a:r>
               <a:rPr lang="ko-KR" altLang="en-US"/>
-              <a:t>둘째 수준</a:t>
+              <a:t>두 번째 수준</a:t>
             </a:r>
           </a:p>
           <a:p>
             <a:pPr lvl="2"/>
             <a:r>
               <a:rPr lang="ko-KR" altLang="en-US"/>
-              <a:t>셋째 수준</a:t>
+              <a:t>세 번째 수준</a:t>
             </a:r>
           </a:p>
           <a:p>
             <a:pPr lvl="3"/>
             <a:r>
               <a:rPr lang="ko-KR" altLang="en-US"/>
-              <a:t>넷째 수준</a:t>
+              <a:t>네 번째 수준</a:t>
             </a:r>
           </a:p>
           <a:p>
             <a:pPr lvl="4"/>
             <a:r>
               <a:rPr lang="ko-KR" altLang="en-US"/>
-              <a:t>다섯째 수준</a:t>
-            </a:r>
-          </a:p>
-        </p:txBody>
-      </p:sp>
-      <p:sp>
-        <p:nvSpPr>
-          <p:cNvPr id="5" name="텍스트 개체 틀 4"/>
+              <a:t>다섯 번째 수준</a:t>
+            </a:r>
+          </a:p>
+        </p:txBody>
+      </p:sp>
+      <p:sp>
+        <p:nvSpPr>
+          <p:cNvPr id="5" name="텍스트 개체 틀 4">
+            <a:extLst>
+              <a:ext uri="{FF2B5EF4-FFF2-40B4-BE49-F238E27FC236}">
+                <a16:creationId xmlns:a16="http://schemas.microsoft.com/office/drawing/2014/main" id="{60A5F04E-52F5-4730-B7EC-833C2DFB12D1}"/>
+              </a:ext>
+            </a:extLst>
+          </p:cNvPr>
           <p:cNvSpPr>
             <a:spLocks noGrp="1"/>
           </p:cNvSpPr>
@@ -1975,8 +2041,8 @@
         </p:nvSpPr>
         <p:spPr>
           <a:xfrm>
-            <a:off x="5432103" y="1692539"/>
-            <a:ext cx="4726632" cy="705367"/>
+            <a:off x="6172200" y="1681163"/>
+            <a:ext cx="5183188" cy="823912"/>
           </a:xfrm>
         </p:spPr>
         <p:txBody>
@@ -1984,53 +2050,59 @@
           <a:lstStyle>
             <a:lvl1pPr marL="0" indent="0">
               <a:buNone/>
-              <a:defRPr sz="2600" b="1"/>
+              <a:defRPr sz="2400" b="1"/>
             </a:lvl1pPr>
-            <a:lvl2pPr marL="490865" indent="0">
-              <a:buNone/>
-              <a:defRPr sz="2100" b="1"/>
+            <a:lvl2pPr marL="457200" indent="0">
+              <a:buNone/>
+              <a:defRPr sz="2000" b="1"/>
             </a:lvl2pPr>
-            <a:lvl3pPr marL="981730" indent="0">
-              <a:buNone/>
-              <a:defRPr sz="1900" b="1"/>
+            <a:lvl3pPr marL="914400" indent="0">
+              <a:buNone/>
+              <a:defRPr sz="1800" b="1"/>
             </a:lvl3pPr>
-            <a:lvl4pPr marL="1472596" indent="0">
-              <a:buNone/>
-              <a:defRPr sz="1700" b="1"/>
+            <a:lvl4pPr marL="1371600" indent="0">
+              <a:buNone/>
+              <a:defRPr sz="1600" b="1"/>
             </a:lvl4pPr>
-            <a:lvl5pPr marL="1963460" indent="0">
-              <a:buNone/>
-              <a:defRPr sz="1700" b="1"/>
+            <a:lvl5pPr marL="1828800" indent="0">
+              <a:buNone/>
+              <a:defRPr sz="1600" b="1"/>
             </a:lvl5pPr>
-            <a:lvl6pPr marL="2454327" indent="0">
-              <a:buNone/>
-              <a:defRPr sz="1700" b="1"/>
+            <a:lvl6pPr marL="2286000" indent="0">
+              <a:buNone/>
+              <a:defRPr sz="1600" b="1"/>
             </a:lvl6pPr>
-            <a:lvl7pPr marL="2945191" indent="0">
-              <a:buNone/>
-              <a:defRPr sz="1700" b="1"/>
+            <a:lvl7pPr marL="2743200" indent="0">
+              <a:buNone/>
+              <a:defRPr sz="1600" b="1"/>
             </a:lvl7pPr>
-            <a:lvl8pPr marL="3436058" indent="0">
-              <a:buNone/>
-              <a:defRPr sz="1700" b="1"/>
+            <a:lvl8pPr marL="3200400" indent="0">
+              <a:buNone/>
+              <a:defRPr sz="1600" b="1"/>
             </a:lvl8pPr>
-            <a:lvl9pPr marL="3926923" indent="0">
-              <a:buNone/>
-              <a:defRPr sz="1700" b="1"/>
+            <a:lvl9pPr marL="3657600" indent="0">
+              <a:buNone/>
+              <a:defRPr sz="1600" b="1"/>
             </a:lvl9pPr>
           </a:lstStyle>
           <a:p>
             <a:pPr lvl="0"/>
             <a:r>
               <a:rPr lang="ko-KR" altLang="en-US"/>
-              <a:t>마스터 텍스트 스타일을 편집합니다</a:t>
-            </a:r>
-          </a:p>
-        </p:txBody>
-      </p:sp>
-      <p:sp>
-        <p:nvSpPr>
-          <p:cNvPr id="6" name="내용 개체 틀 5"/>
+              <a:t>마스터 텍스트 스타일을 편집하려면 클릭</a:t>
+            </a:r>
+          </a:p>
+        </p:txBody>
+      </p:sp>
+      <p:sp>
+        <p:nvSpPr>
+          <p:cNvPr id="6" name="내용 개체 틀 5">
+            <a:extLst>
+              <a:ext uri="{FF2B5EF4-FFF2-40B4-BE49-F238E27FC236}">
+                <a16:creationId xmlns:a16="http://schemas.microsoft.com/office/drawing/2014/main" id="{C3FDFBAD-CC64-4CE5-BB46-18F45BA793FE}"/>
+              </a:ext>
+            </a:extLst>
+          </p:cNvPr>
           <p:cNvSpPr>
             <a:spLocks noGrp="1"/>
           </p:cNvSpPr>
@@ -2040,81 +2112,59 @@
         </p:nvSpPr>
         <p:spPr>
           <a:xfrm>
-            <a:off x="5432103" y="2397901"/>
-            <a:ext cx="4726632" cy="4356478"/>
+            <a:off x="6172200" y="2505075"/>
+            <a:ext cx="5183188" cy="3684588"/>
           </a:xfrm>
         </p:spPr>
         <p:txBody>
           <a:bodyPr/>
-          <a:lstStyle>
-            <a:lvl1pPr>
-              <a:defRPr sz="2600"/>
-            </a:lvl1pPr>
-            <a:lvl2pPr>
-              <a:defRPr sz="2100"/>
-            </a:lvl2pPr>
-            <a:lvl3pPr>
-              <a:defRPr sz="1900"/>
-            </a:lvl3pPr>
-            <a:lvl4pPr>
-              <a:defRPr sz="1700"/>
-            </a:lvl4pPr>
-            <a:lvl5pPr>
-              <a:defRPr sz="1700"/>
-            </a:lvl5pPr>
-            <a:lvl6pPr>
-              <a:defRPr sz="1700"/>
-            </a:lvl6pPr>
-            <a:lvl7pPr>
-              <a:defRPr sz="1700"/>
-            </a:lvl7pPr>
-            <a:lvl8pPr>
-              <a:defRPr sz="1700"/>
-            </a:lvl8pPr>
-            <a:lvl9pPr>
-              <a:defRPr sz="1700"/>
-            </a:lvl9pPr>
-          </a:lstStyle>
+          <a:lstStyle/>
           <a:p>
             <a:pPr lvl="0"/>
             <a:r>
               <a:rPr lang="ko-KR" altLang="en-US"/>
-              <a:t>마스터 텍스트 스타일을 편집합니다</a:t>
+              <a:t>마스터 텍스트 스타일을 편집하려면 클릭</a:t>
             </a:r>
           </a:p>
           <a:p>
             <a:pPr lvl="1"/>
             <a:r>
               <a:rPr lang="ko-KR" altLang="en-US"/>
-              <a:t>둘째 수준</a:t>
+              <a:t>두 번째 수준</a:t>
             </a:r>
           </a:p>
           <a:p>
             <a:pPr lvl="2"/>
             <a:r>
               <a:rPr lang="ko-KR" altLang="en-US"/>
-              <a:t>셋째 수준</a:t>
+              <a:t>세 번째 수준</a:t>
             </a:r>
           </a:p>
           <a:p>
             <a:pPr lvl="3"/>
             <a:r>
               <a:rPr lang="ko-KR" altLang="en-US"/>
-              <a:t>넷째 수준</a:t>
+              <a:t>네 번째 수준</a:t>
             </a:r>
           </a:p>
           <a:p>
             <a:pPr lvl="4"/>
             <a:r>
               <a:rPr lang="ko-KR" altLang="en-US"/>
-              <a:t>다섯째 수준</a:t>
-            </a:r>
-          </a:p>
-        </p:txBody>
-      </p:sp>
-      <p:sp>
-        <p:nvSpPr>
-          <p:cNvPr id="7" name="날짜 개체 틀 6"/>
+              <a:t>다섯 번째 수준</a:t>
+            </a:r>
+          </a:p>
+        </p:txBody>
+      </p:sp>
+      <p:sp>
+        <p:nvSpPr>
+          <p:cNvPr id="7" name="날짜 개체 틀 6">
+            <a:extLst>
+              <a:ext uri="{FF2B5EF4-FFF2-40B4-BE49-F238E27FC236}">
+                <a16:creationId xmlns:a16="http://schemas.microsoft.com/office/drawing/2014/main" id="{0F413983-8AE2-4164-AB99-765B27D89BCB}"/>
+              </a:ext>
+            </a:extLst>
+          </p:cNvPr>
           <p:cNvSpPr>
             <a:spLocks noGrp="1"/>
           </p:cNvSpPr>
@@ -2127,9 +2177,9 @@
           <a:bodyPr/>
           <a:lstStyle/>
           <a:p>
-            <a:fld id="{DEB04459-77A1-459B-84E6-AB5CF6BAEB25}" type="datetimeFigureOut">
+            <a:fld id="{0A88B85E-2249-4498-94C2-C222D4624F98}" type="datetime1">
               <a:rPr lang="ko-KR" altLang="en-US" smtClean="0"/>
-              <a:t>2022-04-04</a:t>
+              <a:t>2022-06-15</a:t>
             </a:fld>
             <a:endParaRPr lang="ko-KR" altLang="en-US"/>
           </a:p>
@@ -2137,7 +2187,13 @@
       </p:sp>
       <p:sp>
         <p:nvSpPr>
-          <p:cNvPr id="8" name="바닥글 개체 틀 7"/>
+          <p:cNvPr id="8" name="바닥글 개체 틀 7">
+            <a:extLst>
+              <a:ext uri="{FF2B5EF4-FFF2-40B4-BE49-F238E27FC236}">
+                <a16:creationId xmlns:a16="http://schemas.microsoft.com/office/drawing/2014/main" id="{547CB0BB-6C36-4B4C-86F1-F0AD46A6AFA6}"/>
+              </a:ext>
+            </a:extLst>
+          </p:cNvPr>
           <p:cNvSpPr>
             <a:spLocks noGrp="1"/>
           </p:cNvSpPr>
@@ -2156,7 +2212,13 @@
       </p:sp>
       <p:sp>
         <p:nvSpPr>
-          <p:cNvPr id="9" name="슬라이드 번호 개체 틀 8"/>
+          <p:cNvPr id="9" name="슬라이드 번호 개체 틀 8">
+            <a:extLst>
+              <a:ext uri="{FF2B5EF4-FFF2-40B4-BE49-F238E27FC236}">
+                <a16:creationId xmlns:a16="http://schemas.microsoft.com/office/drawing/2014/main" id="{6C524BE3-567B-462A-BD58-9E8CB5779BB0}"/>
+              </a:ext>
+            </a:extLst>
+          </p:cNvPr>
           <p:cNvSpPr>
             <a:spLocks noGrp="1"/>
           </p:cNvSpPr>
@@ -2169,7 +2231,7 @@
           <a:bodyPr/>
           <a:lstStyle/>
           <a:p>
-            <a:fld id="{25B3C12B-D75D-4C66-B5B8-0CB552AAA939}" type="slidenum">
+            <a:fld id="{A7C62C25-B5F5-4B62-AB91-5480B186A043}" type="slidenum">
               <a:rPr lang="ko-KR" altLang="en-US" smtClean="0"/>
               <a:t>‹#›</a:t>
             </a:fld>
@@ -2180,7 +2242,7 @@
     </p:spTree>
     <p:extLst>
       <p:ext uri="{BB962C8B-B14F-4D97-AF65-F5344CB8AC3E}">
-        <p14:creationId xmlns:p14="http://schemas.microsoft.com/office/powerpoint/2010/main" val="4059217842"/>
+        <p14:creationId xmlns:p14="http://schemas.microsoft.com/office/powerpoint/2010/main" val="3876548171"/>
       </p:ext>
     </p:extLst>
   </p:cSld>
@@ -2209,7 +2271,13 @@
       </p:grpSpPr>
       <p:sp>
         <p:nvSpPr>
-          <p:cNvPr id="2" name="제목 1"/>
+          <p:cNvPr id="2" name="제목 1">
+            <a:extLst>
+              <a:ext uri="{FF2B5EF4-FFF2-40B4-BE49-F238E27FC236}">
+                <a16:creationId xmlns:a16="http://schemas.microsoft.com/office/drawing/2014/main" id="{D8BF8755-E7EC-425D-A752-C43CB9B8F502}"/>
+              </a:ext>
+            </a:extLst>
+          </p:cNvPr>
           <p:cNvSpPr>
             <a:spLocks noGrp="1"/>
           </p:cNvSpPr>
@@ -2231,7 +2299,13 @@
       </p:sp>
       <p:sp>
         <p:nvSpPr>
-          <p:cNvPr id="3" name="날짜 개체 틀 2"/>
+          <p:cNvPr id="3" name="날짜 개체 틀 2">
+            <a:extLst>
+              <a:ext uri="{FF2B5EF4-FFF2-40B4-BE49-F238E27FC236}">
+                <a16:creationId xmlns:a16="http://schemas.microsoft.com/office/drawing/2014/main" id="{AEF1881C-9546-4F1B-B839-313E3A305179}"/>
+              </a:ext>
+            </a:extLst>
+          </p:cNvPr>
           <p:cNvSpPr>
             <a:spLocks noGrp="1"/>
           </p:cNvSpPr>
@@ -2244,9 +2318,9 @@
           <a:bodyPr/>
           <a:lstStyle/>
           <a:p>
-            <a:fld id="{DEB04459-77A1-459B-84E6-AB5CF6BAEB25}" type="datetimeFigureOut">
+            <a:fld id="{A1964E3E-3AA3-4898-BCA0-E169713F8536}" type="datetime1">
               <a:rPr lang="ko-KR" altLang="en-US" smtClean="0"/>
-              <a:t>2022-04-04</a:t>
+              <a:t>2022-06-15</a:t>
             </a:fld>
             <a:endParaRPr lang="ko-KR" altLang="en-US"/>
           </a:p>
@@ -2254,7 +2328,13 @@
       </p:sp>
       <p:sp>
         <p:nvSpPr>
-          <p:cNvPr id="4" name="바닥글 개체 틀 3"/>
+          <p:cNvPr id="4" name="바닥글 개체 틀 3">
+            <a:extLst>
+              <a:ext uri="{FF2B5EF4-FFF2-40B4-BE49-F238E27FC236}">
+                <a16:creationId xmlns:a16="http://schemas.microsoft.com/office/drawing/2014/main" id="{A750B4AC-A344-4DFA-9E26-8165C17D6C25}"/>
+              </a:ext>
+            </a:extLst>
+          </p:cNvPr>
           <p:cNvSpPr>
             <a:spLocks noGrp="1"/>
           </p:cNvSpPr>
@@ -2273,7 +2353,13 @@
       </p:sp>
       <p:sp>
         <p:nvSpPr>
-          <p:cNvPr id="5" name="슬라이드 번호 개체 틀 4"/>
+          <p:cNvPr id="5" name="슬라이드 번호 개체 틀 4">
+            <a:extLst>
+              <a:ext uri="{FF2B5EF4-FFF2-40B4-BE49-F238E27FC236}">
+                <a16:creationId xmlns:a16="http://schemas.microsoft.com/office/drawing/2014/main" id="{8968240B-29DD-41A2-B58D-0E2F2FD29495}"/>
+              </a:ext>
+            </a:extLst>
+          </p:cNvPr>
           <p:cNvSpPr>
             <a:spLocks noGrp="1"/>
           </p:cNvSpPr>
@@ -2286,7 +2372,7 @@
           <a:bodyPr/>
           <a:lstStyle/>
           <a:p>
-            <a:fld id="{25B3C12B-D75D-4C66-B5B8-0CB552AAA939}" type="slidenum">
+            <a:fld id="{A7C62C25-B5F5-4B62-AB91-5480B186A043}" type="slidenum">
               <a:rPr lang="ko-KR" altLang="en-US" smtClean="0"/>
               <a:t>‹#›</a:t>
             </a:fld>
@@ -2297,7 +2383,7 @@
     </p:spTree>
     <p:extLst>
       <p:ext uri="{BB962C8B-B14F-4D97-AF65-F5344CB8AC3E}">
-        <p14:creationId xmlns:p14="http://schemas.microsoft.com/office/powerpoint/2010/main" val="2901717047"/>
+        <p14:creationId xmlns:p14="http://schemas.microsoft.com/office/powerpoint/2010/main" val="2286988348"/>
       </p:ext>
     </p:extLst>
   </p:cSld>
@@ -2326,7 +2412,13 @@
       </p:grpSpPr>
       <p:sp>
         <p:nvSpPr>
-          <p:cNvPr id="2" name="날짜 개체 틀 1"/>
+          <p:cNvPr id="2" name="날짜 개체 틀 1">
+            <a:extLst>
+              <a:ext uri="{FF2B5EF4-FFF2-40B4-BE49-F238E27FC236}">
+                <a16:creationId xmlns:a16="http://schemas.microsoft.com/office/drawing/2014/main" id="{6CDF35A1-5376-4FBB-9CB1-C33575E97053}"/>
+              </a:ext>
+            </a:extLst>
+          </p:cNvPr>
           <p:cNvSpPr>
             <a:spLocks noGrp="1"/>
           </p:cNvSpPr>
@@ -2339,9 +2431,9 @@
           <a:bodyPr/>
           <a:lstStyle/>
           <a:p>
-            <a:fld id="{DEB04459-77A1-459B-84E6-AB5CF6BAEB25}" type="datetimeFigureOut">
+            <a:fld id="{9D96AE18-149E-4A5A-A0A1-0CEC34EF8C04}" type="datetime1">
               <a:rPr lang="ko-KR" altLang="en-US" smtClean="0"/>
-              <a:t>2022-04-04</a:t>
+              <a:t>2022-06-15</a:t>
             </a:fld>
             <a:endParaRPr lang="ko-KR" altLang="en-US"/>
           </a:p>
@@ -2349,7 +2441,13 @@
       </p:sp>
       <p:sp>
         <p:nvSpPr>
-          <p:cNvPr id="3" name="바닥글 개체 틀 2"/>
+          <p:cNvPr id="3" name="바닥글 개체 틀 2">
+            <a:extLst>
+              <a:ext uri="{FF2B5EF4-FFF2-40B4-BE49-F238E27FC236}">
+                <a16:creationId xmlns:a16="http://schemas.microsoft.com/office/drawing/2014/main" id="{21ECD969-7F2C-46F2-B6A2-680F7C1EA9A4}"/>
+              </a:ext>
+            </a:extLst>
+          </p:cNvPr>
           <p:cNvSpPr>
             <a:spLocks noGrp="1"/>
           </p:cNvSpPr>
@@ -2368,7 +2466,13 @@
       </p:sp>
       <p:sp>
         <p:nvSpPr>
-          <p:cNvPr id="4" name="슬라이드 번호 개체 틀 3"/>
+          <p:cNvPr id="4" name="슬라이드 번호 개체 틀 3">
+            <a:extLst>
+              <a:ext uri="{FF2B5EF4-FFF2-40B4-BE49-F238E27FC236}">
+                <a16:creationId xmlns:a16="http://schemas.microsoft.com/office/drawing/2014/main" id="{F41B331F-EE06-4173-AA94-0CAC01DF7006}"/>
+              </a:ext>
+            </a:extLst>
+          </p:cNvPr>
           <p:cNvSpPr>
             <a:spLocks noGrp="1"/>
           </p:cNvSpPr>
@@ -2381,7 +2485,7 @@
           <a:bodyPr/>
           <a:lstStyle/>
           <a:p>
-            <a:fld id="{25B3C12B-D75D-4C66-B5B8-0CB552AAA939}" type="slidenum">
+            <a:fld id="{A7C62C25-B5F5-4B62-AB91-5480B186A043}" type="slidenum">
               <a:rPr lang="ko-KR" altLang="en-US" smtClean="0"/>
               <a:t>‹#›</a:t>
             </a:fld>
@@ -2392,7 +2496,7 @@
     </p:spTree>
     <p:extLst>
       <p:ext uri="{BB962C8B-B14F-4D97-AF65-F5344CB8AC3E}">
-        <p14:creationId xmlns:p14="http://schemas.microsoft.com/office/powerpoint/2010/main" val="3344768154"/>
+        <p14:creationId xmlns:p14="http://schemas.microsoft.com/office/powerpoint/2010/main" val="156713410"/>
       </p:ext>
     </p:extLst>
   </p:cSld>
@@ -2421,7 +2525,13 @@
       </p:grpSpPr>
       <p:sp>
         <p:nvSpPr>
-          <p:cNvPr id="2" name="제목 1"/>
+          <p:cNvPr id="2" name="제목 1">
+            <a:extLst>
+              <a:ext uri="{FF2B5EF4-FFF2-40B4-BE49-F238E27FC236}">
+                <a16:creationId xmlns:a16="http://schemas.microsoft.com/office/drawing/2014/main" id="{D520257A-4759-4F76-8CCD-01D7C528E6EE}"/>
+              </a:ext>
+            </a:extLst>
+          </p:cNvPr>
           <p:cNvSpPr>
             <a:spLocks noGrp="1"/>
           </p:cNvSpPr>
@@ -2431,15 +2541,15 @@
         </p:nvSpPr>
         <p:spPr>
           <a:xfrm>
-            <a:off x="534675" y="301050"/>
-            <a:ext cx="3518055" cy="1281214"/>
+            <a:off x="839788" y="457200"/>
+            <a:ext cx="3932237" cy="1600200"/>
           </a:xfrm>
         </p:spPr>
         <p:txBody>
           <a:bodyPr anchor="b"/>
           <a:lstStyle>
-            <a:lvl1pPr algn="l">
-              <a:defRPr sz="2100" b="1"/>
+            <a:lvl1pPr>
+              <a:defRPr sz="3200"/>
             </a:lvl1pPr>
           </a:lstStyle>
           <a:p>
@@ -2452,7 +2562,13 @@
       </p:sp>
       <p:sp>
         <p:nvSpPr>
-          <p:cNvPr id="3" name="내용 개체 틀 2"/>
+          <p:cNvPr id="3" name="내용 개체 틀 2">
+            <a:extLst>
+              <a:ext uri="{FF2B5EF4-FFF2-40B4-BE49-F238E27FC236}">
+                <a16:creationId xmlns:a16="http://schemas.microsoft.com/office/drawing/2014/main" id="{6BB008DF-F112-464C-B232-879D5D0516A9}"/>
+              </a:ext>
+            </a:extLst>
+          </p:cNvPr>
           <p:cNvSpPr>
             <a:spLocks noGrp="1"/>
           </p:cNvSpPr>
@@ -2462,81 +2578,87 @@
         </p:nvSpPr>
         <p:spPr>
           <a:xfrm>
-            <a:off x="4180824" y="301059"/>
-            <a:ext cx="5977907" cy="6453328"/>
+            <a:off x="5183188" y="987425"/>
+            <a:ext cx="6172200" cy="4873625"/>
           </a:xfrm>
         </p:spPr>
         <p:txBody>
           <a:bodyPr/>
           <a:lstStyle>
             <a:lvl1pPr>
-              <a:defRPr sz="3400"/>
+              <a:defRPr sz="3200"/>
             </a:lvl1pPr>
             <a:lvl2pPr>
-              <a:defRPr sz="3000"/>
+              <a:defRPr sz="2800"/>
             </a:lvl2pPr>
             <a:lvl3pPr>
-              <a:defRPr sz="2600"/>
+              <a:defRPr sz="2400"/>
             </a:lvl3pPr>
             <a:lvl4pPr>
-              <a:defRPr sz="2100"/>
+              <a:defRPr sz="2000"/>
             </a:lvl4pPr>
             <a:lvl5pPr>
-              <a:defRPr sz="2100"/>
+              <a:defRPr sz="2000"/>
             </a:lvl5pPr>
             <a:lvl6pPr>
-              <a:defRPr sz="2100"/>
+              <a:defRPr sz="2000"/>
             </a:lvl6pPr>
             <a:lvl7pPr>
-              <a:defRPr sz="2100"/>
+              <a:defRPr sz="2000"/>
             </a:lvl7pPr>
             <a:lvl8pPr>
-              <a:defRPr sz="2100"/>
+              <a:defRPr sz="2000"/>
             </a:lvl8pPr>
             <a:lvl9pPr>
-              <a:defRPr sz="2100"/>
+              <a:defRPr sz="2000"/>
             </a:lvl9pPr>
           </a:lstStyle>
           <a:p>
             <a:pPr lvl="0"/>
             <a:r>
               <a:rPr lang="ko-KR" altLang="en-US"/>
-              <a:t>마스터 텍스트 스타일을 편집합니다</a:t>
+              <a:t>마스터 텍스트 스타일을 편집하려면 클릭</a:t>
             </a:r>
           </a:p>
           <a:p>
             <a:pPr lvl="1"/>
             <a:r>
               <a:rPr lang="ko-KR" altLang="en-US"/>
-              <a:t>둘째 수준</a:t>
+              <a:t>두 번째 수준</a:t>
             </a:r>
           </a:p>
           <a:p>
             <a:pPr lvl="2"/>
             <a:r>
               <a:rPr lang="ko-KR" altLang="en-US"/>
-              <a:t>셋째 수준</a:t>
+              <a:t>세 번째 수준</a:t>
             </a:r>
           </a:p>
           <a:p>
             <a:pPr lvl="3"/>
             <a:r>
               <a:rPr lang="ko-KR" altLang="en-US"/>
-              <a:t>넷째 수준</a:t>
+              <a:t>네 번째 수준</a:t>
             </a:r>
           </a:p>
           <a:p>
             <a:pPr lvl="4"/>
             <a:r>
               <a:rPr lang="ko-KR" altLang="en-US"/>
-              <a:t>다섯째 수준</a:t>
-            </a:r>
-          </a:p>
-        </p:txBody>
-      </p:sp>
-      <p:sp>
-        <p:nvSpPr>
-          <p:cNvPr id="4" name="텍스트 개체 틀 3"/>
+              <a:t>다섯 번째 수준</a:t>
+            </a:r>
+          </a:p>
+        </p:txBody>
+      </p:sp>
+      <p:sp>
+        <p:nvSpPr>
+          <p:cNvPr id="4" name="텍스트 개체 틀 3">
+            <a:extLst>
+              <a:ext uri="{FF2B5EF4-FFF2-40B4-BE49-F238E27FC236}">
+                <a16:creationId xmlns:a16="http://schemas.microsoft.com/office/drawing/2014/main" id="{3581680B-B66E-4853-A239-D83EED214AF0}"/>
+              </a:ext>
+            </a:extLst>
+          </p:cNvPr>
           <p:cNvSpPr>
             <a:spLocks noGrp="1"/>
           </p:cNvSpPr>
@@ -2546,8 +2668,8 @@
         </p:nvSpPr>
         <p:spPr>
           <a:xfrm>
-            <a:off x="534675" y="1582268"/>
-            <a:ext cx="3518055" cy="5172114"/>
+            <a:off x="839788" y="2057400"/>
+            <a:ext cx="3932237" cy="3811588"/>
           </a:xfrm>
         </p:spPr>
         <p:txBody>
@@ -2555,37 +2677,37 @@
           <a:lstStyle>
             <a:lvl1pPr marL="0" indent="0">
               <a:buNone/>
-              <a:defRPr sz="1500"/>
+              <a:defRPr sz="1600"/>
             </a:lvl1pPr>
-            <a:lvl2pPr marL="490865" indent="0">
-              <a:buNone/>
-              <a:defRPr sz="1300"/>
+            <a:lvl2pPr marL="457200" indent="0">
+              <a:buNone/>
+              <a:defRPr sz="1400"/>
             </a:lvl2pPr>
-            <a:lvl3pPr marL="981730" indent="0">
-              <a:buNone/>
-              <a:defRPr sz="1100"/>
+            <a:lvl3pPr marL="914400" indent="0">
+              <a:buNone/>
+              <a:defRPr sz="1200"/>
             </a:lvl3pPr>
-            <a:lvl4pPr marL="1472596" indent="0">
+            <a:lvl4pPr marL="1371600" indent="0">
               <a:buNone/>
               <a:defRPr sz="1000"/>
             </a:lvl4pPr>
-            <a:lvl5pPr marL="1963460" indent="0">
+            <a:lvl5pPr marL="1828800" indent="0">
               <a:buNone/>
               <a:defRPr sz="1000"/>
             </a:lvl5pPr>
-            <a:lvl6pPr marL="2454327" indent="0">
+            <a:lvl6pPr marL="2286000" indent="0">
               <a:buNone/>
               <a:defRPr sz="1000"/>
             </a:lvl6pPr>
-            <a:lvl7pPr marL="2945191" indent="0">
+            <a:lvl7pPr marL="2743200" indent="0">
               <a:buNone/>
               <a:defRPr sz="1000"/>
             </a:lvl7pPr>
-            <a:lvl8pPr marL="3436058" indent="0">
+            <a:lvl8pPr marL="3200400" indent="0">
               <a:buNone/>
               <a:defRPr sz="1000"/>
             </a:lvl8pPr>
-            <a:lvl9pPr marL="3926923" indent="0">
+            <a:lvl9pPr marL="3657600" indent="0">
               <a:buNone/>
               <a:defRPr sz="1000"/>
             </a:lvl9pPr>
@@ -2594,14 +2716,20 @@
             <a:pPr lvl="0"/>
             <a:r>
               <a:rPr lang="ko-KR" altLang="en-US"/>
-              <a:t>마스터 텍스트 스타일을 편집합니다</a:t>
-            </a:r>
-          </a:p>
-        </p:txBody>
-      </p:sp>
-      <p:sp>
-        <p:nvSpPr>
-          <p:cNvPr id="5" name="날짜 개체 틀 4"/>
+              <a:t>마스터 텍스트 스타일을 편집하려면 클릭</a:t>
+            </a:r>
+          </a:p>
+        </p:txBody>
+      </p:sp>
+      <p:sp>
+        <p:nvSpPr>
+          <p:cNvPr id="5" name="날짜 개체 틀 4">
+            <a:extLst>
+              <a:ext uri="{FF2B5EF4-FFF2-40B4-BE49-F238E27FC236}">
+                <a16:creationId xmlns:a16="http://schemas.microsoft.com/office/drawing/2014/main" id="{DC0D6C82-BD98-4972-8881-5F8562E3D2C3}"/>
+              </a:ext>
+            </a:extLst>
+          </p:cNvPr>
           <p:cNvSpPr>
             <a:spLocks noGrp="1"/>
           </p:cNvSpPr>
@@ -2614,9 +2742,9 @@
           <a:bodyPr/>
           <a:lstStyle/>
           <a:p>
-            <a:fld id="{DEB04459-77A1-459B-84E6-AB5CF6BAEB25}" type="datetimeFigureOut">
+            <a:fld id="{A5B10253-1DB3-444D-AEEF-3EA2D297323B}" type="datetime1">
               <a:rPr lang="ko-KR" altLang="en-US" smtClean="0"/>
-              <a:t>2022-04-04</a:t>
+              <a:t>2022-06-15</a:t>
             </a:fld>
             <a:endParaRPr lang="ko-KR" altLang="en-US"/>
           </a:p>
@@ -2624,7 +2752,13 @@
       </p:sp>
       <p:sp>
         <p:nvSpPr>
-          <p:cNvPr id="6" name="바닥글 개체 틀 5"/>
+          <p:cNvPr id="6" name="바닥글 개체 틀 5">
+            <a:extLst>
+              <a:ext uri="{FF2B5EF4-FFF2-40B4-BE49-F238E27FC236}">
+                <a16:creationId xmlns:a16="http://schemas.microsoft.com/office/drawing/2014/main" id="{3A0057A3-2EC5-4A46-A88E-24CC727D4374}"/>
+              </a:ext>
+            </a:extLst>
+          </p:cNvPr>
           <p:cNvSpPr>
             <a:spLocks noGrp="1"/>
           </p:cNvSpPr>
@@ -2643,7 +2777,13 @@
       </p:sp>
       <p:sp>
         <p:nvSpPr>
-          <p:cNvPr id="7" name="슬라이드 번호 개체 틀 6"/>
+          <p:cNvPr id="7" name="슬라이드 번호 개체 틀 6">
+            <a:extLst>
+              <a:ext uri="{FF2B5EF4-FFF2-40B4-BE49-F238E27FC236}">
+                <a16:creationId xmlns:a16="http://schemas.microsoft.com/office/drawing/2014/main" id="{5B5404E6-EA6A-4532-B2C6-7628D0479688}"/>
+              </a:ext>
+            </a:extLst>
+          </p:cNvPr>
           <p:cNvSpPr>
             <a:spLocks noGrp="1"/>
           </p:cNvSpPr>
@@ -2656,7 +2796,7 @@
           <a:bodyPr/>
           <a:lstStyle/>
           <a:p>
-            <a:fld id="{25B3C12B-D75D-4C66-B5B8-0CB552AAA939}" type="slidenum">
+            <a:fld id="{A7C62C25-B5F5-4B62-AB91-5480B186A043}" type="slidenum">
               <a:rPr lang="ko-KR" altLang="en-US" smtClean="0"/>
               <a:t>‹#›</a:t>
             </a:fld>
@@ -2667,7 +2807,7 @@
     </p:spTree>
     <p:extLst>
       <p:ext uri="{BB962C8B-B14F-4D97-AF65-F5344CB8AC3E}">
-        <p14:creationId xmlns:p14="http://schemas.microsoft.com/office/powerpoint/2010/main" val="686347331"/>
+        <p14:creationId xmlns:p14="http://schemas.microsoft.com/office/powerpoint/2010/main" val="1516494622"/>
       </p:ext>
     </p:extLst>
   </p:cSld>
@@ -2696,7 +2836,13 @@
       </p:grpSpPr>
       <p:sp>
         <p:nvSpPr>
-          <p:cNvPr id="2" name="제목 1"/>
+          <p:cNvPr id="2" name="제목 1">
+            <a:extLst>
+              <a:ext uri="{FF2B5EF4-FFF2-40B4-BE49-F238E27FC236}">
+                <a16:creationId xmlns:a16="http://schemas.microsoft.com/office/drawing/2014/main" id="{113F686F-DC27-46EB-A4D5-B4EF3E99FC41}"/>
+              </a:ext>
+            </a:extLst>
+          </p:cNvPr>
           <p:cNvSpPr>
             <a:spLocks noGrp="1"/>
           </p:cNvSpPr>
@@ -2706,15 +2852,15 @@
         </p:nvSpPr>
         <p:spPr>
           <a:xfrm>
-            <a:off x="2095982" y="5292889"/>
-            <a:ext cx="6416040" cy="624855"/>
+            <a:off x="839788" y="457200"/>
+            <a:ext cx="3932237" cy="1600200"/>
           </a:xfrm>
         </p:spPr>
         <p:txBody>
           <a:bodyPr anchor="b"/>
           <a:lstStyle>
-            <a:lvl1pPr algn="l">
-              <a:defRPr sz="2100" b="1"/>
+            <a:lvl1pPr>
+              <a:defRPr sz="3200"/>
             </a:lvl1pPr>
           </a:lstStyle>
           <a:p>
@@ -2727,7 +2873,13 @@
       </p:sp>
       <p:sp>
         <p:nvSpPr>
-          <p:cNvPr id="3" name="그림 개체 틀 2"/>
+          <p:cNvPr id="3" name="그림 개체 틀 2">
+            <a:extLst>
+              <a:ext uri="{FF2B5EF4-FFF2-40B4-BE49-F238E27FC236}">
+                <a16:creationId xmlns:a16="http://schemas.microsoft.com/office/drawing/2014/main" id="{00D91BA5-7165-46F7-B6AB-1EC89017FF34}"/>
+              </a:ext>
+            </a:extLst>
+          </p:cNvPr>
           <p:cNvSpPr>
             <a:spLocks noGrp="1"/>
           </p:cNvSpPr>
@@ -2737,8 +2889,8 @@
         </p:nvSpPr>
         <p:spPr>
           <a:xfrm>
-            <a:off x="2095982" y="675613"/>
-            <a:ext cx="6416040" cy="4536758"/>
+            <a:off x="5183188" y="987425"/>
+            <a:ext cx="6172200" cy="4873625"/>
           </a:xfrm>
         </p:spPr>
         <p:txBody>
@@ -2746,39 +2898,39 @@
           <a:lstStyle>
             <a:lvl1pPr marL="0" indent="0">
               <a:buNone/>
-              <a:defRPr sz="3400"/>
+              <a:defRPr sz="3200"/>
             </a:lvl1pPr>
-            <a:lvl2pPr marL="490865" indent="0">
-              <a:buNone/>
-              <a:defRPr sz="3000"/>
+            <a:lvl2pPr marL="457200" indent="0">
+              <a:buNone/>
+              <a:defRPr sz="2800"/>
             </a:lvl2pPr>
-            <a:lvl3pPr marL="981730" indent="0">
-              <a:buNone/>
-              <a:defRPr sz="2600"/>
+            <a:lvl3pPr marL="914400" indent="0">
+              <a:buNone/>
+              <a:defRPr sz="2400"/>
             </a:lvl3pPr>
-            <a:lvl4pPr marL="1472596" indent="0">
-              <a:buNone/>
-              <a:defRPr sz="2100"/>
+            <a:lvl4pPr marL="1371600" indent="0">
+              <a:buNone/>
+              <a:defRPr sz="2000"/>
             </a:lvl4pPr>
-            <a:lvl5pPr marL="1963460" indent="0">
-              <a:buNone/>
-              <a:defRPr sz="2100"/>
+            <a:lvl5pPr marL="1828800" indent="0">
+              <a:buNone/>
+              <a:defRPr sz="2000"/>
             </a:lvl5pPr>
-            <a:lvl6pPr marL="2454327" indent="0">
-              <a:buNone/>
-              <a:defRPr sz="2100"/>
+            <a:lvl6pPr marL="2286000" indent="0">
+              <a:buNone/>
+              <a:defRPr sz="2000"/>
             </a:lvl6pPr>
-            <a:lvl7pPr marL="2945191" indent="0">
-              <a:buNone/>
-              <a:defRPr sz="2100"/>
+            <a:lvl7pPr marL="2743200" indent="0">
+              <a:buNone/>
+              <a:defRPr sz="2000"/>
             </a:lvl7pPr>
-            <a:lvl8pPr marL="3436058" indent="0">
-              <a:buNone/>
-              <a:defRPr sz="2100"/>
+            <a:lvl8pPr marL="3200400" indent="0">
+              <a:buNone/>
+              <a:defRPr sz="2000"/>
             </a:lvl8pPr>
-            <a:lvl9pPr marL="3926923" indent="0">
-              <a:buNone/>
-              <a:defRPr sz="2100"/>
+            <a:lvl9pPr marL="3657600" indent="0">
+              <a:buNone/>
+              <a:defRPr sz="2000"/>
             </a:lvl9pPr>
           </a:lstStyle>
           <a:p>
@@ -2788,7 +2940,13 @@
       </p:sp>
       <p:sp>
         <p:nvSpPr>
-          <p:cNvPr id="4" name="텍스트 개체 틀 3"/>
+          <p:cNvPr id="4" name="텍스트 개체 틀 3">
+            <a:extLst>
+              <a:ext uri="{FF2B5EF4-FFF2-40B4-BE49-F238E27FC236}">
+                <a16:creationId xmlns:a16="http://schemas.microsoft.com/office/drawing/2014/main" id="{41C3D116-420F-4EEB-8692-5F308BE8C883}"/>
+              </a:ext>
+            </a:extLst>
+          </p:cNvPr>
           <p:cNvSpPr>
             <a:spLocks noGrp="1"/>
           </p:cNvSpPr>
@@ -2798,8 +2956,8 @@
         </p:nvSpPr>
         <p:spPr>
           <a:xfrm>
-            <a:off x="2095982" y="5917739"/>
-            <a:ext cx="6416040" cy="887398"/>
+            <a:off x="839788" y="2057400"/>
+            <a:ext cx="3932237" cy="3811588"/>
           </a:xfrm>
         </p:spPr>
         <p:txBody>
@@ -2807,37 +2965,37 @@
           <a:lstStyle>
             <a:lvl1pPr marL="0" indent="0">
               <a:buNone/>
-              <a:defRPr sz="1500"/>
+              <a:defRPr sz="1600"/>
             </a:lvl1pPr>
-            <a:lvl2pPr marL="490865" indent="0">
-              <a:buNone/>
-              <a:defRPr sz="1300"/>
+            <a:lvl2pPr marL="457200" indent="0">
+              <a:buNone/>
+              <a:defRPr sz="1400"/>
             </a:lvl2pPr>
-            <a:lvl3pPr marL="981730" indent="0">
-              <a:buNone/>
-              <a:defRPr sz="1100"/>
+            <a:lvl3pPr marL="914400" indent="0">
+              <a:buNone/>
+              <a:defRPr sz="1200"/>
             </a:lvl3pPr>
-            <a:lvl4pPr marL="1472596" indent="0">
+            <a:lvl4pPr marL="1371600" indent="0">
               <a:buNone/>
               <a:defRPr sz="1000"/>
             </a:lvl4pPr>
-            <a:lvl5pPr marL="1963460" indent="0">
+            <a:lvl5pPr marL="1828800" indent="0">
               <a:buNone/>
               <a:defRPr sz="1000"/>
             </a:lvl5pPr>
-            <a:lvl6pPr marL="2454327" indent="0">
+            <a:lvl6pPr marL="2286000" indent="0">
               <a:buNone/>
               <a:defRPr sz="1000"/>
             </a:lvl6pPr>
-            <a:lvl7pPr marL="2945191" indent="0">
+            <a:lvl7pPr marL="2743200" indent="0">
               <a:buNone/>
               <a:defRPr sz="1000"/>
             </a:lvl7pPr>
-            <a:lvl8pPr marL="3436058" indent="0">
+            <a:lvl8pPr marL="3200400" indent="0">
               <a:buNone/>
               <a:defRPr sz="1000"/>
             </a:lvl8pPr>
-            <a:lvl9pPr marL="3926923" indent="0">
+            <a:lvl9pPr marL="3657600" indent="0">
               <a:buNone/>
               <a:defRPr sz="1000"/>
             </a:lvl9pPr>
@@ -2846,14 +3004,20 @@
             <a:pPr lvl="0"/>
             <a:r>
               <a:rPr lang="ko-KR" altLang="en-US"/>
-              <a:t>마스터 텍스트 스타일을 편집합니다</a:t>
-            </a:r>
-          </a:p>
-        </p:txBody>
-      </p:sp>
-      <p:sp>
-        <p:nvSpPr>
-          <p:cNvPr id="5" name="날짜 개체 틀 4"/>
+              <a:t>마스터 텍스트 스타일을 편집하려면 클릭</a:t>
+            </a:r>
+          </a:p>
+        </p:txBody>
+      </p:sp>
+      <p:sp>
+        <p:nvSpPr>
+          <p:cNvPr id="5" name="날짜 개체 틀 4">
+            <a:extLst>
+              <a:ext uri="{FF2B5EF4-FFF2-40B4-BE49-F238E27FC236}">
+                <a16:creationId xmlns:a16="http://schemas.microsoft.com/office/drawing/2014/main" id="{449B37C9-C4E5-4353-BC0B-29EDFA5AE227}"/>
+              </a:ext>
+            </a:extLst>
+          </p:cNvPr>
           <p:cNvSpPr>
             <a:spLocks noGrp="1"/>
           </p:cNvSpPr>
@@ -2866,9 +3030,9 @@
           <a:bodyPr/>
           <a:lstStyle/>
           <a:p>
-            <a:fld id="{DEB04459-77A1-459B-84E6-AB5CF6BAEB25}" type="datetimeFigureOut">
+            <a:fld id="{08BDEA48-095C-4FAD-82C6-00E50F2A1619}" type="datetime1">
               <a:rPr lang="ko-KR" altLang="en-US" smtClean="0"/>
-              <a:t>2022-04-04</a:t>
+              <a:t>2022-06-15</a:t>
             </a:fld>
             <a:endParaRPr lang="ko-KR" altLang="en-US"/>
           </a:p>
@@ -2876,7 +3040,13 @@
       </p:sp>
       <p:sp>
         <p:nvSpPr>
-          <p:cNvPr id="6" name="바닥글 개체 틀 5"/>
+          <p:cNvPr id="6" name="바닥글 개체 틀 5">
+            <a:extLst>
+              <a:ext uri="{FF2B5EF4-FFF2-40B4-BE49-F238E27FC236}">
+                <a16:creationId xmlns:a16="http://schemas.microsoft.com/office/drawing/2014/main" id="{7CF139BA-FD84-474C-BF6A-8AEF150B8E8E}"/>
+              </a:ext>
+            </a:extLst>
+          </p:cNvPr>
           <p:cNvSpPr>
             <a:spLocks noGrp="1"/>
           </p:cNvSpPr>
@@ -2895,7 +3065,13 @@
       </p:sp>
       <p:sp>
         <p:nvSpPr>
-          <p:cNvPr id="7" name="슬라이드 번호 개체 틀 6"/>
+          <p:cNvPr id="7" name="슬라이드 번호 개체 틀 6">
+            <a:extLst>
+              <a:ext uri="{FF2B5EF4-FFF2-40B4-BE49-F238E27FC236}">
+                <a16:creationId xmlns:a16="http://schemas.microsoft.com/office/drawing/2014/main" id="{02736647-F241-4769-A951-1C5085B8543C}"/>
+              </a:ext>
+            </a:extLst>
+          </p:cNvPr>
           <p:cNvSpPr>
             <a:spLocks noGrp="1"/>
           </p:cNvSpPr>
@@ -2908,7 +3084,7 @@
           <a:bodyPr/>
           <a:lstStyle/>
           <a:p>
-            <a:fld id="{25B3C12B-D75D-4C66-B5B8-0CB552AAA939}" type="slidenum">
+            <a:fld id="{A7C62C25-B5F5-4B62-AB91-5480B186A043}" type="slidenum">
               <a:rPr lang="ko-KR" altLang="en-US" smtClean="0"/>
               <a:t>‹#›</a:t>
             </a:fld>
@@ -2919,7 +3095,7 @@
     </p:spTree>
     <p:extLst>
       <p:ext uri="{BB962C8B-B14F-4D97-AF65-F5344CB8AC3E}">
-        <p14:creationId xmlns:p14="http://schemas.microsoft.com/office/powerpoint/2010/main" val="2323079375"/>
+        <p14:creationId xmlns:p14="http://schemas.microsoft.com/office/powerpoint/2010/main" val="2470638556"/>
       </p:ext>
     </p:extLst>
   </p:cSld>
@@ -2953,7 +3129,13 @@
       </p:grpSpPr>
       <p:sp>
         <p:nvSpPr>
-          <p:cNvPr id="2" name="제목 개체 틀 1"/>
+          <p:cNvPr id="2" name="제목 개체 틀 1">
+            <a:extLst>
+              <a:ext uri="{FF2B5EF4-FFF2-40B4-BE49-F238E27FC236}">
+                <a16:creationId xmlns:a16="http://schemas.microsoft.com/office/drawing/2014/main" id="{BE6F0A4B-94D0-4DF1-A5BC-019ACB6CD797}"/>
+              </a:ext>
+            </a:extLst>
+          </p:cNvPr>
           <p:cNvSpPr>
             <a:spLocks noGrp="1"/>
           </p:cNvSpPr>
@@ -2963,15 +3145,15 @@
         </p:nvSpPr>
         <p:spPr>
           <a:xfrm>
-            <a:off x="534674" y="302807"/>
-            <a:ext cx="9624060" cy="1260211"/>
+            <a:off x="838200" y="365125"/>
+            <a:ext cx="10515600" cy="1325563"/>
           </a:xfrm>
           <a:prstGeom prst="rect">
             <a:avLst/>
           </a:prstGeom>
         </p:spPr>
         <p:txBody>
-          <a:bodyPr vert="horz" lIns="98173" tIns="49087" rIns="98173" bIns="49087" rtlCol="0" anchor="ctr">
+          <a:bodyPr vert="horz" lIns="91440" tIns="45720" rIns="91440" bIns="45720" rtlCol="0" anchor="ctr">
             <a:normAutofit/>
           </a:bodyPr>
           <a:lstStyle/>
@@ -2985,7 +3167,13 @@
       </p:sp>
       <p:sp>
         <p:nvSpPr>
-          <p:cNvPr id="3" name="텍스트 개체 틀 2"/>
+          <p:cNvPr id="3" name="텍스트 개체 틀 2">
+            <a:extLst>
+              <a:ext uri="{FF2B5EF4-FFF2-40B4-BE49-F238E27FC236}">
+                <a16:creationId xmlns:a16="http://schemas.microsoft.com/office/drawing/2014/main" id="{A3A44F2C-9026-49D7-98DF-2C70A4B9EC19}"/>
+              </a:ext>
+            </a:extLst>
+          </p:cNvPr>
           <p:cNvSpPr>
             <a:spLocks noGrp="1"/>
           </p:cNvSpPr>
@@ -2995,15 +3183,15 @@
         </p:nvSpPr>
         <p:spPr>
           <a:xfrm>
-            <a:off x="534674" y="1764303"/>
-            <a:ext cx="9624060" cy="4990084"/>
+            <a:off x="838200" y="1825625"/>
+            <a:ext cx="10515600" cy="4351338"/>
           </a:xfrm>
           <a:prstGeom prst="rect">
             <a:avLst/>
           </a:prstGeom>
         </p:spPr>
         <p:txBody>
-          <a:bodyPr vert="horz" lIns="98173" tIns="49087" rIns="98173" bIns="49087" rtlCol="0">
+          <a:bodyPr vert="horz" lIns="91440" tIns="45720" rIns="91440" bIns="45720" rtlCol="0">
             <a:normAutofit/>
           </a:bodyPr>
           <a:lstStyle/>
@@ -3011,42 +3199,48 @@
             <a:pPr lvl="0"/>
             <a:r>
               <a:rPr lang="ko-KR" altLang="en-US"/>
-              <a:t>마스터 텍스트 스타일을 편집합니다</a:t>
+              <a:t>마스터 텍스트 스타일을 편집하려면 클릭</a:t>
             </a:r>
           </a:p>
           <a:p>
             <a:pPr lvl="1"/>
             <a:r>
               <a:rPr lang="ko-KR" altLang="en-US"/>
-              <a:t>둘째 수준</a:t>
+              <a:t>두 번째 수준</a:t>
             </a:r>
           </a:p>
           <a:p>
             <a:pPr lvl="2"/>
             <a:r>
               <a:rPr lang="ko-KR" altLang="en-US"/>
-              <a:t>셋째 수준</a:t>
+              <a:t>세 번째 수준</a:t>
             </a:r>
           </a:p>
           <a:p>
             <a:pPr lvl="3"/>
             <a:r>
               <a:rPr lang="ko-KR" altLang="en-US"/>
-              <a:t>넷째 수준</a:t>
+              <a:t>네 번째 수준</a:t>
             </a:r>
           </a:p>
           <a:p>
             <a:pPr lvl="4"/>
             <a:r>
               <a:rPr lang="ko-KR" altLang="en-US"/>
-              <a:t>다섯째 수준</a:t>
-            </a:r>
-          </a:p>
-        </p:txBody>
-      </p:sp>
-      <p:sp>
-        <p:nvSpPr>
-          <p:cNvPr id="4" name="날짜 개체 틀 3"/>
+              <a:t>다섯 번째 수준</a:t>
+            </a:r>
+          </a:p>
+        </p:txBody>
+      </p:sp>
+      <p:sp>
+        <p:nvSpPr>
+          <p:cNvPr id="4" name="날짜 개체 틀 3">
+            <a:extLst>
+              <a:ext uri="{FF2B5EF4-FFF2-40B4-BE49-F238E27FC236}">
+                <a16:creationId xmlns:a16="http://schemas.microsoft.com/office/drawing/2014/main" id="{5ACE00C5-B3A7-4F43-A38A-3C1C55C7DD99}"/>
+              </a:ext>
+            </a:extLst>
+          </p:cNvPr>
           <p:cNvSpPr>
             <a:spLocks noGrp="1"/>
           </p:cNvSpPr>
@@ -3056,18 +3250,18 @@
         </p:nvSpPr>
         <p:spPr>
           <a:xfrm>
-            <a:off x="534672" y="7008184"/>
-            <a:ext cx="2495127" cy="402567"/>
+            <a:off x="838200" y="6356350"/>
+            <a:ext cx="2743200" cy="365125"/>
           </a:xfrm>
           <a:prstGeom prst="rect">
             <a:avLst/>
           </a:prstGeom>
         </p:spPr>
         <p:txBody>
-          <a:bodyPr vert="horz" lIns="98173" tIns="49087" rIns="98173" bIns="49087" rtlCol="0" anchor="ctr"/>
+          <a:bodyPr vert="horz" lIns="91440" tIns="45720" rIns="91440" bIns="45720" rtlCol="0" anchor="ctr"/>
           <a:lstStyle>
             <a:lvl1pPr algn="l">
-              <a:defRPr sz="1300">
+              <a:defRPr sz="1200">
                 <a:solidFill>
                   <a:schemeClr val="tx1">
                     <a:tint val="75000"/>
@@ -3077,9 +3271,9 @@
             </a:lvl1pPr>
           </a:lstStyle>
           <a:p>
-            <a:fld id="{DEB04459-77A1-459B-84E6-AB5CF6BAEB25}" type="datetimeFigureOut">
+            <a:fld id="{3411749E-CD33-477B-B369-C97AB55A631D}" type="datetime1">
               <a:rPr lang="ko-KR" altLang="en-US" smtClean="0"/>
-              <a:t>2022-04-04</a:t>
+              <a:t>2022-06-15</a:t>
             </a:fld>
             <a:endParaRPr lang="ko-KR" altLang="en-US"/>
           </a:p>
@@ -3087,7 +3281,13 @@
       </p:sp>
       <p:sp>
         <p:nvSpPr>
-          <p:cNvPr id="5" name="바닥글 개체 틀 4"/>
+          <p:cNvPr id="5" name="바닥글 개체 틀 4">
+            <a:extLst>
+              <a:ext uri="{FF2B5EF4-FFF2-40B4-BE49-F238E27FC236}">
+                <a16:creationId xmlns:a16="http://schemas.microsoft.com/office/drawing/2014/main" id="{E50B8292-80B8-45AC-8BD0-B6A1E9A4297E}"/>
+              </a:ext>
+            </a:extLst>
+          </p:cNvPr>
           <p:cNvSpPr>
             <a:spLocks noGrp="1"/>
           </p:cNvSpPr>
@@ -3097,18 +3297,18 @@
         </p:nvSpPr>
         <p:spPr>
           <a:xfrm>
-            <a:off x="3653584" y="7008184"/>
-            <a:ext cx="3386243" cy="402567"/>
+            <a:off x="4038600" y="6356350"/>
+            <a:ext cx="4114800" cy="365125"/>
           </a:xfrm>
           <a:prstGeom prst="rect">
             <a:avLst/>
           </a:prstGeom>
         </p:spPr>
         <p:txBody>
-          <a:bodyPr vert="horz" lIns="98173" tIns="49087" rIns="98173" bIns="49087" rtlCol="0" anchor="ctr"/>
+          <a:bodyPr vert="horz" lIns="91440" tIns="45720" rIns="91440" bIns="45720" rtlCol="0" anchor="ctr"/>
           <a:lstStyle>
             <a:lvl1pPr algn="ctr">
-              <a:defRPr sz="1300">
+              <a:defRPr sz="1200">
                 <a:solidFill>
                   <a:schemeClr val="tx1">
                     <a:tint val="75000"/>
@@ -3124,7 +3324,13 @@
       </p:sp>
       <p:sp>
         <p:nvSpPr>
-          <p:cNvPr id="6" name="슬라이드 번호 개체 틀 5"/>
+          <p:cNvPr id="6" name="슬라이드 번호 개체 틀 5">
+            <a:extLst>
+              <a:ext uri="{FF2B5EF4-FFF2-40B4-BE49-F238E27FC236}">
+                <a16:creationId xmlns:a16="http://schemas.microsoft.com/office/drawing/2014/main" id="{2FB43450-24EF-4635-AC3C-BF2FD41FD9E9}"/>
+              </a:ext>
+            </a:extLst>
+          </p:cNvPr>
           <p:cNvSpPr>
             <a:spLocks noGrp="1"/>
           </p:cNvSpPr>
@@ -3134,18 +3340,18 @@
         </p:nvSpPr>
         <p:spPr>
           <a:xfrm>
-            <a:off x="7663608" y="7008184"/>
-            <a:ext cx="2495127" cy="402567"/>
+            <a:off x="8610600" y="6356350"/>
+            <a:ext cx="2743200" cy="365125"/>
           </a:xfrm>
           <a:prstGeom prst="rect">
             <a:avLst/>
           </a:prstGeom>
         </p:spPr>
         <p:txBody>
-          <a:bodyPr vert="horz" lIns="98173" tIns="49087" rIns="98173" bIns="49087" rtlCol="0" anchor="ctr"/>
+          <a:bodyPr vert="horz" lIns="91440" tIns="45720" rIns="91440" bIns="45720" rtlCol="0" anchor="ctr"/>
           <a:lstStyle>
             <a:lvl1pPr algn="r">
-              <a:defRPr sz="1300">
+              <a:defRPr sz="1200">
                 <a:solidFill>
                   <a:schemeClr val="tx1">
                     <a:tint val="75000"/>
@@ -3155,7 +3361,7 @@
             </a:lvl1pPr>
           </a:lstStyle>
           <a:p>
-            <a:fld id="{25B3C12B-D75D-4C66-B5B8-0CB552AAA939}" type="slidenum">
+            <a:fld id="{A7C62C25-B5F5-4B62-AB91-5480B186A043}" type="slidenum">
               <a:rPr lang="ko-KR" altLang="en-US" smtClean="0"/>
               <a:t>‹#›</a:t>
             </a:fld>
@@ -3166,7 +3372,7 @@
     </p:spTree>
     <p:extLst>
       <p:ext uri="{BB962C8B-B14F-4D97-AF65-F5344CB8AC3E}">
-        <p14:creationId xmlns:p14="http://schemas.microsoft.com/office/powerpoint/2010/main" val="419164408"/>
+        <p14:creationId xmlns:p14="http://schemas.microsoft.com/office/powerpoint/2010/main" val="1546762941"/>
       </p:ext>
     </p:extLst>
   </p:cSld>
@@ -3184,14 +3390,18 @@
     <p:sldLayoutId id="2147483658" r:id="rId10"/>
     <p:sldLayoutId id="2147483659" r:id="rId11"/>
   </p:sldLayoutIdLst>
+  <p:hf hdr="0" ftr="0" dt="0"/>
   <p:txStyles>
     <p:titleStyle>
-      <a:lvl1pPr algn="ctr" defTabSz="981730" rtl="0" eaLnBrk="1" latinLnBrk="1" hangingPunct="1">
+      <a:lvl1pPr algn="l" defTabSz="914400" rtl="0" eaLnBrk="1" latinLnBrk="1" hangingPunct="1">
+        <a:lnSpc>
+          <a:spcPct val="90000"/>
+        </a:lnSpc>
         <a:spcBef>
           <a:spcPct val="0"/>
         </a:spcBef>
         <a:buNone/>
-        <a:defRPr sz="4700" kern="1200">
+        <a:defRPr sz="4400" kern="1200">
           <a:solidFill>
             <a:schemeClr val="tx1"/>
           </a:solidFill>
@@ -3202,13 +3412,16 @@
       </a:lvl1pPr>
     </p:titleStyle>
     <p:bodyStyle>
-      <a:lvl1pPr marL="368148" indent="-368148" algn="l" defTabSz="981730" rtl="0" eaLnBrk="1" latinLnBrk="1" hangingPunct="1">
+      <a:lvl1pPr marL="228600" indent="-228600" algn="l" defTabSz="914400" rtl="0" eaLnBrk="1" latinLnBrk="1" hangingPunct="1">
+        <a:lnSpc>
+          <a:spcPct val="90000"/>
+        </a:lnSpc>
         <a:spcBef>
-          <a:spcPct val="20000"/>
+          <a:spcPts val="1000"/>
         </a:spcBef>
         <a:buFont typeface="Arial" panose="020B0604020202020204" pitchFamily="34" charset="0"/>
         <a:buChar char="•"/>
-        <a:defRPr sz="3400" kern="1200">
+        <a:defRPr sz="2800" kern="1200">
           <a:solidFill>
             <a:schemeClr val="tx1"/>
           </a:solidFill>
@@ -3217,13 +3430,16 @@
           <a:cs typeface="+mn-cs"/>
         </a:defRPr>
       </a:lvl1pPr>
-      <a:lvl2pPr marL="797657" indent="-306791" algn="l" defTabSz="981730" rtl="0" eaLnBrk="1" latinLnBrk="1" hangingPunct="1">
+      <a:lvl2pPr marL="685800" indent="-228600" algn="l" defTabSz="914400" rtl="0" eaLnBrk="1" latinLnBrk="1" hangingPunct="1">
+        <a:lnSpc>
+          <a:spcPct val="90000"/>
+        </a:lnSpc>
         <a:spcBef>
-          <a:spcPct val="20000"/>
+          <a:spcPts val="500"/>
         </a:spcBef>
         <a:buFont typeface="Arial" panose="020B0604020202020204" pitchFamily="34" charset="0"/>
-        <a:buChar char="–"/>
-        <a:defRPr sz="3000" kern="1200">
+        <a:buChar char="•"/>
+        <a:defRPr sz="2400" kern="1200">
           <a:solidFill>
             <a:schemeClr val="tx1"/>
           </a:solidFill>
@@ -3232,13 +3448,16 @@
           <a:cs typeface="+mn-cs"/>
         </a:defRPr>
       </a:lvl2pPr>
-      <a:lvl3pPr marL="1227163" indent="-245433" algn="l" defTabSz="981730" rtl="0" eaLnBrk="1" latinLnBrk="1" hangingPunct="1">
+      <a:lvl3pPr marL="1143000" indent="-228600" algn="l" defTabSz="914400" rtl="0" eaLnBrk="1" latinLnBrk="1" hangingPunct="1">
+        <a:lnSpc>
+          <a:spcPct val="90000"/>
+        </a:lnSpc>
         <a:spcBef>
-          <a:spcPct val="20000"/>
+          <a:spcPts val="500"/>
         </a:spcBef>
         <a:buFont typeface="Arial" panose="020B0604020202020204" pitchFamily="34" charset="0"/>
         <a:buChar char="•"/>
-        <a:defRPr sz="2600" kern="1200">
+        <a:defRPr sz="2000" kern="1200">
           <a:solidFill>
             <a:schemeClr val="tx1"/>
           </a:solidFill>
@@ -3247,13 +3466,16 @@
           <a:cs typeface="+mn-cs"/>
         </a:defRPr>
       </a:lvl3pPr>
-      <a:lvl4pPr marL="1718028" indent="-245433" algn="l" defTabSz="981730" rtl="0" eaLnBrk="1" latinLnBrk="1" hangingPunct="1">
+      <a:lvl4pPr marL="1600200" indent="-228600" algn="l" defTabSz="914400" rtl="0" eaLnBrk="1" latinLnBrk="1" hangingPunct="1">
+        <a:lnSpc>
+          <a:spcPct val="90000"/>
+        </a:lnSpc>
         <a:spcBef>
-          <a:spcPct val="20000"/>
+          <a:spcPts val="500"/>
         </a:spcBef>
         <a:buFont typeface="Arial" panose="020B0604020202020204" pitchFamily="34" charset="0"/>
-        <a:buChar char="–"/>
-        <a:defRPr sz="2100" kern="1200">
+        <a:buChar char="•"/>
+        <a:defRPr sz="1800" kern="1200">
           <a:solidFill>
             <a:schemeClr val="tx1"/>
           </a:solidFill>
@@ -3262,13 +3484,16 @@
           <a:cs typeface="+mn-cs"/>
         </a:defRPr>
       </a:lvl4pPr>
-      <a:lvl5pPr marL="2208894" indent="-245433" algn="l" defTabSz="981730" rtl="0" eaLnBrk="1" latinLnBrk="1" hangingPunct="1">
+      <a:lvl5pPr marL="2057400" indent="-228600" algn="l" defTabSz="914400" rtl="0" eaLnBrk="1" latinLnBrk="1" hangingPunct="1">
+        <a:lnSpc>
+          <a:spcPct val="90000"/>
+        </a:lnSpc>
         <a:spcBef>
-          <a:spcPct val="20000"/>
+          <a:spcPts val="500"/>
         </a:spcBef>
         <a:buFont typeface="Arial" panose="020B0604020202020204" pitchFamily="34" charset="0"/>
-        <a:buChar char="»"/>
-        <a:defRPr sz="2100" kern="1200">
+        <a:buChar char="•"/>
+        <a:defRPr sz="1800" kern="1200">
           <a:solidFill>
             <a:schemeClr val="tx1"/>
           </a:solidFill>
@@ -3277,13 +3502,16 @@
           <a:cs typeface="+mn-cs"/>
         </a:defRPr>
       </a:lvl5pPr>
-      <a:lvl6pPr marL="2699759" indent="-245433" algn="l" defTabSz="981730" rtl="0" eaLnBrk="1" latinLnBrk="1" hangingPunct="1">
+      <a:lvl6pPr marL="2514600" indent="-228600" algn="l" defTabSz="914400" rtl="0" eaLnBrk="1" latinLnBrk="1" hangingPunct="1">
+        <a:lnSpc>
+          <a:spcPct val="90000"/>
+        </a:lnSpc>
         <a:spcBef>
-          <a:spcPct val="20000"/>
+          <a:spcPts val="500"/>
         </a:spcBef>
         <a:buFont typeface="Arial" panose="020B0604020202020204" pitchFamily="34" charset="0"/>
         <a:buChar char="•"/>
-        <a:defRPr sz="2100" kern="1200">
+        <a:defRPr sz="1800" kern="1200">
           <a:solidFill>
             <a:schemeClr val="tx1"/>
           </a:solidFill>
@@ -3292,13 +3520,16 @@
           <a:cs typeface="+mn-cs"/>
         </a:defRPr>
       </a:lvl6pPr>
-      <a:lvl7pPr marL="3190625" indent="-245433" algn="l" defTabSz="981730" rtl="0" eaLnBrk="1" latinLnBrk="1" hangingPunct="1">
+      <a:lvl7pPr marL="2971800" indent="-228600" algn="l" defTabSz="914400" rtl="0" eaLnBrk="1" latinLnBrk="1" hangingPunct="1">
+        <a:lnSpc>
+          <a:spcPct val="90000"/>
+        </a:lnSpc>
         <a:spcBef>
-          <a:spcPct val="20000"/>
+          <a:spcPts val="500"/>
         </a:spcBef>
         <a:buFont typeface="Arial" panose="020B0604020202020204" pitchFamily="34" charset="0"/>
         <a:buChar char="•"/>
-        <a:defRPr sz="2100" kern="1200">
+        <a:defRPr sz="1800" kern="1200">
           <a:solidFill>
             <a:schemeClr val="tx1"/>
           </a:solidFill>
@@ -3307,13 +3538,16 @@
           <a:cs typeface="+mn-cs"/>
         </a:defRPr>
       </a:lvl7pPr>
-      <a:lvl8pPr marL="3681490" indent="-245433" algn="l" defTabSz="981730" rtl="0" eaLnBrk="1" latinLnBrk="1" hangingPunct="1">
+      <a:lvl8pPr marL="3429000" indent="-228600" algn="l" defTabSz="914400" rtl="0" eaLnBrk="1" latinLnBrk="1" hangingPunct="1">
+        <a:lnSpc>
+          <a:spcPct val="90000"/>
+        </a:lnSpc>
         <a:spcBef>
-          <a:spcPct val="20000"/>
+          <a:spcPts val="500"/>
         </a:spcBef>
         <a:buFont typeface="Arial" panose="020B0604020202020204" pitchFamily="34" charset="0"/>
         <a:buChar char="•"/>
-        <a:defRPr sz="2100" kern="1200">
+        <a:defRPr sz="1800" kern="1200">
           <a:solidFill>
             <a:schemeClr val="tx1"/>
           </a:solidFill>
@@ -3322,13 +3556,16 @@
           <a:cs typeface="+mn-cs"/>
         </a:defRPr>
       </a:lvl8pPr>
-      <a:lvl9pPr marL="4172355" indent="-245433" algn="l" defTabSz="981730" rtl="0" eaLnBrk="1" latinLnBrk="1" hangingPunct="1">
+      <a:lvl9pPr marL="3886200" indent="-228600" algn="l" defTabSz="914400" rtl="0" eaLnBrk="1" latinLnBrk="1" hangingPunct="1">
+        <a:lnSpc>
+          <a:spcPct val="90000"/>
+        </a:lnSpc>
         <a:spcBef>
-          <a:spcPct val="20000"/>
+          <a:spcPts val="500"/>
         </a:spcBef>
         <a:buFont typeface="Arial" panose="020B0604020202020204" pitchFamily="34" charset="0"/>
         <a:buChar char="•"/>
-        <a:defRPr sz="2100" kern="1200">
+        <a:defRPr sz="1800" kern="1200">
           <a:solidFill>
             <a:schemeClr val="tx1"/>
           </a:solidFill>
@@ -3342,8 +3579,8 @@
       <a:defPPr>
         <a:defRPr lang="ko-KR"/>
       </a:defPPr>
-      <a:lvl1pPr marL="0" algn="l" defTabSz="981730" rtl="0" eaLnBrk="1" latinLnBrk="1" hangingPunct="1">
-        <a:defRPr sz="1900" kern="1200">
+      <a:lvl1pPr marL="0" algn="l" defTabSz="914400" rtl="0" eaLnBrk="1" latinLnBrk="1" hangingPunct="1">
+        <a:defRPr sz="1800" kern="1200">
           <a:solidFill>
             <a:schemeClr val="tx1"/>
           </a:solidFill>
@@ -3352,8 +3589,8 @@
           <a:cs typeface="+mn-cs"/>
         </a:defRPr>
       </a:lvl1pPr>
-      <a:lvl2pPr marL="490865" algn="l" defTabSz="981730" rtl="0" eaLnBrk="1" latinLnBrk="1" hangingPunct="1">
-        <a:defRPr sz="1900" kern="1200">
+      <a:lvl2pPr marL="457200" algn="l" defTabSz="914400" rtl="0" eaLnBrk="1" latinLnBrk="1" hangingPunct="1">
+        <a:defRPr sz="1800" kern="1200">
           <a:solidFill>
             <a:schemeClr val="tx1"/>
           </a:solidFill>
@@ -3362,8 +3599,8 @@
           <a:cs typeface="+mn-cs"/>
         </a:defRPr>
       </a:lvl2pPr>
-      <a:lvl3pPr marL="981730" algn="l" defTabSz="981730" rtl="0" eaLnBrk="1" latinLnBrk="1" hangingPunct="1">
-        <a:defRPr sz="1900" kern="1200">
+      <a:lvl3pPr marL="914400" algn="l" defTabSz="914400" rtl="0" eaLnBrk="1" latinLnBrk="1" hangingPunct="1">
+        <a:defRPr sz="1800" kern="1200">
           <a:solidFill>
             <a:schemeClr val="tx1"/>
           </a:solidFill>
@@ -3372,8 +3609,8 @@
           <a:cs typeface="+mn-cs"/>
         </a:defRPr>
       </a:lvl3pPr>
-      <a:lvl4pPr marL="1472596" algn="l" defTabSz="981730" rtl="0" eaLnBrk="1" latinLnBrk="1" hangingPunct="1">
-        <a:defRPr sz="1900" kern="1200">
+      <a:lvl4pPr marL="1371600" algn="l" defTabSz="914400" rtl="0" eaLnBrk="1" latinLnBrk="1" hangingPunct="1">
+        <a:defRPr sz="1800" kern="1200">
           <a:solidFill>
             <a:schemeClr val="tx1"/>
           </a:solidFill>
@@ -3382,8 +3619,8 @@
           <a:cs typeface="+mn-cs"/>
         </a:defRPr>
       </a:lvl4pPr>
-      <a:lvl5pPr marL="1963460" algn="l" defTabSz="981730" rtl="0" eaLnBrk="1" latinLnBrk="1" hangingPunct="1">
-        <a:defRPr sz="1900" kern="1200">
+      <a:lvl5pPr marL="1828800" algn="l" defTabSz="914400" rtl="0" eaLnBrk="1" latinLnBrk="1" hangingPunct="1">
+        <a:defRPr sz="1800" kern="1200">
           <a:solidFill>
             <a:schemeClr val="tx1"/>
           </a:solidFill>
@@ -3392,8 +3629,8 @@
           <a:cs typeface="+mn-cs"/>
         </a:defRPr>
       </a:lvl5pPr>
-      <a:lvl6pPr marL="2454327" algn="l" defTabSz="981730" rtl="0" eaLnBrk="1" latinLnBrk="1" hangingPunct="1">
-        <a:defRPr sz="1900" kern="1200">
+      <a:lvl6pPr marL="2286000" algn="l" defTabSz="914400" rtl="0" eaLnBrk="1" latinLnBrk="1" hangingPunct="1">
+        <a:defRPr sz="1800" kern="1200">
           <a:solidFill>
             <a:schemeClr val="tx1"/>
           </a:solidFill>
@@ -3402,8 +3639,8 @@
           <a:cs typeface="+mn-cs"/>
         </a:defRPr>
       </a:lvl6pPr>
-      <a:lvl7pPr marL="2945191" algn="l" defTabSz="981730" rtl="0" eaLnBrk="1" latinLnBrk="1" hangingPunct="1">
-        <a:defRPr sz="1900" kern="1200">
+      <a:lvl7pPr marL="2743200" algn="l" defTabSz="914400" rtl="0" eaLnBrk="1" latinLnBrk="1" hangingPunct="1">
+        <a:defRPr sz="1800" kern="1200">
           <a:solidFill>
             <a:schemeClr val="tx1"/>
           </a:solidFill>
@@ -3412,8 +3649,8 @@
           <a:cs typeface="+mn-cs"/>
         </a:defRPr>
       </a:lvl7pPr>
-      <a:lvl8pPr marL="3436058" algn="l" defTabSz="981730" rtl="0" eaLnBrk="1" latinLnBrk="1" hangingPunct="1">
-        <a:defRPr sz="1900" kern="1200">
+      <a:lvl8pPr marL="3200400" algn="l" defTabSz="914400" rtl="0" eaLnBrk="1" latinLnBrk="1" hangingPunct="1">
+        <a:defRPr sz="1800" kern="1200">
           <a:solidFill>
             <a:schemeClr val="tx1"/>
           </a:solidFill>
@@ -3422,8 +3659,8 @@
           <a:cs typeface="+mn-cs"/>
         </a:defRPr>
       </a:lvl8pPr>
-      <a:lvl9pPr marL="3926923" algn="l" defTabSz="981730" rtl="0" eaLnBrk="1" latinLnBrk="1" hangingPunct="1">
-        <a:defRPr sz="1900" kern="1200">
+      <a:lvl9pPr marL="3657600" algn="l" defTabSz="914400" rtl="0" eaLnBrk="1" latinLnBrk="1" hangingPunct="1">
+        <a:defRPr sz="1800" kern="1200">
           <a:solidFill>
             <a:schemeClr val="tx1"/>
           </a:solidFill>
@@ -3454,76 +3691,32 @@
           <a:chExt cx="0" cy="0"/>
         </a:xfrm>
       </p:grpSpPr>
-      <p:pic>
-        <p:nvPicPr>
-          <p:cNvPr id="2050" name="Picture 2"/>
-          <p:cNvPicPr>
-            <a:picLocks noChangeAspect="1" noChangeArrowheads="1"/>
-          </p:cNvPicPr>
+      <p:sp>
+        <p:nvSpPr>
+          <p:cNvPr id="4" name="직사각형">
+            <a:extLst>
+              <a:ext uri="{FF2B5EF4-FFF2-40B4-BE49-F238E27FC236}">
+                <a16:creationId xmlns:a16="http://schemas.microsoft.com/office/drawing/2014/main" id="{E29727B3-DAB0-4A6A-8C1F-B3C1F5A77720}"/>
+              </a:ext>
+            </a:extLst>
+          </p:cNvPr>
+          <p:cNvSpPr/>
           <p:nvPr/>
-        </p:nvPicPr>
-        <p:blipFill>
-          <a:blip r:embed="rId2">
-            <a:extLst>
-              <a:ext uri="{28A0092B-C50C-407E-A947-70E740481C1C}">
-                <a14:useLocalDpi xmlns:a14="http://schemas.microsoft.com/office/drawing/2010/main" val="0"/>
-              </a:ext>
-            </a:extLst>
-          </a:blip>
-          <a:srcRect/>
-          <a:stretch>
-            <a:fillRect/>
-          </a:stretch>
-        </p:blipFill>
-        <p:spPr bwMode="auto">
-          <a:xfrm>
-            <a:off x="3150" y="-1667"/>
-            <a:ext cx="10701276" cy="1151475"/>
+        </p:nvSpPr>
+        <p:spPr>
+          <a:xfrm>
+            <a:off x="0" y="2371767"/>
+            <a:ext cx="12192000" cy="4478138"/>
           </a:xfrm>
           <a:prstGeom prst="rect">
             <a:avLst/>
           </a:prstGeom>
-          <a:noFill/>
+          <a:solidFill>
+            <a:srgbClr val="1520FF"/>
+          </a:solidFill>
           <a:ln>
             <a:noFill/>
           </a:ln>
-          <a:extLst>
-            <a:ext uri="{909E8E84-426E-40DD-AFC4-6F175D3DCCD1}">
-              <a14:hiddenFill xmlns:a14="http://schemas.microsoft.com/office/drawing/2010/main">
-                <a:solidFill>
-                  <a:schemeClr val="accent1"/>
-                </a:solidFill>
-              </a14:hiddenFill>
-            </a:ext>
-            <a:ext uri="{91240B29-F687-4F45-9708-019B960494DF}">
-              <a14:hiddenLine xmlns:a14="http://schemas.microsoft.com/office/drawing/2010/main" w="9525">
-                <a:solidFill>
-                  <a:schemeClr val="tx1"/>
-                </a:solidFill>
-                <a:miter lim="800000"/>
-                <a:headEnd/>
-                <a:tailEnd/>
-              </a14:hiddenLine>
-            </a:ext>
-          </a:extLst>
-        </p:spPr>
-      </p:pic>
-      <p:sp>
-        <p:nvSpPr>
-          <p:cNvPr id="9" name="직사각형 8"/>
-          <p:cNvSpPr/>
-          <p:nvPr/>
-        </p:nvSpPr>
-        <p:spPr>
-          <a:xfrm>
-            <a:off x="3150" y="1149808"/>
-            <a:ext cx="10687100" cy="6398607"/>
-          </a:xfrm>
-          <a:prstGeom prst="rect">
-            <a:avLst/>
-          </a:prstGeom>
-          <a:noFill/>
-          <a:ln w="3175"/>
         </p:spPr>
         <p:style>
           <a:lnRef idx="2">
@@ -3542,7 +3735,7 @@
           </a:fontRef>
         </p:style>
         <p:txBody>
-          <a:bodyPr lIns="98173" tIns="49087" rIns="98173" bIns="49087" rtlCol="0" anchor="ctr"/>
+          <a:bodyPr rtlCol="0" anchor="ctr"/>
           <a:lstStyle/>
           <a:p>
             <a:pPr algn="ctr"/>
@@ -3550,65 +3743,22 @@
           </a:p>
         </p:txBody>
       </p:sp>
-      <p:sp>
-        <p:nvSpPr>
-          <p:cNvPr id="19" name="name"/>
-          <p:cNvSpPr txBox="1">
-            <a:spLocks/>
-          </p:cNvSpPr>
-          <p:nvPr/>
-        </p:nvSpPr>
-        <p:spPr>
-          <a:xfrm>
-            <a:off x="3150" y="2729156"/>
-            <a:ext cx="10701276" cy="2910858"/>
-          </a:xfrm>
-          <a:prstGeom prst="rect">
-            <a:avLst/>
-          </a:prstGeom>
-        </p:spPr>
-        <p:txBody>
-          <a:bodyPr vert="horz" lIns="98173" tIns="49087" rIns="98173" bIns="49087" rtlCol="0" anchor="ctr">
-            <a:normAutofit/>
-          </a:bodyPr>
-          <a:lstStyle>
-            <a:lvl1pPr algn="ctr" defTabSz="914400" rtl="0" eaLnBrk="1" latinLnBrk="1" hangingPunct="1">
-              <a:spcBef>
-                <a:spcPct val="0"/>
-              </a:spcBef>
-              <a:buNone/>
-              <a:defRPr sz="4400" kern="1200">
-                <a:solidFill>
-                  <a:schemeClr val="tx1"/>
-                </a:solidFill>
-                <a:latin typeface="+mj-lt"/>
-                <a:ea typeface="+mj-ea"/>
-                <a:cs typeface="+mj-cs"/>
-              </a:defRPr>
-            </a:lvl1pPr>
-          </a:lstStyle>
-          <a:p>
-            <a:r>
-              <a:rPr sz="13300" b="1">
-                <a:solidFill>
-                  <a:srgbClr val="000000"/>
-                </a:solidFill>
-              </a:rPr>
-              <a:t/>
-            </a:r>
-          </a:p>
-        </p:txBody>
-      </p:sp>
       <p:pic>
         <p:nvPicPr>
-          <p:cNvPr id="2052" name="logo" descr="F:\★인천관광공사-디자인자료\★인천시_인천관광공사등-CI,BI\인천관광공사CI\공사CI-국문\인천관광공사-국문(가로).png"/>
+          <p:cNvPr id="3" name="logo" descr="2조원 파급 효과 내고도 매 맞은 &amp;#39;인천관광공사&amp;#39; - 위키리크스한국">
+            <a:extLst>
+              <a:ext uri="{FF2B5EF4-FFF2-40B4-BE49-F238E27FC236}">
+                <a16:creationId xmlns:a16="http://schemas.microsoft.com/office/drawing/2014/main" id="{E2D33970-FE8B-4A0A-AD13-6F0D6F5FB73A}"/>
+              </a:ext>
+            </a:extLst>
+          </p:cNvPr>
           <p:cNvPicPr>
             <a:picLocks noChangeAspect="1" noChangeArrowheads="1"/>
           </p:cNvPicPr>
           <p:nvPr/>
         </p:nvPicPr>
         <p:blipFill>
-          <a:blip r:embed="rId3" cstate="print">
+          <a:blip r:embed="rId2">
             <a:extLst>
               <a:ext uri="{28A0092B-C50C-407E-A947-70E740481C1C}">
                 <a14:useLocalDpi xmlns:a14="http://schemas.microsoft.com/office/drawing/2010/main" val="0"/>
@@ -3622,8 +3772,8 @@
         </p:blipFill>
         <p:spPr bwMode="auto">
           <a:xfrm>
-            <a:off x="231042" y="227295"/>
-            <a:ext cx="1895554" cy="696674"/>
+            <a:off x="3238499" y="95880"/>
+            <a:ext cx="5715000" cy="2219325"/>
           </a:xfrm>
           <a:prstGeom prst="rect">
             <a:avLst/>
@@ -3642,39 +3792,88 @@
       </p:pic>
       <p:sp>
         <p:nvSpPr>
-          <p:cNvPr id="7" name="pos">
-            <a:extLst>
-              <a:ext uri="{FF2B5EF4-FFF2-40B4-BE49-F238E27FC236}">
-                <a16:creationId xmlns:a16="http://schemas.microsoft.com/office/drawing/2014/main" id="{B1532AC5-2DF7-4FA0-9A7A-4211F29B9C1B}"/>
-              </a:ext>
-            </a:extLst>
-          </p:cNvPr>
-          <p:cNvSpPr txBox="1"/>
+          <p:cNvPr id="2" name="name">
+            <a:extLst>
+              <a:ext uri="{FF2B5EF4-FFF2-40B4-BE49-F238E27FC236}">
+                <a16:creationId xmlns:a16="http://schemas.microsoft.com/office/drawing/2014/main" id="{DD276CAC-41EF-4FEB-9E9F-65510454E4A2}"/>
+              </a:ext>
+            </a:extLst>
+          </p:cNvPr>
+          <p:cNvSpPr>
+            <a:spLocks noGrp="1"/>
+          </p:cNvSpPr>
+          <p:nvPr>
+            <p:ph type="ctrTitle"/>
+          </p:nvPr>
+        </p:nvSpPr>
+        <p:spPr>
+          <a:xfrm>
+            <a:off x="0" y="4024822"/>
+            <a:ext cx="12191997" cy="2387600"/>
+          </a:xfrm>
+        </p:spPr>
+        <p:txBody>
+          <a:bodyPr anchor="ctr">
+            <a:noAutofit/>
+          </a:bodyPr>
+          <a:lstStyle/>
+          <a:p>
+            <a:r>
+              <a:rPr sz="16800"/>
+              <a:t/>
+            </a:r>
+          </a:p>
+        </p:txBody>
+      </p:sp>
+      <p:sp>
+        <p:nvSpPr>
+          <p:cNvPr id="8" name="pos">
+            <a:extLst>
+              <a:ext uri="{FF2B5EF4-FFF2-40B4-BE49-F238E27FC236}">
+                <a16:creationId xmlns:a16="http://schemas.microsoft.com/office/drawing/2014/main" id="{631BD788-4196-42D9-AA81-6AD559485306}"/>
+              </a:ext>
+            </a:extLst>
+          </p:cNvPr>
+          <p:cNvSpPr txBox="1">
+            <a:spLocks/>
+          </p:cNvSpPr>
           <p:nvPr/>
         </p:nvSpPr>
         <p:spPr>
           <a:xfrm>
-            <a:off x="3978548" y="377091"/>
-            <a:ext cx="6489598" cy="523220"/>
+            <a:off x="0" y="2776616"/>
+            <a:ext cx="12191998" cy="1057153"/>
           </a:xfrm>
           <a:prstGeom prst="rect">
             <a:avLst/>
           </a:prstGeom>
-          <a:noFill/>
-        </p:spPr>
-        <p:txBody>
-          <a:bodyPr wrap="square" rtlCol="0">
-            <a:spAutoFit/>
+        </p:spPr>
+        <p:txBody>
+          <a:bodyPr vert="horz" lIns="91440" tIns="45720" rIns="91440" bIns="45720" rtlCol="0" anchor="ctr">
+            <a:noAutofit/>
           </a:bodyPr>
-          <a:lstStyle/>
-          <a:p>
-            <a:pPr algn="ctr"/>
-            <a:r>
-              <a:rPr sz="2800" b="1">
+          <a:lstStyle>
+            <a:lvl1pPr algn="ctr" defTabSz="914400" rtl="0" eaLnBrk="1" latinLnBrk="1" hangingPunct="1">
+              <a:lnSpc>
+                <a:spcPct val="90000"/>
+              </a:lnSpc>
+              <a:spcBef>
+                <a:spcPct val="0"/>
+              </a:spcBef>
+              <a:buNone/>
+              <a:defRPr sz="6000" kern="1200">
                 <a:solidFill>
-                  <a:srgbClr val="FFFFFF"/>
+                  <a:schemeClr val="tx1"/>
                 </a:solidFill>
-              </a:rPr>
+                <a:latin typeface="+mj-lt"/>
+                <a:ea typeface="+mj-ea"/>
+                <a:cs typeface="+mj-cs"/>
+              </a:defRPr>
+            </a:lvl1pPr>
+          </a:lstStyle>
+          <a:p>
+            <a:r>
+              <a:rPr sz="5000"/>
               <a:t/>
             </a:r>
           </a:p>
@@ -3683,7 +3882,7 @@
     </p:spTree>
     <p:extLst>
       <p:ext uri="{BB962C8B-B14F-4D97-AF65-F5344CB8AC3E}">
-        <p14:creationId xmlns:p14="http://schemas.microsoft.com/office/powerpoint/2010/main" val="3507663579"/>
+        <p14:creationId xmlns:p14="http://schemas.microsoft.com/office/powerpoint/2010/main" val="1142651298"/>
       </p:ext>
     </p:extLst>
   </p:cSld>
@@ -3710,76 +3909,32 @@
           <a:chExt cx="0" cy="0"/>
         </a:xfrm>
       </p:grpSpPr>
-      <p:pic>
-        <p:nvPicPr>
-          <p:cNvPr id="2050" name="Picture 2"/>
-          <p:cNvPicPr>
-            <a:picLocks noChangeAspect="1" noChangeArrowheads="1"/>
-          </p:cNvPicPr>
+      <p:sp>
+        <p:nvSpPr>
+          <p:cNvPr id="4" name="직사각형">
+            <a:extLst>
+              <a:ext uri="{FF2B5EF4-FFF2-40B4-BE49-F238E27FC236}">
+                <a16:creationId xmlns:a16="http://schemas.microsoft.com/office/drawing/2014/main" id="{E29727B3-DAB0-4A6A-8C1F-B3C1F5A77720}"/>
+              </a:ext>
+            </a:extLst>
+          </p:cNvPr>
+          <p:cNvSpPr/>
           <p:nvPr/>
-        </p:nvPicPr>
-        <p:blipFill>
-          <a:blip r:embed="rId2">
-            <a:extLst>
-              <a:ext uri="{28A0092B-C50C-407E-A947-70E740481C1C}">
-                <a14:useLocalDpi xmlns:a14="http://schemas.microsoft.com/office/drawing/2010/main" val="0"/>
-              </a:ext>
-            </a:extLst>
-          </a:blip>
-          <a:srcRect/>
-          <a:stretch>
-            <a:fillRect/>
-          </a:stretch>
-        </p:blipFill>
-        <p:spPr bwMode="auto">
-          <a:xfrm>
-            <a:off x="3150" y="-1667"/>
-            <a:ext cx="10701276" cy="1151475"/>
+        </p:nvSpPr>
+        <p:spPr>
+          <a:xfrm>
+            <a:off x="0" y="2371767"/>
+            <a:ext cx="12192000" cy="4478138"/>
           </a:xfrm>
           <a:prstGeom prst="rect">
             <a:avLst/>
           </a:prstGeom>
-          <a:noFill/>
+          <a:solidFill>
+            <a:srgbClr val="1520FF"/>
+          </a:solidFill>
           <a:ln>
             <a:noFill/>
           </a:ln>
-          <a:extLst>
-            <a:ext uri="{909E8E84-426E-40DD-AFC4-6F175D3DCCD1}">
-              <a14:hiddenFill xmlns:a14="http://schemas.microsoft.com/office/drawing/2010/main">
-                <a:solidFill>
-                  <a:schemeClr val="accent1"/>
-                </a:solidFill>
-              </a14:hiddenFill>
-            </a:ext>
-            <a:ext uri="{91240B29-F687-4F45-9708-019B960494DF}">
-              <a14:hiddenLine xmlns:a14="http://schemas.microsoft.com/office/drawing/2010/main" w="9525">
-                <a:solidFill>
-                  <a:schemeClr val="tx1"/>
-                </a:solidFill>
-                <a:miter lim="800000"/>
-                <a:headEnd/>
-                <a:tailEnd/>
-              </a14:hiddenLine>
-            </a:ext>
-          </a:extLst>
-        </p:spPr>
-      </p:pic>
-      <p:sp>
-        <p:nvSpPr>
-          <p:cNvPr id="9" name="직사각형 8"/>
-          <p:cNvSpPr/>
-          <p:nvPr/>
-        </p:nvSpPr>
-        <p:spPr>
-          <a:xfrm>
-            <a:off x="3150" y="1149808"/>
-            <a:ext cx="10687100" cy="6398607"/>
-          </a:xfrm>
-          <a:prstGeom prst="rect">
-            <a:avLst/>
-          </a:prstGeom>
-          <a:noFill/>
-          <a:ln w="3175"/>
         </p:spPr>
         <p:style>
           <a:lnRef idx="2">
@@ -3798,7 +3953,7 @@
           </a:fontRef>
         </p:style>
         <p:txBody>
-          <a:bodyPr lIns="98173" tIns="49087" rIns="98173" bIns="49087" rtlCol="0" anchor="ctr"/>
+          <a:bodyPr rtlCol="0" anchor="ctr"/>
           <a:lstStyle/>
           <a:p>
             <a:pPr algn="ctr"/>
@@ -3806,65 +3961,22 @@
           </a:p>
         </p:txBody>
       </p:sp>
-      <p:sp>
-        <p:nvSpPr>
-          <p:cNvPr id="19" name="name"/>
-          <p:cNvSpPr txBox="1">
-            <a:spLocks/>
-          </p:cNvSpPr>
-          <p:nvPr/>
-        </p:nvSpPr>
-        <p:spPr>
-          <a:xfrm>
-            <a:off x="3150" y="2729156"/>
-            <a:ext cx="10701276" cy="2910858"/>
-          </a:xfrm>
-          <a:prstGeom prst="rect">
-            <a:avLst/>
-          </a:prstGeom>
-        </p:spPr>
-        <p:txBody>
-          <a:bodyPr vert="horz" lIns="98173" tIns="49087" rIns="98173" bIns="49087" rtlCol="0" anchor="ctr">
-            <a:normAutofit/>
-          </a:bodyPr>
-          <a:lstStyle>
-            <a:lvl1pPr algn="ctr" defTabSz="914400" rtl="0" eaLnBrk="1" latinLnBrk="1" hangingPunct="1">
-              <a:spcBef>
-                <a:spcPct val="0"/>
-              </a:spcBef>
-              <a:buNone/>
-              <a:defRPr sz="4400" kern="1200">
-                <a:solidFill>
-                  <a:schemeClr val="tx1"/>
-                </a:solidFill>
-                <a:latin typeface="+mj-lt"/>
-                <a:ea typeface="+mj-ea"/>
-                <a:cs typeface="+mj-cs"/>
-              </a:defRPr>
-            </a:lvl1pPr>
-          </a:lstStyle>
-          <a:p>
-            <a:r>
-              <a:rPr sz="13300" b="1">
-                <a:solidFill>
-                  <a:srgbClr val="000000"/>
-                </a:solidFill>
-              </a:rPr>
-              <a:t/>
-            </a:r>
-          </a:p>
-        </p:txBody>
-      </p:sp>
       <p:pic>
         <p:nvPicPr>
-          <p:cNvPr id="2052" name="logo" descr="F:\★인천관광공사-디자인자료\★인천시_인천관광공사등-CI,BI\인천관광공사CI\공사CI-국문\인천관광공사-국문(가로).png"/>
+          <p:cNvPr id="3" name="logo" descr="2조원 파급 효과 내고도 매 맞은 &amp;#39;인천관광공사&amp;#39; - 위키리크스한국">
+            <a:extLst>
+              <a:ext uri="{FF2B5EF4-FFF2-40B4-BE49-F238E27FC236}">
+                <a16:creationId xmlns:a16="http://schemas.microsoft.com/office/drawing/2014/main" id="{E2D33970-FE8B-4A0A-AD13-6F0D6F5FB73A}"/>
+              </a:ext>
+            </a:extLst>
+          </p:cNvPr>
           <p:cNvPicPr>
             <a:picLocks noChangeAspect="1" noChangeArrowheads="1"/>
           </p:cNvPicPr>
           <p:nvPr/>
         </p:nvPicPr>
         <p:blipFill>
-          <a:blip r:embed="rId3" cstate="print">
+          <a:blip r:embed="rId2">
             <a:extLst>
               <a:ext uri="{28A0092B-C50C-407E-A947-70E740481C1C}">
                 <a14:useLocalDpi xmlns:a14="http://schemas.microsoft.com/office/drawing/2010/main" val="0"/>
@@ -3878,8 +3990,8 @@
         </p:blipFill>
         <p:spPr bwMode="auto">
           <a:xfrm>
-            <a:off x="231042" y="227295"/>
-            <a:ext cx="1895554" cy="696674"/>
+            <a:off x="3238499" y="95880"/>
+            <a:ext cx="5715000" cy="2219325"/>
           </a:xfrm>
           <a:prstGeom prst="rect">
             <a:avLst/>
@@ -3898,39 +4010,88 @@
       </p:pic>
       <p:sp>
         <p:nvSpPr>
-          <p:cNvPr id="7" name="pos">
-            <a:extLst>
-              <a:ext uri="{FF2B5EF4-FFF2-40B4-BE49-F238E27FC236}">
-                <a16:creationId xmlns:a16="http://schemas.microsoft.com/office/drawing/2014/main" id="{B1532AC5-2DF7-4FA0-9A7A-4211F29B9C1B}"/>
-              </a:ext>
-            </a:extLst>
-          </p:cNvPr>
-          <p:cNvSpPr txBox="1"/>
+          <p:cNvPr id="2" name="name">
+            <a:extLst>
+              <a:ext uri="{FF2B5EF4-FFF2-40B4-BE49-F238E27FC236}">
+                <a16:creationId xmlns:a16="http://schemas.microsoft.com/office/drawing/2014/main" id="{DD276CAC-41EF-4FEB-9E9F-65510454E4A2}"/>
+              </a:ext>
+            </a:extLst>
+          </p:cNvPr>
+          <p:cNvSpPr>
+            <a:spLocks noGrp="1"/>
+          </p:cNvSpPr>
+          <p:nvPr>
+            <p:ph type="ctrTitle"/>
+          </p:nvPr>
+        </p:nvSpPr>
+        <p:spPr>
+          <a:xfrm>
+            <a:off x="0" y="4024822"/>
+            <a:ext cx="12191997" cy="2387600"/>
+          </a:xfrm>
+        </p:spPr>
+        <p:txBody>
+          <a:bodyPr anchor="ctr">
+            <a:noAutofit/>
+          </a:bodyPr>
+          <a:lstStyle/>
+          <a:p>
+            <a:r>
+              <a:rPr sz="16800"/>
+              <a:t/>
+            </a:r>
+          </a:p>
+        </p:txBody>
+      </p:sp>
+      <p:sp>
+        <p:nvSpPr>
+          <p:cNvPr id="8" name="pos">
+            <a:extLst>
+              <a:ext uri="{FF2B5EF4-FFF2-40B4-BE49-F238E27FC236}">
+                <a16:creationId xmlns:a16="http://schemas.microsoft.com/office/drawing/2014/main" id="{631BD788-4196-42D9-AA81-6AD559485306}"/>
+              </a:ext>
+            </a:extLst>
+          </p:cNvPr>
+          <p:cNvSpPr txBox="1">
+            <a:spLocks/>
+          </p:cNvSpPr>
           <p:nvPr/>
         </p:nvSpPr>
         <p:spPr>
           <a:xfrm>
-            <a:off x="3978548" y="377091"/>
-            <a:ext cx="6489598" cy="523220"/>
+            <a:off x="0" y="2776616"/>
+            <a:ext cx="12191998" cy="1057153"/>
           </a:xfrm>
           <a:prstGeom prst="rect">
             <a:avLst/>
           </a:prstGeom>
-          <a:noFill/>
-        </p:spPr>
-        <p:txBody>
-          <a:bodyPr wrap="square" rtlCol="0">
-            <a:spAutoFit/>
+        </p:spPr>
+        <p:txBody>
+          <a:bodyPr vert="horz" lIns="91440" tIns="45720" rIns="91440" bIns="45720" rtlCol="0" anchor="ctr">
+            <a:noAutofit/>
           </a:bodyPr>
-          <a:lstStyle/>
-          <a:p>
-            <a:pPr algn="ctr"/>
-            <a:r>
-              <a:rPr sz="2800" b="1">
+          <a:lstStyle>
+            <a:lvl1pPr algn="ctr" defTabSz="914400" rtl="0" eaLnBrk="1" latinLnBrk="1" hangingPunct="1">
+              <a:lnSpc>
+                <a:spcPct val="90000"/>
+              </a:lnSpc>
+              <a:spcBef>
+                <a:spcPct val="0"/>
+              </a:spcBef>
+              <a:buNone/>
+              <a:defRPr sz="6000" kern="1200">
                 <a:solidFill>
-                  <a:srgbClr val="FFFFFF"/>
+                  <a:schemeClr val="tx1"/>
                 </a:solidFill>
-              </a:rPr>
+                <a:latin typeface="+mj-lt"/>
+                <a:ea typeface="+mj-ea"/>
+                <a:cs typeface="+mj-cs"/>
+              </a:defRPr>
+            </a:lvl1pPr>
+          </a:lstStyle>
+          <a:p>
+            <a:r>
+              <a:rPr sz="5000"/>
               <a:t/>
             </a:r>
           </a:p>
@@ -3939,7 +4100,7 @@
     </p:spTree>
     <p:extLst>
       <p:ext uri="{BB962C8B-B14F-4D97-AF65-F5344CB8AC3E}">
-        <p14:creationId xmlns:p14="http://schemas.microsoft.com/office/powerpoint/2010/main" val="12143711"/>
+        <p14:creationId xmlns:p14="http://schemas.microsoft.com/office/powerpoint/2010/main" val="1884241942"/>
       </p:ext>
     </p:extLst>
   </p:cSld>
@@ -3966,76 +4127,32 @@
           <a:chExt cx="0" cy="0"/>
         </a:xfrm>
       </p:grpSpPr>
-      <p:pic>
-        <p:nvPicPr>
-          <p:cNvPr id="2050" name="Picture 2"/>
-          <p:cNvPicPr>
-            <a:picLocks noChangeAspect="1" noChangeArrowheads="1"/>
-          </p:cNvPicPr>
+      <p:sp>
+        <p:nvSpPr>
+          <p:cNvPr id="4" name="직사각형">
+            <a:extLst>
+              <a:ext uri="{FF2B5EF4-FFF2-40B4-BE49-F238E27FC236}">
+                <a16:creationId xmlns:a16="http://schemas.microsoft.com/office/drawing/2014/main" id="{E29727B3-DAB0-4A6A-8C1F-B3C1F5A77720}"/>
+              </a:ext>
+            </a:extLst>
+          </p:cNvPr>
+          <p:cNvSpPr/>
           <p:nvPr/>
-        </p:nvPicPr>
-        <p:blipFill>
-          <a:blip r:embed="rId2">
-            <a:extLst>
-              <a:ext uri="{28A0092B-C50C-407E-A947-70E740481C1C}">
-                <a14:useLocalDpi xmlns:a14="http://schemas.microsoft.com/office/drawing/2010/main" val="0"/>
-              </a:ext>
-            </a:extLst>
-          </a:blip>
-          <a:srcRect/>
-          <a:stretch>
-            <a:fillRect/>
-          </a:stretch>
-        </p:blipFill>
-        <p:spPr bwMode="auto">
-          <a:xfrm>
-            <a:off x="3150" y="-1667"/>
-            <a:ext cx="10701276" cy="1151475"/>
+        </p:nvSpPr>
+        <p:spPr>
+          <a:xfrm>
+            <a:off x="0" y="2371767"/>
+            <a:ext cx="12192000" cy="4478138"/>
           </a:xfrm>
           <a:prstGeom prst="rect">
             <a:avLst/>
           </a:prstGeom>
-          <a:noFill/>
+          <a:solidFill>
+            <a:srgbClr val="1520FF"/>
+          </a:solidFill>
           <a:ln>
             <a:noFill/>
           </a:ln>
-          <a:extLst>
-            <a:ext uri="{909E8E84-426E-40DD-AFC4-6F175D3DCCD1}">
-              <a14:hiddenFill xmlns:a14="http://schemas.microsoft.com/office/drawing/2010/main">
-                <a:solidFill>
-                  <a:schemeClr val="accent1"/>
-                </a:solidFill>
-              </a14:hiddenFill>
-            </a:ext>
-            <a:ext uri="{91240B29-F687-4F45-9708-019B960494DF}">
-              <a14:hiddenLine xmlns:a14="http://schemas.microsoft.com/office/drawing/2010/main" w="9525">
-                <a:solidFill>
-                  <a:schemeClr val="tx1"/>
-                </a:solidFill>
-                <a:miter lim="800000"/>
-                <a:headEnd/>
-                <a:tailEnd/>
-              </a14:hiddenLine>
-            </a:ext>
-          </a:extLst>
-        </p:spPr>
-      </p:pic>
-      <p:sp>
-        <p:nvSpPr>
-          <p:cNvPr id="9" name="직사각형 8"/>
-          <p:cNvSpPr/>
-          <p:nvPr/>
-        </p:nvSpPr>
-        <p:spPr>
-          <a:xfrm>
-            <a:off x="3150" y="1149808"/>
-            <a:ext cx="10687100" cy="6398607"/>
-          </a:xfrm>
-          <a:prstGeom prst="rect">
-            <a:avLst/>
-          </a:prstGeom>
-          <a:noFill/>
-          <a:ln w="3175"/>
         </p:spPr>
         <p:style>
           <a:lnRef idx="2">
@@ -4054,7 +4171,7 @@
           </a:fontRef>
         </p:style>
         <p:txBody>
-          <a:bodyPr lIns="98173" tIns="49087" rIns="98173" bIns="49087" rtlCol="0" anchor="ctr"/>
+          <a:bodyPr rtlCol="0" anchor="ctr"/>
           <a:lstStyle/>
           <a:p>
             <a:pPr algn="ctr"/>
@@ -4062,65 +4179,22 @@
           </a:p>
         </p:txBody>
       </p:sp>
-      <p:sp>
-        <p:nvSpPr>
-          <p:cNvPr id="19" name="name"/>
-          <p:cNvSpPr txBox="1">
-            <a:spLocks/>
-          </p:cNvSpPr>
-          <p:nvPr/>
-        </p:nvSpPr>
-        <p:spPr>
-          <a:xfrm>
-            <a:off x="3150" y="2729156"/>
-            <a:ext cx="10701276" cy="2910858"/>
-          </a:xfrm>
-          <a:prstGeom prst="rect">
-            <a:avLst/>
-          </a:prstGeom>
-        </p:spPr>
-        <p:txBody>
-          <a:bodyPr vert="horz" lIns="98173" tIns="49087" rIns="98173" bIns="49087" rtlCol="0" anchor="ctr">
-            <a:normAutofit/>
-          </a:bodyPr>
-          <a:lstStyle>
-            <a:lvl1pPr algn="ctr" defTabSz="914400" rtl="0" eaLnBrk="1" latinLnBrk="1" hangingPunct="1">
-              <a:spcBef>
-                <a:spcPct val="0"/>
-              </a:spcBef>
-              <a:buNone/>
-              <a:defRPr sz="4400" kern="1200">
-                <a:solidFill>
-                  <a:schemeClr val="tx1"/>
-                </a:solidFill>
-                <a:latin typeface="+mj-lt"/>
-                <a:ea typeface="+mj-ea"/>
-                <a:cs typeface="+mj-cs"/>
-              </a:defRPr>
-            </a:lvl1pPr>
-          </a:lstStyle>
-          <a:p>
-            <a:r>
-              <a:rPr sz="13300" b="1">
-                <a:solidFill>
-                  <a:srgbClr val="000000"/>
-                </a:solidFill>
-              </a:rPr>
-              <a:t/>
-            </a:r>
-          </a:p>
-        </p:txBody>
-      </p:sp>
       <p:pic>
         <p:nvPicPr>
-          <p:cNvPr id="2052" name="logo" descr="F:\★인천관광공사-디자인자료\★인천시_인천관광공사등-CI,BI\인천관광공사CI\공사CI-국문\인천관광공사-국문(가로).png"/>
+          <p:cNvPr id="3" name="logo" descr="2조원 파급 효과 내고도 매 맞은 &amp;#39;인천관광공사&amp;#39; - 위키리크스한국">
+            <a:extLst>
+              <a:ext uri="{FF2B5EF4-FFF2-40B4-BE49-F238E27FC236}">
+                <a16:creationId xmlns:a16="http://schemas.microsoft.com/office/drawing/2014/main" id="{E2D33970-FE8B-4A0A-AD13-6F0D6F5FB73A}"/>
+              </a:ext>
+            </a:extLst>
+          </p:cNvPr>
           <p:cNvPicPr>
             <a:picLocks noChangeAspect="1" noChangeArrowheads="1"/>
           </p:cNvPicPr>
           <p:nvPr/>
         </p:nvPicPr>
         <p:blipFill>
-          <a:blip r:embed="rId3" cstate="print">
+          <a:blip r:embed="rId2">
             <a:extLst>
               <a:ext uri="{28A0092B-C50C-407E-A947-70E740481C1C}">
                 <a14:useLocalDpi xmlns:a14="http://schemas.microsoft.com/office/drawing/2010/main" val="0"/>
@@ -4134,8 +4208,8 @@
         </p:blipFill>
         <p:spPr bwMode="auto">
           <a:xfrm>
-            <a:off x="231042" y="227295"/>
-            <a:ext cx="1895554" cy="696674"/>
+            <a:off x="3238499" y="95880"/>
+            <a:ext cx="5715000" cy="2219325"/>
           </a:xfrm>
           <a:prstGeom prst="rect">
             <a:avLst/>
@@ -4154,39 +4228,88 @@
       </p:pic>
       <p:sp>
         <p:nvSpPr>
-          <p:cNvPr id="7" name="pos">
-            <a:extLst>
-              <a:ext uri="{FF2B5EF4-FFF2-40B4-BE49-F238E27FC236}">
-                <a16:creationId xmlns:a16="http://schemas.microsoft.com/office/drawing/2014/main" id="{B1532AC5-2DF7-4FA0-9A7A-4211F29B9C1B}"/>
-              </a:ext>
-            </a:extLst>
-          </p:cNvPr>
-          <p:cNvSpPr txBox="1"/>
+          <p:cNvPr id="2" name="name">
+            <a:extLst>
+              <a:ext uri="{FF2B5EF4-FFF2-40B4-BE49-F238E27FC236}">
+                <a16:creationId xmlns:a16="http://schemas.microsoft.com/office/drawing/2014/main" id="{DD276CAC-41EF-4FEB-9E9F-65510454E4A2}"/>
+              </a:ext>
+            </a:extLst>
+          </p:cNvPr>
+          <p:cNvSpPr>
+            <a:spLocks noGrp="1"/>
+          </p:cNvSpPr>
+          <p:nvPr>
+            <p:ph type="ctrTitle"/>
+          </p:nvPr>
+        </p:nvSpPr>
+        <p:spPr>
+          <a:xfrm>
+            <a:off x="0" y="4024822"/>
+            <a:ext cx="12191997" cy="2387600"/>
+          </a:xfrm>
+        </p:spPr>
+        <p:txBody>
+          <a:bodyPr anchor="ctr">
+            <a:noAutofit/>
+          </a:bodyPr>
+          <a:lstStyle/>
+          <a:p>
+            <a:r>
+              <a:rPr sz="16800"/>
+              <a:t/>
+            </a:r>
+          </a:p>
+        </p:txBody>
+      </p:sp>
+      <p:sp>
+        <p:nvSpPr>
+          <p:cNvPr id="8" name="pos">
+            <a:extLst>
+              <a:ext uri="{FF2B5EF4-FFF2-40B4-BE49-F238E27FC236}">
+                <a16:creationId xmlns:a16="http://schemas.microsoft.com/office/drawing/2014/main" id="{631BD788-4196-42D9-AA81-6AD559485306}"/>
+              </a:ext>
+            </a:extLst>
+          </p:cNvPr>
+          <p:cNvSpPr txBox="1">
+            <a:spLocks/>
+          </p:cNvSpPr>
           <p:nvPr/>
         </p:nvSpPr>
         <p:spPr>
           <a:xfrm>
-            <a:off x="3978548" y="377091"/>
-            <a:ext cx="6489598" cy="523220"/>
+            <a:off x="0" y="2776616"/>
+            <a:ext cx="12191998" cy="1057153"/>
           </a:xfrm>
           <a:prstGeom prst="rect">
             <a:avLst/>
           </a:prstGeom>
-          <a:noFill/>
-        </p:spPr>
-        <p:txBody>
-          <a:bodyPr wrap="square" rtlCol="0">
-            <a:spAutoFit/>
+        </p:spPr>
+        <p:txBody>
+          <a:bodyPr vert="horz" lIns="91440" tIns="45720" rIns="91440" bIns="45720" rtlCol="0" anchor="ctr">
+            <a:noAutofit/>
           </a:bodyPr>
-          <a:lstStyle/>
-          <a:p>
-            <a:pPr algn="ctr"/>
-            <a:r>
-              <a:rPr sz="2800" b="1">
+          <a:lstStyle>
+            <a:lvl1pPr algn="ctr" defTabSz="914400" rtl="0" eaLnBrk="1" latinLnBrk="1" hangingPunct="1">
+              <a:lnSpc>
+                <a:spcPct val="90000"/>
+              </a:lnSpc>
+              <a:spcBef>
+                <a:spcPct val="0"/>
+              </a:spcBef>
+              <a:buNone/>
+              <a:defRPr sz="6000" kern="1200">
                 <a:solidFill>
-                  <a:srgbClr val="FFFFFF"/>
+                  <a:schemeClr val="tx1"/>
                 </a:solidFill>
-              </a:rPr>
+                <a:latin typeface="+mj-lt"/>
+                <a:ea typeface="+mj-ea"/>
+                <a:cs typeface="+mj-cs"/>
+              </a:defRPr>
+            </a:lvl1pPr>
+          </a:lstStyle>
+          <a:p>
+            <a:r>
+              <a:rPr sz="5000"/>
               <a:t/>
             </a:r>
           </a:p>
@@ -4195,7 +4318,7 @@
     </p:spTree>
     <p:extLst>
       <p:ext uri="{BB962C8B-B14F-4D97-AF65-F5344CB8AC3E}">
-        <p14:creationId xmlns:p14="http://schemas.microsoft.com/office/powerpoint/2010/main" val="4263602761"/>
+        <p14:creationId xmlns:p14="http://schemas.microsoft.com/office/powerpoint/2010/main" val="3065046218"/>
       </p:ext>
     </p:extLst>
   </p:cSld>
@@ -4222,76 +4345,32 @@
           <a:chExt cx="0" cy="0"/>
         </a:xfrm>
       </p:grpSpPr>
-      <p:pic>
-        <p:nvPicPr>
-          <p:cNvPr id="2050" name="Picture 2"/>
-          <p:cNvPicPr>
-            <a:picLocks noChangeAspect="1" noChangeArrowheads="1"/>
-          </p:cNvPicPr>
+      <p:sp>
+        <p:nvSpPr>
+          <p:cNvPr id="4" name="직사각형">
+            <a:extLst>
+              <a:ext uri="{FF2B5EF4-FFF2-40B4-BE49-F238E27FC236}">
+                <a16:creationId xmlns:a16="http://schemas.microsoft.com/office/drawing/2014/main" id="{E29727B3-DAB0-4A6A-8C1F-B3C1F5A77720}"/>
+              </a:ext>
+            </a:extLst>
+          </p:cNvPr>
+          <p:cNvSpPr/>
           <p:nvPr/>
-        </p:nvPicPr>
-        <p:blipFill>
-          <a:blip r:embed="rId2">
-            <a:extLst>
-              <a:ext uri="{28A0092B-C50C-407E-A947-70E740481C1C}">
-                <a14:useLocalDpi xmlns:a14="http://schemas.microsoft.com/office/drawing/2010/main" val="0"/>
-              </a:ext>
-            </a:extLst>
-          </a:blip>
-          <a:srcRect/>
-          <a:stretch>
-            <a:fillRect/>
-          </a:stretch>
-        </p:blipFill>
-        <p:spPr bwMode="auto">
-          <a:xfrm>
-            <a:off x="3150" y="-1667"/>
-            <a:ext cx="10701276" cy="1151475"/>
+        </p:nvSpPr>
+        <p:spPr>
+          <a:xfrm>
+            <a:off x="0" y="2371767"/>
+            <a:ext cx="12192000" cy="4478138"/>
           </a:xfrm>
           <a:prstGeom prst="rect">
             <a:avLst/>
           </a:prstGeom>
-          <a:noFill/>
+          <a:solidFill>
+            <a:srgbClr val="1520FF"/>
+          </a:solidFill>
           <a:ln>
             <a:noFill/>
           </a:ln>
-          <a:extLst>
-            <a:ext uri="{909E8E84-426E-40DD-AFC4-6F175D3DCCD1}">
-              <a14:hiddenFill xmlns:a14="http://schemas.microsoft.com/office/drawing/2010/main">
-                <a:solidFill>
-                  <a:schemeClr val="accent1"/>
-                </a:solidFill>
-              </a14:hiddenFill>
-            </a:ext>
-            <a:ext uri="{91240B29-F687-4F45-9708-019B960494DF}">
-              <a14:hiddenLine xmlns:a14="http://schemas.microsoft.com/office/drawing/2010/main" w="9525">
-                <a:solidFill>
-                  <a:schemeClr val="tx1"/>
-                </a:solidFill>
-                <a:miter lim="800000"/>
-                <a:headEnd/>
-                <a:tailEnd/>
-              </a14:hiddenLine>
-            </a:ext>
-          </a:extLst>
-        </p:spPr>
-      </p:pic>
-      <p:sp>
-        <p:nvSpPr>
-          <p:cNvPr id="9" name="직사각형 8"/>
-          <p:cNvSpPr/>
-          <p:nvPr/>
-        </p:nvSpPr>
-        <p:spPr>
-          <a:xfrm>
-            <a:off x="3150" y="1149808"/>
-            <a:ext cx="10687100" cy="6398607"/>
-          </a:xfrm>
-          <a:prstGeom prst="rect">
-            <a:avLst/>
-          </a:prstGeom>
-          <a:noFill/>
-          <a:ln w="3175"/>
         </p:spPr>
         <p:style>
           <a:lnRef idx="2">
@@ -4310,7 +4389,7 @@
           </a:fontRef>
         </p:style>
         <p:txBody>
-          <a:bodyPr lIns="98173" tIns="49087" rIns="98173" bIns="49087" rtlCol="0" anchor="ctr"/>
+          <a:bodyPr rtlCol="0" anchor="ctr"/>
           <a:lstStyle/>
           <a:p>
             <a:pPr algn="ctr"/>
@@ -4318,65 +4397,22 @@
           </a:p>
         </p:txBody>
       </p:sp>
-      <p:sp>
-        <p:nvSpPr>
-          <p:cNvPr id="19" name="name"/>
-          <p:cNvSpPr txBox="1">
-            <a:spLocks/>
-          </p:cNvSpPr>
-          <p:nvPr/>
-        </p:nvSpPr>
-        <p:spPr>
-          <a:xfrm>
-            <a:off x="3150" y="2729156"/>
-            <a:ext cx="10701276" cy="2910858"/>
-          </a:xfrm>
-          <a:prstGeom prst="rect">
-            <a:avLst/>
-          </a:prstGeom>
-        </p:spPr>
-        <p:txBody>
-          <a:bodyPr vert="horz" lIns="98173" tIns="49087" rIns="98173" bIns="49087" rtlCol="0" anchor="ctr">
-            <a:normAutofit/>
-          </a:bodyPr>
-          <a:lstStyle>
-            <a:lvl1pPr algn="ctr" defTabSz="914400" rtl="0" eaLnBrk="1" latinLnBrk="1" hangingPunct="1">
-              <a:spcBef>
-                <a:spcPct val="0"/>
-              </a:spcBef>
-              <a:buNone/>
-              <a:defRPr sz="4400" kern="1200">
-                <a:solidFill>
-                  <a:schemeClr val="tx1"/>
-                </a:solidFill>
-                <a:latin typeface="+mj-lt"/>
-                <a:ea typeface="+mj-ea"/>
-                <a:cs typeface="+mj-cs"/>
-              </a:defRPr>
-            </a:lvl1pPr>
-          </a:lstStyle>
-          <a:p>
-            <a:r>
-              <a:rPr sz="13300" b="1">
-                <a:solidFill>
-                  <a:srgbClr val="000000"/>
-                </a:solidFill>
-              </a:rPr>
-              <a:t/>
-            </a:r>
-          </a:p>
-        </p:txBody>
-      </p:sp>
       <p:pic>
         <p:nvPicPr>
-          <p:cNvPr id="2052" name="logo" descr="F:\★인천관광공사-디자인자료\★인천시_인천관광공사등-CI,BI\인천관광공사CI\공사CI-국문\인천관광공사-국문(가로).png"/>
+          <p:cNvPr id="3" name="logo" descr="2조원 파급 효과 내고도 매 맞은 &amp;#39;인천관광공사&amp;#39; - 위키리크스한국">
+            <a:extLst>
+              <a:ext uri="{FF2B5EF4-FFF2-40B4-BE49-F238E27FC236}">
+                <a16:creationId xmlns:a16="http://schemas.microsoft.com/office/drawing/2014/main" id="{E2D33970-FE8B-4A0A-AD13-6F0D6F5FB73A}"/>
+              </a:ext>
+            </a:extLst>
+          </p:cNvPr>
           <p:cNvPicPr>
             <a:picLocks noChangeAspect="1" noChangeArrowheads="1"/>
           </p:cNvPicPr>
           <p:nvPr/>
         </p:nvPicPr>
         <p:blipFill>
-          <a:blip r:embed="rId3" cstate="print">
+          <a:blip r:embed="rId2">
             <a:extLst>
               <a:ext uri="{28A0092B-C50C-407E-A947-70E740481C1C}">
                 <a14:useLocalDpi xmlns:a14="http://schemas.microsoft.com/office/drawing/2010/main" val="0"/>
@@ -4390,8 +4426,8 @@
         </p:blipFill>
         <p:spPr bwMode="auto">
           <a:xfrm>
-            <a:off x="231042" y="227295"/>
-            <a:ext cx="1895554" cy="696674"/>
+            <a:off x="3238499" y="95880"/>
+            <a:ext cx="5715000" cy="2219325"/>
           </a:xfrm>
           <a:prstGeom prst="rect">
             <a:avLst/>
@@ -4410,39 +4446,88 @@
       </p:pic>
       <p:sp>
         <p:nvSpPr>
-          <p:cNvPr id="7" name="pos">
-            <a:extLst>
-              <a:ext uri="{FF2B5EF4-FFF2-40B4-BE49-F238E27FC236}">
-                <a16:creationId xmlns:a16="http://schemas.microsoft.com/office/drawing/2014/main" id="{B1532AC5-2DF7-4FA0-9A7A-4211F29B9C1B}"/>
-              </a:ext>
-            </a:extLst>
-          </p:cNvPr>
-          <p:cNvSpPr txBox="1"/>
+          <p:cNvPr id="2" name="name">
+            <a:extLst>
+              <a:ext uri="{FF2B5EF4-FFF2-40B4-BE49-F238E27FC236}">
+                <a16:creationId xmlns:a16="http://schemas.microsoft.com/office/drawing/2014/main" id="{DD276CAC-41EF-4FEB-9E9F-65510454E4A2}"/>
+              </a:ext>
+            </a:extLst>
+          </p:cNvPr>
+          <p:cNvSpPr>
+            <a:spLocks noGrp="1"/>
+          </p:cNvSpPr>
+          <p:nvPr>
+            <p:ph type="ctrTitle"/>
+          </p:nvPr>
+        </p:nvSpPr>
+        <p:spPr>
+          <a:xfrm>
+            <a:off x="0" y="4024822"/>
+            <a:ext cx="12191997" cy="2387600"/>
+          </a:xfrm>
+        </p:spPr>
+        <p:txBody>
+          <a:bodyPr anchor="ctr">
+            <a:noAutofit/>
+          </a:bodyPr>
+          <a:lstStyle/>
+          <a:p>
+            <a:r>
+              <a:rPr sz="16800"/>
+              <a:t/>
+            </a:r>
+          </a:p>
+        </p:txBody>
+      </p:sp>
+      <p:sp>
+        <p:nvSpPr>
+          <p:cNvPr id="8" name="pos">
+            <a:extLst>
+              <a:ext uri="{FF2B5EF4-FFF2-40B4-BE49-F238E27FC236}">
+                <a16:creationId xmlns:a16="http://schemas.microsoft.com/office/drawing/2014/main" id="{631BD788-4196-42D9-AA81-6AD559485306}"/>
+              </a:ext>
+            </a:extLst>
+          </p:cNvPr>
+          <p:cNvSpPr txBox="1">
+            <a:spLocks/>
+          </p:cNvSpPr>
           <p:nvPr/>
         </p:nvSpPr>
         <p:spPr>
           <a:xfrm>
-            <a:off x="3978548" y="377091"/>
-            <a:ext cx="6489598" cy="523220"/>
+            <a:off x="0" y="2776616"/>
+            <a:ext cx="12191998" cy="1057153"/>
           </a:xfrm>
           <a:prstGeom prst="rect">
             <a:avLst/>
           </a:prstGeom>
-          <a:noFill/>
-        </p:spPr>
-        <p:txBody>
-          <a:bodyPr wrap="square" rtlCol="0">
-            <a:spAutoFit/>
+        </p:spPr>
+        <p:txBody>
+          <a:bodyPr vert="horz" lIns="91440" tIns="45720" rIns="91440" bIns="45720" rtlCol="0" anchor="ctr">
+            <a:noAutofit/>
           </a:bodyPr>
-          <a:lstStyle/>
-          <a:p>
-            <a:pPr algn="ctr"/>
-            <a:r>
-              <a:rPr sz="2800" b="1">
+          <a:lstStyle>
+            <a:lvl1pPr algn="ctr" defTabSz="914400" rtl="0" eaLnBrk="1" latinLnBrk="1" hangingPunct="1">
+              <a:lnSpc>
+                <a:spcPct val="90000"/>
+              </a:lnSpc>
+              <a:spcBef>
+                <a:spcPct val="0"/>
+              </a:spcBef>
+              <a:buNone/>
+              <a:defRPr sz="6000" kern="1200">
                 <a:solidFill>
-                  <a:srgbClr val="FFFFFF"/>
+                  <a:schemeClr val="tx1"/>
                 </a:solidFill>
-              </a:rPr>
+                <a:latin typeface="+mj-lt"/>
+                <a:ea typeface="+mj-ea"/>
+                <a:cs typeface="+mj-cs"/>
+              </a:defRPr>
+            </a:lvl1pPr>
+          </a:lstStyle>
+          <a:p>
+            <a:r>
+              <a:rPr sz="5000"/>
               <a:t/>
             </a:r>
           </a:p>
@@ -4451,7 +4536,7 @@
     </p:spTree>
     <p:extLst>
       <p:ext uri="{BB962C8B-B14F-4D97-AF65-F5344CB8AC3E}">
-        <p14:creationId xmlns:p14="http://schemas.microsoft.com/office/powerpoint/2010/main" val="1308646282"/>
+        <p14:creationId xmlns:p14="http://schemas.microsoft.com/office/powerpoint/2010/main" val="1073636120"/>
       </p:ext>
     </p:extLst>
   </p:cSld>
@@ -4478,76 +4563,32 @@
           <a:chExt cx="0" cy="0"/>
         </a:xfrm>
       </p:grpSpPr>
-      <p:pic>
-        <p:nvPicPr>
-          <p:cNvPr id="2050" name="Picture 2"/>
-          <p:cNvPicPr>
-            <a:picLocks noChangeAspect="1" noChangeArrowheads="1"/>
-          </p:cNvPicPr>
+      <p:sp>
+        <p:nvSpPr>
+          <p:cNvPr id="4" name="직사각형">
+            <a:extLst>
+              <a:ext uri="{FF2B5EF4-FFF2-40B4-BE49-F238E27FC236}">
+                <a16:creationId xmlns:a16="http://schemas.microsoft.com/office/drawing/2014/main" id="{E29727B3-DAB0-4A6A-8C1F-B3C1F5A77720}"/>
+              </a:ext>
+            </a:extLst>
+          </p:cNvPr>
+          <p:cNvSpPr/>
           <p:nvPr/>
-        </p:nvPicPr>
-        <p:blipFill>
-          <a:blip r:embed="rId2">
-            <a:extLst>
-              <a:ext uri="{28A0092B-C50C-407E-A947-70E740481C1C}">
-                <a14:useLocalDpi xmlns:a14="http://schemas.microsoft.com/office/drawing/2010/main" val="0"/>
-              </a:ext>
-            </a:extLst>
-          </a:blip>
-          <a:srcRect/>
-          <a:stretch>
-            <a:fillRect/>
-          </a:stretch>
-        </p:blipFill>
-        <p:spPr bwMode="auto">
-          <a:xfrm>
-            <a:off x="3150" y="-1667"/>
-            <a:ext cx="10701276" cy="1151475"/>
+        </p:nvSpPr>
+        <p:spPr>
+          <a:xfrm>
+            <a:off x="0" y="2371767"/>
+            <a:ext cx="12192000" cy="4478138"/>
           </a:xfrm>
           <a:prstGeom prst="rect">
             <a:avLst/>
           </a:prstGeom>
-          <a:noFill/>
+          <a:solidFill>
+            <a:srgbClr val="1520FF"/>
+          </a:solidFill>
           <a:ln>
             <a:noFill/>
           </a:ln>
-          <a:extLst>
-            <a:ext uri="{909E8E84-426E-40DD-AFC4-6F175D3DCCD1}">
-              <a14:hiddenFill xmlns:a14="http://schemas.microsoft.com/office/drawing/2010/main">
-                <a:solidFill>
-                  <a:schemeClr val="accent1"/>
-                </a:solidFill>
-              </a14:hiddenFill>
-            </a:ext>
-            <a:ext uri="{91240B29-F687-4F45-9708-019B960494DF}">
-              <a14:hiddenLine xmlns:a14="http://schemas.microsoft.com/office/drawing/2010/main" w="9525">
-                <a:solidFill>
-                  <a:schemeClr val="tx1"/>
-                </a:solidFill>
-                <a:miter lim="800000"/>
-                <a:headEnd/>
-                <a:tailEnd/>
-              </a14:hiddenLine>
-            </a:ext>
-          </a:extLst>
-        </p:spPr>
-      </p:pic>
-      <p:sp>
-        <p:nvSpPr>
-          <p:cNvPr id="9" name="직사각형 8"/>
-          <p:cNvSpPr/>
-          <p:nvPr/>
-        </p:nvSpPr>
-        <p:spPr>
-          <a:xfrm>
-            <a:off x="3150" y="1149808"/>
-            <a:ext cx="10687100" cy="6398607"/>
-          </a:xfrm>
-          <a:prstGeom prst="rect">
-            <a:avLst/>
-          </a:prstGeom>
-          <a:noFill/>
-          <a:ln w="3175"/>
         </p:spPr>
         <p:style>
           <a:lnRef idx="2">
@@ -4566,7 +4607,7 @@
           </a:fontRef>
         </p:style>
         <p:txBody>
-          <a:bodyPr lIns="98173" tIns="49087" rIns="98173" bIns="49087" rtlCol="0" anchor="ctr"/>
+          <a:bodyPr rtlCol="0" anchor="ctr"/>
           <a:lstStyle/>
           <a:p>
             <a:pPr algn="ctr"/>
@@ -4574,65 +4615,22 @@
           </a:p>
         </p:txBody>
       </p:sp>
-      <p:sp>
-        <p:nvSpPr>
-          <p:cNvPr id="19" name="name"/>
-          <p:cNvSpPr txBox="1">
-            <a:spLocks/>
-          </p:cNvSpPr>
-          <p:nvPr/>
-        </p:nvSpPr>
-        <p:spPr>
-          <a:xfrm>
-            <a:off x="3150" y="2729156"/>
-            <a:ext cx="10701276" cy="2910858"/>
-          </a:xfrm>
-          <a:prstGeom prst="rect">
-            <a:avLst/>
-          </a:prstGeom>
-        </p:spPr>
-        <p:txBody>
-          <a:bodyPr vert="horz" lIns="98173" tIns="49087" rIns="98173" bIns="49087" rtlCol="0" anchor="ctr">
-            <a:normAutofit/>
-          </a:bodyPr>
-          <a:lstStyle>
-            <a:lvl1pPr algn="ctr" defTabSz="914400" rtl="0" eaLnBrk="1" latinLnBrk="1" hangingPunct="1">
-              <a:spcBef>
-                <a:spcPct val="0"/>
-              </a:spcBef>
-              <a:buNone/>
-              <a:defRPr sz="4400" kern="1200">
-                <a:solidFill>
-                  <a:schemeClr val="tx1"/>
-                </a:solidFill>
-                <a:latin typeface="+mj-lt"/>
-                <a:ea typeface="+mj-ea"/>
-                <a:cs typeface="+mj-cs"/>
-              </a:defRPr>
-            </a:lvl1pPr>
-          </a:lstStyle>
-          <a:p>
-            <a:r>
-              <a:rPr sz="13300" b="1">
-                <a:solidFill>
-                  <a:srgbClr val="000000"/>
-                </a:solidFill>
-              </a:rPr>
-              <a:t/>
-            </a:r>
-          </a:p>
-        </p:txBody>
-      </p:sp>
       <p:pic>
         <p:nvPicPr>
-          <p:cNvPr id="2052" name="logo" descr="F:\★인천관광공사-디자인자료\★인천시_인천관광공사등-CI,BI\인천관광공사CI\공사CI-국문\인천관광공사-국문(가로).png"/>
+          <p:cNvPr id="3" name="logo" descr="2조원 파급 효과 내고도 매 맞은 &amp;#39;인천관광공사&amp;#39; - 위키리크스한국">
+            <a:extLst>
+              <a:ext uri="{FF2B5EF4-FFF2-40B4-BE49-F238E27FC236}">
+                <a16:creationId xmlns:a16="http://schemas.microsoft.com/office/drawing/2014/main" id="{E2D33970-FE8B-4A0A-AD13-6F0D6F5FB73A}"/>
+              </a:ext>
+            </a:extLst>
+          </p:cNvPr>
           <p:cNvPicPr>
             <a:picLocks noChangeAspect="1" noChangeArrowheads="1"/>
           </p:cNvPicPr>
           <p:nvPr/>
         </p:nvPicPr>
         <p:blipFill>
-          <a:blip r:embed="rId3" cstate="print">
+          <a:blip r:embed="rId2">
             <a:extLst>
               <a:ext uri="{28A0092B-C50C-407E-A947-70E740481C1C}">
                 <a14:useLocalDpi xmlns:a14="http://schemas.microsoft.com/office/drawing/2010/main" val="0"/>
@@ -4646,8 +4644,8 @@
         </p:blipFill>
         <p:spPr bwMode="auto">
           <a:xfrm>
-            <a:off x="231042" y="227295"/>
-            <a:ext cx="1895554" cy="696674"/>
+            <a:off x="3238499" y="95880"/>
+            <a:ext cx="5715000" cy="2219325"/>
           </a:xfrm>
           <a:prstGeom prst="rect">
             <a:avLst/>
@@ -4666,39 +4664,88 @@
       </p:pic>
       <p:sp>
         <p:nvSpPr>
-          <p:cNvPr id="7" name="pos">
-            <a:extLst>
-              <a:ext uri="{FF2B5EF4-FFF2-40B4-BE49-F238E27FC236}">
-                <a16:creationId xmlns:a16="http://schemas.microsoft.com/office/drawing/2014/main" id="{B1532AC5-2DF7-4FA0-9A7A-4211F29B9C1B}"/>
-              </a:ext>
-            </a:extLst>
-          </p:cNvPr>
-          <p:cNvSpPr txBox="1"/>
+          <p:cNvPr id="2" name="name">
+            <a:extLst>
+              <a:ext uri="{FF2B5EF4-FFF2-40B4-BE49-F238E27FC236}">
+                <a16:creationId xmlns:a16="http://schemas.microsoft.com/office/drawing/2014/main" id="{DD276CAC-41EF-4FEB-9E9F-65510454E4A2}"/>
+              </a:ext>
+            </a:extLst>
+          </p:cNvPr>
+          <p:cNvSpPr>
+            <a:spLocks noGrp="1"/>
+          </p:cNvSpPr>
+          <p:nvPr>
+            <p:ph type="ctrTitle"/>
+          </p:nvPr>
+        </p:nvSpPr>
+        <p:spPr>
+          <a:xfrm>
+            <a:off x="0" y="4024822"/>
+            <a:ext cx="12191997" cy="2387600"/>
+          </a:xfrm>
+        </p:spPr>
+        <p:txBody>
+          <a:bodyPr anchor="ctr">
+            <a:noAutofit/>
+          </a:bodyPr>
+          <a:lstStyle/>
+          <a:p>
+            <a:r>
+              <a:rPr sz="16800"/>
+              <a:t/>
+            </a:r>
+          </a:p>
+        </p:txBody>
+      </p:sp>
+      <p:sp>
+        <p:nvSpPr>
+          <p:cNvPr id="8" name="pos">
+            <a:extLst>
+              <a:ext uri="{FF2B5EF4-FFF2-40B4-BE49-F238E27FC236}">
+                <a16:creationId xmlns:a16="http://schemas.microsoft.com/office/drawing/2014/main" id="{631BD788-4196-42D9-AA81-6AD559485306}"/>
+              </a:ext>
+            </a:extLst>
+          </p:cNvPr>
+          <p:cNvSpPr txBox="1">
+            <a:spLocks/>
+          </p:cNvSpPr>
           <p:nvPr/>
         </p:nvSpPr>
         <p:spPr>
           <a:xfrm>
-            <a:off x="3978548" y="377091"/>
-            <a:ext cx="6489598" cy="523220"/>
+            <a:off x="0" y="2776616"/>
+            <a:ext cx="12191998" cy="1057153"/>
           </a:xfrm>
           <a:prstGeom prst="rect">
             <a:avLst/>
           </a:prstGeom>
-          <a:noFill/>
-        </p:spPr>
-        <p:txBody>
-          <a:bodyPr wrap="square" rtlCol="0">
-            <a:spAutoFit/>
+        </p:spPr>
+        <p:txBody>
+          <a:bodyPr vert="horz" lIns="91440" tIns="45720" rIns="91440" bIns="45720" rtlCol="0" anchor="ctr">
+            <a:noAutofit/>
           </a:bodyPr>
-          <a:lstStyle/>
-          <a:p>
-            <a:pPr algn="ctr"/>
-            <a:r>
-              <a:rPr sz="2800" b="1">
+          <a:lstStyle>
+            <a:lvl1pPr algn="ctr" defTabSz="914400" rtl="0" eaLnBrk="1" latinLnBrk="1" hangingPunct="1">
+              <a:lnSpc>
+                <a:spcPct val="90000"/>
+              </a:lnSpc>
+              <a:spcBef>
+                <a:spcPct val="0"/>
+              </a:spcBef>
+              <a:buNone/>
+              <a:defRPr sz="6000" kern="1200">
                 <a:solidFill>
-                  <a:srgbClr val="FFFFFF"/>
+                  <a:schemeClr val="tx1"/>
                 </a:solidFill>
-              </a:rPr>
+                <a:latin typeface="+mj-lt"/>
+                <a:ea typeface="+mj-ea"/>
+                <a:cs typeface="+mj-cs"/>
+              </a:defRPr>
+            </a:lvl1pPr>
+          </a:lstStyle>
+          <a:p>
+            <a:r>
+              <a:rPr sz="5000"/>
               <a:t/>
             </a:r>
           </a:p>
@@ -4707,7 +4754,7 @@
     </p:spTree>
     <p:extLst>
       <p:ext uri="{BB962C8B-B14F-4D97-AF65-F5344CB8AC3E}">
-        <p14:creationId xmlns:p14="http://schemas.microsoft.com/office/powerpoint/2010/main" val="789465723"/>
+        <p14:creationId xmlns:p14="http://schemas.microsoft.com/office/powerpoint/2010/main" val="3300928280"/>
       </p:ext>
     </p:extLst>
   </p:cSld>
@@ -4734,76 +4781,32 @@
           <a:chExt cx="0" cy="0"/>
         </a:xfrm>
       </p:grpSpPr>
-      <p:pic>
-        <p:nvPicPr>
-          <p:cNvPr id="2050" name="Picture 2"/>
-          <p:cNvPicPr>
-            <a:picLocks noChangeAspect="1" noChangeArrowheads="1"/>
-          </p:cNvPicPr>
+      <p:sp>
+        <p:nvSpPr>
+          <p:cNvPr id="4" name="직사각형">
+            <a:extLst>
+              <a:ext uri="{FF2B5EF4-FFF2-40B4-BE49-F238E27FC236}">
+                <a16:creationId xmlns:a16="http://schemas.microsoft.com/office/drawing/2014/main" id="{E29727B3-DAB0-4A6A-8C1F-B3C1F5A77720}"/>
+              </a:ext>
+            </a:extLst>
+          </p:cNvPr>
+          <p:cNvSpPr/>
           <p:nvPr/>
-        </p:nvPicPr>
-        <p:blipFill>
-          <a:blip r:embed="rId2">
-            <a:extLst>
-              <a:ext uri="{28A0092B-C50C-407E-A947-70E740481C1C}">
-                <a14:useLocalDpi xmlns:a14="http://schemas.microsoft.com/office/drawing/2010/main" val="0"/>
-              </a:ext>
-            </a:extLst>
-          </a:blip>
-          <a:srcRect/>
-          <a:stretch>
-            <a:fillRect/>
-          </a:stretch>
-        </p:blipFill>
-        <p:spPr bwMode="auto">
-          <a:xfrm>
-            <a:off x="3150" y="-1667"/>
-            <a:ext cx="10701276" cy="1151475"/>
+        </p:nvSpPr>
+        <p:spPr>
+          <a:xfrm>
+            <a:off x="0" y="2371767"/>
+            <a:ext cx="12192000" cy="4478138"/>
           </a:xfrm>
           <a:prstGeom prst="rect">
             <a:avLst/>
           </a:prstGeom>
-          <a:noFill/>
+          <a:solidFill>
+            <a:srgbClr val="1520FF"/>
+          </a:solidFill>
           <a:ln>
             <a:noFill/>
           </a:ln>
-          <a:extLst>
-            <a:ext uri="{909E8E84-426E-40DD-AFC4-6F175D3DCCD1}">
-              <a14:hiddenFill xmlns:a14="http://schemas.microsoft.com/office/drawing/2010/main">
-                <a:solidFill>
-                  <a:schemeClr val="accent1"/>
-                </a:solidFill>
-              </a14:hiddenFill>
-            </a:ext>
-            <a:ext uri="{91240B29-F687-4F45-9708-019B960494DF}">
-              <a14:hiddenLine xmlns:a14="http://schemas.microsoft.com/office/drawing/2010/main" w="9525">
-                <a:solidFill>
-                  <a:schemeClr val="tx1"/>
-                </a:solidFill>
-                <a:miter lim="800000"/>
-                <a:headEnd/>
-                <a:tailEnd/>
-              </a14:hiddenLine>
-            </a:ext>
-          </a:extLst>
-        </p:spPr>
-      </p:pic>
-      <p:sp>
-        <p:nvSpPr>
-          <p:cNvPr id="9" name="직사각형 8"/>
-          <p:cNvSpPr/>
-          <p:nvPr/>
-        </p:nvSpPr>
-        <p:spPr>
-          <a:xfrm>
-            <a:off x="3150" y="1149808"/>
-            <a:ext cx="10687100" cy="6398607"/>
-          </a:xfrm>
-          <a:prstGeom prst="rect">
-            <a:avLst/>
-          </a:prstGeom>
-          <a:noFill/>
-          <a:ln w="3175"/>
         </p:spPr>
         <p:style>
           <a:lnRef idx="2">
@@ -4822,7 +4825,7 @@
           </a:fontRef>
         </p:style>
         <p:txBody>
-          <a:bodyPr lIns="98173" tIns="49087" rIns="98173" bIns="49087" rtlCol="0" anchor="ctr"/>
+          <a:bodyPr rtlCol="0" anchor="ctr"/>
           <a:lstStyle/>
           <a:p>
             <a:pPr algn="ctr"/>
@@ -4830,65 +4833,22 @@
           </a:p>
         </p:txBody>
       </p:sp>
-      <p:sp>
-        <p:nvSpPr>
-          <p:cNvPr id="19" name="name"/>
-          <p:cNvSpPr txBox="1">
-            <a:spLocks/>
-          </p:cNvSpPr>
-          <p:nvPr/>
-        </p:nvSpPr>
-        <p:spPr>
-          <a:xfrm>
-            <a:off x="3150" y="2729156"/>
-            <a:ext cx="10701276" cy="2910858"/>
-          </a:xfrm>
-          <a:prstGeom prst="rect">
-            <a:avLst/>
-          </a:prstGeom>
-        </p:spPr>
-        <p:txBody>
-          <a:bodyPr vert="horz" lIns="98173" tIns="49087" rIns="98173" bIns="49087" rtlCol="0" anchor="ctr">
-            <a:normAutofit/>
-          </a:bodyPr>
-          <a:lstStyle>
-            <a:lvl1pPr algn="ctr" defTabSz="914400" rtl="0" eaLnBrk="1" latinLnBrk="1" hangingPunct="1">
-              <a:spcBef>
-                <a:spcPct val="0"/>
-              </a:spcBef>
-              <a:buNone/>
-              <a:defRPr sz="4400" kern="1200">
-                <a:solidFill>
-                  <a:schemeClr val="tx1"/>
-                </a:solidFill>
-                <a:latin typeface="+mj-lt"/>
-                <a:ea typeface="+mj-ea"/>
-                <a:cs typeface="+mj-cs"/>
-              </a:defRPr>
-            </a:lvl1pPr>
-          </a:lstStyle>
-          <a:p>
-            <a:r>
-              <a:rPr sz="13300" b="1">
-                <a:solidFill>
-                  <a:srgbClr val="000000"/>
-                </a:solidFill>
-              </a:rPr>
-              <a:t/>
-            </a:r>
-          </a:p>
-        </p:txBody>
-      </p:sp>
       <p:pic>
         <p:nvPicPr>
-          <p:cNvPr id="2052" name="logo" descr="F:\★인천관광공사-디자인자료\★인천시_인천관광공사등-CI,BI\인천관광공사CI\공사CI-국문\인천관광공사-국문(가로).png"/>
+          <p:cNvPr id="3" name="logo" descr="2조원 파급 효과 내고도 매 맞은 &amp;#39;인천관광공사&amp;#39; - 위키리크스한국">
+            <a:extLst>
+              <a:ext uri="{FF2B5EF4-FFF2-40B4-BE49-F238E27FC236}">
+                <a16:creationId xmlns:a16="http://schemas.microsoft.com/office/drawing/2014/main" id="{E2D33970-FE8B-4A0A-AD13-6F0D6F5FB73A}"/>
+              </a:ext>
+            </a:extLst>
+          </p:cNvPr>
           <p:cNvPicPr>
             <a:picLocks noChangeAspect="1" noChangeArrowheads="1"/>
           </p:cNvPicPr>
           <p:nvPr/>
         </p:nvPicPr>
         <p:blipFill>
-          <a:blip r:embed="rId3" cstate="print">
+          <a:blip r:embed="rId2">
             <a:extLst>
               <a:ext uri="{28A0092B-C50C-407E-A947-70E740481C1C}">
                 <a14:useLocalDpi xmlns:a14="http://schemas.microsoft.com/office/drawing/2010/main" val="0"/>
@@ -4902,8 +4862,8 @@
         </p:blipFill>
         <p:spPr bwMode="auto">
           <a:xfrm>
-            <a:off x="231042" y="227295"/>
-            <a:ext cx="1895554" cy="696674"/>
+            <a:off x="3238499" y="95880"/>
+            <a:ext cx="5715000" cy="2219325"/>
           </a:xfrm>
           <a:prstGeom prst="rect">
             <a:avLst/>
@@ -4922,39 +4882,88 @@
       </p:pic>
       <p:sp>
         <p:nvSpPr>
-          <p:cNvPr id="7" name="pos">
-            <a:extLst>
-              <a:ext uri="{FF2B5EF4-FFF2-40B4-BE49-F238E27FC236}">
-                <a16:creationId xmlns:a16="http://schemas.microsoft.com/office/drawing/2014/main" id="{B1532AC5-2DF7-4FA0-9A7A-4211F29B9C1B}"/>
-              </a:ext>
-            </a:extLst>
-          </p:cNvPr>
-          <p:cNvSpPr txBox="1"/>
+          <p:cNvPr id="2" name="name">
+            <a:extLst>
+              <a:ext uri="{FF2B5EF4-FFF2-40B4-BE49-F238E27FC236}">
+                <a16:creationId xmlns:a16="http://schemas.microsoft.com/office/drawing/2014/main" id="{DD276CAC-41EF-4FEB-9E9F-65510454E4A2}"/>
+              </a:ext>
+            </a:extLst>
+          </p:cNvPr>
+          <p:cNvSpPr>
+            <a:spLocks noGrp="1"/>
+          </p:cNvSpPr>
+          <p:nvPr>
+            <p:ph type="ctrTitle"/>
+          </p:nvPr>
+        </p:nvSpPr>
+        <p:spPr>
+          <a:xfrm>
+            <a:off x="0" y="4024822"/>
+            <a:ext cx="12191997" cy="2387600"/>
+          </a:xfrm>
+        </p:spPr>
+        <p:txBody>
+          <a:bodyPr anchor="ctr">
+            <a:noAutofit/>
+          </a:bodyPr>
+          <a:lstStyle/>
+          <a:p>
+            <a:r>
+              <a:rPr sz="16800"/>
+              <a:t/>
+            </a:r>
+          </a:p>
+        </p:txBody>
+      </p:sp>
+      <p:sp>
+        <p:nvSpPr>
+          <p:cNvPr id="8" name="pos">
+            <a:extLst>
+              <a:ext uri="{FF2B5EF4-FFF2-40B4-BE49-F238E27FC236}">
+                <a16:creationId xmlns:a16="http://schemas.microsoft.com/office/drawing/2014/main" id="{631BD788-4196-42D9-AA81-6AD559485306}"/>
+              </a:ext>
+            </a:extLst>
+          </p:cNvPr>
+          <p:cNvSpPr txBox="1">
+            <a:spLocks/>
+          </p:cNvSpPr>
           <p:nvPr/>
         </p:nvSpPr>
         <p:spPr>
           <a:xfrm>
-            <a:off x="3978548" y="377091"/>
-            <a:ext cx="6489598" cy="523220"/>
+            <a:off x="0" y="2776616"/>
+            <a:ext cx="12191998" cy="1057153"/>
           </a:xfrm>
           <a:prstGeom prst="rect">
             <a:avLst/>
           </a:prstGeom>
-          <a:noFill/>
-        </p:spPr>
-        <p:txBody>
-          <a:bodyPr wrap="square" rtlCol="0">
-            <a:spAutoFit/>
+        </p:spPr>
+        <p:txBody>
+          <a:bodyPr vert="horz" lIns="91440" tIns="45720" rIns="91440" bIns="45720" rtlCol="0" anchor="ctr">
+            <a:noAutofit/>
           </a:bodyPr>
-          <a:lstStyle/>
-          <a:p>
-            <a:pPr algn="ctr"/>
-            <a:r>
-              <a:rPr sz="2800" b="1">
+          <a:lstStyle>
+            <a:lvl1pPr algn="ctr" defTabSz="914400" rtl="0" eaLnBrk="1" latinLnBrk="1" hangingPunct="1">
+              <a:lnSpc>
+                <a:spcPct val="90000"/>
+              </a:lnSpc>
+              <a:spcBef>
+                <a:spcPct val="0"/>
+              </a:spcBef>
+              <a:buNone/>
+              <a:defRPr sz="6000" kern="1200">
                 <a:solidFill>
-                  <a:srgbClr val="FFFFFF"/>
+                  <a:schemeClr val="tx1"/>
                 </a:solidFill>
-              </a:rPr>
+                <a:latin typeface="+mj-lt"/>
+                <a:ea typeface="+mj-ea"/>
+                <a:cs typeface="+mj-cs"/>
+              </a:defRPr>
+            </a:lvl1pPr>
+          </a:lstStyle>
+          <a:p>
+            <a:r>
+              <a:rPr sz="5000"/>
               <a:t/>
             </a:r>
           </a:p>
@@ -4963,7 +4972,7 @@
     </p:spTree>
     <p:extLst>
       <p:ext uri="{BB962C8B-B14F-4D97-AF65-F5344CB8AC3E}">
-        <p14:creationId xmlns:p14="http://schemas.microsoft.com/office/powerpoint/2010/main" val="1418140849"/>
+        <p14:creationId xmlns:p14="http://schemas.microsoft.com/office/powerpoint/2010/main" val="493464421"/>
       </p:ext>
     </p:extLst>
   </p:cSld>
@@ -4990,76 +4999,32 @@
           <a:chExt cx="0" cy="0"/>
         </a:xfrm>
       </p:grpSpPr>
-      <p:pic>
-        <p:nvPicPr>
-          <p:cNvPr id="2050" name="Picture 2"/>
-          <p:cNvPicPr>
-            <a:picLocks noChangeAspect="1" noChangeArrowheads="1"/>
-          </p:cNvPicPr>
+      <p:sp>
+        <p:nvSpPr>
+          <p:cNvPr id="4" name="직사각형">
+            <a:extLst>
+              <a:ext uri="{FF2B5EF4-FFF2-40B4-BE49-F238E27FC236}">
+                <a16:creationId xmlns:a16="http://schemas.microsoft.com/office/drawing/2014/main" id="{E29727B3-DAB0-4A6A-8C1F-B3C1F5A77720}"/>
+              </a:ext>
+            </a:extLst>
+          </p:cNvPr>
+          <p:cNvSpPr/>
           <p:nvPr/>
-        </p:nvPicPr>
-        <p:blipFill>
-          <a:blip r:embed="rId2">
-            <a:extLst>
-              <a:ext uri="{28A0092B-C50C-407E-A947-70E740481C1C}">
-                <a14:useLocalDpi xmlns:a14="http://schemas.microsoft.com/office/drawing/2010/main" val="0"/>
-              </a:ext>
-            </a:extLst>
-          </a:blip>
-          <a:srcRect/>
-          <a:stretch>
-            <a:fillRect/>
-          </a:stretch>
-        </p:blipFill>
-        <p:spPr bwMode="auto">
-          <a:xfrm>
-            <a:off x="3150" y="-1667"/>
-            <a:ext cx="10701276" cy="1151475"/>
+        </p:nvSpPr>
+        <p:spPr>
+          <a:xfrm>
+            <a:off x="0" y="2371767"/>
+            <a:ext cx="12192000" cy="4478138"/>
           </a:xfrm>
           <a:prstGeom prst="rect">
             <a:avLst/>
           </a:prstGeom>
-          <a:noFill/>
+          <a:solidFill>
+            <a:srgbClr val="1520FF"/>
+          </a:solidFill>
           <a:ln>
             <a:noFill/>
           </a:ln>
-          <a:extLst>
-            <a:ext uri="{909E8E84-426E-40DD-AFC4-6F175D3DCCD1}">
-              <a14:hiddenFill xmlns:a14="http://schemas.microsoft.com/office/drawing/2010/main">
-                <a:solidFill>
-                  <a:schemeClr val="accent1"/>
-                </a:solidFill>
-              </a14:hiddenFill>
-            </a:ext>
-            <a:ext uri="{91240B29-F687-4F45-9708-019B960494DF}">
-              <a14:hiddenLine xmlns:a14="http://schemas.microsoft.com/office/drawing/2010/main" w="9525">
-                <a:solidFill>
-                  <a:schemeClr val="tx1"/>
-                </a:solidFill>
-                <a:miter lim="800000"/>
-                <a:headEnd/>
-                <a:tailEnd/>
-              </a14:hiddenLine>
-            </a:ext>
-          </a:extLst>
-        </p:spPr>
-      </p:pic>
-      <p:sp>
-        <p:nvSpPr>
-          <p:cNvPr id="9" name="직사각형 8"/>
-          <p:cNvSpPr/>
-          <p:nvPr/>
-        </p:nvSpPr>
-        <p:spPr>
-          <a:xfrm>
-            <a:off x="3150" y="1149808"/>
-            <a:ext cx="10687100" cy="6398607"/>
-          </a:xfrm>
-          <a:prstGeom prst="rect">
-            <a:avLst/>
-          </a:prstGeom>
-          <a:noFill/>
-          <a:ln w="3175"/>
         </p:spPr>
         <p:style>
           <a:lnRef idx="2">
@@ -5078,7 +5043,7 @@
           </a:fontRef>
         </p:style>
         <p:txBody>
-          <a:bodyPr lIns="98173" tIns="49087" rIns="98173" bIns="49087" rtlCol="0" anchor="ctr"/>
+          <a:bodyPr rtlCol="0" anchor="ctr"/>
           <a:lstStyle/>
           <a:p>
             <a:pPr algn="ctr"/>
@@ -5086,65 +5051,22 @@
           </a:p>
         </p:txBody>
       </p:sp>
-      <p:sp>
-        <p:nvSpPr>
-          <p:cNvPr id="19" name="name"/>
-          <p:cNvSpPr txBox="1">
-            <a:spLocks/>
-          </p:cNvSpPr>
-          <p:nvPr/>
-        </p:nvSpPr>
-        <p:spPr>
-          <a:xfrm>
-            <a:off x="3150" y="2729156"/>
-            <a:ext cx="10701276" cy="2910858"/>
-          </a:xfrm>
-          <a:prstGeom prst="rect">
-            <a:avLst/>
-          </a:prstGeom>
-        </p:spPr>
-        <p:txBody>
-          <a:bodyPr vert="horz" lIns="98173" tIns="49087" rIns="98173" bIns="49087" rtlCol="0" anchor="ctr">
-            <a:normAutofit/>
-          </a:bodyPr>
-          <a:lstStyle>
-            <a:lvl1pPr algn="ctr" defTabSz="914400" rtl="0" eaLnBrk="1" latinLnBrk="1" hangingPunct="1">
-              <a:spcBef>
-                <a:spcPct val="0"/>
-              </a:spcBef>
-              <a:buNone/>
-              <a:defRPr sz="4400" kern="1200">
-                <a:solidFill>
-                  <a:schemeClr val="tx1"/>
-                </a:solidFill>
-                <a:latin typeface="+mj-lt"/>
-                <a:ea typeface="+mj-ea"/>
-                <a:cs typeface="+mj-cs"/>
-              </a:defRPr>
-            </a:lvl1pPr>
-          </a:lstStyle>
-          <a:p>
-            <a:r>
-              <a:rPr sz="13300" b="1">
-                <a:solidFill>
-                  <a:srgbClr val="000000"/>
-                </a:solidFill>
-              </a:rPr>
-              <a:t/>
-            </a:r>
-          </a:p>
-        </p:txBody>
-      </p:sp>
       <p:pic>
         <p:nvPicPr>
-          <p:cNvPr id="2052" name="logo" descr="F:\★인천관광공사-디자인자료\★인천시_인천관광공사등-CI,BI\인천관광공사CI\공사CI-국문\인천관광공사-국문(가로).png"/>
+          <p:cNvPr id="3" name="logo" descr="2조원 파급 효과 내고도 매 맞은 &amp;#39;인천관광공사&amp;#39; - 위키리크스한국">
+            <a:extLst>
+              <a:ext uri="{FF2B5EF4-FFF2-40B4-BE49-F238E27FC236}">
+                <a16:creationId xmlns:a16="http://schemas.microsoft.com/office/drawing/2014/main" id="{E2D33970-FE8B-4A0A-AD13-6F0D6F5FB73A}"/>
+              </a:ext>
+            </a:extLst>
+          </p:cNvPr>
           <p:cNvPicPr>
             <a:picLocks noChangeAspect="1" noChangeArrowheads="1"/>
           </p:cNvPicPr>
           <p:nvPr/>
         </p:nvPicPr>
         <p:blipFill>
-          <a:blip r:embed="rId3" cstate="print">
+          <a:blip r:embed="rId2">
             <a:extLst>
               <a:ext uri="{28A0092B-C50C-407E-A947-70E740481C1C}">
                 <a14:useLocalDpi xmlns:a14="http://schemas.microsoft.com/office/drawing/2010/main" val="0"/>
@@ -5158,8 +5080,8 @@
         </p:blipFill>
         <p:spPr bwMode="auto">
           <a:xfrm>
-            <a:off x="231042" y="227295"/>
-            <a:ext cx="1895554" cy="696674"/>
+            <a:off x="3238499" y="95880"/>
+            <a:ext cx="5715000" cy="2219325"/>
           </a:xfrm>
           <a:prstGeom prst="rect">
             <a:avLst/>
@@ -5178,39 +5100,88 @@
       </p:pic>
       <p:sp>
         <p:nvSpPr>
-          <p:cNvPr id="7" name="pos">
-            <a:extLst>
-              <a:ext uri="{FF2B5EF4-FFF2-40B4-BE49-F238E27FC236}">
-                <a16:creationId xmlns:a16="http://schemas.microsoft.com/office/drawing/2014/main" id="{B1532AC5-2DF7-4FA0-9A7A-4211F29B9C1B}"/>
-              </a:ext>
-            </a:extLst>
-          </p:cNvPr>
-          <p:cNvSpPr txBox="1"/>
+          <p:cNvPr id="2" name="name">
+            <a:extLst>
+              <a:ext uri="{FF2B5EF4-FFF2-40B4-BE49-F238E27FC236}">
+                <a16:creationId xmlns:a16="http://schemas.microsoft.com/office/drawing/2014/main" id="{DD276CAC-41EF-4FEB-9E9F-65510454E4A2}"/>
+              </a:ext>
+            </a:extLst>
+          </p:cNvPr>
+          <p:cNvSpPr>
+            <a:spLocks noGrp="1"/>
+          </p:cNvSpPr>
+          <p:nvPr>
+            <p:ph type="ctrTitle"/>
+          </p:nvPr>
+        </p:nvSpPr>
+        <p:spPr>
+          <a:xfrm>
+            <a:off x="0" y="4024822"/>
+            <a:ext cx="12191997" cy="2387600"/>
+          </a:xfrm>
+        </p:spPr>
+        <p:txBody>
+          <a:bodyPr anchor="ctr">
+            <a:noAutofit/>
+          </a:bodyPr>
+          <a:lstStyle/>
+          <a:p>
+            <a:r>
+              <a:rPr sz="16800"/>
+              <a:t/>
+            </a:r>
+          </a:p>
+        </p:txBody>
+      </p:sp>
+      <p:sp>
+        <p:nvSpPr>
+          <p:cNvPr id="8" name="pos">
+            <a:extLst>
+              <a:ext uri="{FF2B5EF4-FFF2-40B4-BE49-F238E27FC236}">
+                <a16:creationId xmlns:a16="http://schemas.microsoft.com/office/drawing/2014/main" id="{631BD788-4196-42D9-AA81-6AD559485306}"/>
+              </a:ext>
+            </a:extLst>
+          </p:cNvPr>
+          <p:cNvSpPr txBox="1">
+            <a:spLocks/>
+          </p:cNvSpPr>
           <p:nvPr/>
         </p:nvSpPr>
         <p:spPr>
           <a:xfrm>
-            <a:off x="3978548" y="377091"/>
-            <a:ext cx="6489598" cy="523220"/>
+            <a:off x="0" y="2776616"/>
+            <a:ext cx="12191998" cy="1057153"/>
           </a:xfrm>
           <a:prstGeom prst="rect">
             <a:avLst/>
           </a:prstGeom>
-          <a:noFill/>
-        </p:spPr>
-        <p:txBody>
-          <a:bodyPr wrap="square" rtlCol="0">
-            <a:spAutoFit/>
+        </p:spPr>
+        <p:txBody>
+          <a:bodyPr vert="horz" lIns="91440" tIns="45720" rIns="91440" bIns="45720" rtlCol="0" anchor="ctr">
+            <a:noAutofit/>
           </a:bodyPr>
-          <a:lstStyle/>
-          <a:p>
-            <a:pPr algn="ctr"/>
-            <a:r>
-              <a:rPr sz="2800" b="1">
+          <a:lstStyle>
+            <a:lvl1pPr algn="ctr" defTabSz="914400" rtl="0" eaLnBrk="1" latinLnBrk="1" hangingPunct="1">
+              <a:lnSpc>
+                <a:spcPct val="90000"/>
+              </a:lnSpc>
+              <a:spcBef>
+                <a:spcPct val="0"/>
+              </a:spcBef>
+              <a:buNone/>
+              <a:defRPr sz="6000" kern="1200">
                 <a:solidFill>
-                  <a:srgbClr val="FFFFFF"/>
+                  <a:schemeClr val="tx1"/>
                 </a:solidFill>
-              </a:rPr>
+                <a:latin typeface="+mj-lt"/>
+                <a:ea typeface="+mj-ea"/>
+                <a:cs typeface="+mj-cs"/>
+              </a:defRPr>
+            </a:lvl1pPr>
+          </a:lstStyle>
+          <a:p>
+            <a:r>
+              <a:rPr sz="5000"/>
               <a:t/>
             </a:r>
           </a:p>
@@ -5219,7 +5190,7 @@
     </p:spTree>
     <p:extLst>
       <p:ext uri="{BB962C8B-B14F-4D97-AF65-F5344CB8AC3E}">
-        <p14:creationId xmlns:p14="http://schemas.microsoft.com/office/powerpoint/2010/main" val="3514062656"/>
+        <p14:creationId xmlns:p14="http://schemas.microsoft.com/office/powerpoint/2010/main" val="4158011357"/>
       </p:ext>
     </p:extLst>
   </p:cSld>
@@ -5246,76 +5217,32 @@
           <a:chExt cx="0" cy="0"/>
         </a:xfrm>
       </p:grpSpPr>
-      <p:pic>
-        <p:nvPicPr>
-          <p:cNvPr id="2050" name="Picture 2"/>
-          <p:cNvPicPr>
-            <a:picLocks noChangeAspect="1" noChangeArrowheads="1"/>
-          </p:cNvPicPr>
+      <p:sp>
+        <p:nvSpPr>
+          <p:cNvPr id="4" name="직사각형">
+            <a:extLst>
+              <a:ext uri="{FF2B5EF4-FFF2-40B4-BE49-F238E27FC236}">
+                <a16:creationId xmlns:a16="http://schemas.microsoft.com/office/drawing/2014/main" id="{E29727B3-DAB0-4A6A-8C1F-B3C1F5A77720}"/>
+              </a:ext>
+            </a:extLst>
+          </p:cNvPr>
+          <p:cNvSpPr/>
           <p:nvPr/>
-        </p:nvPicPr>
-        <p:blipFill>
-          <a:blip r:embed="rId2">
-            <a:extLst>
-              <a:ext uri="{28A0092B-C50C-407E-A947-70E740481C1C}">
-                <a14:useLocalDpi xmlns:a14="http://schemas.microsoft.com/office/drawing/2010/main" val="0"/>
-              </a:ext>
-            </a:extLst>
-          </a:blip>
-          <a:srcRect/>
-          <a:stretch>
-            <a:fillRect/>
-          </a:stretch>
-        </p:blipFill>
-        <p:spPr bwMode="auto">
-          <a:xfrm>
-            <a:off x="3150" y="-1667"/>
-            <a:ext cx="10701276" cy="1151475"/>
+        </p:nvSpPr>
+        <p:spPr>
+          <a:xfrm>
+            <a:off x="0" y="2371767"/>
+            <a:ext cx="12192000" cy="4478138"/>
           </a:xfrm>
           <a:prstGeom prst="rect">
             <a:avLst/>
           </a:prstGeom>
-          <a:noFill/>
+          <a:solidFill>
+            <a:srgbClr val="1520FF"/>
+          </a:solidFill>
           <a:ln>
             <a:noFill/>
           </a:ln>
-          <a:extLst>
-            <a:ext uri="{909E8E84-426E-40DD-AFC4-6F175D3DCCD1}">
-              <a14:hiddenFill xmlns:a14="http://schemas.microsoft.com/office/drawing/2010/main">
-                <a:solidFill>
-                  <a:schemeClr val="accent1"/>
-                </a:solidFill>
-              </a14:hiddenFill>
-            </a:ext>
-            <a:ext uri="{91240B29-F687-4F45-9708-019B960494DF}">
-              <a14:hiddenLine xmlns:a14="http://schemas.microsoft.com/office/drawing/2010/main" w="9525">
-                <a:solidFill>
-                  <a:schemeClr val="tx1"/>
-                </a:solidFill>
-                <a:miter lim="800000"/>
-                <a:headEnd/>
-                <a:tailEnd/>
-              </a14:hiddenLine>
-            </a:ext>
-          </a:extLst>
-        </p:spPr>
-      </p:pic>
-      <p:sp>
-        <p:nvSpPr>
-          <p:cNvPr id="9" name="직사각형 8"/>
-          <p:cNvSpPr/>
-          <p:nvPr/>
-        </p:nvSpPr>
-        <p:spPr>
-          <a:xfrm>
-            <a:off x="3150" y="1149808"/>
-            <a:ext cx="10687100" cy="6398607"/>
-          </a:xfrm>
-          <a:prstGeom prst="rect">
-            <a:avLst/>
-          </a:prstGeom>
-          <a:noFill/>
-          <a:ln w="3175"/>
         </p:spPr>
         <p:style>
           <a:lnRef idx="2">
@@ -5334,7 +5261,7 @@
           </a:fontRef>
         </p:style>
         <p:txBody>
-          <a:bodyPr lIns="98173" tIns="49087" rIns="98173" bIns="49087" rtlCol="0" anchor="ctr"/>
+          <a:bodyPr rtlCol="0" anchor="ctr"/>
           <a:lstStyle/>
           <a:p>
             <a:pPr algn="ctr"/>
@@ -5342,65 +5269,22 @@
           </a:p>
         </p:txBody>
       </p:sp>
-      <p:sp>
-        <p:nvSpPr>
-          <p:cNvPr id="19" name="name"/>
-          <p:cNvSpPr txBox="1">
-            <a:spLocks/>
-          </p:cNvSpPr>
-          <p:nvPr/>
-        </p:nvSpPr>
-        <p:spPr>
-          <a:xfrm>
-            <a:off x="3150" y="2729156"/>
-            <a:ext cx="10701276" cy="2910858"/>
-          </a:xfrm>
-          <a:prstGeom prst="rect">
-            <a:avLst/>
-          </a:prstGeom>
-        </p:spPr>
-        <p:txBody>
-          <a:bodyPr vert="horz" lIns="98173" tIns="49087" rIns="98173" bIns="49087" rtlCol="0" anchor="ctr">
-            <a:normAutofit/>
-          </a:bodyPr>
-          <a:lstStyle>
-            <a:lvl1pPr algn="ctr" defTabSz="914400" rtl="0" eaLnBrk="1" latinLnBrk="1" hangingPunct="1">
-              <a:spcBef>
-                <a:spcPct val="0"/>
-              </a:spcBef>
-              <a:buNone/>
-              <a:defRPr sz="4400" kern="1200">
-                <a:solidFill>
-                  <a:schemeClr val="tx1"/>
-                </a:solidFill>
-                <a:latin typeface="+mj-lt"/>
-                <a:ea typeface="+mj-ea"/>
-                <a:cs typeface="+mj-cs"/>
-              </a:defRPr>
-            </a:lvl1pPr>
-          </a:lstStyle>
-          <a:p>
-            <a:r>
-              <a:rPr sz="13300" b="1">
-                <a:solidFill>
-                  <a:srgbClr val="000000"/>
-                </a:solidFill>
-              </a:rPr>
-              <a:t/>
-            </a:r>
-          </a:p>
-        </p:txBody>
-      </p:sp>
       <p:pic>
         <p:nvPicPr>
-          <p:cNvPr id="2052" name="logo" descr="F:\★인천관광공사-디자인자료\★인천시_인천관광공사등-CI,BI\인천관광공사CI\공사CI-국문\인천관광공사-국문(가로).png"/>
+          <p:cNvPr id="3" name="logo" descr="2조원 파급 효과 내고도 매 맞은 &amp;#39;인천관광공사&amp;#39; - 위키리크스한국">
+            <a:extLst>
+              <a:ext uri="{FF2B5EF4-FFF2-40B4-BE49-F238E27FC236}">
+                <a16:creationId xmlns:a16="http://schemas.microsoft.com/office/drawing/2014/main" id="{E2D33970-FE8B-4A0A-AD13-6F0D6F5FB73A}"/>
+              </a:ext>
+            </a:extLst>
+          </p:cNvPr>
           <p:cNvPicPr>
             <a:picLocks noChangeAspect="1" noChangeArrowheads="1"/>
           </p:cNvPicPr>
           <p:nvPr/>
         </p:nvPicPr>
         <p:blipFill>
-          <a:blip r:embed="rId3" cstate="print">
+          <a:blip r:embed="rId2">
             <a:extLst>
               <a:ext uri="{28A0092B-C50C-407E-A947-70E740481C1C}">
                 <a14:useLocalDpi xmlns:a14="http://schemas.microsoft.com/office/drawing/2010/main" val="0"/>
@@ -5414,8 +5298,8 @@
         </p:blipFill>
         <p:spPr bwMode="auto">
           <a:xfrm>
-            <a:off x="231042" y="227295"/>
-            <a:ext cx="1895554" cy="696674"/>
+            <a:off x="3238499" y="95880"/>
+            <a:ext cx="5715000" cy="2219325"/>
           </a:xfrm>
           <a:prstGeom prst="rect">
             <a:avLst/>
@@ -5434,39 +5318,88 @@
       </p:pic>
       <p:sp>
         <p:nvSpPr>
-          <p:cNvPr id="7" name="pos">
-            <a:extLst>
-              <a:ext uri="{FF2B5EF4-FFF2-40B4-BE49-F238E27FC236}">
-                <a16:creationId xmlns:a16="http://schemas.microsoft.com/office/drawing/2014/main" id="{B1532AC5-2DF7-4FA0-9A7A-4211F29B9C1B}"/>
-              </a:ext>
-            </a:extLst>
-          </p:cNvPr>
-          <p:cNvSpPr txBox="1"/>
+          <p:cNvPr id="2" name="name">
+            <a:extLst>
+              <a:ext uri="{FF2B5EF4-FFF2-40B4-BE49-F238E27FC236}">
+                <a16:creationId xmlns:a16="http://schemas.microsoft.com/office/drawing/2014/main" id="{DD276CAC-41EF-4FEB-9E9F-65510454E4A2}"/>
+              </a:ext>
+            </a:extLst>
+          </p:cNvPr>
+          <p:cNvSpPr>
+            <a:spLocks noGrp="1"/>
+          </p:cNvSpPr>
+          <p:nvPr>
+            <p:ph type="ctrTitle"/>
+          </p:nvPr>
+        </p:nvSpPr>
+        <p:spPr>
+          <a:xfrm>
+            <a:off x="0" y="4024822"/>
+            <a:ext cx="12191997" cy="2387600"/>
+          </a:xfrm>
+        </p:spPr>
+        <p:txBody>
+          <a:bodyPr anchor="ctr">
+            <a:noAutofit/>
+          </a:bodyPr>
+          <a:lstStyle/>
+          <a:p>
+            <a:r>
+              <a:rPr sz="16800"/>
+              <a:t/>
+            </a:r>
+          </a:p>
+        </p:txBody>
+      </p:sp>
+      <p:sp>
+        <p:nvSpPr>
+          <p:cNvPr id="8" name="pos">
+            <a:extLst>
+              <a:ext uri="{FF2B5EF4-FFF2-40B4-BE49-F238E27FC236}">
+                <a16:creationId xmlns:a16="http://schemas.microsoft.com/office/drawing/2014/main" id="{631BD788-4196-42D9-AA81-6AD559485306}"/>
+              </a:ext>
+            </a:extLst>
+          </p:cNvPr>
+          <p:cNvSpPr txBox="1">
+            <a:spLocks/>
+          </p:cNvSpPr>
           <p:nvPr/>
         </p:nvSpPr>
         <p:spPr>
           <a:xfrm>
-            <a:off x="3978548" y="377091"/>
-            <a:ext cx="6489598" cy="523220"/>
+            <a:off x="0" y="2776616"/>
+            <a:ext cx="12191998" cy="1057153"/>
           </a:xfrm>
           <a:prstGeom prst="rect">
             <a:avLst/>
           </a:prstGeom>
-          <a:noFill/>
-        </p:spPr>
-        <p:txBody>
-          <a:bodyPr wrap="square" rtlCol="0">
-            <a:spAutoFit/>
+        </p:spPr>
+        <p:txBody>
+          <a:bodyPr vert="horz" lIns="91440" tIns="45720" rIns="91440" bIns="45720" rtlCol="0" anchor="ctr">
+            <a:noAutofit/>
           </a:bodyPr>
-          <a:lstStyle/>
-          <a:p>
-            <a:pPr algn="ctr"/>
-            <a:r>
-              <a:rPr sz="2800" b="1">
+          <a:lstStyle>
+            <a:lvl1pPr algn="ctr" defTabSz="914400" rtl="0" eaLnBrk="1" latinLnBrk="1" hangingPunct="1">
+              <a:lnSpc>
+                <a:spcPct val="90000"/>
+              </a:lnSpc>
+              <a:spcBef>
+                <a:spcPct val="0"/>
+              </a:spcBef>
+              <a:buNone/>
+              <a:defRPr sz="6000" kern="1200">
                 <a:solidFill>
-                  <a:srgbClr val="FFFFFF"/>
+                  <a:schemeClr val="tx1"/>
                 </a:solidFill>
-              </a:rPr>
+                <a:latin typeface="+mj-lt"/>
+                <a:ea typeface="+mj-ea"/>
+                <a:cs typeface="+mj-cs"/>
+              </a:defRPr>
+            </a:lvl1pPr>
+          </a:lstStyle>
+          <a:p>
+            <a:r>
+              <a:rPr sz="5000"/>
               <a:t/>
             </a:r>
           </a:p>
@@ -5475,7 +5408,7 @@
     </p:spTree>
     <p:extLst>
       <p:ext uri="{BB962C8B-B14F-4D97-AF65-F5344CB8AC3E}">
-        <p14:creationId xmlns:p14="http://schemas.microsoft.com/office/powerpoint/2010/main" val="1241745978"/>
+        <p14:creationId xmlns:p14="http://schemas.microsoft.com/office/powerpoint/2010/main" val="2580959340"/>
       </p:ext>
     </p:extLst>
   </p:cSld>
@@ -5502,76 +5435,32 @@
           <a:chExt cx="0" cy="0"/>
         </a:xfrm>
       </p:grpSpPr>
-      <p:pic>
-        <p:nvPicPr>
-          <p:cNvPr id="2050" name="Picture 2"/>
-          <p:cNvPicPr>
-            <a:picLocks noChangeAspect="1" noChangeArrowheads="1"/>
-          </p:cNvPicPr>
+      <p:sp>
+        <p:nvSpPr>
+          <p:cNvPr id="4" name="직사각형">
+            <a:extLst>
+              <a:ext uri="{FF2B5EF4-FFF2-40B4-BE49-F238E27FC236}">
+                <a16:creationId xmlns:a16="http://schemas.microsoft.com/office/drawing/2014/main" id="{E29727B3-DAB0-4A6A-8C1F-B3C1F5A77720}"/>
+              </a:ext>
+            </a:extLst>
+          </p:cNvPr>
+          <p:cNvSpPr/>
           <p:nvPr/>
-        </p:nvPicPr>
-        <p:blipFill>
-          <a:blip r:embed="rId2">
-            <a:extLst>
-              <a:ext uri="{28A0092B-C50C-407E-A947-70E740481C1C}">
-                <a14:useLocalDpi xmlns:a14="http://schemas.microsoft.com/office/drawing/2010/main" val="0"/>
-              </a:ext>
-            </a:extLst>
-          </a:blip>
-          <a:srcRect/>
-          <a:stretch>
-            <a:fillRect/>
-          </a:stretch>
-        </p:blipFill>
-        <p:spPr bwMode="auto">
-          <a:xfrm>
-            <a:off x="3150" y="-1667"/>
-            <a:ext cx="10701276" cy="1151475"/>
+        </p:nvSpPr>
+        <p:spPr>
+          <a:xfrm>
+            <a:off x="0" y="2371767"/>
+            <a:ext cx="12192000" cy="4478138"/>
           </a:xfrm>
           <a:prstGeom prst="rect">
             <a:avLst/>
           </a:prstGeom>
-          <a:noFill/>
+          <a:solidFill>
+            <a:srgbClr val="1520FF"/>
+          </a:solidFill>
           <a:ln>
             <a:noFill/>
           </a:ln>
-          <a:extLst>
-            <a:ext uri="{909E8E84-426E-40DD-AFC4-6F175D3DCCD1}">
-              <a14:hiddenFill xmlns:a14="http://schemas.microsoft.com/office/drawing/2010/main">
-                <a:solidFill>
-                  <a:schemeClr val="accent1"/>
-                </a:solidFill>
-              </a14:hiddenFill>
-            </a:ext>
-            <a:ext uri="{91240B29-F687-4F45-9708-019B960494DF}">
-              <a14:hiddenLine xmlns:a14="http://schemas.microsoft.com/office/drawing/2010/main" w="9525">
-                <a:solidFill>
-                  <a:schemeClr val="tx1"/>
-                </a:solidFill>
-                <a:miter lim="800000"/>
-                <a:headEnd/>
-                <a:tailEnd/>
-              </a14:hiddenLine>
-            </a:ext>
-          </a:extLst>
-        </p:spPr>
-      </p:pic>
-      <p:sp>
-        <p:nvSpPr>
-          <p:cNvPr id="9" name="직사각형 8"/>
-          <p:cNvSpPr/>
-          <p:nvPr/>
-        </p:nvSpPr>
-        <p:spPr>
-          <a:xfrm>
-            <a:off x="3150" y="1149808"/>
-            <a:ext cx="10687100" cy="6398607"/>
-          </a:xfrm>
-          <a:prstGeom prst="rect">
-            <a:avLst/>
-          </a:prstGeom>
-          <a:noFill/>
-          <a:ln w="3175"/>
         </p:spPr>
         <p:style>
           <a:lnRef idx="2">
@@ -5590,7 +5479,7 @@
           </a:fontRef>
         </p:style>
         <p:txBody>
-          <a:bodyPr lIns="98173" tIns="49087" rIns="98173" bIns="49087" rtlCol="0" anchor="ctr"/>
+          <a:bodyPr rtlCol="0" anchor="ctr"/>
           <a:lstStyle/>
           <a:p>
             <a:pPr algn="ctr"/>
@@ -5598,65 +5487,22 @@
           </a:p>
         </p:txBody>
       </p:sp>
-      <p:sp>
-        <p:nvSpPr>
-          <p:cNvPr id="19" name="name"/>
-          <p:cNvSpPr txBox="1">
-            <a:spLocks/>
-          </p:cNvSpPr>
-          <p:nvPr/>
-        </p:nvSpPr>
-        <p:spPr>
-          <a:xfrm>
-            <a:off x="3150" y="2729156"/>
-            <a:ext cx="10701276" cy="2910858"/>
-          </a:xfrm>
-          <a:prstGeom prst="rect">
-            <a:avLst/>
-          </a:prstGeom>
-        </p:spPr>
-        <p:txBody>
-          <a:bodyPr vert="horz" lIns="98173" tIns="49087" rIns="98173" bIns="49087" rtlCol="0" anchor="ctr">
-            <a:normAutofit/>
-          </a:bodyPr>
-          <a:lstStyle>
-            <a:lvl1pPr algn="ctr" defTabSz="914400" rtl="0" eaLnBrk="1" latinLnBrk="1" hangingPunct="1">
-              <a:spcBef>
-                <a:spcPct val="0"/>
-              </a:spcBef>
-              <a:buNone/>
-              <a:defRPr sz="4400" kern="1200">
-                <a:solidFill>
-                  <a:schemeClr val="tx1"/>
-                </a:solidFill>
-                <a:latin typeface="+mj-lt"/>
-                <a:ea typeface="+mj-ea"/>
-                <a:cs typeface="+mj-cs"/>
-              </a:defRPr>
-            </a:lvl1pPr>
-          </a:lstStyle>
-          <a:p>
-            <a:r>
-              <a:rPr sz="13300" b="1">
-                <a:solidFill>
-                  <a:srgbClr val="000000"/>
-                </a:solidFill>
-              </a:rPr>
-              <a:t>a s d f </a:t>
-            </a:r>
-          </a:p>
-        </p:txBody>
-      </p:sp>
       <p:pic>
         <p:nvPicPr>
-          <p:cNvPr id="2052" name="logo" descr="F:\★인천관광공사-디자인자료\★인천시_인천관광공사등-CI,BI\인천관광공사CI\공사CI-국문\인천관광공사-국문(가로).png"/>
+          <p:cNvPr id="3" name="logo" descr="2조원 파급 효과 내고도 매 맞은 &amp;#39;인천관광공사&amp;#39; - 위키리크스한국">
+            <a:extLst>
+              <a:ext uri="{FF2B5EF4-FFF2-40B4-BE49-F238E27FC236}">
+                <a16:creationId xmlns:a16="http://schemas.microsoft.com/office/drawing/2014/main" id="{E2D33970-FE8B-4A0A-AD13-6F0D6F5FB73A}"/>
+              </a:ext>
+            </a:extLst>
+          </p:cNvPr>
           <p:cNvPicPr>
             <a:picLocks noChangeAspect="1" noChangeArrowheads="1"/>
           </p:cNvPicPr>
           <p:nvPr/>
         </p:nvPicPr>
         <p:blipFill>
-          <a:blip r:embed="rId3" cstate="print">
+          <a:blip r:embed="rId2">
             <a:extLst>
               <a:ext uri="{28A0092B-C50C-407E-A947-70E740481C1C}">
                 <a14:useLocalDpi xmlns:a14="http://schemas.microsoft.com/office/drawing/2010/main" val="0"/>
@@ -5670,8 +5516,8 @@
         </p:blipFill>
         <p:spPr bwMode="auto">
           <a:xfrm>
-            <a:off x="231042" y="227295"/>
-            <a:ext cx="1895554" cy="696674"/>
+            <a:off x="3238499" y="95880"/>
+            <a:ext cx="5715000" cy="2219325"/>
           </a:xfrm>
           <a:prstGeom prst="rect">
             <a:avLst/>
@@ -5690,40 +5536,89 @@
       </p:pic>
       <p:sp>
         <p:nvSpPr>
-          <p:cNvPr id="7" name="pos">
-            <a:extLst>
-              <a:ext uri="{FF2B5EF4-FFF2-40B4-BE49-F238E27FC236}">
-                <a16:creationId xmlns:a16="http://schemas.microsoft.com/office/drawing/2014/main" id="{B1532AC5-2DF7-4FA0-9A7A-4211F29B9C1B}"/>
-              </a:ext>
-            </a:extLst>
-          </p:cNvPr>
-          <p:cNvSpPr txBox="1"/>
+          <p:cNvPr id="2" name="name">
+            <a:extLst>
+              <a:ext uri="{FF2B5EF4-FFF2-40B4-BE49-F238E27FC236}">
+                <a16:creationId xmlns:a16="http://schemas.microsoft.com/office/drawing/2014/main" id="{DD276CAC-41EF-4FEB-9E9F-65510454E4A2}"/>
+              </a:ext>
+            </a:extLst>
+          </p:cNvPr>
+          <p:cNvSpPr>
+            <a:spLocks noGrp="1"/>
+          </p:cNvSpPr>
+          <p:nvPr>
+            <p:ph type="ctrTitle"/>
+          </p:nvPr>
+        </p:nvSpPr>
+        <p:spPr>
+          <a:xfrm>
+            <a:off x="0" y="4024822"/>
+            <a:ext cx="12191997" cy="2387600"/>
+          </a:xfrm>
+        </p:spPr>
+        <p:txBody>
+          <a:bodyPr anchor="ctr">
+            <a:noAutofit/>
+          </a:bodyPr>
+          <a:lstStyle/>
+          <a:p>
+            <a:r>
+              <a:rPr sz="16800"/>
+              <a:t/>
+            </a:r>
+          </a:p>
+        </p:txBody>
+      </p:sp>
+      <p:sp>
+        <p:nvSpPr>
+          <p:cNvPr id="8" name="pos">
+            <a:extLst>
+              <a:ext uri="{FF2B5EF4-FFF2-40B4-BE49-F238E27FC236}">
+                <a16:creationId xmlns:a16="http://schemas.microsoft.com/office/drawing/2014/main" id="{631BD788-4196-42D9-AA81-6AD559485306}"/>
+              </a:ext>
+            </a:extLst>
+          </p:cNvPr>
+          <p:cNvSpPr txBox="1">
+            <a:spLocks/>
+          </p:cNvSpPr>
           <p:nvPr/>
         </p:nvSpPr>
         <p:spPr>
           <a:xfrm>
-            <a:off x="3978548" y="377091"/>
-            <a:ext cx="6489598" cy="523220"/>
+            <a:off x="0" y="2776616"/>
+            <a:ext cx="12191998" cy="1057153"/>
           </a:xfrm>
           <a:prstGeom prst="rect">
             <a:avLst/>
           </a:prstGeom>
-          <a:noFill/>
-        </p:spPr>
-        <p:txBody>
-          <a:bodyPr wrap="square" rtlCol="0">
-            <a:spAutoFit/>
+        </p:spPr>
+        <p:txBody>
+          <a:bodyPr vert="horz" lIns="91440" tIns="45720" rIns="91440" bIns="45720" rtlCol="0" anchor="ctr">
+            <a:noAutofit/>
           </a:bodyPr>
-          <a:lstStyle/>
-          <a:p>
-            <a:pPr algn="ctr"/>
-            <a:r>
-              <a:rPr sz="2800" b="1">
+          <a:lstStyle>
+            <a:lvl1pPr algn="ctr" defTabSz="914400" rtl="0" eaLnBrk="1" latinLnBrk="1" hangingPunct="1">
+              <a:lnSpc>
+                <a:spcPct val="90000"/>
+              </a:lnSpc>
+              <a:spcBef>
+                <a:spcPct val="0"/>
+              </a:spcBef>
+              <a:buNone/>
+              <a:defRPr sz="6000" kern="1200">
                 <a:solidFill>
-                  <a:srgbClr val="FFFFFF"/>
+                  <a:schemeClr val="tx1"/>
                 </a:solidFill>
-              </a:rPr>
-              <a:t>P S O S O </a:t>
+                <a:latin typeface="+mj-lt"/>
+                <a:ea typeface="+mj-ea"/>
+                <a:cs typeface="+mj-cs"/>
+              </a:defRPr>
+            </a:lvl1pPr>
+          </a:lstStyle>
+          <a:p>
+            <a:r>
+              <a:rPr sz="5000"/>
+              <a:t/>
             </a:r>
           </a:p>
         </p:txBody>
@@ -5731,7 +5626,7 @@
     </p:spTree>
     <p:extLst>
       <p:ext uri="{BB962C8B-B14F-4D97-AF65-F5344CB8AC3E}">
-        <p14:creationId xmlns:p14="http://schemas.microsoft.com/office/powerpoint/2010/main" val="1525127838"/>
+        <p14:creationId xmlns:p14="http://schemas.microsoft.com/office/powerpoint/2010/main" val="2278874990"/>
       </p:ext>
     </p:extLst>
   </p:cSld>
@@ -5758,76 +5653,32 @@
           <a:chExt cx="0" cy="0"/>
         </a:xfrm>
       </p:grpSpPr>
-      <p:pic>
-        <p:nvPicPr>
-          <p:cNvPr id="2050" name="Picture 2"/>
-          <p:cNvPicPr>
-            <a:picLocks noChangeAspect="1" noChangeArrowheads="1"/>
-          </p:cNvPicPr>
+      <p:sp>
+        <p:nvSpPr>
+          <p:cNvPr id="4" name="직사각형">
+            <a:extLst>
+              <a:ext uri="{FF2B5EF4-FFF2-40B4-BE49-F238E27FC236}">
+                <a16:creationId xmlns:a16="http://schemas.microsoft.com/office/drawing/2014/main" id="{E29727B3-DAB0-4A6A-8C1F-B3C1F5A77720}"/>
+              </a:ext>
+            </a:extLst>
+          </p:cNvPr>
+          <p:cNvSpPr/>
           <p:nvPr/>
-        </p:nvPicPr>
-        <p:blipFill>
-          <a:blip r:embed="rId2">
-            <a:extLst>
-              <a:ext uri="{28A0092B-C50C-407E-A947-70E740481C1C}">
-                <a14:useLocalDpi xmlns:a14="http://schemas.microsoft.com/office/drawing/2010/main" val="0"/>
-              </a:ext>
-            </a:extLst>
-          </a:blip>
-          <a:srcRect/>
-          <a:stretch>
-            <a:fillRect/>
-          </a:stretch>
-        </p:blipFill>
-        <p:spPr bwMode="auto">
-          <a:xfrm>
-            <a:off x="3150" y="-1667"/>
-            <a:ext cx="10701276" cy="1151475"/>
+        </p:nvSpPr>
+        <p:spPr>
+          <a:xfrm>
+            <a:off x="0" y="2371767"/>
+            <a:ext cx="12192000" cy="4478138"/>
           </a:xfrm>
           <a:prstGeom prst="rect">
             <a:avLst/>
           </a:prstGeom>
-          <a:noFill/>
+          <a:solidFill>
+            <a:srgbClr val="1520FF"/>
+          </a:solidFill>
           <a:ln>
             <a:noFill/>
           </a:ln>
-          <a:extLst>
-            <a:ext uri="{909E8E84-426E-40DD-AFC4-6F175D3DCCD1}">
-              <a14:hiddenFill xmlns:a14="http://schemas.microsoft.com/office/drawing/2010/main">
-                <a:solidFill>
-                  <a:schemeClr val="accent1"/>
-                </a:solidFill>
-              </a14:hiddenFill>
-            </a:ext>
-            <a:ext uri="{91240B29-F687-4F45-9708-019B960494DF}">
-              <a14:hiddenLine xmlns:a14="http://schemas.microsoft.com/office/drawing/2010/main" w="9525">
-                <a:solidFill>
-                  <a:schemeClr val="tx1"/>
-                </a:solidFill>
-                <a:miter lim="800000"/>
-                <a:headEnd/>
-                <a:tailEnd/>
-              </a14:hiddenLine>
-            </a:ext>
-          </a:extLst>
-        </p:spPr>
-      </p:pic>
-      <p:sp>
-        <p:nvSpPr>
-          <p:cNvPr id="9" name="직사각형 8"/>
-          <p:cNvSpPr/>
-          <p:nvPr/>
-        </p:nvSpPr>
-        <p:spPr>
-          <a:xfrm>
-            <a:off x="3150" y="1149808"/>
-            <a:ext cx="10687100" cy="6398607"/>
-          </a:xfrm>
-          <a:prstGeom prst="rect">
-            <a:avLst/>
-          </a:prstGeom>
-          <a:noFill/>
-          <a:ln w="3175"/>
         </p:spPr>
         <p:style>
           <a:lnRef idx="2">
@@ -5846,7 +5697,7 @@
           </a:fontRef>
         </p:style>
         <p:txBody>
-          <a:bodyPr lIns="98173" tIns="49087" rIns="98173" bIns="49087" rtlCol="0" anchor="ctr"/>
+          <a:bodyPr rtlCol="0" anchor="ctr"/>
           <a:lstStyle/>
           <a:p>
             <a:pPr algn="ctr"/>
@@ -5854,65 +5705,22 @@
           </a:p>
         </p:txBody>
       </p:sp>
-      <p:sp>
-        <p:nvSpPr>
-          <p:cNvPr id="19" name="name"/>
-          <p:cNvSpPr txBox="1">
-            <a:spLocks/>
-          </p:cNvSpPr>
-          <p:nvPr/>
-        </p:nvSpPr>
-        <p:spPr>
-          <a:xfrm>
-            <a:off x="3150" y="2729156"/>
-            <a:ext cx="10701276" cy="2910858"/>
-          </a:xfrm>
-          <a:prstGeom prst="rect">
-            <a:avLst/>
-          </a:prstGeom>
-        </p:spPr>
-        <p:txBody>
-          <a:bodyPr vert="horz" lIns="98173" tIns="49087" rIns="98173" bIns="49087" rtlCol="0" anchor="ctr">
-            <a:normAutofit/>
-          </a:bodyPr>
-          <a:lstStyle>
-            <a:lvl1pPr algn="ctr" defTabSz="914400" rtl="0" eaLnBrk="1" latinLnBrk="1" hangingPunct="1">
-              <a:spcBef>
-                <a:spcPct val="0"/>
-              </a:spcBef>
-              <a:buNone/>
-              <a:defRPr sz="4400" kern="1200">
-                <a:solidFill>
-                  <a:schemeClr val="tx1"/>
-                </a:solidFill>
-                <a:latin typeface="+mj-lt"/>
-                <a:ea typeface="+mj-ea"/>
-                <a:cs typeface="+mj-cs"/>
-              </a:defRPr>
-            </a:lvl1pPr>
-          </a:lstStyle>
-          <a:p>
-            <a:r>
-              <a:rPr sz="13300" b="1">
-                <a:solidFill>
-                  <a:srgbClr val="000000"/>
-                </a:solidFill>
-              </a:rPr>
-              <a:t/>
-            </a:r>
-          </a:p>
-        </p:txBody>
-      </p:sp>
       <p:pic>
         <p:nvPicPr>
-          <p:cNvPr id="2052" name="logo" descr="F:\★인천관광공사-디자인자료\★인천시_인천관광공사등-CI,BI\인천관광공사CI\공사CI-국문\인천관광공사-국문(가로).png"/>
+          <p:cNvPr id="3" name="logo" descr="2조원 파급 효과 내고도 매 맞은 &amp;#39;인천관광공사&amp;#39; - 위키리크스한국">
+            <a:extLst>
+              <a:ext uri="{FF2B5EF4-FFF2-40B4-BE49-F238E27FC236}">
+                <a16:creationId xmlns:a16="http://schemas.microsoft.com/office/drawing/2014/main" id="{E2D33970-FE8B-4A0A-AD13-6F0D6F5FB73A}"/>
+              </a:ext>
+            </a:extLst>
+          </p:cNvPr>
           <p:cNvPicPr>
             <a:picLocks noChangeAspect="1" noChangeArrowheads="1"/>
           </p:cNvPicPr>
           <p:nvPr/>
         </p:nvPicPr>
         <p:blipFill>
-          <a:blip r:embed="rId3" cstate="print">
+          <a:blip r:embed="rId2">
             <a:extLst>
               <a:ext uri="{28A0092B-C50C-407E-A947-70E740481C1C}">
                 <a14:useLocalDpi xmlns:a14="http://schemas.microsoft.com/office/drawing/2010/main" val="0"/>
@@ -5926,8 +5734,8 @@
         </p:blipFill>
         <p:spPr bwMode="auto">
           <a:xfrm>
-            <a:off x="231042" y="227295"/>
-            <a:ext cx="1895554" cy="696674"/>
+            <a:off x="3238499" y="95880"/>
+            <a:ext cx="5715000" cy="2219325"/>
           </a:xfrm>
           <a:prstGeom prst="rect">
             <a:avLst/>
@@ -5946,39 +5754,88 @@
       </p:pic>
       <p:sp>
         <p:nvSpPr>
-          <p:cNvPr id="7" name="pos">
-            <a:extLst>
-              <a:ext uri="{FF2B5EF4-FFF2-40B4-BE49-F238E27FC236}">
-                <a16:creationId xmlns:a16="http://schemas.microsoft.com/office/drawing/2014/main" id="{B1532AC5-2DF7-4FA0-9A7A-4211F29B9C1B}"/>
-              </a:ext>
-            </a:extLst>
-          </p:cNvPr>
-          <p:cNvSpPr txBox="1"/>
+          <p:cNvPr id="2" name="name">
+            <a:extLst>
+              <a:ext uri="{FF2B5EF4-FFF2-40B4-BE49-F238E27FC236}">
+                <a16:creationId xmlns:a16="http://schemas.microsoft.com/office/drawing/2014/main" id="{DD276CAC-41EF-4FEB-9E9F-65510454E4A2}"/>
+              </a:ext>
+            </a:extLst>
+          </p:cNvPr>
+          <p:cNvSpPr>
+            <a:spLocks noGrp="1"/>
+          </p:cNvSpPr>
+          <p:nvPr>
+            <p:ph type="ctrTitle"/>
+          </p:nvPr>
+        </p:nvSpPr>
+        <p:spPr>
+          <a:xfrm>
+            <a:off x="0" y="4024822"/>
+            <a:ext cx="12191997" cy="2387600"/>
+          </a:xfrm>
+        </p:spPr>
+        <p:txBody>
+          <a:bodyPr anchor="ctr">
+            <a:noAutofit/>
+          </a:bodyPr>
+          <a:lstStyle/>
+          <a:p>
+            <a:r>
+              <a:rPr sz="16800"/>
+              <a:t/>
+            </a:r>
+          </a:p>
+        </p:txBody>
+      </p:sp>
+      <p:sp>
+        <p:nvSpPr>
+          <p:cNvPr id="8" name="pos">
+            <a:extLst>
+              <a:ext uri="{FF2B5EF4-FFF2-40B4-BE49-F238E27FC236}">
+                <a16:creationId xmlns:a16="http://schemas.microsoft.com/office/drawing/2014/main" id="{631BD788-4196-42D9-AA81-6AD559485306}"/>
+              </a:ext>
+            </a:extLst>
+          </p:cNvPr>
+          <p:cNvSpPr txBox="1">
+            <a:spLocks/>
+          </p:cNvSpPr>
           <p:nvPr/>
         </p:nvSpPr>
         <p:spPr>
           <a:xfrm>
-            <a:off x="3978548" y="377091"/>
-            <a:ext cx="6489598" cy="523220"/>
+            <a:off x="0" y="2776616"/>
+            <a:ext cx="12191998" cy="1057153"/>
           </a:xfrm>
           <a:prstGeom prst="rect">
             <a:avLst/>
           </a:prstGeom>
-          <a:noFill/>
-        </p:spPr>
-        <p:txBody>
-          <a:bodyPr wrap="square" rtlCol="0">
-            <a:spAutoFit/>
+        </p:spPr>
+        <p:txBody>
+          <a:bodyPr vert="horz" lIns="91440" tIns="45720" rIns="91440" bIns="45720" rtlCol="0" anchor="ctr">
+            <a:noAutofit/>
           </a:bodyPr>
-          <a:lstStyle/>
-          <a:p>
-            <a:pPr algn="ctr"/>
-            <a:r>
-              <a:rPr sz="2800" b="1">
+          <a:lstStyle>
+            <a:lvl1pPr algn="ctr" defTabSz="914400" rtl="0" eaLnBrk="1" latinLnBrk="1" hangingPunct="1">
+              <a:lnSpc>
+                <a:spcPct val="90000"/>
+              </a:lnSpc>
+              <a:spcBef>
+                <a:spcPct val="0"/>
+              </a:spcBef>
+              <a:buNone/>
+              <a:defRPr sz="6000" kern="1200">
                 <a:solidFill>
-                  <a:srgbClr val="FFFFFF"/>
+                  <a:schemeClr val="tx1"/>
                 </a:solidFill>
-              </a:rPr>
+                <a:latin typeface="+mj-lt"/>
+                <a:ea typeface="+mj-ea"/>
+                <a:cs typeface="+mj-cs"/>
+              </a:defRPr>
+            </a:lvl1pPr>
+          </a:lstStyle>
+          <a:p>
+            <a:r>
+              <a:rPr sz="5000"/>
               <a:t/>
             </a:r>
           </a:p>
@@ -5987,7 +5844,7 @@
     </p:spTree>
     <p:extLst>
       <p:ext uri="{BB962C8B-B14F-4D97-AF65-F5344CB8AC3E}">
-        <p14:creationId xmlns:p14="http://schemas.microsoft.com/office/powerpoint/2010/main" val="4146325567"/>
+        <p14:creationId xmlns:p14="http://schemas.microsoft.com/office/powerpoint/2010/main" val="1875801021"/>
       </p:ext>
     </p:extLst>
   </p:cSld>
@@ -6014,76 +5871,32 @@
           <a:chExt cx="0" cy="0"/>
         </a:xfrm>
       </p:grpSpPr>
-      <p:pic>
-        <p:nvPicPr>
-          <p:cNvPr id="2050" name="Picture 2"/>
-          <p:cNvPicPr>
-            <a:picLocks noChangeAspect="1" noChangeArrowheads="1"/>
-          </p:cNvPicPr>
+      <p:sp>
+        <p:nvSpPr>
+          <p:cNvPr id="4" name="직사각형">
+            <a:extLst>
+              <a:ext uri="{FF2B5EF4-FFF2-40B4-BE49-F238E27FC236}">
+                <a16:creationId xmlns:a16="http://schemas.microsoft.com/office/drawing/2014/main" id="{E29727B3-DAB0-4A6A-8C1F-B3C1F5A77720}"/>
+              </a:ext>
+            </a:extLst>
+          </p:cNvPr>
+          <p:cNvSpPr/>
           <p:nvPr/>
-        </p:nvPicPr>
-        <p:blipFill>
-          <a:blip r:embed="rId2">
-            <a:extLst>
-              <a:ext uri="{28A0092B-C50C-407E-A947-70E740481C1C}">
-                <a14:useLocalDpi xmlns:a14="http://schemas.microsoft.com/office/drawing/2010/main" val="0"/>
-              </a:ext>
-            </a:extLst>
-          </a:blip>
-          <a:srcRect/>
-          <a:stretch>
-            <a:fillRect/>
-          </a:stretch>
-        </p:blipFill>
-        <p:spPr bwMode="auto">
-          <a:xfrm>
-            <a:off x="3150" y="-1667"/>
-            <a:ext cx="10701276" cy="1151475"/>
+        </p:nvSpPr>
+        <p:spPr>
+          <a:xfrm>
+            <a:off x="0" y="2371767"/>
+            <a:ext cx="12192000" cy="4478138"/>
           </a:xfrm>
           <a:prstGeom prst="rect">
             <a:avLst/>
           </a:prstGeom>
-          <a:noFill/>
+          <a:solidFill>
+            <a:srgbClr val="1520FF"/>
+          </a:solidFill>
           <a:ln>
             <a:noFill/>
           </a:ln>
-          <a:extLst>
-            <a:ext uri="{909E8E84-426E-40DD-AFC4-6F175D3DCCD1}">
-              <a14:hiddenFill xmlns:a14="http://schemas.microsoft.com/office/drawing/2010/main">
-                <a:solidFill>
-                  <a:schemeClr val="accent1"/>
-                </a:solidFill>
-              </a14:hiddenFill>
-            </a:ext>
-            <a:ext uri="{91240B29-F687-4F45-9708-019B960494DF}">
-              <a14:hiddenLine xmlns:a14="http://schemas.microsoft.com/office/drawing/2010/main" w="9525">
-                <a:solidFill>
-                  <a:schemeClr val="tx1"/>
-                </a:solidFill>
-                <a:miter lim="800000"/>
-                <a:headEnd/>
-                <a:tailEnd/>
-              </a14:hiddenLine>
-            </a:ext>
-          </a:extLst>
-        </p:spPr>
-      </p:pic>
-      <p:sp>
-        <p:nvSpPr>
-          <p:cNvPr id="9" name="직사각형 8"/>
-          <p:cNvSpPr/>
-          <p:nvPr/>
-        </p:nvSpPr>
-        <p:spPr>
-          <a:xfrm>
-            <a:off x="3150" y="1149808"/>
-            <a:ext cx="10687100" cy="6398607"/>
-          </a:xfrm>
-          <a:prstGeom prst="rect">
-            <a:avLst/>
-          </a:prstGeom>
-          <a:noFill/>
-          <a:ln w="3175"/>
         </p:spPr>
         <p:style>
           <a:lnRef idx="2">
@@ -6102,7 +5915,7 @@
           </a:fontRef>
         </p:style>
         <p:txBody>
-          <a:bodyPr lIns="98173" tIns="49087" rIns="98173" bIns="49087" rtlCol="0" anchor="ctr"/>
+          <a:bodyPr rtlCol="0" anchor="ctr"/>
           <a:lstStyle/>
           <a:p>
             <a:pPr algn="ctr"/>
@@ -6110,65 +5923,22 @@
           </a:p>
         </p:txBody>
       </p:sp>
-      <p:sp>
-        <p:nvSpPr>
-          <p:cNvPr id="19" name="name"/>
-          <p:cNvSpPr txBox="1">
-            <a:spLocks/>
-          </p:cNvSpPr>
-          <p:nvPr/>
-        </p:nvSpPr>
-        <p:spPr>
-          <a:xfrm>
-            <a:off x="3150" y="2729156"/>
-            <a:ext cx="10701276" cy="2910858"/>
-          </a:xfrm>
-          <a:prstGeom prst="rect">
-            <a:avLst/>
-          </a:prstGeom>
-        </p:spPr>
-        <p:txBody>
-          <a:bodyPr vert="horz" lIns="98173" tIns="49087" rIns="98173" bIns="49087" rtlCol="0" anchor="ctr">
-            <a:normAutofit/>
-          </a:bodyPr>
-          <a:lstStyle>
-            <a:lvl1pPr algn="ctr" defTabSz="914400" rtl="0" eaLnBrk="1" latinLnBrk="1" hangingPunct="1">
-              <a:spcBef>
-                <a:spcPct val="0"/>
-              </a:spcBef>
-              <a:buNone/>
-              <a:defRPr sz="4400" kern="1200">
-                <a:solidFill>
-                  <a:schemeClr val="tx1"/>
-                </a:solidFill>
-                <a:latin typeface="+mj-lt"/>
-                <a:ea typeface="+mj-ea"/>
-                <a:cs typeface="+mj-cs"/>
-              </a:defRPr>
-            </a:lvl1pPr>
-          </a:lstStyle>
-          <a:p>
-            <a:r>
-              <a:rPr sz="13300" b="1">
-                <a:solidFill>
-                  <a:srgbClr val="000000"/>
-                </a:solidFill>
-              </a:rPr>
-              <a:t/>
-            </a:r>
-          </a:p>
-        </p:txBody>
-      </p:sp>
       <p:pic>
         <p:nvPicPr>
-          <p:cNvPr id="2052" name="logo" descr="F:\★인천관광공사-디자인자료\★인천시_인천관광공사등-CI,BI\인천관광공사CI\공사CI-국문\인천관광공사-국문(가로).png"/>
+          <p:cNvPr id="3" name="logo" descr="2조원 파급 효과 내고도 매 맞은 &amp;#39;인천관광공사&amp;#39; - 위키리크스한국">
+            <a:extLst>
+              <a:ext uri="{FF2B5EF4-FFF2-40B4-BE49-F238E27FC236}">
+                <a16:creationId xmlns:a16="http://schemas.microsoft.com/office/drawing/2014/main" id="{E2D33970-FE8B-4A0A-AD13-6F0D6F5FB73A}"/>
+              </a:ext>
+            </a:extLst>
+          </p:cNvPr>
           <p:cNvPicPr>
             <a:picLocks noChangeAspect="1" noChangeArrowheads="1"/>
           </p:cNvPicPr>
           <p:nvPr/>
         </p:nvPicPr>
         <p:blipFill>
-          <a:blip r:embed="rId3" cstate="print">
+          <a:blip r:embed="rId2">
             <a:extLst>
               <a:ext uri="{28A0092B-C50C-407E-A947-70E740481C1C}">
                 <a14:useLocalDpi xmlns:a14="http://schemas.microsoft.com/office/drawing/2010/main" val="0"/>
@@ -6182,8 +5952,8 @@
         </p:blipFill>
         <p:spPr bwMode="auto">
           <a:xfrm>
-            <a:off x="231042" y="227295"/>
-            <a:ext cx="1895554" cy="696674"/>
+            <a:off x="3238499" y="95880"/>
+            <a:ext cx="5715000" cy="2219325"/>
           </a:xfrm>
           <a:prstGeom prst="rect">
             <a:avLst/>
@@ -6202,39 +5972,88 @@
       </p:pic>
       <p:sp>
         <p:nvSpPr>
-          <p:cNvPr id="7" name="pos">
-            <a:extLst>
-              <a:ext uri="{FF2B5EF4-FFF2-40B4-BE49-F238E27FC236}">
-                <a16:creationId xmlns:a16="http://schemas.microsoft.com/office/drawing/2014/main" id="{B1532AC5-2DF7-4FA0-9A7A-4211F29B9C1B}"/>
-              </a:ext>
-            </a:extLst>
-          </p:cNvPr>
-          <p:cNvSpPr txBox="1"/>
+          <p:cNvPr id="2" name="name">
+            <a:extLst>
+              <a:ext uri="{FF2B5EF4-FFF2-40B4-BE49-F238E27FC236}">
+                <a16:creationId xmlns:a16="http://schemas.microsoft.com/office/drawing/2014/main" id="{DD276CAC-41EF-4FEB-9E9F-65510454E4A2}"/>
+              </a:ext>
+            </a:extLst>
+          </p:cNvPr>
+          <p:cNvSpPr>
+            <a:spLocks noGrp="1"/>
+          </p:cNvSpPr>
+          <p:nvPr>
+            <p:ph type="ctrTitle"/>
+          </p:nvPr>
+        </p:nvSpPr>
+        <p:spPr>
+          <a:xfrm>
+            <a:off x="0" y="4024822"/>
+            <a:ext cx="12191997" cy="2387600"/>
+          </a:xfrm>
+        </p:spPr>
+        <p:txBody>
+          <a:bodyPr anchor="ctr">
+            <a:noAutofit/>
+          </a:bodyPr>
+          <a:lstStyle/>
+          <a:p>
+            <a:r>
+              <a:rPr sz="16800"/>
+              <a:t/>
+            </a:r>
+          </a:p>
+        </p:txBody>
+      </p:sp>
+      <p:sp>
+        <p:nvSpPr>
+          <p:cNvPr id="8" name="pos">
+            <a:extLst>
+              <a:ext uri="{FF2B5EF4-FFF2-40B4-BE49-F238E27FC236}">
+                <a16:creationId xmlns:a16="http://schemas.microsoft.com/office/drawing/2014/main" id="{631BD788-4196-42D9-AA81-6AD559485306}"/>
+              </a:ext>
+            </a:extLst>
+          </p:cNvPr>
+          <p:cNvSpPr txBox="1">
+            <a:spLocks/>
+          </p:cNvSpPr>
           <p:nvPr/>
         </p:nvSpPr>
         <p:spPr>
           <a:xfrm>
-            <a:off x="3978548" y="377091"/>
-            <a:ext cx="6489598" cy="523220"/>
+            <a:off x="0" y="2776616"/>
+            <a:ext cx="12191998" cy="1057153"/>
           </a:xfrm>
           <a:prstGeom prst="rect">
             <a:avLst/>
           </a:prstGeom>
-          <a:noFill/>
-        </p:spPr>
-        <p:txBody>
-          <a:bodyPr wrap="square" rtlCol="0">
-            <a:spAutoFit/>
+        </p:spPr>
+        <p:txBody>
+          <a:bodyPr vert="horz" lIns="91440" tIns="45720" rIns="91440" bIns="45720" rtlCol="0" anchor="ctr">
+            <a:noAutofit/>
           </a:bodyPr>
-          <a:lstStyle/>
-          <a:p>
-            <a:pPr algn="ctr"/>
-            <a:r>
-              <a:rPr sz="2800" b="1">
+          <a:lstStyle>
+            <a:lvl1pPr algn="ctr" defTabSz="914400" rtl="0" eaLnBrk="1" latinLnBrk="1" hangingPunct="1">
+              <a:lnSpc>
+                <a:spcPct val="90000"/>
+              </a:lnSpc>
+              <a:spcBef>
+                <a:spcPct val="0"/>
+              </a:spcBef>
+              <a:buNone/>
+              <a:defRPr sz="6000" kern="1200">
                 <a:solidFill>
-                  <a:srgbClr val="FFFFFF"/>
+                  <a:schemeClr val="tx1"/>
                 </a:solidFill>
-              </a:rPr>
+                <a:latin typeface="+mj-lt"/>
+                <a:ea typeface="+mj-ea"/>
+                <a:cs typeface="+mj-cs"/>
+              </a:defRPr>
+            </a:lvl1pPr>
+          </a:lstStyle>
+          <a:p>
+            <a:r>
+              <a:rPr sz="5000"/>
               <a:t/>
             </a:r>
           </a:p>
@@ -6243,7 +6062,7 @@
     </p:spTree>
     <p:extLst>
       <p:ext uri="{BB962C8B-B14F-4D97-AF65-F5344CB8AC3E}">
-        <p14:creationId xmlns:p14="http://schemas.microsoft.com/office/powerpoint/2010/main" val="3198415775"/>
+        <p14:creationId xmlns:p14="http://schemas.microsoft.com/office/powerpoint/2010/main" val="1478025612"/>
       </p:ext>
     </p:extLst>
   </p:cSld>
@@ -6270,76 +6089,32 @@
           <a:chExt cx="0" cy="0"/>
         </a:xfrm>
       </p:grpSpPr>
-      <p:pic>
-        <p:nvPicPr>
-          <p:cNvPr id="2050" name="Picture 2"/>
-          <p:cNvPicPr>
-            <a:picLocks noChangeAspect="1" noChangeArrowheads="1"/>
-          </p:cNvPicPr>
+      <p:sp>
+        <p:nvSpPr>
+          <p:cNvPr id="4" name="직사각형">
+            <a:extLst>
+              <a:ext uri="{FF2B5EF4-FFF2-40B4-BE49-F238E27FC236}">
+                <a16:creationId xmlns:a16="http://schemas.microsoft.com/office/drawing/2014/main" id="{E29727B3-DAB0-4A6A-8C1F-B3C1F5A77720}"/>
+              </a:ext>
+            </a:extLst>
+          </p:cNvPr>
+          <p:cNvSpPr/>
           <p:nvPr/>
-        </p:nvPicPr>
-        <p:blipFill>
-          <a:blip r:embed="rId2">
-            <a:extLst>
-              <a:ext uri="{28A0092B-C50C-407E-A947-70E740481C1C}">
-                <a14:useLocalDpi xmlns:a14="http://schemas.microsoft.com/office/drawing/2010/main" val="0"/>
-              </a:ext>
-            </a:extLst>
-          </a:blip>
-          <a:srcRect/>
-          <a:stretch>
-            <a:fillRect/>
-          </a:stretch>
-        </p:blipFill>
-        <p:spPr bwMode="auto">
-          <a:xfrm>
-            <a:off x="3150" y="-1667"/>
-            <a:ext cx="10701276" cy="1151475"/>
+        </p:nvSpPr>
+        <p:spPr>
+          <a:xfrm>
+            <a:off x="0" y="2371767"/>
+            <a:ext cx="12192000" cy="4478138"/>
           </a:xfrm>
           <a:prstGeom prst="rect">
             <a:avLst/>
           </a:prstGeom>
-          <a:noFill/>
+          <a:solidFill>
+            <a:srgbClr val="1520FF"/>
+          </a:solidFill>
           <a:ln>
             <a:noFill/>
           </a:ln>
-          <a:extLst>
-            <a:ext uri="{909E8E84-426E-40DD-AFC4-6F175D3DCCD1}">
-              <a14:hiddenFill xmlns:a14="http://schemas.microsoft.com/office/drawing/2010/main">
-                <a:solidFill>
-                  <a:schemeClr val="accent1"/>
-                </a:solidFill>
-              </a14:hiddenFill>
-            </a:ext>
-            <a:ext uri="{91240B29-F687-4F45-9708-019B960494DF}">
-              <a14:hiddenLine xmlns:a14="http://schemas.microsoft.com/office/drawing/2010/main" w="9525">
-                <a:solidFill>
-                  <a:schemeClr val="tx1"/>
-                </a:solidFill>
-                <a:miter lim="800000"/>
-                <a:headEnd/>
-                <a:tailEnd/>
-              </a14:hiddenLine>
-            </a:ext>
-          </a:extLst>
-        </p:spPr>
-      </p:pic>
-      <p:sp>
-        <p:nvSpPr>
-          <p:cNvPr id="9" name="직사각형 8"/>
-          <p:cNvSpPr/>
-          <p:nvPr/>
-        </p:nvSpPr>
-        <p:spPr>
-          <a:xfrm>
-            <a:off x="3150" y="1149808"/>
-            <a:ext cx="10687100" cy="6398607"/>
-          </a:xfrm>
-          <a:prstGeom prst="rect">
-            <a:avLst/>
-          </a:prstGeom>
-          <a:noFill/>
-          <a:ln w="3175"/>
         </p:spPr>
         <p:style>
           <a:lnRef idx="2">
@@ -6358,7 +6133,7 @@
           </a:fontRef>
         </p:style>
         <p:txBody>
-          <a:bodyPr lIns="98173" tIns="49087" rIns="98173" bIns="49087" rtlCol="0" anchor="ctr"/>
+          <a:bodyPr rtlCol="0" anchor="ctr"/>
           <a:lstStyle/>
           <a:p>
             <a:pPr algn="ctr"/>
@@ -6366,65 +6141,22 @@
           </a:p>
         </p:txBody>
       </p:sp>
-      <p:sp>
-        <p:nvSpPr>
-          <p:cNvPr id="19" name="name"/>
-          <p:cNvSpPr txBox="1">
-            <a:spLocks/>
-          </p:cNvSpPr>
-          <p:nvPr/>
-        </p:nvSpPr>
-        <p:spPr>
-          <a:xfrm>
-            <a:off x="3150" y="2729156"/>
-            <a:ext cx="10701276" cy="2910858"/>
-          </a:xfrm>
-          <a:prstGeom prst="rect">
-            <a:avLst/>
-          </a:prstGeom>
-        </p:spPr>
-        <p:txBody>
-          <a:bodyPr vert="horz" lIns="98173" tIns="49087" rIns="98173" bIns="49087" rtlCol="0" anchor="ctr">
-            <a:normAutofit/>
-          </a:bodyPr>
-          <a:lstStyle>
-            <a:lvl1pPr algn="ctr" defTabSz="914400" rtl="0" eaLnBrk="1" latinLnBrk="1" hangingPunct="1">
-              <a:spcBef>
-                <a:spcPct val="0"/>
-              </a:spcBef>
-              <a:buNone/>
-              <a:defRPr sz="4400" kern="1200">
-                <a:solidFill>
-                  <a:schemeClr val="tx1"/>
-                </a:solidFill>
-                <a:latin typeface="+mj-lt"/>
-                <a:ea typeface="+mj-ea"/>
-                <a:cs typeface="+mj-cs"/>
-              </a:defRPr>
-            </a:lvl1pPr>
-          </a:lstStyle>
-          <a:p>
-            <a:r>
-              <a:rPr sz="13300" b="1">
-                <a:solidFill>
-                  <a:srgbClr val="000000"/>
-                </a:solidFill>
-              </a:rPr>
-              <a:t/>
-            </a:r>
-          </a:p>
-        </p:txBody>
-      </p:sp>
       <p:pic>
         <p:nvPicPr>
-          <p:cNvPr id="2052" name="logo" descr="F:\★인천관광공사-디자인자료\★인천시_인천관광공사등-CI,BI\인천관광공사CI\공사CI-국문\인천관광공사-국문(가로).png"/>
+          <p:cNvPr id="3" name="logo" descr="2조원 파급 효과 내고도 매 맞은 &amp;#39;인천관광공사&amp;#39; - 위키리크스한국">
+            <a:extLst>
+              <a:ext uri="{FF2B5EF4-FFF2-40B4-BE49-F238E27FC236}">
+                <a16:creationId xmlns:a16="http://schemas.microsoft.com/office/drawing/2014/main" id="{E2D33970-FE8B-4A0A-AD13-6F0D6F5FB73A}"/>
+              </a:ext>
+            </a:extLst>
+          </p:cNvPr>
           <p:cNvPicPr>
             <a:picLocks noChangeAspect="1" noChangeArrowheads="1"/>
           </p:cNvPicPr>
           <p:nvPr/>
         </p:nvPicPr>
         <p:blipFill>
-          <a:blip r:embed="rId3" cstate="print">
+          <a:blip r:embed="rId2">
             <a:extLst>
               <a:ext uri="{28A0092B-C50C-407E-A947-70E740481C1C}">
                 <a14:useLocalDpi xmlns:a14="http://schemas.microsoft.com/office/drawing/2010/main" val="0"/>
@@ -6438,8 +6170,8 @@
         </p:blipFill>
         <p:spPr bwMode="auto">
           <a:xfrm>
-            <a:off x="231042" y="227295"/>
-            <a:ext cx="1895554" cy="696674"/>
+            <a:off x="3238499" y="95880"/>
+            <a:ext cx="5715000" cy="2219325"/>
           </a:xfrm>
           <a:prstGeom prst="rect">
             <a:avLst/>
@@ -6458,39 +6190,88 @@
       </p:pic>
       <p:sp>
         <p:nvSpPr>
-          <p:cNvPr id="7" name="pos">
-            <a:extLst>
-              <a:ext uri="{FF2B5EF4-FFF2-40B4-BE49-F238E27FC236}">
-                <a16:creationId xmlns:a16="http://schemas.microsoft.com/office/drawing/2014/main" id="{B1532AC5-2DF7-4FA0-9A7A-4211F29B9C1B}"/>
-              </a:ext>
-            </a:extLst>
-          </p:cNvPr>
-          <p:cNvSpPr txBox="1"/>
+          <p:cNvPr id="2" name="name">
+            <a:extLst>
+              <a:ext uri="{FF2B5EF4-FFF2-40B4-BE49-F238E27FC236}">
+                <a16:creationId xmlns:a16="http://schemas.microsoft.com/office/drawing/2014/main" id="{DD276CAC-41EF-4FEB-9E9F-65510454E4A2}"/>
+              </a:ext>
+            </a:extLst>
+          </p:cNvPr>
+          <p:cNvSpPr>
+            <a:spLocks noGrp="1"/>
+          </p:cNvSpPr>
+          <p:nvPr>
+            <p:ph type="ctrTitle"/>
+          </p:nvPr>
+        </p:nvSpPr>
+        <p:spPr>
+          <a:xfrm>
+            <a:off x="0" y="4024822"/>
+            <a:ext cx="12191997" cy="2387600"/>
+          </a:xfrm>
+        </p:spPr>
+        <p:txBody>
+          <a:bodyPr anchor="ctr">
+            <a:noAutofit/>
+          </a:bodyPr>
+          <a:lstStyle/>
+          <a:p>
+            <a:r>
+              <a:rPr sz="16800"/>
+              <a:t/>
+            </a:r>
+          </a:p>
+        </p:txBody>
+      </p:sp>
+      <p:sp>
+        <p:nvSpPr>
+          <p:cNvPr id="8" name="pos">
+            <a:extLst>
+              <a:ext uri="{FF2B5EF4-FFF2-40B4-BE49-F238E27FC236}">
+                <a16:creationId xmlns:a16="http://schemas.microsoft.com/office/drawing/2014/main" id="{631BD788-4196-42D9-AA81-6AD559485306}"/>
+              </a:ext>
+            </a:extLst>
+          </p:cNvPr>
+          <p:cNvSpPr txBox="1">
+            <a:spLocks/>
+          </p:cNvSpPr>
           <p:nvPr/>
         </p:nvSpPr>
         <p:spPr>
           <a:xfrm>
-            <a:off x="3978548" y="377091"/>
-            <a:ext cx="6489598" cy="523220"/>
+            <a:off x="0" y="2776616"/>
+            <a:ext cx="12191998" cy="1057153"/>
           </a:xfrm>
           <a:prstGeom prst="rect">
             <a:avLst/>
           </a:prstGeom>
-          <a:noFill/>
-        </p:spPr>
-        <p:txBody>
-          <a:bodyPr wrap="square" rtlCol="0">
-            <a:spAutoFit/>
+        </p:spPr>
+        <p:txBody>
+          <a:bodyPr vert="horz" lIns="91440" tIns="45720" rIns="91440" bIns="45720" rtlCol="0" anchor="ctr">
+            <a:noAutofit/>
           </a:bodyPr>
-          <a:lstStyle/>
-          <a:p>
-            <a:pPr algn="ctr"/>
-            <a:r>
-              <a:rPr sz="2800" b="1">
+          <a:lstStyle>
+            <a:lvl1pPr algn="ctr" defTabSz="914400" rtl="0" eaLnBrk="1" latinLnBrk="1" hangingPunct="1">
+              <a:lnSpc>
+                <a:spcPct val="90000"/>
+              </a:lnSpc>
+              <a:spcBef>
+                <a:spcPct val="0"/>
+              </a:spcBef>
+              <a:buNone/>
+              <a:defRPr sz="6000" kern="1200">
                 <a:solidFill>
-                  <a:srgbClr val="FFFFFF"/>
+                  <a:schemeClr val="tx1"/>
                 </a:solidFill>
-              </a:rPr>
+                <a:latin typeface="+mj-lt"/>
+                <a:ea typeface="+mj-ea"/>
+                <a:cs typeface="+mj-cs"/>
+              </a:defRPr>
+            </a:lvl1pPr>
+          </a:lstStyle>
+          <a:p>
+            <a:r>
+              <a:rPr sz="5000"/>
               <a:t/>
             </a:r>
           </a:p>
@@ -6499,7 +6280,7 @@
     </p:spTree>
     <p:extLst>
       <p:ext uri="{BB962C8B-B14F-4D97-AF65-F5344CB8AC3E}">
-        <p14:creationId xmlns:p14="http://schemas.microsoft.com/office/powerpoint/2010/main" val="2536698199"/>
+        <p14:creationId xmlns:p14="http://schemas.microsoft.com/office/powerpoint/2010/main" val="1525684669"/>
       </p:ext>
     </p:extLst>
   </p:cSld>
@@ -6526,76 +6307,32 @@
           <a:chExt cx="0" cy="0"/>
         </a:xfrm>
       </p:grpSpPr>
-      <p:pic>
-        <p:nvPicPr>
-          <p:cNvPr id="2050" name="Picture 2"/>
-          <p:cNvPicPr>
-            <a:picLocks noChangeAspect="1" noChangeArrowheads="1"/>
-          </p:cNvPicPr>
+      <p:sp>
+        <p:nvSpPr>
+          <p:cNvPr id="4" name="직사각형">
+            <a:extLst>
+              <a:ext uri="{FF2B5EF4-FFF2-40B4-BE49-F238E27FC236}">
+                <a16:creationId xmlns:a16="http://schemas.microsoft.com/office/drawing/2014/main" id="{E29727B3-DAB0-4A6A-8C1F-B3C1F5A77720}"/>
+              </a:ext>
+            </a:extLst>
+          </p:cNvPr>
+          <p:cNvSpPr/>
           <p:nvPr/>
-        </p:nvPicPr>
-        <p:blipFill>
-          <a:blip r:embed="rId2">
-            <a:extLst>
-              <a:ext uri="{28A0092B-C50C-407E-A947-70E740481C1C}">
-                <a14:useLocalDpi xmlns:a14="http://schemas.microsoft.com/office/drawing/2010/main" val="0"/>
-              </a:ext>
-            </a:extLst>
-          </a:blip>
-          <a:srcRect/>
-          <a:stretch>
-            <a:fillRect/>
-          </a:stretch>
-        </p:blipFill>
-        <p:spPr bwMode="auto">
-          <a:xfrm>
-            <a:off x="3150" y="-1667"/>
-            <a:ext cx="10701276" cy="1151475"/>
+        </p:nvSpPr>
+        <p:spPr>
+          <a:xfrm>
+            <a:off x="0" y="2371767"/>
+            <a:ext cx="12192000" cy="4478138"/>
           </a:xfrm>
           <a:prstGeom prst="rect">
             <a:avLst/>
           </a:prstGeom>
-          <a:noFill/>
+          <a:solidFill>
+            <a:srgbClr val="1520FF"/>
+          </a:solidFill>
           <a:ln>
             <a:noFill/>
           </a:ln>
-          <a:extLst>
-            <a:ext uri="{909E8E84-426E-40DD-AFC4-6F175D3DCCD1}">
-              <a14:hiddenFill xmlns:a14="http://schemas.microsoft.com/office/drawing/2010/main">
-                <a:solidFill>
-                  <a:schemeClr val="accent1"/>
-                </a:solidFill>
-              </a14:hiddenFill>
-            </a:ext>
-            <a:ext uri="{91240B29-F687-4F45-9708-019B960494DF}">
-              <a14:hiddenLine xmlns:a14="http://schemas.microsoft.com/office/drawing/2010/main" w="9525">
-                <a:solidFill>
-                  <a:schemeClr val="tx1"/>
-                </a:solidFill>
-                <a:miter lim="800000"/>
-                <a:headEnd/>
-                <a:tailEnd/>
-              </a14:hiddenLine>
-            </a:ext>
-          </a:extLst>
-        </p:spPr>
-      </p:pic>
-      <p:sp>
-        <p:nvSpPr>
-          <p:cNvPr id="9" name="직사각형 8"/>
-          <p:cNvSpPr/>
-          <p:nvPr/>
-        </p:nvSpPr>
-        <p:spPr>
-          <a:xfrm>
-            <a:off x="3150" y="1149808"/>
-            <a:ext cx="10687100" cy="6398607"/>
-          </a:xfrm>
-          <a:prstGeom prst="rect">
-            <a:avLst/>
-          </a:prstGeom>
-          <a:noFill/>
-          <a:ln w="3175"/>
         </p:spPr>
         <p:style>
           <a:lnRef idx="2">
@@ -6614,7 +6351,7 @@
           </a:fontRef>
         </p:style>
         <p:txBody>
-          <a:bodyPr lIns="98173" tIns="49087" rIns="98173" bIns="49087" rtlCol="0" anchor="ctr"/>
+          <a:bodyPr rtlCol="0" anchor="ctr"/>
           <a:lstStyle/>
           <a:p>
             <a:pPr algn="ctr"/>
@@ -6622,65 +6359,22 @@
           </a:p>
         </p:txBody>
       </p:sp>
-      <p:sp>
-        <p:nvSpPr>
-          <p:cNvPr id="19" name="name"/>
-          <p:cNvSpPr txBox="1">
-            <a:spLocks/>
-          </p:cNvSpPr>
-          <p:nvPr/>
-        </p:nvSpPr>
-        <p:spPr>
-          <a:xfrm>
-            <a:off x="3150" y="2729156"/>
-            <a:ext cx="10701276" cy="2910858"/>
-          </a:xfrm>
-          <a:prstGeom prst="rect">
-            <a:avLst/>
-          </a:prstGeom>
-        </p:spPr>
-        <p:txBody>
-          <a:bodyPr vert="horz" lIns="98173" tIns="49087" rIns="98173" bIns="49087" rtlCol="0" anchor="ctr">
-            <a:normAutofit/>
-          </a:bodyPr>
-          <a:lstStyle>
-            <a:lvl1pPr algn="ctr" defTabSz="914400" rtl="0" eaLnBrk="1" latinLnBrk="1" hangingPunct="1">
-              <a:spcBef>
-                <a:spcPct val="0"/>
-              </a:spcBef>
-              <a:buNone/>
-              <a:defRPr sz="4400" kern="1200">
-                <a:solidFill>
-                  <a:schemeClr val="tx1"/>
-                </a:solidFill>
-                <a:latin typeface="+mj-lt"/>
-                <a:ea typeface="+mj-ea"/>
-                <a:cs typeface="+mj-cs"/>
-              </a:defRPr>
-            </a:lvl1pPr>
-          </a:lstStyle>
-          <a:p>
-            <a:r>
-              <a:rPr sz="13300" b="1">
-                <a:solidFill>
-                  <a:srgbClr val="000000"/>
-                </a:solidFill>
-              </a:rPr>
-              <a:t/>
-            </a:r>
-          </a:p>
-        </p:txBody>
-      </p:sp>
       <p:pic>
         <p:nvPicPr>
-          <p:cNvPr id="2052" name="logo" descr="F:\★인천관광공사-디자인자료\★인천시_인천관광공사등-CI,BI\인천관광공사CI\공사CI-국문\인천관광공사-국문(가로).png"/>
+          <p:cNvPr id="3" name="logo" descr="2조원 파급 효과 내고도 매 맞은 &amp;#39;인천관광공사&amp;#39; - 위키리크스한국">
+            <a:extLst>
+              <a:ext uri="{FF2B5EF4-FFF2-40B4-BE49-F238E27FC236}">
+                <a16:creationId xmlns:a16="http://schemas.microsoft.com/office/drawing/2014/main" id="{E2D33970-FE8B-4A0A-AD13-6F0D6F5FB73A}"/>
+              </a:ext>
+            </a:extLst>
+          </p:cNvPr>
           <p:cNvPicPr>
             <a:picLocks noChangeAspect="1" noChangeArrowheads="1"/>
           </p:cNvPicPr>
           <p:nvPr/>
         </p:nvPicPr>
         <p:blipFill>
-          <a:blip r:embed="rId3" cstate="print">
+          <a:blip r:embed="rId2">
             <a:extLst>
               <a:ext uri="{28A0092B-C50C-407E-A947-70E740481C1C}">
                 <a14:useLocalDpi xmlns:a14="http://schemas.microsoft.com/office/drawing/2010/main" val="0"/>
@@ -6694,8 +6388,8 @@
         </p:blipFill>
         <p:spPr bwMode="auto">
           <a:xfrm>
-            <a:off x="231042" y="227295"/>
-            <a:ext cx="1895554" cy="696674"/>
+            <a:off x="3238499" y="95880"/>
+            <a:ext cx="5715000" cy="2219325"/>
           </a:xfrm>
           <a:prstGeom prst="rect">
             <a:avLst/>
@@ -6714,39 +6408,88 @@
       </p:pic>
       <p:sp>
         <p:nvSpPr>
-          <p:cNvPr id="7" name="pos">
-            <a:extLst>
-              <a:ext uri="{FF2B5EF4-FFF2-40B4-BE49-F238E27FC236}">
-                <a16:creationId xmlns:a16="http://schemas.microsoft.com/office/drawing/2014/main" id="{B1532AC5-2DF7-4FA0-9A7A-4211F29B9C1B}"/>
-              </a:ext>
-            </a:extLst>
-          </p:cNvPr>
-          <p:cNvSpPr txBox="1"/>
+          <p:cNvPr id="2" name="name">
+            <a:extLst>
+              <a:ext uri="{FF2B5EF4-FFF2-40B4-BE49-F238E27FC236}">
+                <a16:creationId xmlns:a16="http://schemas.microsoft.com/office/drawing/2014/main" id="{DD276CAC-41EF-4FEB-9E9F-65510454E4A2}"/>
+              </a:ext>
+            </a:extLst>
+          </p:cNvPr>
+          <p:cNvSpPr>
+            <a:spLocks noGrp="1"/>
+          </p:cNvSpPr>
+          <p:nvPr>
+            <p:ph type="ctrTitle"/>
+          </p:nvPr>
+        </p:nvSpPr>
+        <p:spPr>
+          <a:xfrm>
+            <a:off x="0" y="4024822"/>
+            <a:ext cx="12191997" cy="2387600"/>
+          </a:xfrm>
+        </p:spPr>
+        <p:txBody>
+          <a:bodyPr anchor="ctr">
+            <a:noAutofit/>
+          </a:bodyPr>
+          <a:lstStyle/>
+          <a:p>
+            <a:r>
+              <a:rPr sz="16800"/>
+              <a:t/>
+            </a:r>
+          </a:p>
+        </p:txBody>
+      </p:sp>
+      <p:sp>
+        <p:nvSpPr>
+          <p:cNvPr id="8" name="pos">
+            <a:extLst>
+              <a:ext uri="{FF2B5EF4-FFF2-40B4-BE49-F238E27FC236}">
+                <a16:creationId xmlns:a16="http://schemas.microsoft.com/office/drawing/2014/main" id="{631BD788-4196-42D9-AA81-6AD559485306}"/>
+              </a:ext>
+            </a:extLst>
+          </p:cNvPr>
+          <p:cNvSpPr txBox="1">
+            <a:spLocks/>
+          </p:cNvSpPr>
           <p:nvPr/>
         </p:nvSpPr>
         <p:spPr>
           <a:xfrm>
-            <a:off x="3978548" y="377091"/>
-            <a:ext cx="6489598" cy="523220"/>
+            <a:off x="0" y="2776616"/>
+            <a:ext cx="12191998" cy="1057153"/>
           </a:xfrm>
           <a:prstGeom prst="rect">
             <a:avLst/>
           </a:prstGeom>
-          <a:noFill/>
-        </p:spPr>
-        <p:txBody>
-          <a:bodyPr wrap="square" rtlCol="0">
-            <a:spAutoFit/>
+        </p:spPr>
+        <p:txBody>
+          <a:bodyPr vert="horz" lIns="91440" tIns="45720" rIns="91440" bIns="45720" rtlCol="0" anchor="ctr">
+            <a:noAutofit/>
           </a:bodyPr>
-          <a:lstStyle/>
-          <a:p>
-            <a:pPr algn="ctr"/>
-            <a:r>
-              <a:rPr sz="2800" b="1">
+          <a:lstStyle>
+            <a:lvl1pPr algn="ctr" defTabSz="914400" rtl="0" eaLnBrk="1" latinLnBrk="1" hangingPunct="1">
+              <a:lnSpc>
+                <a:spcPct val="90000"/>
+              </a:lnSpc>
+              <a:spcBef>
+                <a:spcPct val="0"/>
+              </a:spcBef>
+              <a:buNone/>
+              <a:defRPr sz="6000" kern="1200">
                 <a:solidFill>
-                  <a:srgbClr val="FFFFFF"/>
+                  <a:schemeClr val="tx1"/>
                 </a:solidFill>
-              </a:rPr>
+                <a:latin typeface="+mj-lt"/>
+                <a:ea typeface="+mj-ea"/>
+                <a:cs typeface="+mj-cs"/>
+              </a:defRPr>
+            </a:lvl1pPr>
+          </a:lstStyle>
+          <a:p>
+            <a:r>
+              <a:rPr sz="5000"/>
               <a:t/>
             </a:r>
           </a:p>
@@ -6755,7 +6498,7 @@
     </p:spTree>
     <p:extLst>
       <p:ext uri="{BB962C8B-B14F-4D97-AF65-F5344CB8AC3E}">
-        <p14:creationId xmlns:p14="http://schemas.microsoft.com/office/powerpoint/2010/main" val="3506238820"/>
+        <p14:creationId xmlns:p14="http://schemas.microsoft.com/office/powerpoint/2010/main" val="2031236678"/>
       </p:ext>
     </p:extLst>
   </p:cSld>
@@ -6776,44 +6519,44 @@
         <a:sysClr val="window" lastClr="FFFFFF"/>
       </a:lt1>
       <a:dk2>
-        <a:srgbClr val="1F497D"/>
+        <a:srgbClr val="44546A"/>
       </a:dk2>
       <a:lt2>
-        <a:srgbClr val="EEECE1"/>
+        <a:srgbClr val="E7E6E6"/>
       </a:lt2>
       <a:accent1>
-        <a:srgbClr val="4F81BD"/>
+        <a:srgbClr val="4472C4"/>
       </a:accent1>
       <a:accent2>
-        <a:srgbClr val="C0504D"/>
+        <a:srgbClr val="ED7D31"/>
       </a:accent2>
       <a:accent3>
-        <a:srgbClr val="9BBB59"/>
+        <a:srgbClr val="A5A5A5"/>
       </a:accent3>
       <a:accent4>
-        <a:srgbClr val="8064A2"/>
+        <a:srgbClr val="FFC000"/>
       </a:accent4>
       <a:accent5>
-        <a:srgbClr val="4BACC6"/>
+        <a:srgbClr val="5B9BD5"/>
       </a:accent5>
       <a:accent6>
-        <a:srgbClr val="F79646"/>
+        <a:srgbClr val="70AD47"/>
       </a:accent6>
       <a:hlink>
-        <a:srgbClr val="0000FF"/>
+        <a:srgbClr val="0563C1"/>
       </a:hlink>
       <a:folHlink>
-        <a:srgbClr val="800080"/>
+        <a:srgbClr val="954F72"/>
       </a:folHlink>
     </a:clrScheme>
     <a:fontScheme name="Office">
       <a:majorFont>
-        <a:latin typeface="맑은 고딕"/>
+        <a:latin typeface="맑은 고딕" panose="020F0302020204030204"/>
         <a:ea typeface=""/>
         <a:cs typeface=""/>
-        <a:font script="Jpan" typeface="ＭＳ Ｐゴシック"/>
+        <a:font script="Jpan" typeface="游ゴシック Light"/>
         <a:font script="Hang" typeface="맑은 고딕"/>
-        <a:font script="Hans" typeface="宋体"/>
+        <a:font script="Hans" typeface="等线 Light"/>
         <a:font script="Hant" typeface="新細明體"/>
         <a:font script="Arab" typeface="Times New Roman"/>
         <a:font script="Hebr" typeface="Times New Roman"/>
@@ -6841,14 +6584,31 @@
         <a:font script="Viet" typeface="Times New Roman"/>
         <a:font script="Uigh" typeface="Microsoft Uighur"/>
         <a:font script="Geor" typeface="Sylfaen"/>
+        <a:font script="Armn" typeface="Arial"/>
+        <a:font script="Bugi" typeface="Leelawadee UI"/>
+        <a:font script="Bopo" typeface="Microsoft JhengHei"/>
+        <a:font script="Java" typeface="Javanese Text"/>
+        <a:font script="Lisu" typeface="Segoe UI"/>
+        <a:font script="Mymr" typeface="Myanmar Text"/>
+        <a:font script="Nkoo" typeface="Ebrima"/>
+        <a:font script="Olck" typeface="Nirmala UI"/>
+        <a:font script="Osma" typeface="Ebrima"/>
+        <a:font script="Phag" typeface="Phagspa"/>
+        <a:font script="Syrn" typeface="Estrangelo Edessa"/>
+        <a:font script="Syrj" typeface="Estrangelo Edessa"/>
+        <a:font script="Syre" typeface="Estrangelo Edessa"/>
+        <a:font script="Sora" typeface="Nirmala UI"/>
+        <a:font script="Tale" typeface="Microsoft Tai Le"/>
+        <a:font script="Talu" typeface="Microsoft New Tai Lue"/>
+        <a:font script="Tfng" typeface="Ebrima"/>
       </a:majorFont>
       <a:minorFont>
-        <a:latin typeface="맑은 고딕"/>
+        <a:latin typeface="맑은 고딕" panose="020F0502020204030204"/>
         <a:ea typeface=""/>
         <a:cs typeface=""/>
-        <a:font script="Jpan" typeface="ＭＳ Ｐゴシック"/>
+        <a:font script="Jpan" typeface="游ゴシック"/>
         <a:font script="Hang" typeface="맑은 고딕"/>
-        <a:font script="Hans" typeface="宋体"/>
+        <a:font script="Hans" typeface="等线"/>
         <a:font script="Hant" typeface="新細明體"/>
         <a:font script="Arab" typeface="Arial"/>
         <a:font script="Hebr" typeface="Arial"/>
@@ -6876,6 +6636,23 @@
         <a:font script="Viet" typeface="Arial"/>
         <a:font script="Uigh" typeface="Microsoft Uighur"/>
         <a:font script="Geor" typeface="Sylfaen"/>
+        <a:font script="Armn" typeface="Arial"/>
+        <a:font script="Bugi" typeface="Leelawadee UI"/>
+        <a:font script="Bopo" typeface="Microsoft JhengHei"/>
+        <a:font script="Java" typeface="Javanese Text"/>
+        <a:font script="Lisu" typeface="Segoe UI"/>
+        <a:font script="Mymr" typeface="Myanmar Text"/>
+        <a:font script="Nkoo" typeface="Ebrima"/>
+        <a:font script="Olck" typeface="Nirmala UI"/>
+        <a:font script="Osma" typeface="Ebrima"/>
+        <a:font script="Phag" typeface="Phagspa"/>
+        <a:font script="Syrn" typeface="Estrangelo Edessa"/>
+        <a:font script="Syrj" typeface="Estrangelo Edessa"/>
+        <a:font script="Syre" typeface="Estrangelo Edessa"/>
+        <a:font script="Sora" typeface="Nirmala UI"/>
+        <a:font script="Tale" typeface="Microsoft Tai Le"/>
+        <a:font script="Talu" typeface="Microsoft New Tai Lue"/>
+        <a:font script="Tfng" typeface="Ebrima"/>
       </a:minorFont>
     </a:fontScheme>
     <a:fmtScheme name="Office">
@@ -6887,166 +6664,158 @@
           <a:gsLst>
             <a:gs pos="0">
               <a:schemeClr val="phClr">
-                <a:tint val="50000"/>
-                <a:satMod val="300000"/>
+                <a:lumMod val="110000"/>
+                <a:satMod val="105000"/>
+                <a:tint val="67000"/>
               </a:schemeClr>
             </a:gs>
-            <a:gs pos="35000">
+            <a:gs pos="50000">
               <a:schemeClr val="phClr">
-                <a:tint val="37000"/>
-                <a:satMod val="300000"/>
+                <a:lumMod val="105000"/>
+                <a:satMod val="103000"/>
+                <a:tint val="73000"/>
               </a:schemeClr>
             </a:gs>
             <a:gs pos="100000">
               <a:schemeClr val="phClr">
-                <a:tint val="15000"/>
-                <a:satMod val="350000"/>
+                <a:lumMod val="105000"/>
+                <a:satMod val="109000"/>
+                <a:tint val="81000"/>
               </a:schemeClr>
             </a:gs>
           </a:gsLst>
-          <a:lin ang="16200000" scaled="1"/>
+          <a:lin ang="5400000" scaled="0"/>
         </a:gradFill>
         <a:gradFill rotWithShape="1">
           <a:gsLst>
             <a:gs pos="0">
               <a:schemeClr val="phClr">
-                <a:shade val="51000"/>
-                <a:satMod val="130000"/>
+                <a:satMod val="103000"/>
+                <a:lumMod val="102000"/>
+                <a:tint val="94000"/>
               </a:schemeClr>
             </a:gs>
-            <a:gs pos="80000">
+            <a:gs pos="50000">
               <a:schemeClr val="phClr">
-                <a:shade val="93000"/>
-                <a:satMod val="130000"/>
+                <a:satMod val="110000"/>
+                <a:lumMod val="100000"/>
+                <a:shade val="100000"/>
               </a:schemeClr>
             </a:gs>
             <a:gs pos="100000">
               <a:schemeClr val="phClr">
-                <a:shade val="94000"/>
-                <a:satMod val="135000"/>
+                <a:lumMod val="99000"/>
+                <a:satMod val="120000"/>
+                <a:shade val="78000"/>
               </a:schemeClr>
             </a:gs>
           </a:gsLst>
-          <a:lin ang="16200000" scaled="0"/>
+          <a:lin ang="5400000" scaled="0"/>
         </a:gradFill>
       </a:fillStyleLst>
       <a:lnStyleLst>
-        <a:ln w="9525" cap="flat" cmpd="sng" algn="ctr">
-          <a:solidFill>
-            <a:schemeClr val="phClr">
-              <a:shade val="95000"/>
-              <a:satMod val="105000"/>
-            </a:schemeClr>
-          </a:solidFill>
-          <a:prstDash val="solid"/>
-        </a:ln>
-        <a:ln w="25400" cap="flat" cmpd="sng" algn="ctr">
+        <a:ln w="6350" cap="flat" cmpd="sng" algn="ctr">
           <a:solidFill>
             <a:schemeClr val="phClr"/>
           </a:solidFill>
           <a:prstDash val="solid"/>
+          <a:miter lim="800000"/>
         </a:ln>
-        <a:ln w="38100" cap="flat" cmpd="sng" algn="ctr">
+        <a:ln w="12700" cap="flat" cmpd="sng" algn="ctr">
           <a:solidFill>
             <a:schemeClr val="phClr"/>
           </a:solidFill>
           <a:prstDash val="solid"/>
+          <a:miter lim="800000"/>
+        </a:ln>
+        <a:ln w="19050" cap="flat" cmpd="sng" algn="ctr">
+          <a:solidFill>
+            <a:schemeClr val="phClr"/>
+          </a:solidFill>
+          <a:prstDash val="solid"/>
+          <a:miter lim="800000"/>
         </a:ln>
       </a:lnStyleLst>
       <a:effectStyleLst>
         <a:effectStyle>
+          <a:effectLst/>
+        </a:effectStyle>
+        <a:effectStyle>
+          <a:effectLst/>
+        </a:effectStyle>
+        <a:effectStyle>
           <a:effectLst>
-            <a:outerShdw blurRad="40000" dist="20000" dir="5400000" rotWithShape="0">
+            <a:outerShdw blurRad="57150" dist="19050" dir="5400000" algn="ctr" rotWithShape="0">
               <a:srgbClr val="000000">
-                <a:alpha val="38000"/>
+                <a:alpha val="63000"/>
               </a:srgbClr>
             </a:outerShdw>
           </a:effectLst>
-        </a:effectStyle>
-        <a:effectStyle>
-          <a:effectLst>
-            <a:outerShdw blurRad="40000" dist="23000" dir="5400000" rotWithShape="0">
-              <a:srgbClr val="000000">
-                <a:alpha val="35000"/>
-              </a:srgbClr>
-            </a:outerShdw>
-          </a:effectLst>
-        </a:effectStyle>
-        <a:effectStyle>
-          <a:effectLst>
-            <a:outerShdw blurRad="40000" dist="23000" dir="5400000" rotWithShape="0">
-              <a:srgbClr val="000000">
-                <a:alpha val="35000"/>
-              </a:srgbClr>
-            </a:outerShdw>
-          </a:effectLst>
-          <a:scene3d>
-            <a:camera prst="orthographicFront">
-              <a:rot lat="0" lon="0" rev="0"/>
-            </a:camera>
-            <a:lightRig rig="threePt" dir="t">
-              <a:rot lat="0" lon="0" rev="1200000"/>
-            </a:lightRig>
-          </a:scene3d>
-          <a:sp3d>
-            <a:bevelT w="63500" h="25400"/>
-          </a:sp3d>
         </a:effectStyle>
       </a:effectStyleLst>
       <a:bgFillStyleLst>
         <a:solidFill>
           <a:schemeClr val="phClr"/>
         </a:solidFill>
+        <a:solidFill>
+          <a:schemeClr val="phClr">
+            <a:tint val="95000"/>
+            <a:satMod val="170000"/>
+          </a:schemeClr>
+        </a:solidFill>
         <a:gradFill rotWithShape="1">
           <a:gsLst>
             <a:gs pos="0">
               <a:schemeClr val="phClr">
-                <a:tint val="40000"/>
-                <a:satMod val="350000"/>
+                <a:tint val="93000"/>
+                <a:satMod val="150000"/>
+                <a:shade val="98000"/>
+                <a:lumMod val="102000"/>
               </a:schemeClr>
             </a:gs>
-            <a:gs pos="40000">
+            <a:gs pos="50000">
               <a:schemeClr val="phClr">
-                <a:tint val="45000"/>
-                <a:shade val="99000"/>
-                <a:satMod val="350000"/>
+                <a:tint val="98000"/>
+                <a:satMod val="130000"/>
+                <a:shade val="90000"/>
+                <a:lumMod val="103000"/>
               </a:schemeClr>
             </a:gs>
             <a:gs pos="100000">
               <a:schemeClr val="phClr">
-                <a:shade val="20000"/>
-                <a:satMod val="255000"/>
+                <a:shade val="63000"/>
+                <a:satMod val="120000"/>
               </a:schemeClr>
             </a:gs>
           </a:gsLst>
-          <a:path path="circle">
-            <a:fillToRect l="50000" t="-80000" r="50000" b="180000"/>
-          </a:path>
-        </a:gradFill>
-        <a:gradFill rotWithShape="1">
-          <a:gsLst>
-            <a:gs pos="0">
-              <a:schemeClr val="phClr">
-                <a:tint val="80000"/>
-                <a:satMod val="300000"/>
-              </a:schemeClr>
-            </a:gs>
-            <a:gs pos="100000">
-              <a:schemeClr val="phClr">
-                <a:shade val="30000"/>
-                <a:satMod val="200000"/>
-              </a:schemeClr>
-            </a:gs>
-          </a:gsLst>
-          <a:path path="circle">
-            <a:fillToRect l="50000" t="50000" r="50000" b="50000"/>
-          </a:path>
+          <a:lin ang="5400000" scaled="0"/>
         </a:gradFill>
       </a:bgFillStyleLst>
     </a:fmtScheme>
   </a:themeElements>
-  <a:objectDefaults/>
+  <a:objectDefaults>
+    <a:txDef>
+      <a:spPr/>
+      <a:bodyPr vert="horz" lIns="91440" tIns="45720" rIns="91440" bIns="45720" rtlCol="0" anchor="ctr">
+        <a:noAutofit/>
+      </a:bodyPr>
+      <a:lstStyle>
+        <a:defPPr algn="l">
+          <a:defRPr sz="5000" b="1" dirty="0">
+            <a:solidFill>
+              <a:schemeClr val="bg1"/>
+            </a:solidFill>
+          </a:defRPr>
+        </a:defPPr>
+      </a:lstStyle>
+    </a:txDef>
+  </a:objectDefaults>
   <a:extraClrSchemeLst/>
+  <a:extLst>
+    <a:ext uri="{05A4C25C-085E-4340-85A3-A5531E510DB2}">
+      <thm15:themeFamily xmlns:thm15="http://schemas.microsoft.com/office/thememl/2012/main" name="Office Theme" id="{62F939B6-93AF-4DB8-9C6B-D6C7DFDC589F}" vid="{4A3C46E8-61CC-4603-A589-7422A47A8E4A}"/>
+    </a:ext>
+  </a:extLst>
 </a:theme>
 </file>
 
@@ -7061,44 +6830,44 @@
         <a:sysClr val="window" lastClr="FFFFFF"/>
       </a:lt1>
       <a:dk2>
-        <a:srgbClr val="1F497D"/>
+        <a:srgbClr val="44546A"/>
       </a:dk2>
       <a:lt2>
-        <a:srgbClr val="EEECE1"/>
+        <a:srgbClr val="E7E6E6"/>
       </a:lt2>
       <a:accent1>
-        <a:srgbClr val="4F81BD"/>
+        <a:srgbClr val="4472C4"/>
       </a:accent1>
       <a:accent2>
-        <a:srgbClr val="C0504D"/>
+        <a:srgbClr val="ED7D31"/>
       </a:accent2>
       <a:accent3>
-        <a:srgbClr val="9BBB59"/>
+        <a:srgbClr val="A5A5A5"/>
       </a:accent3>
       <a:accent4>
-        <a:srgbClr val="8064A2"/>
+        <a:srgbClr val="FFC000"/>
       </a:accent4>
       <a:accent5>
-        <a:srgbClr val="4BACC6"/>
+        <a:srgbClr val="5B9BD5"/>
       </a:accent5>
       <a:accent6>
-        <a:srgbClr val="F79646"/>
+        <a:srgbClr val="70AD47"/>
       </a:accent6>
       <a:hlink>
-        <a:srgbClr val="0000FF"/>
+        <a:srgbClr val="0563C1"/>
       </a:hlink>
       <a:folHlink>
-        <a:srgbClr val="800080"/>
+        <a:srgbClr val="954F72"/>
       </a:folHlink>
     </a:clrScheme>
     <a:fontScheme name="Office">
       <a:majorFont>
-        <a:latin typeface="맑은 고딕"/>
+        <a:latin typeface="맑은 고딕" panose="020F0302020204030204"/>
         <a:ea typeface=""/>
         <a:cs typeface=""/>
-        <a:font script="Jpan" typeface="ＭＳ Ｐゴシック"/>
+        <a:font script="Jpan" typeface="游ゴシック Light"/>
         <a:font script="Hang" typeface="맑은 고딕"/>
-        <a:font script="Hans" typeface="宋体"/>
+        <a:font script="Hans" typeface="等线 Light"/>
         <a:font script="Hant" typeface="新細明體"/>
         <a:font script="Arab" typeface="Times New Roman"/>
         <a:font script="Hebr" typeface="Times New Roman"/>
@@ -7126,14 +6895,31 @@
         <a:font script="Viet" typeface="Times New Roman"/>
         <a:font script="Uigh" typeface="Microsoft Uighur"/>
         <a:font script="Geor" typeface="Sylfaen"/>
+        <a:font script="Armn" typeface="Arial"/>
+        <a:font script="Bugi" typeface="Leelawadee UI"/>
+        <a:font script="Bopo" typeface="Microsoft JhengHei"/>
+        <a:font script="Java" typeface="Javanese Text"/>
+        <a:font script="Lisu" typeface="Segoe UI"/>
+        <a:font script="Mymr" typeface="Myanmar Text"/>
+        <a:font script="Nkoo" typeface="Ebrima"/>
+        <a:font script="Olck" typeface="Nirmala UI"/>
+        <a:font script="Osma" typeface="Ebrima"/>
+        <a:font script="Phag" typeface="Phagspa"/>
+        <a:font script="Syrn" typeface="Estrangelo Edessa"/>
+        <a:font script="Syrj" typeface="Estrangelo Edessa"/>
+        <a:font script="Syre" typeface="Estrangelo Edessa"/>
+        <a:font script="Sora" typeface="Nirmala UI"/>
+        <a:font script="Tale" typeface="Microsoft Tai Le"/>
+        <a:font script="Talu" typeface="Microsoft New Tai Lue"/>
+        <a:font script="Tfng" typeface="Ebrima"/>
       </a:majorFont>
       <a:minorFont>
-        <a:latin typeface="맑은 고딕"/>
+        <a:latin typeface="맑은 고딕" panose="020F0502020204030204"/>
         <a:ea typeface=""/>
         <a:cs typeface=""/>
-        <a:font script="Jpan" typeface="ＭＳ Ｐゴシック"/>
+        <a:font script="Jpan" typeface="游ゴシック"/>
         <a:font script="Hang" typeface="맑은 고딕"/>
-        <a:font script="Hans" typeface="宋体"/>
+        <a:font script="Hans" typeface="等线"/>
         <a:font script="Hant" typeface="新細明體"/>
         <a:font script="Arab" typeface="Arial"/>
         <a:font script="Hebr" typeface="Arial"/>
@@ -7161,6 +6947,23 @@
         <a:font script="Viet" typeface="Arial"/>
         <a:font script="Uigh" typeface="Microsoft Uighur"/>
         <a:font script="Geor" typeface="Sylfaen"/>
+        <a:font script="Armn" typeface="Arial"/>
+        <a:font script="Bugi" typeface="Leelawadee UI"/>
+        <a:font script="Bopo" typeface="Microsoft JhengHei"/>
+        <a:font script="Java" typeface="Javanese Text"/>
+        <a:font script="Lisu" typeface="Segoe UI"/>
+        <a:font script="Mymr" typeface="Myanmar Text"/>
+        <a:font script="Nkoo" typeface="Ebrima"/>
+        <a:font script="Olck" typeface="Nirmala UI"/>
+        <a:font script="Osma" typeface="Ebrima"/>
+        <a:font script="Phag" typeface="Phagspa"/>
+        <a:font script="Syrn" typeface="Estrangelo Edessa"/>
+        <a:font script="Syrj" typeface="Estrangelo Edessa"/>
+        <a:font script="Syre" typeface="Estrangelo Edessa"/>
+        <a:font script="Sora" typeface="Nirmala UI"/>
+        <a:font script="Tale" typeface="Microsoft Tai Le"/>
+        <a:font script="Talu" typeface="Microsoft New Tai Lue"/>
+        <a:font script="Tfng" typeface="Ebrima"/>
       </a:minorFont>
     </a:fontScheme>
     <a:fmtScheme name="Office">
@@ -7172,165 +6975,141 @@
           <a:gsLst>
             <a:gs pos="0">
               <a:schemeClr val="phClr">
-                <a:tint val="50000"/>
-                <a:satMod val="300000"/>
+                <a:lumMod val="110000"/>
+                <a:satMod val="105000"/>
+                <a:tint val="67000"/>
               </a:schemeClr>
             </a:gs>
-            <a:gs pos="35000">
+            <a:gs pos="50000">
               <a:schemeClr val="phClr">
-                <a:tint val="37000"/>
-                <a:satMod val="300000"/>
+                <a:lumMod val="105000"/>
+                <a:satMod val="103000"/>
+                <a:tint val="73000"/>
               </a:schemeClr>
             </a:gs>
             <a:gs pos="100000">
               <a:schemeClr val="phClr">
-                <a:tint val="15000"/>
-                <a:satMod val="350000"/>
+                <a:lumMod val="105000"/>
+                <a:satMod val="109000"/>
+                <a:tint val="81000"/>
               </a:schemeClr>
             </a:gs>
           </a:gsLst>
-          <a:lin ang="16200000" scaled="1"/>
+          <a:lin ang="5400000" scaled="0"/>
         </a:gradFill>
         <a:gradFill rotWithShape="1">
           <a:gsLst>
             <a:gs pos="0">
               <a:schemeClr val="phClr">
-                <a:shade val="51000"/>
-                <a:satMod val="130000"/>
+                <a:satMod val="103000"/>
+                <a:lumMod val="102000"/>
+                <a:tint val="94000"/>
               </a:schemeClr>
             </a:gs>
-            <a:gs pos="80000">
+            <a:gs pos="50000">
               <a:schemeClr val="phClr">
-                <a:shade val="93000"/>
-                <a:satMod val="130000"/>
+                <a:satMod val="110000"/>
+                <a:lumMod val="100000"/>
+                <a:shade val="100000"/>
               </a:schemeClr>
             </a:gs>
             <a:gs pos="100000">
               <a:schemeClr val="phClr">
-                <a:shade val="94000"/>
-                <a:satMod val="135000"/>
+                <a:lumMod val="99000"/>
+                <a:satMod val="120000"/>
+                <a:shade val="78000"/>
               </a:schemeClr>
             </a:gs>
           </a:gsLst>
-          <a:lin ang="16200000" scaled="0"/>
+          <a:lin ang="5400000" scaled="0"/>
         </a:gradFill>
       </a:fillStyleLst>
       <a:lnStyleLst>
-        <a:ln w="9525" cap="flat" cmpd="sng" algn="ctr">
-          <a:solidFill>
-            <a:schemeClr val="phClr">
-              <a:shade val="95000"/>
-              <a:satMod val="105000"/>
-            </a:schemeClr>
-          </a:solidFill>
-          <a:prstDash val="solid"/>
-        </a:ln>
-        <a:ln w="25400" cap="flat" cmpd="sng" algn="ctr">
+        <a:ln w="6350" cap="flat" cmpd="sng" algn="ctr">
           <a:solidFill>
             <a:schemeClr val="phClr"/>
           </a:solidFill>
           <a:prstDash val="solid"/>
+          <a:miter lim="800000"/>
         </a:ln>
-        <a:ln w="38100" cap="flat" cmpd="sng" algn="ctr">
+        <a:ln w="12700" cap="flat" cmpd="sng" algn="ctr">
           <a:solidFill>
             <a:schemeClr val="phClr"/>
           </a:solidFill>
           <a:prstDash val="solid"/>
+          <a:miter lim="800000"/>
+        </a:ln>
+        <a:ln w="19050" cap="flat" cmpd="sng" algn="ctr">
+          <a:solidFill>
+            <a:schemeClr val="phClr"/>
+          </a:solidFill>
+          <a:prstDash val="solid"/>
+          <a:miter lim="800000"/>
         </a:ln>
       </a:lnStyleLst>
       <a:effectStyleLst>
         <a:effectStyle>
+          <a:effectLst/>
+        </a:effectStyle>
+        <a:effectStyle>
+          <a:effectLst/>
+        </a:effectStyle>
+        <a:effectStyle>
           <a:effectLst>
-            <a:outerShdw blurRad="40000" dist="20000" dir="5400000" rotWithShape="0">
+            <a:outerShdw blurRad="57150" dist="19050" dir="5400000" algn="ctr" rotWithShape="0">
               <a:srgbClr val="000000">
-                <a:alpha val="38000"/>
+                <a:alpha val="63000"/>
               </a:srgbClr>
             </a:outerShdw>
           </a:effectLst>
-        </a:effectStyle>
-        <a:effectStyle>
-          <a:effectLst>
-            <a:outerShdw blurRad="40000" dist="23000" dir="5400000" rotWithShape="0">
-              <a:srgbClr val="000000">
-                <a:alpha val="35000"/>
-              </a:srgbClr>
-            </a:outerShdw>
-          </a:effectLst>
-        </a:effectStyle>
-        <a:effectStyle>
-          <a:effectLst>
-            <a:outerShdw blurRad="40000" dist="23000" dir="5400000" rotWithShape="0">
-              <a:srgbClr val="000000">
-                <a:alpha val="35000"/>
-              </a:srgbClr>
-            </a:outerShdw>
-          </a:effectLst>
-          <a:scene3d>
-            <a:camera prst="orthographicFront">
-              <a:rot lat="0" lon="0" rev="0"/>
-            </a:camera>
-            <a:lightRig rig="threePt" dir="t">
-              <a:rot lat="0" lon="0" rev="1200000"/>
-            </a:lightRig>
-          </a:scene3d>
-          <a:sp3d>
-            <a:bevelT w="63500" h="25400"/>
-          </a:sp3d>
         </a:effectStyle>
       </a:effectStyleLst>
       <a:bgFillStyleLst>
         <a:solidFill>
           <a:schemeClr val="phClr"/>
         </a:solidFill>
+        <a:solidFill>
+          <a:schemeClr val="phClr">
+            <a:tint val="95000"/>
+            <a:satMod val="170000"/>
+          </a:schemeClr>
+        </a:solidFill>
         <a:gradFill rotWithShape="1">
           <a:gsLst>
             <a:gs pos="0">
               <a:schemeClr val="phClr">
-                <a:tint val="40000"/>
-                <a:satMod val="350000"/>
+                <a:tint val="93000"/>
+                <a:satMod val="150000"/>
+                <a:shade val="98000"/>
+                <a:lumMod val="102000"/>
               </a:schemeClr>
             </a:gs>
-            <a:gs pos="40000">
+            <a:gs pos="50000">
               <a:schemeClr val="phClr">
-                <a:tint val="45000"/>
-                <a:shade val="99000"/>
-                <a:satMod val="350000"/>
+                <a:tint val="98000"/>
+                <a:satMod val="130000"/>
+                <a:shade val="90000"/>
+                <a:lumMod val="103000"/>
               </a:schemeClr>
             </a:gs>
             <a:gs pos="100000">
               <a:schemeClr val="phClr">
-                <a:shade val="20000"/>
-                <a:satMod val="255000"/>
+                <a:shade val="63000"/>
+                <a:satMod val="120000"/>
               </a:schemeClr>
             </a:gs>
           </a:gsLst>
-          <a:path path="circle">
-            <a:fillToRect l="50000" t="-80000" r="50000" b="180000"/>
-          </a:path>
-        </a:gradFill>
-        <a:gradFill rotWithShape="1">
-          <a:gsLst>
-            <a:gs pos="0">
-              <a:schemeClr val="phClr">
-                <a:tint val="80000"/>
-                <a:satMod val="300000"/>
-              </a:schemeClr>
-            </a:gs>
-            <a:gs pos="100000">
-              <a:schemeClr val="phClr">
-                <a:shade val="30000"/>
-                <a:satMod val="200000"/>
-              </a:schemeClr>
-            </a:gs>
-          </a:gsLst>
-          <a:path path="circle">
-            <a:fillToRect l="50000" t="50000" r="50000" b="50000"/>
-          </a:path>
+          <a:lin ang="5400000" scaled="0"/>
         </a:gradFill>
       </a:bgFillStyleLst>
     </a:fmtScheme>
   </a:themeElements>
   <a:objectDefaults/>
   <a:extraClrSchemeLst/>
+  <a:extLst>
+    <a:ext uri="{05A4C25C-085E-4340-85A3-A5531E510DB2}">
+      <thm15:themeFamily xmlns:thm15="http://schemas.microsoft.com/office/thememl/2012/main" name="Office Theme" id="{62F939B6-93AF-4DB8-9C6B-D6C7DFDC589F}" vid="{4A3C46E8-61CC-4603-A589-7422A47A8E4A}"/>
+    </a:ext>
+  </a:extLst>
 </a:theme>
 </file>
--- a/result.pptx
+++ b/result.pptx
@@ -8,28 +8,28 @@
     <p:notesMasterId r:id="rId15"/>
   </p:notesMasterIdLst>
   <p:sldIdLst>
-    <p:sldId id="256" r:id="rId2"/>
-    <p:sldId id="257" r:id="rId3"/>
-    <p:sldId id="258" r:id="rId4"/>
-    <p:sldId id="259" r:id="rId5"/>
-    <p:sldId id="260" r:id="rId6"/>
-    <p:sldId id="261" r:id="rId7"/>
-    <p:sldId id="262" r:id="rId8"/>
-    <p:sldId id="263" r:id="rId9"/>
-    <p:sldId id="264" r:id="rId10"/>
-    <p:sldId id="265" r:id="rId11"/>
-    <p:sldId id="266" r:id="rId12"/>
-    <p:sldId id="267" r:id="rId13"/>
-    <p:sldId id="268" r:id="rId14"/>
+    <p:sldId id="263" r:id="rId2"/>
+    <p:sldId id="264" r:id="rId3"/>
+    <p:sldId id="265" r:id="rId4"/>
+    <p:sldId id="266" r:id="rId5"/>
+    <p:sldId id="267" r:id="rId6"/>
+    <p:sldId id="268" r:id="rId7"/>
+    <p:sldId id="269" r:id="rId8"/>
+    <p:sldId id="270" r:id="rId9"/>
+    <p:sldId id="271" r:id="rId10"/>
+    <p:sldId id="272" r:id="rId11"/>
+    <p:sldId id="273" r:id="rId12"/>
+    <p:sldId id="274" r:id="rId13"/>
+    <p:sldId id="275" r:id="rId14"/>
   </p:sldIdLst>
-  <p:sldSz cx="12192000" cy="6858000"/>
-  <p:notesSz cx="6858000" cy="9144000"/>
+  <p:sldSz cx="10693400" cy="7561263"/>
+  <p:notesSz cx="6807200" cy="9939338"/>
   <p:defaultTextStyle>
     <a:defPPr>
       <a:defRPr lang="ko-KR"/>
     </a:defPPr>
-    <a:lvl1pPr marL="0" algn="l" defTabSz="914400" rtl="0" eaLnBrk="1" latinLnBrk="1" hangingPunct="1">
-      <a:defRPr sz="1800" kern="1200">
+    <a:lvl1pPr marL="0" algn="l" defTabSz="981730" rtl="0" eaLnBrk="1" latinLnBrk="1" hangingPunct="1">
+      <a:defRPr sz="1900" kern="1200">
         <a:solidFill>
           <a:schemeClr val="tx1"/>
         </a:solidFill>
@@ -38,8 +38,8 @@
         <a:cs typeface="+mn-cs"/>
       </a:defRPr>
     </a:lvl1pPr>
-    <a:lvl2pPr marL="457200" algn="l" defTabSz="914400" rtl="0" eaLnBrk="1" latinLnBrk="1" hangingPunct="1">
-      <a:defRPr sz="1800" kern="1200">
+    <a:lvl2pPr marL="490865" algn="l" defTabSz="981730" rtl="0" eaLnBrk="1" latinLnBrk="1" hangingPunct="1">
+      <a:defRPr sz="1900" kern="1200">
         <a:solidFill>
           <a:schemeClr val="tx1"/>
         </a:solidFill>
@@ -48,8 +48,8 @@
         <a:cs typeface="+mn-cs"/>
       </a:defRPr>
     </a:lvl2pPr>
-    <a:lvl3pPr marL="914400" algn="l" defTabSz="914400" rtl="0" eaLnBrk="1" latinLnBrk="1" hangingPunct="1">
-      <a:defRPr sz="1800" kern="1200">
+    <a:lvl3pPr marL="981730" algn="l" defTabSz="981730" rtl="0" eaLnBrk="1" latinLnBrk="1" hangingPunct="1">
+      <a:defRPr sz="1900" kern="1200">
         <a:solidFill>
           <a:schemeClr val="tx1"/>
         </a:solidFill>
@@ -58,8 +58,8 @@
         <a:cs typeface="+mn-cs"/>
       </a:defRPr>
     </a:lvl3pPr>
-    <a:lvl4pPr marL="1371600" algn="l" defTabSz="914400" rtl="0" eaLnBrk="1" latinLnBrk="1" hangingPunct="1">
-      <a:defRPr sz="1800" kern="1200">
+    <a:lvl4pPr marL="1472596" algn="l" defTabSz="981730" rtl="0" eaLnBrk="1" latinLnBrk="1" hangingPunct="1">
+      <a:defRPr sz="1900" kern="1200">
         <a:solidFill>
           <a:schemeClr val="tx1"/>
         </a:solidFill>
@@ -68,8 +68,8 @@
         <a:cs typeface="+mn-cs"/>
       </a:defRPr>
     </a:lvl4pPr>
-    <a:lvl5pPr marL="1828800" algn="l" defTabSz="914400" rtl="0" eaLnBrk="1" latinLnBrk="1" hangingPunct="1">
-      <a:defRPr sz="1800" kern="1200">
+    <a:lvl5pPr marL="1963460" algn="l" defTabSz="981730" rtl="0" eaLnBrk="1" latinLnBrk="1" hangingPunct="1">
+      <a:defRPr sz="1900" kern="1200">
         <a:solidFill>
           <a:schemeClr val="tx1"/>
         </a:solidFill>
@@ -78,8 +78,8 @@
         <a:cs typeface="+mn-cs"/>
       </a:defRPr>
     </a:lvl5pPr>
-    <a:lvl6pPr marL="2286000" algn="l" defTabSz="914400" rtl="0" eaLnBrk="1" latinLnBrk="1" hangingPunct="1">
-      <a:defRPr sz="1800" kern="1200">
+    <a:lvl6pPr marL="2454327" algn="l" defTabSz="981730" rtl="0" eaLnBrk="1" latinLnBrk="1" hangingPunct="1">
+      <a:defRPr sz="1900" kern="1200">
         <a:solidFill>
           <a:schemeClr val="tx1"/>
         </a:solidFill>
@@ -88,8 +88,8 @@
         <a:cs typeface="+mn-cs"/>
       </a:defRPr>
     </a:lvl6pPr>
-    <a:lvl7pPr marL="2743200" algn="l" defTabSz="914400" rtl="0" eaLnBrk="1" latinLnBrk="1" hangingPunct="1">
-      <a:defRPr sz="1800" kern="1200">
+    <a:lvl7pPr marL="2945191" algn="l" defTabSz="981730" rtl="0" eaLnBrk="1" latinLnBrk="1" hangingPunct="1">
+      <a:defRPr sz="1900" kern="1200">
         <a:solidFill>
           <a:schemeClr val="tx1"/>
         </a:solidFill>
@@ -98,8 +98,8 @@
         <a:cs typeface="+mn-cs"/>
       </a:defRPr>
     </a:lvl7pPr>
-    <a:lvl8pPr marL="3200400" algn="l" defTabSz="914400" rtl="0" eaLnBrk="1" latinLnBrk="1" hangingPunct="1">
-      <a:defRPr sz="1800" kern="1200">
+    <a:lvl8pPr marL="3436058" algn="l" defTabSz="981730" rtl="0" eaLnBrk="1" latinLnBrk="1" hangingPunct="1">
+      <a:defRPr sz="1900" kern="1200">
         <a:solidFill>
           <a:schemeClr val="tx1"/>
         </a:solidFill>
@@ -108,8 +108,8 @@
         <a:cs typeface="+mn-cs"/>
       </a:defRPr>
     </a:lvl8pPr>
-    <a:lvl9pPr marL="3657600" algn="l" defTabSz="914400" rtl="0" eaLnBrk="1" latinLnBrk="1" hangingPunct="1">
-      <a:defRPr sz="1800" kern="1200">
+    <a:lvl9pPr marL="3926923" algn="l" defTabSz="981730" rtl="0" eaLnBrk="1" latinLnBrk="1" hangingPunct="1">
+      <a:defRPr sz="1900" kern="1200">
         <a:solidFill>
           <a:schemeClr val="tx1"/>
         </a:solidFill>
@@ -121,7 +121,18 @@
   </p:defaultTextStyle>
   <p:extLst>
     <p:ext uri="{EFAFB233-063F-42B5-8137-9DF3F51BA10A}">
-      <p15:sldGuideLst xmlns:p15="http://schemas.microsoft.com/office/powerpoint/2012/main"/>
+      <p15:sldGuideLst xmlns:p15="http://schemas.microsoft.com/office/powerpoint/2012/main">
+        <p15:guide id="1" orient="horz" pos="2382">
+          <p15:clr>
+            <a:srgbClr val="A4A3A4"/>
+          </p15:clr>
+        </p15:guide>
+        <p15:guide id="2" pos="3369">
+          <p15:clr>
+            <a:srgbClr val="A4A3A4"/>
+          </p15:clr>
+        </p15:guide>
+      </p15:sldGuideLst>
     </p:ext>
   </p:extLst>
 </p:presentation>
@@ -162,7 +173,7 @@
         <p:spPr>
           <a:xfrm>
             <a:off x="0" y="0"/>
-            <a:ext cx="2971800" cy="458788"/>
+            <a:ext cx="2949575" cy="496888"/>
           </a:xfrm>
           <a:prstGeom prst="rect">
             <a:avLst/>
@@ -192,8 +203,8 @@
         </p:nvSpPr>
         <p:spPr>
           <a:xfrm>
-            <a:off x="3884613" y="0"/>
-            <a:ext cx="2971800" cy="458788"/>
+            <a:off x="3856038" y="0"/>
+            <a:ext cx="2949575" cy="496888"/>
           </a:xfrm>
           <a:prstGeom prst="rect">
             <a:avLst/>
@@ -207,9 +218,9 @@
             </a:lvl1pPr>
           </a:lstStyle>
           <a:p>
-            <a:fld id="{19F13344-D54A-4D86-A5D2-FD81DD084F9F}" type="datetimeFigureOut">
+            <a:fld id="{04FD9B66-E4C8-4943-81FF-076B9424E259}" type="datetimeFigureOut">
               <a:rPr lang="ko-KR" altLang="en-US" smtClean="0"/>
-              <a:t>2022-06-15</a:t>
+              <a:t>2022-04-04</a:t>
             </a:fld>
             <a:endParaRPr lang="ko-KR" altLang="en-US"/>
           </a:p>
@@ -227,8 +238,8 @@
         </p:nvSpPr>
         <p:spPr>
           <a:xfrm>
-            <a:off x="685800" y="1143000"/>
-            <a:ext cx="5486400" cy="3086100"/>
+            <a:off x="769938" y="746125"/>
+            <a:ext cx="5267325" cy="3725863"/>
           </a:xfrm>
           <a:prstGeom prst="rect">
             <a:avLst/>
@@ -260,8 +271,8 @@
         </p:nvSpPr>
         <p:spPr>
           <a:xfrm>
-            <a:off x="685800" y="4400550"/>
-            <a:ext cx="5486400" cy="3600450"/>
+            <a:off x="681038" y="4721225"/>
+            <a:ext cx="5445125" cy="4471988"/>
           </a:xfrm>
           <a:prstGeom prst="rect">
             <a:avLst/>
@@ -274,35 +285,35 @@
             <a:pPr lvl="0"/>
             <a:r>
               <a:rPr lang="ko-KR" altLang="en-US"/>
-              <a:t>마스터 텍스트 스타일을 편집하려면 클릭</a:t>
+              <a:t>마스터 텍스트 스타일을 편집합니다</a:t>
             </a:r>
           </a:p>
           <a:p>
             <a:pPr lvl="1"/>
             <a:r>
               <a:rPr lang="ko-KR" altLang="en-US"/>
-              <a:t>두 번째 수준</a:t>
+              <a:t>둘째 수준</a:t>
             </a:r>
           </a:p>
           <a:p>
             <a:pPr lvl="2"/>
             <a:r>
               <a:rPr lang="ko-KR" altLang="en-US"/>
-              <a:t>세 번째 수준</a:t>
+              <a:t>셋째 수준</a:t>
             </a:r>
           </a:p>
           <a:p>
             <a:pPr lvl="3"/>
             <a:r>
               <a:rPr lang="ko-KR" altLang="en-US"/>
-              <a:t>네 번째 수준</a:t>
+              <a:t>넷째 수준</a:t>
             </a:r>
           </a:p>
           <a:p>
             <a:pPr lvl="4"/>
             <a:r>
               <a:rPr lang="ko-KR" altLang="en-US"/>
-              <a:t>다섯 번째 수준</a:t>
+              <a:t>다섯째 수준</a:t>
             </a:r>
           </a:p>
         </p:txBody>
@@ -319,8 +330,8 @@
         </p:nvSpPr>
         <p:spPr>
           <a:xfrm>
-            <a:off x="0" y="8685213"/>
-            <a:ext cx="2971800" cy="458787"/>
+            <a:off x="0" y="9440863"/>
+            <a:ext cx="2949575" cy="496887"/>
           </a:xfrm>
           <a:prstGeom prst="rect">
             <a:avLst/>
@@ -350,8 +361,8 @@
         </p:nvSpPr>
         <p:spPr>
           <a:xfrm>
-            <a:off x="3884613" y="8685213"/>
-            <a:ext cx="2971800" cy="458787"/>
+            <a:off x="3856038" y="9440863"/>
+            <a:ext cx="2949575" cy="496887"/>
           </a:xfrm>
           <a:prstGeom prst="rect">
             <a:avLst/>
@@ -365,7 +376,7 @@
             </a:lvl1pPr>
           </a:lstStyle>
           <a:p>
-            <a:fld id="{F79600EF-DB9D-4FE4-ABAD-B988F7679422}" type="slidenum">
+            <a:fld id="{1762AB33-34AB-433E-870C-38AB7D71EAFD}" type="slidenum">
               <a:rPr lang="ko-KR" altLang="en-US" smtClean="0"/>
               <a:t>‹#›</a:t>
             </a:fld>
@@ -376,7 +387,7 @@
     </p:spTree>
     <p:extLst>
       <p:ext uri="{BB962C8B-B14F-4D97-AF65-F5344CB8AC3E}">
-        <p14:creationId xmlns:p14="http://schemas.microsoft.com/office/powerpoint/2010/main" val="249057186"/>
+        <p14:creationId xmlns:p14="http://schemas.microsoft.com/office/powerpoint/2010/main" val="833745156"/>
       </p:ext>
     </p:extLst>
   </p:cSld>
@@ -495,13 +506,7 @@
       </p:grpSpPr>
       <p:sp>
         <p:nvSpPr>
-          <p:cNvPr id="2" name="제목 1">
-            <a:extLst>
-              <a:ext uri="{FF2B5EF4-FFF2-40B4-BE49-F238E27FC236}">
-                <a16:creationId xmlns:a16="http://schemas.microsoft.com/office/drawing/2014/main" id="{A7EF59D8-1B01-4867-BB6D-63543B60E7B3}"/>
-              </a:ext>
-            </a:extLst>
-          </p:cNvPr>
+          <p:cNvPr id="2" name="제목 1"/>
           <p:cNvSpPr>
             <a:spLocks noGrp="1"/>
           </p:cNvSpPr>
@@ -511,17 +516,13 @@
         </p:nvSpPr>
         <p:spPr>
           <a:xfrm>
-            <a:off x="1524000" y="1122363"/>
-            <a:ext cx="9144000" cy="2387600"/>
-          </a:xfrm>
-        </p:spPr>
-        <p:txBody>
-          <a:bodyPr anchor="b"/>
-          <a:lstStyle>
-            <a:lvl1pPr algn="ctr">
-              <a:defRPr sz="6000"/>
-            </a:lvl1pPr>
-          </a:lstStyle>
+            <a:off x="802005" y="2348905"/>
+            <a:ext cx="9089390" cy="1620771"/>
+          </a:xfrm>
+        </p:spPr>
+        <p:txBody>
+          <a:bodyPr/>
+          <a:lstStyle/>
           <a:p>
             <a:r>
               <a:rPr lang="ko-KR" altLang="en-US"/>
@@ -532,13 +533,7 @@
       </p:sp>
       <p:sp>
         <p:nvSpPr>
-          <p:cNvPr id="3" name="부제목 2">
-            <a:extLst>
-              <a:ext uri="{FF2B5EF4-FFF2-40B4-BE49-F238E27FC236}">
-                <a16:creationId xmlns:a16="http://schemas.microsoft.com/office/drawing/2014/main" id="{A2F4190A-8F68-4788-A776-6032F1E5735D}"/>
-              </a:ext>
-            </a:extLst>
-          </p:cNvPr>
+          <p:cNvPr id="3" name="부제목 2"/>
           <p:cNvSpPr>
             <a:spLocks noGrp="1"/>
           </p:cNvSpPr>
@@ -548,8 +543,8 @@
         </p:nvSpPr>
         <p:spPr>
           <a:xfrm>
-            <a:off x="1524000" y="3602038"/>
-            <a:ext cx="9144000" cy="1655762"/>
+            <a:off x="1604010" y="4284723"/>
+            <a:ext cx="7485380" cy="1932323"/>
           </a:xfrm>
         </p:spPr>
         <p:txBody>
@@ -557,58 +552,106 @@
           <a:lstStyle>
             <a:lvl1pPr marL="0" indent="0" algn="ctr">
               <a:buNone/>
-              <a:defRPr sz="2400"/>
+              <a:defRPr>
+                <a:solidFill>
+                  <a:schemeClr val="tx1">
+                    <a:tint val="75000"/>
+                  </a:schemeClr>
+                </a:solidFill>
+              </a:defRPr>
             </a:lvl1pPr>
-            <a:lvl2pPr marL="457200" indent="0" algn="ctr">
-              <a:buNone/>
-              <a:defRPr sz="2000"/>
+            <a:lvl2pPr marL="490865" indent="0" algn="ctr">
+              <a:buNone/>
+              <a:defRPr>
+                <a:solidFill>
+                  <a:schemeClr val="tx1">
+                    <a:tint val="75000"/>
+                  </a:schemeClr>
+                </a:solidFill>
+              </a:defRPr>
             </a:lvl2pPr>
-            <a:lvl3pPr marL="914400" indent="0" algn="ctr">
-              <a:buNone/>
-              <a:defRPr sz="1800"/>
+            <a:lvl3pPr marL="981730" indent="0" algn="ctr">
+              <a:buNone/>
+              <a:defRPr>
+                <a:solidFill>
+                  <a:schemeClr val="tx1">
+                    <a:tint val="75000"/>
+                  </a:schemeClr>
+                </a:solidFill>
+              </a:defRPr>
             </a:lvl3pPr>
-            <a:lvl4pPr marL="1371600" indent="0" algn="ctr">
-              <a:buNone/>
-              <a:defRPr sz="1600"/>
+            <a:lvl4pPr marL="1472596" indent="0" algn="ctr">
+              <a:buNone/>
+              <a:defRPr>
+                <a:solidFill>
+                  <a:schemeClr val="tx1">
+                    <a:tint val="75000"/>
+                  </a:schemeClr>
+                </a:solidFill>
+              </a:defRPr>
             </a:lvl4pPr>
-            <a:lvl5pPr marL="1828800" indent="0" algn="ctr">
-              <a:buNone/>
-              <a:defRPr sz="1600"/>
+            <a:lvl5pPr marL="1963460" indent="0" algn="ctr">
+              <a:buNone/>
+              <a:defRPr>
+                <a:solidFill>
+                  <a:schemeClr val="tx1">
+                    <a:tint val="75000"/>
+                  </a:schemeClr>
+                </a:solidFill>
+              </a:defRPr>
             </a:lvl5pPr>
-            <a:lvl6pPr marL="2286000" indent="0" algn="ctr">
-              <a:buNone/>
-              <a:defRPr sz="1600"/>
+            <a:lvl6pPr marL="2454327" indent="0" algn="ctr">
+              <a:buNone/>
+              <a:defRPr>
+                <a:solidFill>
+                  <a:schemeClr val="tx1">
+                    <a:tint val="75000"/>
+                  </a:schemeClr>
+                </a:solidFill>
+              </a:defRPr>
             </a:lvl6pPr>
-            <a:lvl7pPr marL="2743200" indent="0" algn="ctr">
-              <a:buNone/>
-              <a:defRPr sz="1600"/>
+            <a:lvl7pPr marL="2945191" indent="0" algn="ctr">
+              <a:buNone/>
+              <a:defRPr>
+                <a:solidFill>
+                  <a:schemeClr val="tx1">
+                    <a:tint val="75000"/>
+                  </a:schemeClr>
+                </a:solidFill>
+              </a:defRPr>
             </a:lvl7pPr>
-            <a:lvl8pPr marL="3200400" indent="0" algn="ctr">
-              <a:buNone/>
-              <a:defRPr sz="1600"/>
+            <a:lvl8pPr marL="3436058" indent="0" algn="ctr">
+              <a:buNone/>
+              <a:defRPr>
+                <a:solidFill>
+                  <a:schemeClr val="tx1">
+                    <a:tint val="75000"/>
+                  </a:schemeClr>
+                </a:solidFill>
+              </a:defRPr>
             </a:lvl8pPr>
-            <a:lvl9pPr marL="3657600" indent="0" algn="ctr">
-              <a:buNone/>
-              <a:defRPr sz="1600"/>
+            <a:lvl9pPr marL="3926923" indent="0" algn="ctr">
+              <a:buNone/>
+              <a:defRPr>
+                <a:solidFill>
+                  <a:schemeClr val="tx1">
+                    <a:tint val="75000"/>
+                  </a:schemeClr>
+                </a:solidFill>
+              </a:defRPr>
             </a:lvl9pPr>
           </a:lstStyle>
           <a:p>
             <a:r>
               <a:rPr lang="ko-KR" altLang="en-US"/>
-              <a:t>클릭하여 마스터 부제목 스타일 편집</a:t>
-            </a:r>
-          </a:p>
-        </p:txBody>
-      </p:sp>
-      <p:sp>
-        <p:nvSpPr>
-          <p:cNvPr id="4" name="날짜 개체 틀 3">
-            <a:extLst>
-              <a:ext uri="{FF2B5EF4-FFF2-40B4-BE49-F238E27FC236}">
-                <a16:creationId xmlns:a16="http://schemas.microsoft.com/office/drawing/2014/main" id="{3A7B1411-855B-4FD3-9351-3A71864FE660}"/>
-              </a:ext>
-            </a:extLst>
-          </p:cNvPr>
+              <a:t>마스터 부제목 스타일 편집</a:t>
+            </a:r>
+          </a:p>
+        </p:txBody>
+      </p:sp>
+      <p:sp>
+        <p:nvSpPr>
+          <p:cNvPr id="4" name="날짜 개체 틀 3"/>
           <p:cNvSpPr>
             <a:spLocks noGrp="1"/>
           </p:cNvSpPr>
@@ -621,9 +664,9 @@
           <a:bodyPr/>
           <a:lstStyle/>
           <a:p>
-            <a:fld id="{22AABA13-C4C2-407F-881C-FF016485D499}" type="datetime1">
+            <a:fld id="{DEB04459-77A1-459B-84E6-AB5CF6BAEB25}" type="datetimeFigureOut">
               <a:rPr lang="ko-KR" altLang="en-US" smtClean="0"/>
-              <a:t>2022-06-15</a:t>
+              <a:t>2022-04-04</a:t>
             </a:fld>
             <a:endParaRPr lang="ko-KR" altLang="en-US"/>
           </a:p>
@@ -631,13 +674,7 @@
       </p:sp>
       <p:sp>
         <p:nvSpPr>
-          <p:cNvPr id="5" name="바닥글 개체 틀 4">
-            <a:extLst>
-              <a:ext uri="{FF2B5EF4-FFF2-40B4-BE49-F238E27FC236}">
-                <a16:creationId xmlns:a16="http://schemas.microsoft.com/office/drawing/2014/main" id="{AFCBB3AE-1F6A-4A1B-A02B-91F2B0665422}"/>
-              </a:ext>
-            </a:extLst>
-          </p:cNvPr>
+          <p:cNvPr id="5" name="바닥글 개체 틀 4"/>
           <p:cNvSpPr>
             <a:spLocks noGrp="1"/>
           </p:cNvSpPr>
@@ -656,13 +693,7 @@
       </p:sp>
       <p:sp>
         <p:nvSpPr>
-          <p:cNvPr id="6" name="슬라이드 번호 개체 틀 5">
-            <a:extLst>
-              <a:ext uri="{FF2B5EF4-FFF2-40B4-BE49-F238E27FC236}">
-                <a16:creationId xmlns:a16="http://schemas.microsoft.com/office/drawing/2014/main" id="{07BE0CF5-6F3C-4268-8459-BA0284C9067D}"/>
-              </a:ext>
-            </a:extLst>
-          </p:cNvPr>
+          <p:cNvPr id="6" name="슬라이드 번호 개체 틀 5"/>
           <p:cNvSpPr>
             <a:spLocks noGrp="1"/>
           </p:cNvSpPr>
@@ -675,7 +706,7 @@
           <a:bodyPr/>
           <a:lstStyle/>
           <a:p>
-            <a:fld id="{A7C62C25-B5F5-4B62-AB91-5480B186A043}" type="slidenum">
+            <a:fld id="{25B3C12B-D75D-4C66-B5B8-0CB552AAA939}" type="slidenum">
               <a:rPr lang="ko-KR" altLang="en-US" smtClean="0"/>
               <a:t>‹#›</a:t>
             </a:fld>
@@ -686,7 +717,7 @@
     </p:spTree>
     <p:extLst>
       <p:ext uri="{BB962C8B-B14F-4D97-AF65-F5344CB8AC3E}">
-        <p14:creationId xmlns:p14="http://schemas.microsoft.com/office/powerpoint/2010/main" val="3909105038"/>
+        <p14:creationId xmlns:p14="http://schemas.microsoft.com/office/powerpoint/2010/main" val="3827276575"/>
       </p:ext>
     </p:extLst>
   </p:cSld>
@@ -715,13 +746,7 @@
       </p:grpSpPr>
       <p:sp>
         <p:nvSpPr>
-          <p:cNvPr id="2" name="제목 1">
-            <a:extLst>
-              <a:ext uri="{FF2B5EF4-FFF2-40B4-BE49-F238E27FC236}">
-                <a16:creationId xmlns:a16="http://schemas.microsoft.com/office/drawing/2014/main" id="{7BFF915B-3876-4E59-9F98-647D324028BF}"/>
-              </a:ext>
-            </a:extLst>
-          </p:cNvPr>
+          <p:cNvPr id="2" name="제목 1"/>
           <p:cNvSpPr>
             <a:spLocks noGrp="1"/>
           </p:cNvSpPr>
@@ -743,13 +768,7 @@
       </p:sp>
       <p:sp>
         <p:nvSpPr>
-          <p:cNvPr id="3" name="세로 텍스트 개체 틀 2">
-            <a:extLst>
-              <a:ext uri="{FF2B5EF4-FFF2-40B4-BE49-F238E27FC236}">
-                <a16:creationId xmlns:a16="http://schemas.microsoft.com/office/drawing/2014/main" id="{C1D41216-6274-4D98-AABC-62341E507E1A}"/>
-              </a:ext>
-            </a:extLst>
-          </p:cNvPr>
+          <p:cNvPr id="3" name="세로 텍스트 개체 틀 2"/>
           <p:cNvSpPr>
             <a:spLocks noGrp="1"/>
           </p:cNvSpPr>
@@ -765,48 +784,42 @@
             <a:pPr lvl="0"/>
             <a:r>
               <a:rPr lang="ko-KR" altLang="en-US"/>
-              <a:t>마스터 텍스트 스타일을 편집하려면 클릭</a:t>
+              <a:t>마스터 텍스트 스타일을 편집합니다</a:t>
             </a:r>
           </a:p>
           <a:p>
             <a:pPr lvl="1"/>
             <a:r>
               <a:rPr lang="ko-KR" altLang="en-US"/>
-              <a:t>두 번째 수준</a:t>
+              <a:t>둘째 수준</a:t>
             </a:r>
           </a:p>
           <a:p>
             <a:pPr lvl="2"/>
             <a:r>
               <a:rPr lang="ko-KR" altLang="en-US"/>
-              <a:t>세 번째 수준</a:t>
+              <a:t>셋째 수준</a:t>
             </a:r>
           </a:p>
           <a:p>
             <a:pPr lvl="3"/>
             <a:r>
               <a:rPr lang="ko-KR" altLang="en-US"/>
-              <a:t>네 번째 수준</a:t>
+              <a:t>넷째 수준</a:t>
             </a:r>
           </a:p>
           <a:p>
             <a:pPr lvl="4"/>
             <a:r>
               <a:rPr lang="ko-KR" altLang="en-US"/>
-              <a:t>다섯 번째 수준</a:t>
-            </a:r>
-          </a:p>
-        </p:txBody>
-      </p:sp>
-      <p:sp>
-        <p:nvSpPr>
-          <p:cNvPr id="4" name="날짜 개체 틀 3">
-            <a:extLst>
-              <a:ext uri="{FF2B5EF4-FFF2-40B4-BE49-F238E27FC236}">
-                <a16:creationId xmlns:a16="http://schemas.microsoft.com/office/drawing/2014/main" id="{9DDE6B6E-EDC1-4B68-9A71-C1DB29C5826B}"/>
-              </a:ext>
-            </a:extLst>
-          </p:cNvPr>
+              <a:t>다섯째 수준</a:t>
+            </a:r>
+          </a:p>
+        </p:txBody>
+      </p:sp>
+      <p:sp>
+        <p:nvSpPr>
+          <p:cNvPr id="4" name="날짜 개체 틀 3"/>
           <p:cNvSpPr>
             <a:spLocks noGrp="1"/>
           </p:cNvSpPr>
@@ -819,9 +832,9 @@
           <a:bodyPr/>
           <a:lstStyle/>
           <a:p>
-            <a:fld id="{8AC93597-FD44-4047-B60D-64BFDFC9AB07}" type="datetime1">
+            <a:fld id="{DEB04459-77A1-459B-84E6-AB5CF6BAEB25}" type="datetimeFigureOut">
               <a:rPr lang="ko-KR" altLang="en-US" smtClean="0"/>
-              <a:t>2022-06-15</a:t>
+              <a:t>2022-04-04</a:t>
             </a:fld>
             <a:endParaRPr lang="ko-KR" altLang="en-US"/>
           </a:p>
@@ -829,13 +842,7 @@
       </p:sp>
       <p:sp>
         <p:nvSpPr>
-          <p:cNvPr id="5" name="바닥글 개체 틀 4">
-            <a:extLst>
-              <a:ext uri="{FF2B5EF4-FFF2-40B4-BE49-F238E27FC236}">
-                <a16:creationId xmlns:a16="http://schemas.microsoft.com/office/drawing/2014/main" id="{8DBDD26E-73E8-4E4A-ACA0-53BA1E1556A9}"/>
-              </a:ext>
-            </a:extLst>
-          </p:cNvPr>
+          <p:cNvPr id="5" name="바닥글 개체 틀 4"/>
           <p:cNvSpPr>
             <a:spLocks noGrp="1"/>
           </p:cNvSpPr>
@@ -854,13 +861,7 @@
       </p:sp>
       <p:sp>
         <p:nvSpPr>
-          <p:cNvPr id="6" name="슬라이드 번호 개체 틀 5">
-            <a:extLst>
-              <a:ext uri="{FF2B5EF4-FFF2-40B4-BE49-F238E27FC236}">
-                <a16:creationId xmlns:a16="http://schemas.microsoft.com/office/drawing/2014/main" id="{92EDCD88-7C15-4803-A2CD-2FDC073E786D}"/>
-              </a:ext>
-            </a:extLst>
-          </p:cNvPr>
+          <p:cNvPr id="6" name="슬라이드 번호 개체 틀 5"/>
           <p:cNvSpPr>
             <a:spLocks noGrp="1"/>
           </p:cNvSpPr>
@@ -873,7 +874,7 @@
           <a:bodyPr/>
           <a:lstStyle/>
           <a:p>
-            <a:fld id="{A7C62C25-B5F5-4B62-AB91-5480B186A043}" type="slidenum">
+            <a:fld id="{25B3C12B-D75D-4C66-B5B8-0CB552AAA939}" type="slidenum">
               <a:rPr lang="ko-KR" altLang="en-US" smtClean="0"/>
               <a:t>‹#›</a:t>
             </a:fld>
@@ -884,7 +885,7 @@
     </p:spTree>
     <p:extLst>
       <p:ext uri="{BB962C8B-B14F-4D97-AF65-F5344CB8AC3E}">
-        <p14:creationId xmlns:p14="http://schemas.microsoft.com/office/powerpoint/2010/main" val="4106402321"/>
+        <p14:creationId xmlns:p14="http://schemas.microsoft.com/office/powerpoint/2010/main" val="903657167"/>
       </p:ext>
     </p:extLst>
   </p:cSld>
@@ -913,13 +914,7 @@
       </p:grpSpPr>
       <p:sp>
         <p:nvSpPr>
-          <p:cNvPr id="2" name="세로 제목 1">
-            <a:extLst>
-              <a:ext uri="{FF2B5EF4-FFF2-40B4-BE49-F238E27FC236}">
-                <a16:creationId xmlns:a16="http://schemas.microsoft.com/office/drawing/2014/main" id="{37004517-0A2C-4F47-AE7B-CC96E7A52D21}"/>
-              </a:ext>
-            </a:extLst>
-          </p:cNvPr>
+          <p:cNvPr id="2" name="세로 제목 1"/>
           <p:cNvSpPr>
             <a:spLocks noGrp="1"/>
           </p:cNvSpPr>
@@ -929,8 +924,8 @@
         </p:nvSpPr>
         <p:spPr>
           <a:xfrm>
-            <a:off x="8724900" y="365125"/>
-            <a:ext cx="2628900" cy="5811838"/>
+            <a:off x="7752718" y="302807"/>
+            <a:ext cx="2406015" cy="6451578"/>
           </a:xfrm>
         </p:spPr>
         <p:txBody>
@@ -946,13 +941,7 @@
       </p:sp>
       <p:sp>
         <p:nvSpPr>
-          <p:cNvPr id="3" name="세로 텍스트 개체 틀 2">
-            <a:extLst>
-              <a:ext uri="{FF2B5EF4-FFF2-40B4-BE49-F238E27FC236}">
-                <a16:creationId xmlns:a16="http://schemas.microsoft.com/office/drawing/2014/main" id="{77194869-D53B-407A-ABD9-2DB87F36C3F6}"/>
-              </a:ext>
-            </a:extLst>
-          </p:cNvPr>
+          <p:cNvPr id="3" name="세로 텍스트 개체 틀 2"/>
           <p:cNvSpPr>
             <a:spLocks noGrp="1"/>
           </p:cNvSpPr>
@@ -962,8 +951,8 @@
         </p:nvSpPr>
         <p:spPr>
           <a:xfrm>
-            <a:off x="838200" y="365125"/>
-            <a:ext cx="7734300" cy="5811838"/>
+            <a:off x="534672" y="302807"/>
+            <a:ext cx="7039821" cy="6451578"/>
           </a:xfrm>
         </p:spPr>
         <p:txBody>
@@ -973,48 +962,42 @@
             <a:pPr lvl="0"/>
             <a:r>
               <a:rPr lang="ko-KR" altLang="en-US"/>
-              <a:t>마스터 텍스트 스타일을 편집하려면 클릭</a:t>
+              <a:t>마스터 텍스트 스타일을 편집합니다</a:t>
             </a:r>
           </a:p>
           <a:p>
             <a:pPr lvl="1"/>
             <a:r>
               <a:rPr lang="ko-KR" altLang="en-US"/>
-              <a:t>두 번째 수준</a:t>
+              <a:t>둘째 수준</a:t>
             </a:r>
           </a:p>
           <a:p>
             <a:pPr lvl="2"/>
             <a:r>
               <a:rPr lang="ko-KR" altLang="en-US"/>
-              <a:t>세 번째 수준</a:t>
+              <a:t>셋째 수준</a:t>
             </a:r>
           </a:p>
           <a:p>
             <a:pPr lvl="3"/>
             <a:r>
               <a:rPr lang="ko-KR" altLang="en-US"/>
-              <a:t>네 번째 수준</a:t>
+              <a:t>넷째 수준</a:t>
             </a:r>
           </a:p>
           <a:p>
             <a:pPr lvl="4"/>
             <a:r>
               <a:rPr lang="ko-KR" altLang="en-US"/>
-              <a:t>다섯 번째 수준</a:t>
-            </a:r>
-          </a:p>
-        </p:txBody>
-      </p:sp>
-      <p:sp>
-        <p:nvSpPr>
-          <p:cNvPr id="4" name="날짜 개체 틀 3">
-            <a:extLst>
-              <a:ext uri="{FF2B5EF4-FFF2-40B4-BE49-F238E27FC236}">
-                <a16:creationId xmlns:a16="http://schemas.microsoft.com/office/drawing/2014/main" id="{9F5BBFFE-E8A1-426A-BE8C-61DEDB4BEE56}"/>
-              </a:ext>
-            </a:extLst>
-          </p:cNvPr>
+              <a:t>다섯째 수준</a:t>
+            </a:r>
+          </a:p>
+        </p:txBody>
+      </p:sp>
+      <p:sp>
+        <p:nvSpPr>
+          <p:cNvPr id="4" name="날짜 개체 틀 3"/>
           <p:cNvSpPr>
             <a:spLocks noGrp="1"/>
           </p:cNvSpPr>
@@ -1027,9 +1010,9 @@
           <a:bodyPr/>
           <a:lstStyle/>
           <a:p>
-            <a:fld id="{D8E00E24-022F-4624-AA34-8D2AEF725D1C}" type="datetime1">
+            <a:fld id="{DEB04459-77A1-459B-84E6-AB5CF6BAEB25}" type="datetimeFigureOut">
               <a:rPr lang="ko-KR" altLang="en-US" smtClean="0"/>
-              <a:t>2022-06-15</a:t>
+              <a:t>2022-04-04</a:t>
             </a:fld>
             <a:endParaRPr lang="ko-KR" altLang="en-US"/>
           </a:p>
@@ -1037,13 +1020,7 @@
       </p:sp>
       <p:sp>
         <p:nvSpPr>
-          <p:cNvPr id="5" name="바닥글 개체 틀 4">
-            <a:extLst>
-              <a:ext uri="{FF2B5EF4-FFF2-40B4-BE49-F238E27FC236}">
-                <a16:creationId xmlns:a16="http://schemas.microsoft.com/office/drawing/2014/main" id="{291029B6-0196-4780-9984-1F4D5138A249}"/>
-              </a:ext>
-            </a:extLst>
-          </p:cNvPr>
+          <p:cNvPr id="5" name="바닥글 개체 틀 4"/>
           <p:cNvSpPr>
             <a:spLocks noGrp="1"/>
           </p:cNvSpPr>
@@ -1062,13 +1039,7 @@
       </p:sp>
       <p:sp>
         <p:nvSpPr>
-          <p:cNvPr id="6" name="슬라이드 번호 개체 틀 5">
-            <a:extLst>
-              <a:ext uri="{FF2B5EF4-FFF2-40B4-BE49-F238E27FC236}">
-                <a16:creationId xmlns:a16="http://schemas.microsoft.com/office/drawing/2014/main" id="{72C71F74-65C7-4933-BA68-910C2D365F06}"/>
-              </a:ext>
-            </a:extLst>
-          </p:cNvPr>
+          <p:cNvPr id="6" name="슬라이드 번호 개체 틀 5"/>
           <p:cNvSpPr>
             <a:spLocks noGrp="1"/>
           </p:cNvSpPr>
@@ -1081,7 +1052,7 @@
           <a:bodyPr/>
           <a:lstStyle/>
           <a:p>
-            <a:fld id="{A7C62C25-B5F5-4B62-AB91-5480B186A043}" type="slidenum">
+            <a:fld id="{25B3C12B-D75D-4C66-B5B8-0CB552AAA939}" type="slidenum">
               <a:rPr lang="ko-KR" altLang="en-US" smtClean="0"/>
               <a:t>‹#›</a:t>
             </a:fld>
@@ -1092,7 +1063,7 @@
     </p:spTree>
     <p:extLst>
       <p:ext uri="{BB962C8B-B14F-4D97-AF65-F5344CB8AC3E}">
-        <p14:creationId xmlns:p14="http://schemas.microsoft.com/office/powerpoint/2010/main" val="17826210"/>
+        <p14:creationId xmlns:p14="http://schemas.microsoft.com/office/powerpoint/2010/main" val="296473275"/>
       </p:ext>
     </p:extLst>
   </p:cSld>
@@ -1121,13 +1092,7 @@
       </p:grpSpPr>
       <p:sp>
         <p:nvSpPr>
-          <p:cNvPr id="2" name="제목 1">
-            <a:extLst>
-              <a:ext uri="{FF2B5EF4-FFF2-40B4-BE49-F238E27FC236}">
-                <a16:creationId xmlns:a16="http://schemas.microsoft.com/office/drawing/2014/main" id="{CA7F8D9C-3FE1-4190-84B3-6B37F5FDAB9D}"/>
-              </a:ext>
-            </a:extLst>
-          </p:cNvPr>
+          <p:cNvPr id="2" name="제목 1"/>
           <p:cNvSpPr>
             <a:spLocks noGrp="1"/>
           </p:cNvSpPr>
@@ -1149,13 +1114,7 @@
       </p:sp>
       <p:sp>
         <p:nvSpPr>
-          <p:cNvPr id="3" name="내용 개체 틀 2">
-            <a:extLst>
-              <a:ext uri="{FF2B5EF4-FFF2-40B4-BE49-F238E27FC236}">
-                <a16:creationId xmlns:a16="http://schemas.microsoft.com/office/drawing/2014/main" id="{ED29D3A8-6542-4470-99BA-C592C67E407D}"/>
-              </a:ext>
-            </a:extLst>
-          </p:cNvPr>
+          <p:cNvPr id="3" name="내용 개체 틀 2"/>
           <p:cNvSpPr>
             <a:spLocks noGrp="1"/>
           </p:cNvSpPr>
@@ -1171,48 +1130,42 @@
             <a:pPr lvl="0"/>
             <a:r>
               <a:rPr lang="ko-KR" altLang="en-US"/>
-              <a:t>마스터 텍스트 스타일을 편집하려면 클릭</a:t>
+              <a:t>마스터 텍스트 스타일을 편집합니다</a:t>
             </a:r>
           </a:p>
           <a:p>
             <a:pPr lvl="1"/>
             <a:r>
               <a:rPr lang="ko-KR" altLang="en-US"/>
-              <a:t>두 번째 수준</a:t>
+              <a:t>둘째 수준</a:t>
             </a:r>
           </a:p>
           <a:p>
             <a:pPr lvl="2"/>
             <a:r>
               <a:rPr lang="ko-KR" altLang="en-US"/>
-              <a:t>세 번째 수준</a:t>
+              <a:t>셋째 수준</a:t>
             </a:r>
           </a:p>
           <a:p>
             <a:pPr lvl="3"/>
             <a:r>
               <a:rPr lang="ko-KR" altLang="en-US"/>
-              <a:t>네 번째 수준</a:t>
+              <a:t>넷째 수준</a:t>
             </a:r>
           </a:p>
           <a:p>
             <a:pPr lvl="4"/>
             <a:r>
               <a:rPr lang="ko-KR" altLang="en-US"/>
-              <a:t>다섯 번째 수준</a:t>
-            </a:r>
-          </a:p>
-        </p:txBody>
-      </p:sp>
-      <p:sp>
-        <p:nvSpPr>
-          <p:cNvPr id="4" name="날짜 개체 틀 3">
-            <a:extLst>
-              <a:ext uri="{FF2B5EF4-FFF2-40B4-BE49-F238E27FC236}">
-                <a16:creationId xmlns:a16="http://schemas.microsoft.com/office/drawing/2014/main" id="{EF6D1F08-AA06-445A-9FAC-367CB5869353}"/>
-              </a:ext>
-            </a:extLst>
-          </p:cNvPr>
+              <a:t>다섯째 수준</a:t>
+            </a:r>
+          </a:p>
+        </p:txBody>
+      </p:sp>
+      <p:sp>
+        <p:nvSpPr>
+          <p:cNvPr id="4" name="날짜 개체 틀 3"/>
           <p:cNvSpPr>
             <a:spLocks noGrp="1"/>
           </p:cNvSpPr>
@@ -1225,9 +1178,9 @@
           <a:bodyPr/>
           <a:lstStyle/>
           <a:p>
-            <a:fld id="{912C9545-3AFA-49E2-BC82-B75E4BA824F3}" type="datetime1">
+            <a:fld id="{DEB04459-77A1-459B-84E6-AB5CF6BAEB25}" type="datetimeFigureOut">
               <a:rPr lang="ko-KR" altLang="en-US" smtClean="0"/>
-              <a:t>2022-06-15</a:t>
+              <a:t>2022-04-04</a:t>
             </a:fld>
             <a:endParaRPr lang="ko-KR" altLang="en-US"/>
           </a:p>
@@ -1235,13 +1188,7 @@
       </p:sp>
       <p:sp>
         <p:nvSpPr>
-          <p:cNvPr id="5" name="바닥글 개체 틀 4">
-            <a:extLst>
-              <a:ext uri="{FF2B5EF4-FFF2-40B4-BE49-F238E27FC236}">
-                <a16:creationId xmlns:a16="http://schemas.microsoft.com/office/drawing/2014/main" id="{B65397B1-02B8-416B-A1A4-E7A09DB9C28D}"/>
-              </a:ext>
-            </a:extLst>
-          </p:cNvPr>
+          <p:cNvPr id="5" name="바닥글 개체 틀 4"/>
           <p:cNvSpPr>
             <a:spLocks noGrp="1"/>
           </p:cNvSpPr>
@@ -1260,13 +1207,7 @@
       </p:sp>
       <p:sp>
         <p:nvSpPr>
-          <p:cNvPr id="6" name="슬라이드 번호 개체 틀 5">
-            <a:extLst>
-              <a:ext uri="{FF2B5EF4-FFF2-40B4-BE49-F238E27FC236}">
-                <a16:creationId xmlns:a16="http://schemas.microsoft.com/office/drawing/2014/main" id="{A0A7CB5A-846B-416B-B85F-5B2818CB1058}"/>
-              </a:ext>
-            </a:extLst>
-          </p:cNvPr>
+          <p:cNvPr id="6" name="슬라이드 번호 개체 틀 5"/>
           <p:cNvSpPr>
             <a:spLocks noGrp="1"/>
           </p:cNvSpPr>
@@ -1279,7 +1220,7 @@
           <a:bodyPr/>
           <a:lstStyle/>
           <a:p>
-            <a:fld id="{A7C62C25-B5F5-4B62-AB91-5480B186A043}" type="slidenum">
+            <a:fld id="{25B3C12B-D75D-4C66-B5B8-0CB552AAA939}" type="slidenum">
               <a:rPr lang="ko-KR" altLang="en-US" smtClean="0"/>
               <a:t>‹#›</a:t>
             </a:fld>
@@ -1290,7 +1231,7 @@
     </p:spTree>
     <p:extLst>
       <p:ext uri="{BB962C8B-B14F-4D97-AF65-F5344CB8AC3E}">
-        <p14:creationId xmlns:p14="http://schemas.microsoft.com/office/powerpoint/2010/main" val="3983429987"/>
+        <p14:creationId xmlns:p14="http://schemas.microsoft.com/office/powerpoint/2010/main" val="264924792"/>
       </p:ext>
     </p:extLst>
   </p:cSld>
@@ -1319,13 +1260,7 @@
       </p:grpSpPr>
       <p:sp>
         <p:nvSpPr>
-          <p:cNvPr id="2" name="제목 1">
-            <a:extLst>
-              <a:ext uri="{FF2B5EF4-FFF2-40B4-BE49-F238E27FC236}">
-                <a16:creationId xmlns:a16="http://schemas.microsoft.com/office/drawing/2014/main" id="{8C40B242-1C33-4516-904B-42E7787A6437}"/>
-              </a:ext>
-            </a:extLst>
-          </p:cNvPr>
+          <p:cNvPr id="2" name="제목 1"/>
           <p:cNvSpPr>
             <a:spLocks noGrp="1"/>
           </p:cNvSpPr>
@@ -1335,15 +1270,15 @@
         </p:nvSpPr>
         <p:spPr>
           <a:xfrm>
-            <a:off x="831850" y="1709738"/>
-            <a:ext cx="10515600" cy="2852737"/>
-          </a:xfrm>
-        </p:spPr>
-        <p:txBody>
-          <a:bodyPr anchor="b"/>
+            <a:off x="844705" y="4858825"/>
+            <a:ext cx="9089390" cy="1501751"/>
+          </a:xfrm>
+        </p:spPr>
+        <p:txBody>
+          <a:bodyPr anchor="t"/>
           <a:lstStyle>
-            <a:lvl1pPr>
-              <a:defRPr sz="6000"/>
+            <a:lvl1pPr algn="l">
+              <a:defRPr sz="4300" b="1" cap="all"/>
             </a:lvl1pPr>
           </a:lstStyle>
           <a:p>
@@ -1356,13 +1291,7 @@
       </p:sp>
       <p:sp>
         <p:nvSpPr>
-          <p:cNvPr id="3" name="텍스트 개체 틀 2">
-            <a:extLst>
-              <a:ext uri="{FF2B5EF4-FFF2-40B4-BE49-F238E27FC236}">
-                <a16:creationId xmlns:a16="http://schemas.microsoft.com/office/drawing/2014/main" id="{B6B3F9D9-3857-4616-9467-0345D1AB9073}"/>
-              </a:ext>
-            </a:extLst>
-          </p:cNvPr>
+          <p:cNvPr id="3" name="텍스트 개체 틀 2"/>
           <p:cNvSpPr>
             <a:spLocks noGrp="1"/>
           </p:cNvSpPr>
@@ -1372,16 +1301,16 @@
         </p:nvSpPr>
         <p:spPr>
           <a:xfrm>
-            <a:off x="831850" y="4589463"/>
-            <a:ext cx="10515600" cy="1500187"/>
-          </a:xfrm>
-        </p:spPr>
-        <p:txBody>
-          <a:bodyPr/>
+            <a:off x="844705" y="3204786"/>
+            <a:ext cx="9089390" cy="1654026"/>
+          </a:xfrm>
+        </p:spPr>
+        <p:txBody>
+          <a:bodyPr anchor="b"/>
           <a:lstStyle>
             <a:lvl1pPr marL="0" indent="0">
               <a:buNone/>
-              <a:defRPr sz="2400">
+              <a:defRPr sz="2100">
                 <a:solidFill>
                   <a:schemeClr val="tx1">
                     <a:tint val="75000"/>
@@ -1389,9 +1318,9 @@
                 </a:solidFill>
               </a:defRPr>
             </a:lvl1pPr>
-            <a:lvl2pPr marL="457200" indent="0">
-              <a:buNone/>
-              <a:defRPr sz="2000">
+            <a:lvl2pPr marL="490865" indent="0">
+              <a:buNone/>
+              <a:defRPr sz="1900">
                 <a:solidFill>
                   <a:schemeClr val="tx1">
                     <a:tint val="75000"/>
@@ -1399,9 +1328,9 @@
                 </a:solidFill>
               </a:defRPr>
             </a:lvl2pPr>
-            <a:lvl3pPr marL="914400" indent="0">
-              <a:buNone/>
-              <a:defRPr sz="1800">
+            <a:lvl3pPr marL="981730" indent="0">
+              <a:buNone/>
+              <a:defRPr sz="1700">
                 <a:solidFill>
                   <a:schemeClr val="tx1">
                     <a:tint val="75000"/>
@@ -1409,9 +1338,9 @@
                 </a:solidFill>
               </a:defRPr>
             </a:lvl3pPr>
-            <a:lvl4pPr marL="1371600" indent="0">
-              <a:buNone/>
-              <a:defRPr sz="1600">
+            <a:lvl4pPr marL="1472596" indent="0">
+              <a:buNone/>
+              <a:defRPr sz="1500">
                 <a:solidFill>
                   <a:schemeClr val="tx1">
                     <a:tint val="75000"/>
@@ -1419,9 +1348,9 @@
                 </a:solidFill>
               </a:defRPr>
             </a:lvl4pPr>
-            <a:lvl5pPr marL="1828800" indent="0">
-              <a:buNone/>
-              <a:defRPr sz="1600">
+            <a:lvl5pPr marL="1963460" indent="0">
+              <a:buNone/>
+              <a:defRPr sz="1500">
                 <a:solidFill>
                   <a:schemeClr val="tx1">
                     <a:tint val="75000"/>
@@ -1429,9 +1358,9 @@
                 </a:solidFill>
               </a:defRPr>
             </a:lvl5pPr>
-            <a:lvl6pPr marL="2286000" indent="0">
-              <a:buNone/>
-              <a:defRPr sz="1600">
+            <a:lvl6pPr marL="2454327" indent="0">
+              <a:buNone/>
+              <a:defRPr sz="1500">
                 <a:solidFill>
                   <a:schemeClr val="tx1">
                     <a:tint val="75000"/>
@@ -1439,9 +1368,9 @@
                 </a:solidFill>
               </a:defRPr>
             </a:lvl6pPr>
-            <a:lvl7pPr marL="2743200" indent="0">
-              <a:buNone/>
-              <a:defRPr sz="1600">
+            <a:lvl7pPr marL="2945191" indent="0">
+              <a:buNone/>
+              <a:defRPr sz="1500">
                 <a:solidFill>
                   <a:schemeClr val="tx1">
                     <a:tint val="75000"/>
@@ -1449,9 +1378,9 @@
                 </a:solidFill>
               </a:defRPr>
             </a:lvl7pPr>
-            <a:lvl8pPr marL="3200400" indent="0">
-              <a:buNone/>
-              <a:defRPr sz="1600">
+            <a:lvl8pPr marL="3436058" indent="0">
+              <a:buNone/>
+              <a:defRPr sz="1500">
                 <a:solidFill>
                   <a:schemeClr val="tx1">
                     <a:tint val="75000"/>
@@ -1459,9 +1388,9 @@
                 </a:solidFill>
               </a:defRPr>
             </a:lvl8pPr>
-            <a:lvl9pPr marL="3657600" indent="0">
-              <a:buNone/>
-              <a:defRPr sz="1600">
+            <a:lvl9pPr marL="3926923" indent="0">
+              <a:buNone/>
+              <a:defRPr sz="1500">
                 <a:solidFill>
                   <a:schemeClr val="tx1">
                     <a:tint val="75000"/>
@@ -1474,20 +1403,14 @@
             <a:pPr lvl="0"/>
             <a:r>
               <a:rPr lang="ko-KR" altLang="en-US"/>
-              <a:t>마스터 텍스트 스타일을 편집하려면 클릭</a:t>
-            </a:r>
-          </a:p>
-        </p:txBody>
-      </p:sp>
-      <p:sp>
-        <p:nvSpPr>
-          <p:cNvPr id="4" name="날짜 개체 틀 3">
-            <a:extLst>
-              <a:ext uri="{FF2B5EF4-FFF2-40B4-BE49-F238E27FC236}">
-                <a16:creationId xmlns:a16="http://schemas.microsoft.com/office/drawing/2014/main" id="{02A310D7-EB4B-46DE-8D20-9CF7E37E36F8}"/>
-              </a:ext>
-            </a:extLst>
-          </p:cNvPr>
+              <a:t>마스터 텍스트 스타일을 편집합니다</a:t>
+            </a:r>
+          </a:p>
+        </p:txBody>
+      </p:sp>
+      <p:sp>
+        <p:nvSpPr>
+          <p:cNvPr id="4" name="날짜 개체 틀 3"/>
           <p:cNvSpPr>
             <a:spLocks noGrp="1"/>
           </p:cNvSpPr>
@@ -1500,9 +1423,9 @@
           <a:bodyPr/>
           <a:lstStyle/>
           <a:p>
-            <a:fld id="{EC8CC216-051A-4DD0-A620-105A76326424}" type="datetime1">
+            <a:fld id="{DEB04459-77A1-459B-84E6-AB5CF6BAEB25}" type="datetimeFigureOut">
               <a:rPr lang="ko-KR" altLang="en-US" smtClean="0"/>
-              <a:t>2022-06-15</a:t>
+              <a:t>2022-04-04</a:t>
             </a:fld>
             <a:endParaRPr lang="ko-KR" altLang="en-US"/>
           </a:p>
@@ -1510,13 +1433,7 @@
       </p:sp>
       <p:sp>
         <p:nvSpPr>
-          <p:cNvPr id="5" name="바닥글 개체 틀 4">
-            <a:extLst>
-              <a:ext uri="{FF2B5EF4-FFF2-40B4-BE49-F238E27FC236}">
-                <a16:creationId xmlns:a16="http://schemas.microsoft.com/office/drawing/2014/main" id="{96316A24-1B5A-4DDC-AE3A-51C338523C6B}"/>
-              </a:ext>
-            </a:extLst>
-          </p:cNvPr>
+          <p:cNvPr id="5" name="바닥글 개체 틀 4"/>
           <p:cNvSpPr>
             <a:spLocks noGrp="1"/>
           </p:cNvSpPr>
@@ -1535,13 +1452,7 @@
       </p:sp>
       <p:sp>
         <p:nvSpPr>
-          <p:cNvPr id="6" name="슬라이드 번호 개체 틀 5">
-            <a:extLst>
-              <a:ext uri="{FF2B5EF4-FFF2-40B4-BE49-F238E27FC236}">
-                <a16:creationId xmlns:a16="http://schemas.microsoft.com/office/drawing/2014/main" id="{D487488D-BFF1-4D6B-8AAB-CDD76B47BF1A}"/>
-              </a:ext>
-            </a:extLst>
-          </p:cNvPr>
+          <p:cNvPr id="6" name="슬라이드 번호 개체 틀 5"/>
           <p:cNvSpPr>
             <a:spLocks noGrp="1"/>
           </p:cNvSpPr>
@@ -1554,7 +1465,7 @@
           <a:bodyPr/>
           <a:lstStyle/>
           <a:p>
-            <a:fld id="{A7C62C25-B5F5-4B62-AB91-5480B186A043}" type="slidenum">
+            <a:fld id="{25B3C12B-D75D-4C66-B5B8-0CB552AAA939}" type="slidenum">
               <a:rPr lang="ko-KR" altLang="en-US" smtClean="0"/>
               <a:t>‹#›</a:t>
             </a:fld>
@@ -1565,7 +1476,7 @@
     </p:spTree>
     <p:extLst>
       <p:ext uri="{BB962C8B-B14F-4D97-AF65-F5344CB8AC3E}">
-        <p14:creationId xmlns:p14="http://schemas.microsoft.com/office/powerpoint/2010/main" val="2931150371"/>
+        <p14:creationId xmlns:p14="http://schemas.microsoft.com/office/powerpoint/2010/main" val="288829441"/>
       </p:ext>
     </p:extLst>
   </p:cSld>
@@ -1594,13 +1505,7 @@
       </p:grpSpPr>
       <p:sp>
         <p:nvSpPr>
-          <p:cNvPr id="2" name="제목 1">
-            <a:extLst>
-              <a:ext uri="{FF2B5EF4-FFF2-40B4-BE49-F238E27FC236}">
-                <a16:creationId xmlns:a16="http://schemas.microsoft.com/office/drawing/2014/main" id="{725230BA-74D9-4377-B573-B99728E26222}"/>
-              </a:ext>
-            </a:extLst>
-          </p:cNvPr>
+          <p:cNvPr id="2" name="제목 1"/>
           <p:cNvSpPr>
             <a:spLocks noGrp="1"/>
           </p:cNvSpPr>
@@ -1622,13 +1527,7 @@
       </p:sp>
       <p:sp>
         <p:nvSpPr>
-          <p:cNvPr id="3" name="내용 개체 틀 2">
-            <a:extLst>
-              <a:ext uri="{FF2B5EF4-FFF2-40B4-BE49-F238E27FC236}">
-                <a16:creationId xmlns:a16="http://schemas.microsoft.com/office/drawing/2014/main" id="{716EF2FF-D3A8-4092-B740-BC7B0800F146}"/>
-              </a:ext>
-            </a:extLst>
-          </p:cNvPr>
+          <p:cNvPr id="3" name="내용 개체 틀 2"/>
           <p:cNvSpPr>
             <a:spLocks noGrp="1"/>
           </p:cNvSpPr>
@@ -1638,59 +1537,81 @@
         </p:nvSpPr>
         <p:spPr>
           <a:xfrm>
-            <a:off x="838200" y="1825625"/>
-            <a:ext cx="5181600" cy="4351338"/>
+            <a:off x="534671" y="1764303"/>
+            <a:ext cx="4722918" cy="4990084"/>
           </a:xfrm>
         </p:spPr>
         <p:txBody>
           <a:bodyPr/>
-          <a:lstStyle/>
+          <a:lstStyle>
+            <a:lvl1pPr>
+              <a:defRPr sz="3000"/>
+            </a:lvl1pPr>
+            <a:lvl2pPr>
+              <a:defRPr sz="2600"/>
+            </a:lvl2pPr>
+            <a:lvl3pPr>
+              <a:defRPr sz="2100"/>
+            </a:lvl3pPr>
+            <a:lvl4pPr>
+              <a:defRPr sz="1900"/>
+            </a:lvl4pPr>
+            <a:lvl5pPr>
+              <a:defRPr sz="1900"/>
+            </a:lvl5pPr>
+            <a:lvl6pPr>
+              <a:defRPr sz="1900"/>
+            </a:lvl6pPr>
+            <a:lvl7pPr>
+              <a:defRPr sz="1900"/>
+            </a:lvl7pPr>
+            <a:lvl8pPr>
+              <a:defRPr sz="1900"/>
+            </a:lvl8pPr>
+            <a:lvl9pPr>
+              <a:defRPr sz="1900"/>
+            </a:lvl9pPr>
+          </a:lstStyle>
           <a:p>
             <a:pPr lvl="0"/>
             <a:r>
               <a:rPr lang="ko-KR" altLang="en-US"/>
-              <a:t>마스터 텍스트 스타일을 편집하려면 클릭</a:t>
+              <a:t>마스터 텍스트 스타일을 편집합니다</a:t>
             </a:r>
           </a:p>
           <a:p>
             <a:pPr lvl="1"/>
             <a:r>
               <a:rPr lang="ko-KR" altLang="en-US"/>
-              <a:t>두 번째 수준</a:t>
+              <a:t>둘째 수준</a:t>
             </a:r>
           </a:p>
           <a:p>
             <a:pPr lvl="2"/>
             <a:r>
               <a:rPr lang="ko-KR" altLang="en-US"/>
-              <a:t>세 번째 수준</a:t>
+              <a:t>셋째 수준</a:t>
             </a:r>
           </a:p>
           <a:p>
             <a:pPr lvl="3"/>
             <a:r>
               <a:rPr lang="ko-KR" altLang="en-US"/>
-              <a:t>네 번째 수준</a:t>
+              <a:t>넷째 수준</a:t>
             </a:r>
           </a:p>
           <a:p>
             <a:pPr lvl="4"/>
             <a:r>
               <a:rPr lang="ko-KR" altLang="en-US"/>
-              <a:t>다섯 번째 수준</a:t>
-            </a:r>
-          </a:p>
-        </p:txBody>
-      </p:sp>
-      <p:sp>
-        <p:nvSpPr>
-          <p:cNvPr id="4" name="내용 개체 틀 3">
-            <a:extLst>
-              <a:ext uri="{FF2B5EF4-FFF2-40B4-BE49-F238E27FC236}">
-                <a16:creationId xmlns:a16="http://schemas.microsoft.com/office/drawing/2014/main" id="{3EFBA432-ED59-4B88-BF40-D1FD1C22C211}"/>
-              </a:ext>
-            </a:extLst>
-          </p:cNvPr>
+              <a:t>다섯째 수준</a:t>
+            </a:r>
+          </a:p>
+        </p:txBody>
+      </p:sp>
+      <p:sp>
+        <p:nvSpPr>
+          <p:cNvPr id="4" name="내용 개체 틀 3"/>
           <p:cNvSpPr>
             <a:spLocks noGrp="1"/>
           </p:cNvSpPr>
@@ -1700,59 +1621,81 @@
         </p:nvSpPr>
         <p:spPr>
           <a:xfrm>
-            <a:off x="6172200" y="1825625"/>
-            <a:ext cx="5181600" cy="4351338"/>
+            <a:off x="5435811" y="1764303"/>
+            <a:ext cx="4722918" cy="4990084"/>
           </a:xfrm>
         </p:spPr>
         <p:txBody>
           <a:bodyPr/>
-          <a:lstStyle/>
+          <a:lstStyle>
+            <a:lvl1pPr>
+              <a:defRPr sz="3000"/>
+            </a:lvl1pPr>
+            <a:lvl2pPr>
+              <a:defRPr sz="2600"/>
+            </a:lvl2pPr>
+            <a:lvl3pPr>
+              <a:defRPr sz="2100"/>
+            </a:lvl3pPr>
+            <a:lvl4pPr>
+              <a:defRPr sz="1900"/>
+            </a:lvl4pPr>
+            <a:lvl5pPr>
+              <a:defRPr sz="1900"/>
+            </a:lvl5pPr>
+            <a:lvl6pPr>
+              <a:defRPr sz="1900"/>
+            </a:lvl6pPr>
+            <a:lvl7pPr>
+              <a:defRPr sz="1900"/>
+            </a:lvl7pPr>
+            <a:lvl8pPr>
+              <a:defRPr sz="1900"/>
+            </a:lvl8pPr>
+            <a:lvl9pPr>
+              <a:defRPr sz="1900"/>
+            </a:lvl9pPr>
+          </a:lstStyle>
           <a:p>
             <a:pPr lvl="0"/>
             <a:r>
               <a:rPr lang="ko-KR" altLang="en-US"/>
-              <a:t>마스터 텍스트 스타일을 편집하려면 클릭</a:t>
+              <a:t>마스터 텍스트 스타일을 편집합니다</a:t>
             </a:r>
           </a:p>
           <a:p>
             <a:pPr lvl="1"/>
             <a:r>
               <a:rPr lang="ko-KR" altLang="en-US"/>
-              <a:t>두 번째 수준</a:t>
+              <a:t>둘째 수준</a:t>
             </a:r>
           </a:p>
           <a:p>
             <a:pPr lvl="2"/>
             <a:r>
               <a:rPr lang="ko-KR" altLang="en-US"/>
-              <a:t>세 번째 수준</a:t>
+              <a:t>셋째 수준</a:t>
             </a:r>
           </a:p>
           <a:p>
             <a:pPr lvl="3"/>
             <a:r>
               <a:rPr lang="ko-KR" altLang="en-US"/>
-              <a:t>네 번째 수준</a:t>
+              <a:t>넷째 수준</a:t>
             </a:r>
           </a:p>
           <a:p>
             <a:pPr lvl="4"/>
             <a:r>
               <a:rPr lang="ko-KR" altLang="en-US"/>
-              <a:t>다섯 번째 수준</a:t>
-            </a:r>
-          </a:p>
-        </p:txBody>
-      </p:sp>
-      <p:sp>
-        <p:nvSpPr>
-          <p:cNvPr id="5" name="날짜 개체 틀 4">
-            <a:extLst>
-              <a:ext uri="{FF2B5EF4-FFF2-40B4-BE49-F238E27FC236}">
-                <a16:creationId xmlns:a16="http://schemas.microsoft.com/office/drawing/2014/main" id="{1E8B5CA5-7303-4679-97AE-FC6F174DAED2}"/>
-              </a:ext>
-            </a:extLst>
-          </p:cNvPr>
+              <a:t>다섯째 수준</a:t>
+            </a:r>
+          </a:p>
+        </p:txBody>
+      </p:sp>
+      <p:sp>
+        <p:nvSpPr>
+          <p:cNvPr id="5" name="날짜 개체 틀 4"/>
           <p:cNvSpPr>
             <a:spLocks noGrp="1"/>
           </p:cNvSpPr>
@@ -1765,9 +1708,9 @@
           <a:bodyPr/>
           <a:lstStyle/>
           <a:p>
-            <a:fld id="{1512F9A8-1B10-4C2A-942C-2744240A590B}" type="datetime1">
+            <a:fld id="{DEB04459-77A1-459B-84E6-AB5CF6BAEB25}" type="datetimeFigureOut">
               <a:rPr lang="ko-KR" altLang="en-US" smtClean="0"/>
-              <a:t>2022-06-15</a:t>
+              <a:t>2022-04-04</a:t>
             </a:fld>
             <a:endParaRPr lang="ko-KR" altLang="en-US"/>
           </a:p>
@@ -1775,13 +1718,7 @@
       </p:sp>
       <p:sp>
         <p:nvSpPr>
-          <p:cNvPr id="6" name="바닥글 개체 틀 5">
-            <a:extLst>
-              <a:ext uri="{FF2B5EF4-FFF2-40B4-BE49-F238E27FC236}">
-                <a16:creationId xmlns:a16="http://schemas.microsoft.com/office/drawing/2014/main" id="{51AE38C9-84C1-4533-A75D-78D7B8034363}"/>
-              </a:ext>
-            </a:extLst>
-          </p:cNvPr>
+          <p:cNvPr id="6" name="바닥글 개체 틀 5"/>
           <p:cNvSpPr>
             <a:spLocks noGrp="1"/>
           </p:cNvSpPr>
@@ -1800,13 +1737,7 @@
       </p:sp>
       <p:sp>
         <p:nvSpPr>
-          <p:cNvPr id="7" name="슬라이드 번호 개체 틀 6">
-            <a:extLst>
-              <a:ext uri="{FF2B5EF4-FFF2-40B4-BE49-F238E27FC236}">
-                <a16:creationId xmlns:a16="http://schemas.microsoft.com/office/drawing/2014/main" id="{12E5A4B6-D561-4D39-A359-5C454DEDB45C}"/>
-              </a:ext>
-            </a:extLst>
-          </p:cNvPr>
+          <p:cNvPr id="7" name="슬라이드 번호 개체 틀 6"/>
           <p:cNvSpPr>
             <a:spLocks noGrp="1"/>
           </p:cNvSpPr>
@@ -1819,7 +1750,7 @@
           <a:bodyPr/>
           <a:lstStyle/>
           <a:p>
-            <a:fld id="{A7C62C25-B5F5-4B62-AB91-5480B186A043}" type="slidenum">
+            <a:fld id="{25B3C12B-D75D-4C66-B5B8-0CB552AAA939}" type="slidenum">
               <a:rPr lang="ko-KR" altLang="en-US" smtClean="0"/>
               <a:t>‹#›</a:t>
             </a:fld>
@@ -1830,7 +1761,7 @@
     </p:spTree>
     <p:extLst>
       <p:ext uri="{BB962C8B-B14F-4D97-AF65-F5344CB8AC3E}">
-        <p14:creationId xmlns:p14="http://schemas.microsoft.com/office/powerpoint/2010/main" val="4084124143"/>
+        <p14:creationId xmlns:p14="http://schemas.microsoft.com/office/powerpoint/2010/main" val="4159602547"/>
       </p:ext>
     </p:extLst>
   </p:cSld>
@@ -1859,13 +1790,7 @@
       </p:grpSpPr>
       <p:sp>
         <p:nvSpPr>
-          <p:cNvPr id="2" name="제목 1">
-            <a:extLst>
-              <a:ext uri="{FF2B5EF4-FFF2-40B4-BE49-F238E27FC236}">
-                <a16:creationId xmlns:a16="http://schemas.microsoft.com/office/drawing/2014/main" id="{D216DF96-280C-4DB3-B8B3-39EAEA77F997}"/>
-              </a:ext>
-            </a:extLst>
-          </p:cNvPr>
+          <p:cNvPr id="2" name="제목 1"/>
           <p:cNvSpPr>
             <a:spLocks noGrp="1"/>
           </p:cNvSpPr>
@@ -1873,15 +1798,14 @@
             <p:ph type="title"/>
           </p:nvPr>
         </p:nvSpPr>
-        <p:spPr>
-          <a:xfrm>
-            <a:off x="839788" y="365125"/>
-            <a:ext cx="10515600" cy="1325563"/>
-          </a:xfrm>
-        </p:spPr>
+        <p:spPr/>
         <p:txBody>
           <a:bodyPr/>
-          <a:lstStyle/>
+          <a:lstStyle>
+            <a:lvl1pPr>
+              <a:defRPr/>
+            </a:lvl1pPr>
+          </a:lstStyle>
           <a:p>
             <a:r>
               <a:rPr lang="ko-KR" altLang="en-US"/>
@@ -1892,13 +1816,7 @@
       </p:sp>
       <p:sp>
         <p:nvSpPr>
-          <p:cNvPr id="3" name="텍스트 개체 틀 2">
-            <a:extLst>
-              <a:ext uri="{FF2B5EF4-FFF2-40B4-BE49-F238E27FC236}">
-                <a16:creationId xmlns:a16="http://schemas.microsoft.com/office/drawing/2014/main" id="{1E4B9251-DCD1-4EED-BCB6-3C0B4039B0DC}"/>
-              </a:ext>
-            </a:extLst>
-          </p:cNvPr>
+          <p:cNvPr id="3" name="텍스트 개체 틀 2"/>
           <p:cNvSpPr>
             <a:spLocks noGrp="1"/>
           </p:cNvSpPr>
@@ -1908,8 +1826,8 @@
         </p:nvSpPr>
         <p:spPr>
           <a:xfrm>
-            <a:off x="839788" y="1681163"/>
-            <a:ext cx="5157787" cy="823912"/>
+            <a:off x="534675" y="1692539"/>
+            <a:ext cx="4724775" cy="705367"/>
           </a:xfrm>
         </p:spPr>
         <p:txBody>
@@ -1917,59 +1835,53 @@
           <a:lstStyle>
             <a:lvl1pPr marL="0" indent="0">
               <a:buNone/>
-              <a:defRPr sz="2400" b="1"/>
+              <a:defRPr sz="2600" b="1"/>
             </a:lvl1pPr>
-            <a:lvl2pPr marL="457200" indent="0">
-              <a:buNone/>
-              <a:defRPr sz="2000" b="1"/>
+            <a:lvl2pPr marL="490865" indent="0">
+              <a:buNone/>
+              <a:defRPr sz="2100" b="1"/>
             </a:lvl2pPr>
-            <a:lvl3pPr marL="914400" indent="0">
-              <a:buNone/>
-              <a:defRPr sz="1800" b="1"/>
+            <a:lvl3pPr marL="981730" indent="0">
+              <a:buNone/>
+              <a:defRPr sz="1900" b="1"/>
             </a:lvl3pPr>
-            <a:lvl4pPr marL="1371600" indent="0">
-              <a:buNone/>
-              <a:defRPr sz="1600" b="1"/>
+            <a:lvl4pPr marL="1472596" indent="0">
+              <a:buNone/>
+              <a:defRPr sz="1700" b="1"/>
             </a:lvl4pPr>
-            <a:lvl5pPr marL="1828800" indent="0">
-              <a:buNone/>
-              <a:defRPr sz="1600" b="1"/>
+            <a:lvl5pPr marL="1963460" indent="0">
+              <a:buNone/>
+              <a:defRPr sz="1700" b="1"/>
             </a:lvl5pPr>
-            <a:lvl6pPr marL="2286000" indent="0">
-              <a:buNone/>
-              <a:defRPr sz="1600" b="1"/>
+            <a:lvl6pPr marL="2454327" indent="0">
+              <a:buNone/>
+              <a:defRPr sz="1700" b="1"/>
             </a:lvl6pPr>
-            <a:lvl7pPr marL="2743200" indent="0">
-              <a:buNone/>
-              <a:defRPr sz="1600" b="1"/>
+            <a:lvl7pPr marL="2945191" indent="0">
+              <a:buNone/>
+              <a:defRPr sz="1700" b="1"/>
             </a:lvl7pPr>
-            <a:lvl8pPr marL="3200400" indent="0">
-              <a:buNone/>
-              <a:defRPr sz="1600" b="1"/>
+            <a:lvl8pPr marL="3436058" indent="0">
+              <a:buNone/>
+              <a:defRPr sz="1700" b="1"/>
             </a:lvl8pPr>
-            <a:lvl9pPr marL="3657600" indent="0">
-              <a:buNone/>
-              <a:defRPr sz="1600" b="1"/>
+            <a:lvl9pPr marL="3926923" indent="0">
+              <a:buNone/>
+              <a:defRPr sz="1700" b="1"/>
             </a:lvl9pPr>
           </a:lstStyle>
           <a:p>
             <a:pPr lvl="0"/>
             <a:r>
               <a:rPr lang="ko-KR" altLang="en-US"/>
-              <a:t>마스터 텍스트 스타일을 편집하려면 클릭</a:t>
-            </a:r>
-          </a:p>
-        </p:txBody>
-      </p:sp>
-      <p:sp>
-        <p:nvSpPr>
-          <p:cNvPr id="4" name="내용 개체 틀 3">
-            <a:extLst>
-              <a:ext uri="{FF2B5EF4-FFF2-40B4-BE49-F238E27FC236}">
-                <a16:creationId xmlns:a16="http://schemas.microsoft.com/office/drawing/2014/main" id="{CF8E9AE1-0EE0-4261-AF81-27BBC23CDE40}"/>
-              </a:ext>
-            </a:extLst>
-          </p:cNvPr>
+              <a:t>마스터 텍스트 스타일을 편집합니다</a:t>
+            </a:r>
+          </a:p>
+        </p:txBody>
+      </p:sp>
+      <p:sp>
+        <p:nvSpPr>
+          <p:cNvPr id="4" name="내용 개체 틀 3"/>
           <p:cNvSpPr>
             <a:spLocks noGrp="1"/>
           </p:cNvSpPr>
@@ -1979,59 +1891,81 @@
         </p:nvSpPr>
         <p:spPr>
           <a:xfrm>
-            <a:off x="839788" y="2505075"/>
-            <a:ext cx="5157787" cy="3684588"/>
+            <a:off x="534675" y="2397901"/>
+            <a:ext cx="4724775" cy="4356478"/>
           </a:xfrm>
         </p:spPr>
         <p:txBody>
           <a:bodyPr/>
-          <a:lstStyle/>
+          <a:lstStyle>
+            <a:lvl1pPr>
+              <a:defRPr sz="2600"/>
+            </a:lvl1pPr>
+            <a:lvl2pPr>
+              <a:defRPr sz="2100"/>
+            </a:lvl2pPr>
+            <a:lvl3pPr>
+              <a:defRPr sz="1900"/>
+            </a:lvl3pPr>
+            <a:lvl4pPr>
+              <a:defRPr sz="1700"/>
+            </a:lvl4pPr>
+            <a:lvl5pPr>
+              <a:defRPr sz="1700"/>
+            </a:lvl5pPr>
+            <a:lvl6pPr>
+              <a:defRPr sz="1700"/>
+            </a:lvl6pPr>
+            <a:lvl7pPr>
+              <a:defRPr sz="1700"/>
+            </a:lvl7pPr>
+            <a:lvl8pPr>
+              <a:defRPr sz="1700"/>
+            </a:lvl8pPr>
+            <a:lvl9pPr>
+              <a:defRPr sz="1700"/>
+            </a:lvl9pPr>
+          </a:lstStyle>
           <a:p>
             <a:pPr lvl="0"/>
             <a:r>
               <a:rPr lang="ko-KR" altLang="en-US"/>
-              <a:t>마스터 텍스트 스타일을 편집하려면 클릭</a:t>
+              <a:t>마스터 텍스트 스타일을 편집합니다</a:t>
             </a:r>
           </a:p>
           <a:p>
             <a:pPr lvl="1"/>
             <a:r>
               <a:rPr lang="ko-KR" altLang="en-US"/>
-              <a:t>두 번째 수준</a:t>
+              <a:t>둘째 수준</a:t>
             </a:r>
           </a:p>
           <a:p>
             <a:pPr lvl="2"/>
             <a:r>
               <a:rPr lang="ko-KR" altLang="en-US"/>
-              <a:t>세 번째 수준</a:t>
+              <a:t>셋째 수준</a:t>
             </a:r>
           </a:p>
           <a:p>
             <a:pPr lvl="3"/>
             <a:r>
               <a:rPr lang="ko-KR" altLang="en-US"/>
-              <a:t>네 번째 수준</a:t>
+              <a:t>넷째 수준</a:t>
             </a:r>
           </a:p>
           <a:p>
             <a:pPr lvl="4"/>
             <a:r>
               <a:rPr lang="ko-KR" altLang="en-US"/>
-              <a:t>다섯 번째 수준</a:t>
-            </a:r>
-          </a:p>
-        </p:txBody>
-      </p:sp>
-      <p:sp>
-        <p:nvSpPr>
-          <p:cNvPr id="5" name="텍스트 개체 틀 4">
-            <a:extLst>
-              <a:ext uri="{FF2B5EF4-FFF2-40B4-BE49-F238E27FC236}">
-                <a16:creationId xmlns:a16="http://schemas.microsoft.com/office/drawing/2014/main" id="{60A5F04E-52F5-4730-B7EC-833C2DFB12D1}"/>
-              </a:ext>
-            </a:extLst>
-          </p:cNvPr>
+              <a:t>다섯째 수준</a:t>
+            </a:r>
+          </a:p>
+        </p:txBody>
+      </p:sp>
+      <p:sp>
+        <p:nvSpPr>
+          <p:cNvPr id="5" name="텍스트 개체 틀 4"/>
           <p:cNvSpPr>
             <a:spLocks noGrp="1"/>
           </p:cNvSpPr>
@@ -2041,8 +1975,8 @@
         </p:nvSpPr>
         <p:spPr>
           <a:xfrm>
-            <a:off x="6172200" y="1681163"/>
-            <a:ext cx="5183188" cy="823912"/>
+            <a:off x="5432103" y="1692539"/>
+            <a:ext cx="4726632" cy="705367"/>
           </a:xfrm>
         </p:spPr>
         <p:txBody>
@@ -2050,59 +1984,53 @@
           <a:lstStyle>
             <a:lvl1pPr marL="0" indent="0">
               <a:buNone/>
-              <a:defRPr sz="2400" b="1"/>
+              <a:defRPr sz="2600" b="1"/>
             </a:lvl1pPr>
-            <a:lvl2pPr marL="457200" indent="0">
-              <a:buNone/>
-              <a:defRPr sz="2000" b="1"/>
+            <a:lvl2pPr marL="490865" indent="0">
+              <a:buNone/>
+              <a:defRPr sz="2100" b="1"/>
             </a:lvl2pPr>
-            <a:lvl3pPr marL="914400" indent="0">
-              <a:buNone/>
-              <a:defRPr sz="1800" b="1"/>
+            <a:lvl3pPr marL="981730" indent="0">
+              <a:buNone/>
+              <a:defRPr sz="1900" b="1"/>
             </a:lvl3pPr>
-            <a:lvl4pPr marL="1371600" indent="0">
-              <a:buNone/>
-              <a:defRPr sz="1600" b="1"/>
+            <a:lvl4pPr marL="1472596" indent="0">
+              <a:buNone/>
+              <a:defRPr sz="1700" b="1"/>
             </a:lvl4pPr>
-            <a:lvl5pPr marL="1828800" indent="0">
-              <a:buNone/>
-              <a:defRPr sz="1600" b="1"/>
+            <a:lvl5pPr marL="1963460" indent="0">
+              <a:buNone/>
+              <a:defRPr sz="1700" b="1"/>
             </a:lvl5pPr>
-            <a:lvl6pPr marL="2286000" indent="0">
-              <a:buNone/>
-              <a:defRPr sz="1600" b="1"/>
+            <a:lvl6pPr marL="2454327" indent="0">
+              <a:buNone/>
+              <a:defRPr sz="1700" b="1"/>
             </a:lvl6pPr>
-            <a:lvl7pPr marL="2743200" indent="0">
-              <a:buNone/>
-              <a:defRPr sz="1600" b="1"/>
+            <a:lvl7pPr marL="2945191" indent="0">
+              <a:buNone/>
+              <a:defRPr sz="1700" b="1"/>
             </a:lvl7pPr>
-            <a:lvl8pPr marL="3200400" indent="0">
-              <a:buNone/>
-              <a:defRPr sz="1600" b="1"/>
+            <a:lvl8pPr marL="3436058" indent="0">
+              <a:buNone/>
+              <a:defRPr sz="1700" b="1"/>
             </a:lvl8pPr>
-            <a:lvl9pPr marL="3657600" indent="0">
-              <a:buNone/>
-              <a:defRPr sz="1600" b="1"/>
+            <a:lvl9pPr marL="3926923" indent="0">
+              <a:buNone/>
+              <a:defRPr sz="1700" b="1"/>
             </a:lvl9pPr>
           </a:lstStyle>
           <a:p>
             <a:pPr lvl="0"/>
             <a:r>
               <a:rPr lang="ko-KR" altLang="en-US"/>
-              <a:t>마스터 텍스트 스타일을 편집하려면 클릭</a:t>
-            </a:r>
-          </a:p>
-        </p:txBody>
-      </p:sp>
-      <p:sp>
-        <p:nvSpPr>
-          <p:cNvPr id="6" name="내용 개체 틀 5">
-            <a:extLst>
-              <a:ext uri="{FF2B5EF4-FFF2-40B4-BE49-F238E27FC236}">
-                <a16:creationId xmlns:a16="http://schemas.microsoft.com/office/drawing/2014/main" id="{C3FDFBAD-CC64-4CE5-BB46-18F45BA793FE}"/>
-              </a:ext>
-            </a:extLst>
-          </p:cNvPr>
+              <a:t>마스터 텍스트 스타일을 편집합니다</a:t>
+            </a:r>
+          </a:p>
+        </p:txBody>
+      </p:sp>
+      <p:sp>
+        <p:nvSpPr>
+          <p:cNvPr id="6" name="내용 개체 틀 5"/>
           <p:cNvSpPr>
             <a:spLocks noGrp="1"/>
           </p:cNvSpPr>
@@ -2112,59 +2040,81 @@
         </p:nvSpPr>
         <p:spPr>
           <a:xfrm>
-            <a:off x="6172200" y="2505075"/>
-            <a:ext cx="5183188" cy="3684588"/>
+            <a:off x="5432103" y="2397901"/>
+            <a:ext cx="4726632" cy="4356478"/>
           </a:xfrm>
         </p:spPr>
         <p:txBody>
           <a:bodyPr/>
-          <a:lstStyle/>
+          <a:lstStyle>
+            <a:lvl1pPr>
+              <a:defRPr sz="2600"/>
+            </a:lvl1pPr>
+            <a:lvl2pPr>
+              <a:defRPr sz="2100"/>
+            </a:lvl2pPr>
+            <a:lvl3pPr>
+              <a:defRPr sz="1900"/>
+            </a:lvl3pPr>
+            <a:lvl4pPr>
+              <a:defRPr sz="1700"/>
+            </a:lvl4pPr>
+            <a:lvl5pPr>
+              <a:defRPr sz="1700"/>
+            </a:lvl5pPr>
+            <a:lvl6pPr>
+              <a:defRPr sz="1700"/>
+            </a:lvl6pPr>
+            <a:lvl7pPr>
+              <a:defRPr sz="1700"/>
+            </a:lvl7pPr>
+            <a:lvl8pPr>
+              <a:defRPr sz="1700"/>
+            </a:lvl8pPr>
+            <a:lvl9pPr>
+              <a:defRPr sz="1700"/>
+            </a:lvl9pPr>
+          </a:lstStyle>
           <a:p>
             <a:pPr lvl="0"/>
             <a:r>
               <a:rPr lang="ko-KR" altLang="en-US"/>
-              <a:t>마스터 텍스트 스타일을 편집하려면 클릭</a:t>
+              <a:t>마스터 텍스트 스타일을 편집합니다</a:t>
             </a:r>
           </a:p>
           <a:p>
             <a:pPr lvl="1"/>
             <a:r>
               <a:rPr lang="ko-KR" altLang="en-US"/>
-              <a:t>두 번째 수준</a:t>
+              <a:t>둘째 수준</a:t>
             </a:r>
           </a:p>
           <a:p>
             <a:pPr lvl="2"/>
             <a:r>
               <a:rPr lang="ko-KR" altLang="en-US"/>
-              <a:t>세 번째 수준</a:t>
+              <a:t>셋째 수준</a:t>
             </a:r>
           </a:p>
           <a:p>
             <a:pPr lvl="3"/>
             <a:r>
               <a:rPr lang="ko-KR" altLang="en-US"/>
-              <a:t>네 번째 수준</a:t>
+              <a:t>넷째 수준</a:t>
             </a:r>
           </a:p>
           <a:p>
             <a:pPr lvl="4"/>
             <a:r>
               <a:rPr lang="ko-KR" altLang="en-US"/>
-              <a:t>다섯 번째 수준</a:t>
-            </a:r>
-          </a:p>
-        </p:txBody>
-      </p:sp>
-      <p:sp>
-        <p:nvSpPr>
-          <p:cNvPr id="7" name="날짜 개체 틀 6">
-            <a:extLst>
-              <a:ext uri="{FF2B5EF4-FFF2-40B4-BE49-F238E27FC236}">
-                <a16:creationId xmlns:a16="http://schemas.microsoft.com/office/drawing/2014/main" id="{0F413983-8AE2-4164-AB99-765B27D89BCB}"/>
-              </a:ext>
-            </a:extLst>
-          </p:cNvPr>
+              <a:t>다섯째 수준</a:t>
+            </a:r>
+          </a:p>
+        </p:txBody>
+      </p:sp>
+      <p:sp>
+        <p:nvSpPr>
+          <p:cNvPr id="7" name="날짜 개체 틀 6"/>
           <p:cNvSpPr>
             <a:spLocks noGrp="1"/>
           </p:cNvSpPr>
@@ -2177,9 +2127,9 @@
           <a:bodyPr/>
           <a:lstStyle/>
           <a:p>
-            <a:fld id="{0A88B85E-2249-4498-94C2-C222D4624F98}" type="datetime1">
+            <a:fld id="{DEB04459-77A1-459B-84E6-AB5CF6BAEB25}" type="datetimeFigureOut">
               <a:rPr lang="ko-KR" altLang="en-US" smtClean="0"/>
-              <a:t>2022-06-15</a:t>
+              <a:t>2022-04-04</a:t>
             </a:fld>
             <a:endParaRPr lang="ko-KR" altLang="en-US"/>
           </a:p>
@@ -2187,13 +2137,7 @@
       </p:sp>
       <p:sp>
         <p:nvSpPr>
-          <p:cNvPr id="8" name="바닥글 개체 틀 7">
-            <a:extLst>
-              <a:ext uri="{FF2B5EF4-FFF2-40B4-BE49-F238E27FC236}">
-                <a16:creationId xmlns:a16="http://schemas.microsoft.com/office/drawing/2014/main" id="{547CB0BB-6C36-4B4C-86F1-F0AD46A6AFA6}"/>
-              </a:ext>
-            </a:extLst>
-          </p:cNvPr>
+          <p:cNvPr id="8" name="바닥글 개체 틀 7"/>
           <p:cNvSpPr>
             <a:spLocks noGrp="1"/>
           </p:cNvSpPr>
@@ -2212,13 +2156,7 @@
       </p:sp>
       <p:sp>
         <p:nvSpPr>
-          <p:cNvPr id="9" name="슬라이드 번호 개체 틀 8">
-            <a:extLst>
-              <a:ext uri="{FF2B5EF4-FFF2-40B4-BE49-F238E27FC236}">
-                <a16:creationId xmlns:a16="http://schemas.microsoft.com/office/drawing/2014/main" id="{6C524BE3-567B-462A-BD58-9E8CB5779BB0}"/>
-              </a:ext>
-            </a:extLst>
-          </p:cNvPr>
+          <p:cNvPr id="9" name="슬라이드 번호 개체 틀 8"/>
           <p:cNvSpPr>
             <a:spLocks noGrp="1"/>
           </p:cNvSpPr>
@@ -2231,7 +2169,7 @@
           <a:bodyPr/>
           <a:lstStyle/>
           <a:p>
-            <a:fld id="{A7C62C25-B5F5-4B62-AB91-5480B186A043}" type="slidenum">
+            <a:fld id="{25B3C12B-D75D-4C66-B5B8-0CB552AAA939}" type="slidenum">
               <a:rPr lang="ko-KR" altLang="en-US" smtClean="0"/>
               <a:t>‹#›</a:t>
             </a:fld>
@@ -2242,7 +2180,7 @@
     </p:spTree>
     <p:extLst>
       <p:ext uri="{BB962C8B-B14F-4D97-AF65-F5344CB8AC3E}">
-        <p14:creationId xmlns:p14="http://schemas.microsoft.com/office/powerpoint/2010/main" val="3876548171"/>
+        <p14:creationId xmlns:p14="http://schemas.microsoft.com/office/powerpoint/2010/main" val="4059217842"/>
       </p:ext>
     </p:extLst>
   </p:cSld>
@@ -2271,13 +2209,7 @@
       </p:grpSpPr>
       <p:sp>
         <p:nvSpPr>
-          <p:cNvPr id="2" name="제목 1">
-            <a:extLst>
-              <a:ext uri="{FF2B5EF4-FFF2-40B4-BE49-F238E27FC236}">
-                <a16:creationId xmlns:a16="http://schemas.microsoft.com/office/drawing/2014/main" id="{D8BF8755-E7EC-425D-A752-C43CB9B8F502}"/>
-              </a:ext>
-            </a:extLst>
-          </p:cNvPr>
+          <p:cNvPr id="2" name="제목 1"/>
           <p:cNvSpPr>
             <a:spLocks noGrp="1"/>
           </p:cNvSpPr>
@@ -2299,13 +2231,7 @@
       </p:sp>
       <p:sp>
         <p:nvSpPr>
-          <p:cNvPr id="3" name="날짜 개체 틀 2">
-            <a:extLst>
-              <a:ext uri="{FF2B5EF4-FFF2-40B4-BE49-F238E27FC236}">
-                <a16:creationId xmlns:a16="http://schemas.microsoft.com/office/drawing/2014/main" id="{AEF1881C-9546-4F1B-B839-313E3A305179}"/>
-              </a:ext>
-            </a:extLst>
-          </p:cNvPr>
+          <p:cNvPr id="3" name="날짜 개체 틀 2"/>
           <p:cNvSpPr>
             <a:spLocks noGrp="1"/>
           </p:cNvSpPr>
@@ -2318,9 +2244,9 @@
           <a:bodyPr/>
           <a:lstStyle/>
           <a:p>
-            <a:fld id="{A1964E3E-3AA3-4898-BCA0-E169713F8536}" type="datetime1">
+            <a:fld id="{DEB04459-77A1-459B-84E6-AB5CF6BAEB25}" type="datetimeFigureOut">
               <a:rPr lang="ko-KR" altLang="en-US" smtClean="0"/>
-              <a:t>2022-06-15</a:t>
+              <a:t>2022-04-04</a:t>
             </a:fld>
             <a:endParaRPr lang="ko-KR" altLang="en-US"/>
           </a:p>
@@ -2328,13 +2254,7 @@
       </p:sp>
       <p:sp>
         <p:nvSpPr>
-          <p:cNvPr id="4" name="바닥글 개체 틀 3">
-            <a:extLst>
-              <a:ext uri="{FF2B5EF4-FFF2-40B4-BE49-F238E27FC236}">
-                <a16:creationId xmlns:a16="http://schemas.microsoft.com/office/drawing/2014/main" id="{A750B4AC-A344-4DFA-9E26-8165C17D6C25}"/>
-              </a:ext>
-            </a:extLst>
-          </p:cNvPr>
+          <p:cNvPr id="4" name="바닥글 개체 틀 3"/>
           <p:cNvSpPr>
             <a:spLocks noGrp="1"/>
           </p:cNvSpPr>
@@ -2353,13 +2273,7 @@
       </p:sp>
       <p:sp>
         <p:nvSpPr>
-          <p:cNvPr id="5" name="슬라이드 번호 개체 틀 4">
-            <a:extLst>
-              <a:ext uri="{FF2B5EF4-FFF2-40B4-BE49-F238E27FC236}">
-                <a16:creationId xmlns:a16="http://schemas.microsoft.com/office/drawing/2014/main" id="{8968240B-29DD-41A2-B58D-0E2F2FD29495}"/>
-              </a:ext>
-            </a:extLst>
-          </p:cNvPr>
+          <p:cNvPr id="5" name="슬라이드 번호 개체 틀 4"/>
           <p:cNvSpPr>
             <a:spLocks noGrp="1"/>
           </p:cNvSpPr>
@@ -2372,7 +2286,7 @@
           <a:bodyPr/>
           <a:lstStyle/>
           <a:p>
-            <a:fld id="{A7C62C25-B5F5-4B62-AB91-5480B186A043}" type="slidenum">
+            <a:fld id="{25B3C12B-D75D-4C66-B5B8-0CB552AAA939}" type="slidenum">
               <a:rPr lang="ko-KR" altLang="en-US" smtClean="0"/>
               <a:t>‹#›</a:t>
             </a:fld>
@@ -2383,7 +2297,7 @@
     </p:spTree>
     <p:extLst>
       <p:ext uri="{BB962C8B-B14F-4D97-AF65-F5344CB8AC3E}">
-        <p14:creationId xmlns:p14="http://schemas.microsoft.com/office/powerpoint/2010/main" val="2286988348"/>
+        <p14:creationId xmlns:p14="http://schemas.microsoft.com/office/powerpoint/2010/main" val="2901717047"/>
       </p:ext>
     </p:extLst>
   </p:cSld>
@@ -2412,13 +2326,7 @@
       </p:grpSpPr>
       <p:sp>
         <p:nvSpPr>
-          <p:cNvPr id="2" name="날짜 개체 틀 1">
-            <a:extLst>
-              <a:ext uri="{FF2B5EF4-FFF2-40B4-BE49-F238E27FC236}">
-                <a16:creationId xmlns:a16="http://schemas.microsoft.com/office/drawing/2014/main" id="{6CDF35A1-5376-4FBB-9CB1-C33575E97053}"/>
-              </a:ext>
-            </a:extLst>
-          </p:cNvPr>
+          <p:cNvPr id="2" name="날짜 개체 틀 1"/>
           <p:cNvSpPr>
             <a:spLocks noGrp="1"/>
           </p:cNvSpPr>
@@ -2431,9 +2339,9 @@
           <a:bodyPr/>
           <a:lstStyle/>
           <a:p>
-            <a:fld id="{9D96AE18-149E-4A5A-A0A1-0CEC34EF8C04}" type="datetime1">
+            <a:fld id="{DEB04459-77A1-459B-84E6-AB5CF6BAEB25}" type="datetimeFigureOut">
               <a:rPr lang="ko-KR" altLang="en-US" smtClean="0"/>
-              <a:t>2022-06-15</a:t>
+              <a:t>2022-04-04</a:t>
             </a:fld>
             <a:endParaRPr lang="ko-KR" altLang="en-US"/>
           </a:p>
@@ -2441,13 +2349,7 @@
       </p:sp>
       <p:sp>
         <p:nvSpPr>
-          <p:cNvPr id="3" name="바닥글 개체 틀 2">
-            <a:extLst>
-              <a:ext uri="{FF2B5EF4-FFF2-40B4-BE49-F238E27FC236}">
-                <a16:creationId xmlns:a16="http://schemas.microsoft.com/office/drawing/2014/main" id="{21ECD969-7F2C-46F2-B6A2-680F7C1EA9A4}"/>
-              </a:ext>
-            </a:extLst>
-          </p:cNvPr>
+          <p:cNvPr id="3" name="바닥글 개체 틀 2"/>
           <p:cNvSpPr>
             <a:spLocks noGrp="1"/>
           </p:cNvSpPr>
@@ -2466,13 +2368,7 @@
       </p:sp>
       <p:sp>
         <p:nvSpPr>
-          <p:cNvPr id="4" name="슬라이드 번호 개체 틀 3">
-            <a:extLst>
-              <a:ext uri="{FF2B5EF4-FFF2-40B4-BE49-F238E27FC236}">
-                <a16:creationId xmlns:a16="http://schemas.microsoft.com/office/drawing/2014/main" id="{F41B331F-EE06-4173-AA94-0CAC01DF7006}"/>
-              </a:ext>
-            </a:extLst>
-          </p:cNvPr>
+          <p:cNvPr id="4" name="슬라이드 번호 개체 틀 3"/>
           <p:cNvSpPr>
             <a:spLocks noGrp="1"/>
           </p:cNvSpPr>
@@ -2485,7 +2381,7 @@
           <a:bodyPr/>
           <a:lstStyle/>
           <a:p>
-            <a:fld id="{A7C62C25-B5F5-4B62-AB91-5480B186A043}" type="slidenum">
+            <a:fld id="{25B3C12B-D75D-4C66-B5B8-0CB552AAA939}" type="slidenum">
               <a:rPr lang="ko-KR" altLang="en-US" smtClean="0"/>
               <a:t>‹#›</a:t>
             </a:fld>
@@ -2496,7 +2392,7 @@
     </p:spTree>
     <p:extLst>
       <p:ext uri="{BB962C8B-B14F-4D97-AF65-F5344CB8AC3E}">
-        <p14:creationId xmlns:p14="http://schemas.microsoft.com/office/powerpoint/2010/main" val="156713410"/>
+        <p14:creationId xmlns:p14="http://schemas.microsoft.com/office/powerpoint/2010/main" val="3344768154"/>
       </p:ext>
     </p:extLst>
   </p:cSld>
@@ -2525,13 +2421,7 @@
       </p:grpSpPr>
       <p:sp>
         <p:nvSpPr>
-          <p:cNvPr id="2" name="제목 1">
-            <a:extLst>
-              <a:ext uri="{FF2B5EF4-FFF2-40B4-BE49-F238E27FC236}">
-                <a16:creationId xmlns:a16="http://schemas.microsoft.com/office/drawing/2014/main" id="{D520257A-4759-4F76-8CCD-01D7C528E6EE}"/>
-              </a:ext>
-            </a:extLst>
-          </p:cNvPr>
+          <p:cNvPr id="2" name="제목 1"/>
           <p:cNvSpPr>
             <a:spLocks noGrp="1"/>
           </p:cNvSpPr>
@@ -2541,15 +2431,15 @@
         </p:nvSpPr>
         <p:spPr>
           <a:xfrm>
-            <a:off x="839788" y="457200"/>
-            <a:ext cx="3932237" cy="1600200"/>
+            <a:off x="534675" y="301050"/>
+            <a:ext cx="3518055" cy="1281214"/>
           </a:xfrm>
         </p:spPr>
         <p:txBody>
           <a:bodyPr anchor="b"/>
           <a:lstStyle>
-            <a:lvl1pPr>
-              <a:defRPr sz="3200"/>
+            <a:lvl1pPr algn="l">
+              <a:defRPr sz="2100" b="1"/>
             </a:lvl1pPr>
           </a:lstStyle>
           <a:p>
@@ -2562,13 +2452,7 @@
       </p:sp>
       <p:sp>
         <p:nvSpPr>
-          <p:cNvPr id="3" name="내용 개체 틀 2">
-            <a:extLst>
-              <a:ext uri="{FF2B5EF4-FFF2-40B4-BE49-F238E27FC236}">
-                <a16:creationId xmlns:a16="http://schemas.microsoft.com/office/drawing/2014/main" id="{6BB008DF-F112-464C-B232-879D5D0516A9}"/>
-              </a:ext>
-            </a:extLst>
-          </p:cNvPr>
+          <p:cNvPr id="3" name="내용 개체 틀 2"/>
           <p:cNvSpPr>
             <a:spLocks noGrp="1"/>
           </p:cNvSpPr>
@@ -2578,87 +2462,81 @@
         </p:nvSpPr>
         <p:spPr>
           <a:xfrm>
-            <a:off x="5183188" y="987425"/>
-            <a:ext cx="6172200" cy="4873625"/>
+            <a:off x="4180824" y="301059"/>
+            <a:ext cx="5977907" cy="6453328"/>
           </a:xfrm>
         </p:spPr>
         <p:txBody>
           <a:bodyPr/>
           <a:lstStyle>
             <a:lvl1pPr>
-              <a:defRPr sz="3200"/>
+              <a:defRPr sz="3400"/>
             </a:lvl1pPr>
             <a:lvl2pPr>
-              <a:defRPr sz="2800"/>
+              <a:defRPr sz="3000"/>
             </a:lvl2pPr>
             <a:lvl3pPr>
-              <a:defRPr sz="2400"/>
+              <a:defRPr sz="2600"/>
             </a:lvl3pPr>
             <a:lvl4pPr>
-              <a:defRPr sz="2000"/>
+              <a:defRPr sz="2100"/>
             </a:lvl4pPr>
             <a:lvl5pPr>
-              <a:defRPr sz="2000"/>
+              <a:defRPr sz="2100"/>
             </a:lvl5pPr>
             <a:lvl6pPr>
-              <a:defRPr sz="2000"/>
+              <a:defRPr sz="2100"/>
             </a:lvl6pPr>
             <a:lvl7pPr>
-              <a:defRPr sz="2000"/>
+              <a:defRPr sz="2100"/>
             </a:lvl7pPr>
             <a:lvl8pPr>
-              <a:defRPr sz="2000"/>
+              <a:defRPr sz="2100"/>
             </a:lvl8pPr>
             <a:lvl9pPr>
-              <a:defRPr sz="2000"/>
+              <a:defRPr sz="2100"/>
             </a:lvl9pPr>
           </a:lstStyle>
           <a:p>
             <a:pPr lvl="0"/>
             <a:r>
               <a:rPr lang="ko-KR" altLang="en-US"/>
-              <a:t>마스터 텍스트 스타일을 편집하려면 클릭</a:t>
+              <a:t>마스터 텍스트 스타일을 편집합니다</a:t>
             </a:r>
           </a:p>
           <a:p>
             <a:pPr lvl="1"/>
             <a:r>
               <a:rPr lang="ko-KR" altLang="en-US"/>
-              <a:t>두 번째 수준</a:t>
+              <a:t>둘째 수준</a:t>
             </a:r>
           </a:p>
           <a:p>
             <a:pPr lvl="2"/>
             <a:r>
               <a:rPr lang="ko-KR" altLang="en-US"/>
-              <a:t>세 번째 수준</a:t>
+              <a:t>셋째 수준</a:t>
             </a:r>
           </a:p>
           <a:p>
             <a:pPr lvl="3"/>
             <a:r>
               <a:rPr lang="ko-KR" altLang="en-US"/>
-              <a:t>네 번째 수준</a:t>
+              <a:t>넷째 수준</a:t>
             </a:r>
           </a:p>
           <a:p>
             <a:pPr lvl="4"/>
             <a:r>
               <a:rPr lang="ko-KR" altLang="en-US"/>
-              <a:t>다섯 번째 수준</a:t>
-            </a:r>
-          </a:p>
-        </p:txBody>
-      </p:sp>
-      <p:sp>
-        <p:nvSpPr>
-          <p:cNvPr id="4" name="텍스트 개체 틀 3">
-            <a:extLst>
-              <a:ext uri="{FF2B5EF4-FFF2-40B4-BE49-F238E27FC236}">
-                <a16:creationId xmlns:a16="http://schemas.microsoft.com/office/drawing/2014/main" id="{3581680B-B66E-4853-A239-D83EED214AF0}"/>
-              </a:ext>
-            </a:extLst>
-          </p:cNvPr>
+              <a:t>다섯째 수준</a:t>
+            </a:r>
+          </a:p>
+        </p:txBody>
+      </p:sp>
+      <p:sp>
+        <p:nvSpPr>
+          <p:cNvPr id="4" name="텍스트 개체 틀 3"/>
           <p:cNvSpPr>
             <a:spLocks noGrp="1"/>
           </p:cNvSpPr>
@@ -2668,8 +2546,8 @@
         </p:nvSpPr>
         <p:spPr>
           <a:xfrm>
-            <a:off x="839788" y="2057400"/>
-            <a:ext cx="3932237" cy="3811588"/>
+            <a:off x="534675" y="1582268"/>
+            <a:ext cx="3518055" cy="5172114"/>
           </a:xfrm>
         </p:spPr>
         <p:txBody>
@@ -2677,37 +2555,37 @@
           <a:lstStyle>
             <a:lvl1pPr marL="0" indent="0">
               <a:buNone/>
-              <a:defRPr sz="1600"/>
+              <a:defRPr sz="1500"/>
             </a:lvl1pPr>
-            <a:lvl2pPr marL="457200" indent="0">
-              <a:buNone/>
-              <a:defRPr sz="1400"/>
+            <a:lvl2pPr marL="490865" indent="0">
+              <a:buNone/>
+              <a:defRPr sz="1300"/>
             </a:lvl2pPr>
-            <a:lvl3pPr marL="914400" indent="0">
-              <a:buNone/>
-              <a:defRPr sz="1200"/>
+            <a:lvl3pPr marL="981730" indent="0">
+              <a:buNone/>
+              <a:defRPr sz="1100"/>
             </a:lvl3pPr>
-            <a:lvl4pPr marL="1371600" indent="0">
+            <a:lvl4pPr marL="1472596" indent="0">
               <a:buNone/>
               <a:defRPr sz="1000"/>
             </a:lvl4pPr>
-            <a:lvl5pPr marL="1828800" indent="0">
+            <a:lvl5pPr marL="1963460" indent="0">
               <a:buNone/>
               <a:defRPr sz="1000"/>
             </a:lvl5pPr>
-            <a:lvl6pPr marL="2286000" indent="0">
+            <a:lvl6pPr marL="2454327" indent="0">
               <a:buNone/>
               <a:defRPr sz="1000"/>
             </a:lvl6pPr>
-            <a:lvl7pPr marL="2743200" indent="0">
+            <a:lvl7pPr marL="2945191" indent="0">
               <a:buNone/>
               <a:defRPr sz="1000"/>
             </a:lvl7pPr>
-            <a:lvl8pPr marL="3200400" indent="0">
+            <a:lvl8pPr marL="3436058" indent="0">
               <a:buNone/>
               <a:defRPr sz="1000"/>
             </a:lvl8pPr>
-            <a:lvl9pPr marL="3657600" indent="0">
+            <a:lvl9pPr marL="3926923" indent="0">
               <a:buNone/>
               <a:defRPr sz="1000"/>
             </a:lvl9pPr>
@@ -2716,20 +2594,14 @@
             <a:pPr lvl="0"/>
             <a:r>
               <a:rPr lang="ko-KR" altLang="en-US"/>
-              <a:t>마스터 텍스트 스타일을 편집하려면 클릭</a:t>
-            </a:r>
-          </a:p>
-        </p:txBody>
-      </p:sp>
-      <p:sp>
-        <p:nvSpPr>
-          <p:cNvPr id="5" name="날짜 개체 틀 4">
-            <a:extLst>
-              <a:ext uri="{FF2B5EF4-FFF2-40B4-BE49-F238E27FC236}">
-                <a16:creationId xmlns:a16="http://schemas.microsoft.com/office/drawing/2014/main" id="{DC0D6C82-BD98-4972-8881-5F8562E3D2C3}"/>
-              </a:ext>
-            </a:extLst>
-          </p:cNvPr>
+              <a:t>마스터 텍스트 스타일을 편집합니다</a:t>
+            </a:r>
+          </a:p>
+        </p:txBody>
+      </p:sp>
+      <p:sp>
+        <p:nvSpPr>
+          <p:cNvPr id="5" name="날짜 개체 틀 4"/>
           <p:cNvSpPr>
             <a:spLocks noGrp="1"/>
           </p:cNvSpPr>
@@ -2742,9 +2614,9 @@
           <a:bodyPr/>
           <a:lstStyle/>
           <a:p>
-            <a:fld id="{A5B10253-1DB3-444D-AEEF-3EA2D297323B}" type="datetime1">
+            <a:fld id="{DEB04459-77A1-459B-84E6-AB5CF6BAEB25}" type="datetimeFigureOut">
               <a:rPr lang="ko-KR" altLang="en-US" smtClean="0"/>
-              <a:t>2022-06-15</a:t>
+              <a:t>2022-04-04</a:t>
             </a:fld>
             <a:endParaRPr lang="ko-KR" altLang="en-US"/>
           </a:p>
@@ -2752,13 +2624,7 @@
       </p:sp>
       <p:sp>
         <p:nvSpPr>
-          <p:cNvPr id="6" name="바닥글 개체 틀 5">
-            <a:extLst>
-              <a:ext uri="{FF2B5EF4-FFF2-40B4-BE49-F238E27FC236}">
-                <a16:creationId xmlns:a16="http://schemas.microsoft.com/office/drawing/2014/main" id="{3A0057A3-2EC5-4A46-A88E-24CC727D4374}"/>
-              </a:ext>
-            </a:extLst>
-          </p:cNvPr>
+          <p:cNvPr id="6" name="바닥글 개체 틀 5"/>
           <p:cNvSpPr>
             <a:spLocks noGrp="1"/>
           </p:cNvSpPr>
@@ -2777,13 +2643,7 @@
       </p:sp>
       <p:sp>
         <p:nvSpPr>
-          <p:cNvPr id="7" name="슬라이드 번호 개체 틀 6">
-            <a:extLst>
-              <a:ext uri="{FF2B5EF4-FFF2-40B4-BE49-F238E27FC236}">
-                <a16:creationId xmlns:a16="http://schemas.microsoft.com/office/drawing/2014/main" id="{5B5404E6-EA6A-4532-B2C6-7628D0479688}"/>
-              </a:ext>
-            </a:extLst>
-          </p:cNvPr>
+          <p:cNvPr id="7" name="슬라이드 번호 개체 틀 6"/>
           <p:cNvSpPr>
             <a:spLocks noGrp="1"/>
           </p:cNvSpPr>
@@ -2796,7 +2656,7 @@
           <a:bodyPr/>
           <a:lstStyle/>
           <a:p>
-            <a:fld id="{A7C62C25-B5F5-4B62-AB91-5480B186A043}" type="slidenum">
+            <a:fld id="{25B3C12B-D75D-4C66-B5B8-0CB552AAA939}" type="slidenum">
               <a:rPr lang="ko-KR" altLang="en-US" smtClean="0"/>
               <a:t>‹#›</a:t>
             </a:fld>
@@ -2807,7 +2667,7 @@
     </p:spTree>
     <p:extLst>
       <p:ext uri="{BB962C8B-B14F-4D97-AF65-F5344CB8AC3E}">
-        <p14:creationId xmlns:p14="http://schemas.microsoft.com/office/powerpoint/2010/main" val="1516494622"/>
+        <p14:creationId xmlns:p14="http://schemas.microsoft.com/office/powerpoint/2010/main" val="686347331"/>
       </p:ext>
     </p:extLst>
   </p:cSld>
@@ -2836,13 +2696,7 @@
       </p:grpSpPr>
       <p:sp>
         <p:nvSpPr>
-          <p:cNvPr id="2" name="제목 1">
-            <a:extLst>
-              <a:ext uri="{FF2B5EF4-FFF2-40B4-BE49-F238E27FC236}">
-                <a16:creationId xmlns:a16="http://schemas.microsoft.com/office/drawing/2014/main" id="{113F686F-DC27-46EB-A4D5-B4EF3E99FC41}"/>
-              </a:ext>
-            </a:extLst>
-          </p:cNvPr>
+          <p:cNvPr id="2" name="제목 1"/>
           <p:cNvSpPr>
             <a:spLocks noGrp="1"/>
           </p:cNvSpPr>
@@ -2852,15 +2706,15 @@
         </p:nvSpPr>
         <p:spPr>
           <a:xfrm>
-            <a:off x="839788" y="457200"/>
-            <a:ext cx="3932237" cy="1600200"/>
+            <a:off x="2095982" y="5292889"/>
+            <a:ext cx="6416040" cy="624855"/>
           </a:xfrm>
         </p:spPr>
         <p:txBody>
           <a:bodyPr anchor="b"/>
           <a:lstStyle>
-            <a:lvl1pPr>
-              <a:defRPr sz="3200"/>
+            <a:lvl1pPr algn="l">
+              <a:defRPr sz="2100" b="1"/>
             </a:lvl1pPr>
           </a:lstStyle>
           <a:p>
@@ -2873,13 +2727,7 @@
       </p:sp>
       <p:sp>
         <p:nvSpPr>
-          <p:cNvPr id="3" name="그림 개체 틀 2">
-            <a:extLst>
-              <a:ext uri="{FF2B5EF4-FFF2-40B4-BE49-F238E27FC236}">
-                <a16:creationId xmlns:a16="http://schemas.microsoft.com/office/drawing/2014/main" id="{00D91BA5-7165-46F7-B6AB-1EC89017FF34}"/>
-              </a:ext>
-            </a:extLst>
-          </p:cNvPr>
+          <p:cNvPr id="3" name="그림 개체 틀 2"/>
           <p:cNvSpPr>
             <a:spLocks noGrp="1"/>
           </p:cNvSpPr>
@@ -2889,8 +2737,8 @@
         </p:nvSpPr>
         <p:spPr>
           <a:xfrm>
-            <a:off x="5183188" y="987425"/>
-            <a:ext cx="6172200" cy="4873625"/>
+            <a:off x="2095982" y="675613"/>
+            <a:ext cx="6416040" cy="4536758"/>
           </a:xfrm>
         </p:spPr>
         <p:txBody>
@@ -2898,39 +2746,39 @@
           <a:lstStyle>
             <a:lvl1pPr marL="0" indent="0">
               <a:buNone/>
-              <a:defRPr sz="3200"/>
+              <a:defRPr sz="3400"/>
             </a:lvl1pPr>
-            <a:lvl2pPr marL="457200" indent="0">
-              <a:buNone/>
-              <a:defRPr sz="2800"/>
+            <a:lvl2pPr marL="490865" indent="0">
+              <a:buNone/>
+              <a:defRPr sz="3000"/>
             </a:lvl2pPr>
-            <a:lvl3pPr marL="914400" indent="0">
-              <a:buNone/>
-              <a:defRPr sz="2400"/>
+            <a:lvl3pPr marL="981730" indent="0">
+              <a:buNone/>
+              <a:defRPr sz="2600"/>
             </a:lvl3pPr>
-            <a:lvl4pPr marL="1371600" indent="0">
-              <a:buNone/>
-              <a:defRPr sz="2000"/>
+            <a:lvl4pPr marL="1472596" indent="0">
+              <a:buNone/>
+              <a:defRPr sz="2100"/>
             </a:lvl4pPr>
-            <a:lvl5pPr marL="1828800" indent="0">
-              <a:buNone/>
-              <a:defRPr sz="2000"/>
+            <a:lvl5pPr marL="1963460" indent="0">
+              <a:buNone/>
+              <a:defRPr sz="2100"/>
             </a:lvl5pPr>
-            <a:lvl6pPr marL="2286000" indent="0">
-              <a:buNone/>
-              <a:defRPr sz="2000"/>
+            <a:lvl6pPr marL="2454327" indent="0">
+              <a:buNone/>
+              <a:defRPr sz="2100"/>
             </a:lvl6pPr>
-            <a:lvl7pPr marL="2743200" indent="0">
-              <a:buNone/>
-              <a:defRPr sz="2000"/>
+            <a:lvl7pPr marL="2945191" indent="0">
+              <a:buNone/>
+              <a:defRPr sz="2100"/>
             </a:lvl7pPr>
-            <a:lvl8pPr marL="3200400" indent="0">
-              <a:buNone/>
-              <a:defRPr sz="2000"/>
+            <a:lvl8pPr marL="3436058" indent="0">
+              <a:buNone/>
+              <a:defRPr sz="2100"/>
             </a:lvl8pPr>
-            <a:lvl9pPr marL="3657600" indent="0">
-              <a:buNone/>
-              <a:defRPr sz="2000"/>
+            <a:lvl9pPr marL="3926923" indent="0">
+              <a:buNone/>
+              <a:defRPr sz="2100"/>
             </a:lvl9pPr>
           </a:lstStyle>
           <a:p>
@@ -2940,13 +2788,7 @@
       </p:sp>
       <p:sp>
         <p:nvSpPr>
-          <p:cNvPr id="4" name="텍스트 개체 틀 3">
-            <a:extLst>
-              <a:ext uri="{FF2B5EF4-FFF2-40B4-BE49-F238E27FC236}">
-                <a16:creationId xmlns:a16="http://schemas.microsoft.com/office/drawing/2014/main" id="{41C3D116-420F-4EEB-8692-5F308BE8C883}"/>
-              </a:ext>
-            </a:extLst>
-          </p:cNvPr>
+          <p:cNvPr id="4" name="텍스트 개체 틀 3"/>
           <p:cNvSpPr>
             <a:spLocks noGrp="1"/>
           </p:cNvSpPr>
@@ -2956,8 +2798,8 @@
         </p:nvSpPr>
         <p:spPr>
           <a:xfrm>
-            <a:off x="839788" y="2057400"/>
-            <a:ext cx="3932237" cy="3811588"/>
+            <a:off x="2095982" y="5917739"/>
+            <a:ext cx="6416040" cy="887398"/>
           </a:xfrm>
         </p:spPr>
         <p:txBody>
@@ -2965,37 +2807,37 @@
           <a:lstStyle>
             <a:lvl1pPr marL="0" indent="0">
               <a:buNone/>
-              <a:defRPr sz="1600"/>
+              <a:defRPr sz="1500"/>
             </a:lvl1pPr>
-            <a:lvl2pPr marL="457200" indent="0">
-              <a:buNone/>
-              <a:defRPr sz="1400"/>
+            <a:lvl2pPr marL="490865" indent="0">
+              <a:buNone/>
+              <a:defRPr sz="1300"/>
             </a:lvl2pPr>
-            <a:lvl3pPr marL="914400" indent="0">
-              <a:buNone/>
-              <a:defRPr sz="1200"/>
+            <a:lvl3pPr marL="981730" indent="0">
+              <a:buNone/>
+              <a:defRPr sz="1100"/>
             </a:lvl3pPr>
-            <a:lvl4pPr marL="1371600" indent="0">
+            <a:lvl4pPr marL="1472596" indent="0">
               <a:buNone/>
               <a:defRPr sz="1000"/>
             </a:lvl4pPr>
-            <a:lvl5pPr marL="1828800" indent="0">
+            <a:lvl5pPr marL="1963460" indent="0">
               <a:buNone/>
               <a:defRPr sz="1000"/>
             </a:lvl5pPr>
-            <a:lvl6pPr marL="2286000" indent="0">
+            <a:lvl6pPr marL="2454327" indent="0">
               <a:buNone/>
               <a:defRPr sz="1000"/>
             </a:lvl6pPr>
-            <a:lvl7pPr marL="2743200" indent="0">
+            <a:lvl7pPr marL="2945191" indent="0">
               <a:buNone/>
               <a:defRPr sz="1000"/>
             </a:lvl7pPr>
-            <a:lvl8pPr marL="3200400" indent="0">
+            <a:lvl8pPr marL="3436058" indent="0">
               <a:buNone/>
               <a:defRPr sz="1000"/>
             </a:lvl8pPr>
-            <a:lvl9pPr marL="3657600" indent="0">
+            <a:lvl9pPr marL="3926923" indent="0">
               <a:buNone/>
               <a:defRPr sz="1000"/>
             </a:lvl9pPr>
@@ -3004,20 +2846,14 @@
             <a:pPr lvl="0"/>
             <a:r>
               <a:rPr lang="ko-KR" altLang="en-US"/>
-              <a:t>마스터 텍스트 스타일을 편집하려면 클릭</a:t>
-            </a:r>
-          </a:p>
-        </p:txBody>
-      </p:sp>
-      <p:sp>
-        <p:nvSpPr>
-          <p:cNvPr id="5" name="날짜 개체 틀 4">
-            <a:extLst>
-              <a:ext uri="{FF2B5EF4-FFF2-40B4-BE49-F238E27FC236}">
-                <a16:creationId xmlns:a16="http://schemas.microsoft.com/office/drawing/2014/main" id="{449B37C9-C4E5-4353-BC0B-29EDFA5AE227}"/>
-              </a:ext>
-            </a:extLst>
-          </p:cNvPr>
+              <a:t>마스터 텍스트 스타일을 편집합니다</a:t>
+            </a:r>
+          </a:p>
+        </p:txBody>
+      </p:sp>
+      <p:sp>
+        <p:nvSpPr>
+          <p:cNvPr id="5" name="날짜 개체 틀 4"/>
           <p:cNvSpPr>
             <a:spLocks noGrp="1"/>
           </p:cNvSpPr>
@@ -3030,9 +2866,9 @@
           <a:bodyPr/>
           <a:lstStyle/>
           <a:p>
-            <a:fld id="{08BDEA48-095C-4FAD-82C6-00E50F2A1619}" type="datetime1">
+            <a:fld id="{DEB04459-77A1-459B-84E6-AB5CF6BAEB25}" type="datetimeFigureOut">
               <a:rPr lang="ko-KR" altLang="en-US" smtClean="0"/>
-              <a:t>2022-06-15</a:t>
+              <a:t>2022-04-04</a:t>
             </a:fld>
             <a:endParaRPr lang="ko-KR" altLang="en-US"/>
           </a:p>
@@ -3040,13 +2876,7 @@
       </p:sp>
       <p:sp>
         <p:nvSpPr>
-          <p:cNvPr id="6" name="바닥글 개체 틀 5">
-            <a:extLst>
-              <a:ext uri="{FF2B5EF4-FFF2-40B4-BE49-F238E27FC236}">
-                <a16:creationId xmlns:a16="http://schemas.microsoft.com/office/drawing/2014/main" id="{7CF139BA-FD84-474C-BF6A-8AEF150B8E8E}"/>
-              </a:ext>
-            </a:extLst>
-          </p:cNvPr>
+          <p:cNvPr id="6" name="바닥글 개체 틀 5"/>
           <p:cNvSpPr>
             <a:spLocks noGrp="1"/>
           </p:cNvSpPr>
@@ -3065,13 +2895,7 @@
       </p:sp>
       <p:sp>
         <p:nvSpPr>
-          <p:cNvPr id="7" name="슬라이드 번호 개체 틀 6">
-            <a:extLst>
-              <a:ext uri="{FF2B5EF4-FFF2-40B4-BE49-F238E27FC236}">
-                <a16:creationId xmlns:a16="http://schemas.microsoft.com/office/drawing/2014/main" id="{02736647-F241-4769-A951-1C5085B8543C}"/>
-              </a:ext>
-            </a:extLst>
-          </p:cNvPr>
+          <p:cNvPr id="7" name="슬라이드 번호 개체 틀 6"/>
           <p:cNvSpPr>
             <a:spLocks noGrp="1"/>
           </p:cNvSpPr>
@@ -3084,7 +2908,7 @@
           <a:bodyPr/>
           <a:lstStyle/>
           <a:p>
-            <a:fld id="{A7C62C25-B5F5-4B62-AB91-5480B186A043}" type="slidenum">
+            <a:fld id="{25B3C12B-D75D-4C66-B5B8-0CB552AAA939}" type="slidenum">
               <a:rPr lang="ko-KR" altLang="en-US" smtClean="0"/>
               <a:t>‹#›</a:t>
             </a:fld>
@@ -3095,7 +2919,7 @@
     </p:spTree>
     <p:extLst>
       <p:ext uri="{BB962C8B-B14F-4D97-AF65-F5344CB8AC3E}">
-        <p14:creationId xmlns:p14="http://schemas.microsoft.com/office/powerpoint/2010/main" val="2470638556"/>
+        <p14:creationId xmlns:p14="http://schemas.microsoft.com/office/powerpoint/2010/main" val="2323079375"/>
       </p:ext>
     </p:extLst>
   </p:cSld>
@@ -3129,13 +2953,7 @@
       </p:grpSpPr>
       <p:sp>
         <p:nvSpPr>
-          <p:cNvPr id="2" name="제목 개체 틀 1">
-            <a:extLst>
-              <a:ext uri="{FF2B5EF4-FFF2-40B4-BE49-F238E27FC236}">
-                <a16:creationId xmlns:a16="http://schemas.microsoft.com/office/drawing/2014/main" id="{BE6F0A4B-94D0-4DF1-A5BC-019ACB6CD797}"/>
-              </a:ext>
-            </a:extLst>
-          </p:cNvPr>
+          <p:cNvPr id="2" name="제목 개체 틀 1"/>
           <p:cNvSpPr>
             <a:spLocks noGrp="1"/>
           </p:cNvSpPr>
@@ -3145,15 +2963,15 @@
         </p:nvSpPr>
         <p:spPr>
           <a:xfrm>
-            <a:off x="838200" y="365125"/>
-            <a:ext cx="10515600" cy="1325563"/>
-          </a:xfrm>
-          <a:prstGeom prst="rect">
-            <a:avLst/>
-          </a:prstGeom>
-        </p:spPr>
-        <p:txBody>
-          <a:bodyPr vert="horz" lIns="91440" tIns="45720" rIns="91440" bIns="45720" rtlCol="0" anchor="ctr">
+            <a:off x="534674" y="302807"/>
+            <a:ext cx="9624060" cy="1260211"/>
+          </a:xfrm>
+          <a:prstGeom prst="rect">
+            <a:avLst/>
+          </a:prstGeom>
+        </p:spPr>
+        <p:txBody>
+          <a:bodyPr vert="horz" lIns="98173" tIns="49087" rIns="98173" bIns="49087" rtlCol="0" anchor="ctr">
             <a:normAutofit/>
           </a:bodyPr>
           <a:lstStyle/>
@@ -3167,13 +2985,7 @@
       </p:sp>
       <p:sp>
         <p:nvSpPr>
-          <p:cNvPr id="3" name="텍스트 개체 틀 2">
-            <a:extLst>
-              <a:ext uri="{FF2B5EF4-FFF2-40B4-BE49-F238E27FC236}">
-                <a16:creationId xmlns:a16="http://schemas.microsoft.com/office/drawing/2014/main" id="{A3A44F2C-9026-49D7-98DF-2C70A4B9EC19}"/>
-              </a:ext>
-            </a:extLst>
-          </p:cNvPr>
+          <p:cNvPr id="3" name="텍스트 개체 틀 2"/>
           <p:cNvSpPr>
             <a:spLocks noGrp="1"/>
           </p:cNvSpPr>
@@ -3183,15 +2995,15 @@
         </p:nvSpPr>
         <p:spPr>
           <a:xfrm>
-            <a:off x="838200" y="1825625"/>
-            <a:ext cx="10515600" cy="4351338"/>
-          </a:xfrm>
-          <a:prstGeom prst="rect">
-            <a:avLst/>
-          </a:prstGeom>
-        </p:spPr>
-        <p:txBody>
-          <a:bodyPr vert="horz" lIns="91440" tIns="45720" rIns="91440" bIns="45720" rtlCol="0">
+            <a:off x="534674" y="1764303"/>
+            <a:ext cx="9624060" cy="4990084"/>
+          </a:xfrm>
+          <a:prstGeom prst="rect">
+            <a:avLst/>
+          </a:prstGeom>
+        </p:spPr>
+        <p:txBody>
+          <a:bodyPr vert="horz" lIns="98173" tIns="49087" rIns="98173" bIns="49087" rtlCol="0">
             <a:normAutofit/>
           </a:bodyPr>
           <a:lstStyle/>
@@ -3199,48 +3011,42 @@
             <a:pPr lvl="0"/>
             <a:r>
               <a:rPr lang="ko-KR" altLang="en-US"/>
-              <a:t>마스터 텍스트 스타일을 편집하려면 클릭</a:t>
+              <a:t>마스터 텍스트 스타일을 편집합니다</a:t>
             </a:r>
           </a:p>
           <a:p>
             <a:pPr lvl="1"/>
             <a:r>
               <a:rPr lang="ko-KR" altLang="en-US"/>
-              <a:t>두 번째 수준</a:t>
+              <a:t>둘째 수준</a:t>
             </a:r>
           </a:p>
           <a:p>
             <a:pPr lvl="2"/>
             <a:r>
               <a:rPr lang="ko-KR" altLang="en-US"/>
-              <a:t>세 번째 수준</a:t>
+              <a:t>셋째 수준</a:t>
             </a:r>
           </a:p>
           <a:p>
             <a:pPr lvl="3"/>
             <a:r>
               <a:rPr lang="ko-KR" altLang="en-US"/>
-              <a:t>네 번째 수준</a:t>
+              <a:t>넷째 수준</a:t>
             </a:r>
           </a:p>
           <a:p>
             <a:pPr lvl="4"/>
             <a:r>
               <a:rPr lang="ko-KR" altLang="en-US"/>
-              <a:t>다섯 번째 수준</a:t>
-            </a:r>
-          </a:p>
-        </p:txBody>
-      </p:sp>
-      <p:sp>
-        <p:nvSpPr>
-          <p:cNvPr id="4" name="날짜 개체 틀 3">
-            <a:extLst>
-              <a:ext uri="{FF2B5EF4-FFF2-40B4-BE49-F238E27FC236}">
-                <a16:creationId xmlns:a16="http://schemas.microsoft.com/office/drawing/2014/main" id="{5ACE00C5-B3A7-4F43-A38A-3C1C55C7DD99}"/>
-              </a:ext>
-            </a:extLst>
-          </p:cNvPr>
+              <a:t>다섯째 수준</a:t>
+            </a:r>
+          </a:p>
+        </p:txBody>
+      </p:sp>
+      <p:sp>
+        <p:nvSpPr>
+          <p:cNvPr id="4" name="날짜 개체 틀 3"/>
           <p:cNvSpPr>
             <a:spLocks noGrp="1"/>
           </p:cNvSpPr>
@@ -3250,18 +3056,18 @@
         </p:nvSpPr>
         <p:spPr>
           <a:xfrm>
-            <a:off x="838200" y="6356350"/>
-            <a:ext cx="2743200" cy="365125"/>
-          </a:xfrm>
-          <a:prstGeom prst="rect">
-            <a:avLst/>
-          </a:prstGeom>
-        </p:spPr>
-        <p:txBody>
-          <a:bodyPr vert="horz" lIns="91440" tIns="45720" rIns="91440" bIns="45720" rtlCol="0" anchor="ctr"/>
+            <a:off x="534672" y="7008184"/>
+            <a:ext cx="2495127" cy="402567"/>
+          </a:xfrm>
+          <a:prstGeom prst="rect">
+            <a:avLst/>
+          </a:prstGeom>
+        </p:spPr>
+        <p:txBody>
+          <a:bodyPr vert="horz" lIns="98173" tIns="49087" rIns="98173" bIns="49087" rtlCol="0" anchor="ctr"/>
           <a:lstStyle>
             <a:lvl1pPr algn="l">
-              <a:defRPr sz="1200">
+              <a:defRPr sz="1300">
                 <a:solidFill>
                   <a:schemeClr val="tx1">
                     <a:tint val="75000"/>
@@ -3271,9 +3077,9 @@
             </a:lvl1pPr>
           </a:lstStyle>
           <a:p>
-            <a:fld id="{3411749E-CD33-477B-B369-C97AB55A631D}" type="datetime1">
+            <a:fld id="{DEB04459-77A1-459B-84E6-AB5CF6BAEB25}" type="datetimeFigureOut">
               <a:rPr lang="ko-KR" altLang="en-US" smtClean="0"/>
-              <a:t>2022-06-15</a:t>
+              <a:t>2022-04-04</a:t>
             </a:fld>
             <a:endParaRPr lang="ko-KR" altLang="en-US"/>
           </a:p>
@@ -3281,13 +3087,7 @@
       </p:sp>
       <p:sp>
         <p:nvSpPr>
-          <p:cNvPr id="5" name="바닥글 개체 틀 4">
-            <a:extLst>
-              <a:ext uri="{FF2B5EF4-FFF2-40B4-BE49-F238E27FC236}">
-                <a16:creationId xmlns:a16="http://schemas.microsoft.com/office/drawing/2014/main" id="{E50B8292-80B8-45AC-8BD0-B6A1E9A4297E}"/>
-              </a:ext>
-            </a:extLst>
-          </p:cNvPr>
+          <p:cNvPr id="5" name="바닥글 개체 틀 4"/>
           <p:cNvSpPr>
             <a:spLocks noGrp="1"/>
           </p:cNvSpPr>
@@ -3297,18 +3097,18 @@
         </p:nvSpPr>
         <p:spPr>
           <a:xfrm>
-            <a:off x="4038600" y="6356350"/>
-            <a:ext cx="4114800" cy="365125"/>
-          </a:xfrm>
-          <a:prstGeom prst="rect">
-            <a:avLst/>
-          </a:prstGeom>
-        </p:spPr>
-        <p:txBody>
-          <a:bodyPr vert="horz" lIns="91440" tIns="45720" rIns="91440" bIns="45720" rtlCol="0" anchor="ctr"/>
+            <a:off x="3653584" y="7008184"/>
+            <a:ext cx="3386243" cy="402567"/>
+          </a:xfrm>
+          <a:prstGeom prst="rect">
+            <a:avLst/>
+          </a:prstGeom>
+        </p:spPr>
+        <p:txBody>
+          <a:bodyPr vert="horz" lIns="98173" tIns="49087" rIns="98173" bIns="49087" rtlCol="0" anchor="ctr"/>
           <a:lstStyle>
             <a:lvl1pPr algn="ctr">
-              <a:defRPr sz="1200">
+              <a:defRPr sz="1300">
                 <a:solidFill>
                   <a:schemeClr val="tx1">
                     <a:tint val="75000"/>
@@ -3324,13 +3124,7 @@
       </p:sp>
       <p:sp>
         <p:nvSpPr>
-          <p:cNvPr id="6" name="슬라이드 번호 개체 틀 5">
-            <a:extLst>
-              <a:ext uri="{FF2B5EF4-FFF2-40B4-BE49-F238E27FC236}">
-                <a16:creationId xmlns:a16="http://schemas.microsoft.com/office/drawing/2014/main" id="{2FB43450-24EF-4635-AC3C-BF2FD41FD9E9}"/>
-              </a:ext>
-            </a:extLst>
-          </p:cNvPr>
+          <p:cNvPr id="6" name="슬라이드 번호 개체 틀 5"/>
           <p:cNvSpPr>
             <a:spLocks noGrp="1"/>
           </p:cNvSpPr>
@@ -3340,18 +3134,18 @@
         </p:nvSpPr>
         <p:spPr>
           <a:xfrm>
-            <a:off x="8610600" y="6356350"/>
-            <a:ext cx="2743200" cy="365125"/>
-          </a:xfrm>
-          <a:prstGeom prst="rect">
-            <a:avLst/>
-          </a:prstGeom>
-        </p:spPr>
-        <p:txBody>
-          <a:bodyPr vert="horz" lIns="91440" tIns="45720" rIns="91440" bIns="45720" rtlCol="0" anchor="ctr"/>
+            <a:off x="7663608" y="7008184"/>
+            <a:ext cx="2495127" cy="402567"/>
+          </a:xfrm>
+          <a:prstGeom prst="rect">
+            <a:avLst/>
+          </a:prstGeom>
+        </p:spPr>
+        <p:txBody>
+          <a:bodyPr vert="horz" lIns="98173" tIns="49087" rIns="98173" bIns="49087" rtlCol="0" anchor="ctr"/>
           <a:lstStyle>
             <a:lvl1pPr algn="r">
-              <a:defRPr sz="1200">
+              <a:defRPr sz="1300">
                 <a:solidFill>
                   <a:schemeClr val="tx1">
                     <a:tint val="75000"/>
@@ -3361,7 +3155,7 @@
             </a:lvl1pPr>
           </a:lstStyle>
           <a:p>
-            <a:fld id="{A7C62C25-B5F5-4B62-AB91-5480B186A043}" type="slidenum">
+            <a:fld id="{25B3C12B-D75D-4C66-B5B8-0CB552AAA939}" type="slidenum">
               <a:rPr lang="ko-KR" altLang="en-US" smtClean="0"/>
               <a:t>‹#›</a:t>
             </a:fld>
@@ -3372,7 +3166,7 @@
     </p:spTree>
     <p:extLst>
       <p:ext uri="{BB962C8B-B14F-4D97-AF65-F5344CB8AC3E}">
-        <p14:creationId xmlns:p14="http://schemas.microsoft.com/office/powerpoint/2010/main" val="1546762941"/>
+        <p14:creationId xmlns:p14="http://schemas.microsoft.com/office/powerpoint/2010/main" val="419164408"/>
       </p:ext>
     </p:extLst>
   </p:cSld>
@@ -3390,18 +3184,14 @@
     <p:sldLayoutId id="2147483658" r:id="rId10"/>
     <p:sldLayoutId id="2147483659" r:id="rId11"/>
   </p:sldLayoutIdLst>
-  <p:hf hdr="0" ftr="0" dt="0"/>
   <p:txStyles>
     <p:titleStyle>
-      <a:lvl1pPr algn="l" defTabSz="914400" rtl="0" eaLnBrk="1" latinLnBrk="1" hangingPunct="1">
-        <a:lnSpc>
-          <a:spcPct val="90000"/>
-        </a:lnSpc>
+      <a:lvl1pPr algn="ctr" defTabSz="981730" rtl="0" eaLnBrk="1" latinLnBrk="1" hangingPunct="1">
         <a:spcBef>
           <a:spcPct val="0"/>
         </a:spcBef>
         <a:buNone/>
-        <a:defRPr sz="4400" kern="1200">
+        <a:defRPr sz="4700" kern="1200">
           <a:solidFill>
             <a:schemeClr val="tx1"/>
           </a:solidFill>
@@ -3412,16 +3202,13 @@
       </a:lvl1pPr>
     </p:titleStyle>
     <p:bodyStyle>
-      <a:lvl1pPr marL="228600" indent="-228600" algn="l" defTabSz="914400" rtl="0" eaLnBrk="1" latinLnBrk="1" hangingPunct="1">
-        <a:lnSpc>
-          <a:spcPct val="90000"/>
-        </a:lnSpc>
+      <a:lvl1pPr marL="368148" indent="-368148" algn="l" defTabSz="981730" rtl="0" eaLnBrk="1" latinLnBrk="1" hangingPunct="1">
         <a:spcBef>
-          <a:spcPts val="1000"/>
+          <a:spcPct val="20000"/>
         </a:spcBef>
         <a:buFont typeface="Arial" panose="020B0604020202020204" pitchFamily="34" charset="0"/>
         <a:buChar char="•"/>
-        <a:defRPr sz="2800" kern="1200">
+        <a:defRPr sz="3400" kern="1200">
           <a:solidFill>
             <a:schemeClr val="tx1"/>
           </a:solidFill>
@@ -3430,16 +3217,13 @@
           <a:cs typeface="+mn-cs"/>
         </a:defRPr>
       </a:lvl1pPr>
-      <a:lvl2pPr marL="685800" indent="-228600" algn="l" defTabSz="914400" rtl="0" eaLnBrk="1" latinLnBrk="1" hangingPunct="1">
-        <a:lnSpc>
-          <a:spcPct val="90000"/>
-        </a:lnSpc>
+      <a:lvl2pPr marL="797657" indent="-306791" algn="l" defTabSz="981730" rtl="0" eaLnBrk="1" latinLnBrk="1" hangingPunct="1">
         <a:spcBef>
-          <a:spcPts val="500"/>
+          <a:spcPct val="20000"/>
         </a:spcBef>
         <a:buFont typeface="Arial" panose="020B0604020202020204" pitchFamily="34" charset="0"/>
-        <a:buChar char="•"/>
-        <a:defRPr sz="2400" kern="1200">
+        <a:buChar char="–"/>
+        <a:defRPr sz="3000" kern="1200">
           <a:solidFill>
             <a:schemeClr val="tx1"/>
           </a:solidFill>
@@ -3448,16 +3232,13 @@
           <a:cs typeface="+mn-cs"/>
         </a:defRPr>
       </a:lvl2pPr>
-      <a:lvl3pPr marL="1143000" indent="-228600" algn="l" defTabSz="914400" rtl="0" eaLnBrk="1" latinLnBrk="1" hangingPunct="1">
-        <a:lnSpc>
-          <a:spcPct val="90000"/>
-        </a:lnSpc>
+      <a:lvl3pPr marL="1227163" indent="-245433" algn="l" defTabSz="981730" rtl="0" eaLnBrk="1" latinLnBrk="1" hangingPunct="1">
         <a:spcBef>
-          <a:spcPts val="500"/>
+          <a:spcPct val="20000"/>
         </a:spcBef>
         <a:buFont typeface="Arial" panose="020B0604020202020204" pitchFamily="34" charset="0"/>
         <a:buChar char="•"/>
-        <a:defRPr sz="2000" kern="1200">
+        <a:defRPr sz="2600" kern="1200">
           <a:solidFill>
             <a:schemeClr val="tx1"/>
           </a:solidFill>
@@ -3466,16 +3247,13 @@
           <a:cs typeface="+mn-cs"/>
         </a:defRPr>
       </a:lvl3pPr>
-      <a:lvl4pPr marL="1600200" indent="-228600" algn="l" defTabSz="914400" rtl="0" eaLnBrk="1" latinLnBrk="1" hangingPunct="1">
-        <a:lnSpc>
-          <a:spcPct val="90000"/>
-        </a:lnSpc>
+      <a:lvl4pPr marL="1718028" indent="-245433" algn="l" defTabSz="981730" rtl="0" eaLnBrk="1" latinLnBrk="1" hangingPunct="1">
         <a:spcBef>
-          <a:spcPts val="500"/>
+          <a:spcPct val="20000"/>
         </a:spcBef>
         <a:buFont typeface="Arial" panose="020B0604020202020204" pitchFamily="34" charset="0"/>
-        <a:buChar char="•"/>
-        <a:defRPr sz="1800" kern="1200">
+        <a:buChar char="–"/>
+        <a:defRPr sz="2100" kern="1200">
           <a:solidFill>
             <a:schemeClr val="tx1"/>
           </a:solidFill>
@@ -3484,16 +3262,13 @@
           <a:cs typeface="+mn-cs"/>
         </a:defRPr>
       </a:lvl4pPr>
-      <a:lvl5pPr marL="2057400" indent="-228600" algn="l" defTabSz="914400" rtl="0" eaLnBrk="1" latinLnBrk="1" hangingPunct="1">
-        <a:lnSpc>
-          <a:spcPct val="90000"/>
-        </a:lnSpc>
+      <a:lvl5pPr marL="2208894" indent="-245433" algn="l" defTabSz="981730" rtl="0" eaLnBrk="1" latinLnBrk="1" hangingPunct="1">
         <a:spcBef>
-          <a:spcPts val="500"/>
+          <a:spcPct val="20000"/>
         </a:spcBef>
         <a:buFont typeface="Arial" panose="020B0604020202020204" pitchFamily="34" charset="0"/>
-        <a:buChar char="•"/>
-        <a:defRPr sz="1800" kern="1200">
+        <a:buChar char="»"/>
+        <a:defRPr sz="2100" kern="1200">
           <a:solidFill>
             <a:schemeClr val="tx1"/>
           </a:solidFill>
@@ -3502,16 +3277,13 @@
           <a:cs typeface="+mn-cs"/>
         </a:defRPr>
       </a:lvl5pPr>
-      <a:lvl6pPr marL="2514600" indent="-228600" algn="l" defTabSz="914400" rtl="0" eaLnBrk="1" latinLnBrk="1" hangingPunct="1">
-        <a:lnSpc>
-          <a:spcPct val="90000"/>
-        </a:lnSpc>
+      <a:lvl6pPr marL="2699759" indent="-245433" algn="l" defTabSz="981730" rtl="0" eaLnBrk="1" latinLnBrk="1" hangingPunct="1">
         <a:spcBef>
-          <a:spcPts val="500"/>
+          <a:spcPct val="20000"/>
         </a:spcBef>
         <a:buFont typeface="Arial" panose="020B0604020202020204" pitchFamily="34" charset="0"/>
         <a:buChar char="•"/>
-        <a:defRPr sz="1800" kern="1200">
+        <a:defRPr sz="2100" kern="1200">
           <a:solidFill>
             <a:schemeClr val="tx1"/>
           </a:solidFill>
@@ -3520,16 +3292,13 @@
           <a:cs typeface="+mn-cs"/>
         </a:defRPr>
       </a:lvl6pPr>
-      <a:lvl7pPr marL="2971800" indent="-228600" algn="l" defTabSz="914400" rtl="0" eaLnBrk="1" latinLnBrk="1" hangingPunct="1">
-        <a:lnSpc>
-          <a:spcPct val="90000"/>
-        </a:lnSpc>
+      <a:lvl7pPr marL="3190625" indent="-245433" algn="l" defTabSz="981730" rtl="0" eaLnBrk="1" latinLnBrk="1" hangingPunct="1">
         <a:spcBef>
-          <a:spcPts val="500"/>
+          <a:spcPct val="20000"/>
         </a:spcBef>
         <a:buFont typeface="Arial" panose="020B0604020202020204" pitchFamily="34" charset="0"/>
         <a:buChar char="•"/>
-        <a:defRPr sz="1800" kern="1200">
+        <a:defRPr sz="2100" kern="1200">
           <a:solidFill>
             <a:schemeClr val="tx1"/>
           </a:solidFill>
@@ -3538,16 +3307,13 @@
           <a:cs typeface="+mn-cs"/>
         </a:defRPr>
       </a:lvl7pPr>
-      <a:lvl8pPr marL="3429000" indent="-228600" algn="l" defTabSz="914400" rtl="0" eaLnBrk="1" latinLnBrk="1" hangingPunct="1">
-        <a:lnSpc>
-          <a:spcPct val="90000"/>
-        </a:lnSpc>
+      <a:lvl8pPr marL="3681490" indent="-245433" algn="l" defTabSz="981730" rtl="0" eaLnBrk="1" latinLnBrk="1" hangingPunct="1">
         <a:spcBef>
-          <a:spcPts val="500"/>
+          <a:spcPct val="20000"/>
         </a:spcBef>
         <a:buFont typeface="Arial" panose="020B0604020202020204" pitchFamily="34" charset="0"/>
         <a:buChar char="•"/>
-        <a:defRPr sz="1800" kern="1200">
+        <a:defRPr sz="2100" kern="1200">
           <a:solidFill>
             <a:schemeClr val="tx1"/>
           </a:solidFill>
@@ -3556,16 +3322,13 @@
           <a:cs typeface="+mn-cs"/>
         </a:defRPr>
       </a:lvl8pPr>
-      <a:lvl9pPr marL="3886200" indent="-228600" algn="l" defTabSz="914400" rtl="0" eaLnBrk="1" latinLnBrk="1" hangingPunct="1">
-        <a:lnSpc>
-          <a:spcPct val="90000"/>
-        </a:lnSpc>
+      <a:lvl9pPr marL="4172355" indent="-245433" algn="l" defTabSz="981730" rtl="0" eaLnBrk="1" latinLnBrk="1" hangingPunct="1">
         <a:spcBef>
-          <a:spcPts val="500"/>
+          <a:spcPct val="20000"/>
         </a:spcBef>
         <a:buFont typeface="Arial" panose="020B0604020202020204" pitchFamily="34" charset="0"/>
         <a:buChar char="•"/>
-        <a:defRPr sz="1800" kern="1200">
+        <a:defRPr sz="2100" kern="1200">
           <a:solidFill>
             <a:schemeClr val="tx1"/>
           </a:solidFill>
@@ -3579,8 +3342,8 @@
       <a:defPPr>
         <a:defRPr lang="ko-KR"/>
       </a:defPPr>
-      <a:lvl1pPr marL="0" algn="l" defTabSz="914400" rtl="0" eaLnBrk="1" latinLnBrk="1" hangingPunct="1">
-        <a:defRPr sz="1800" kern="1200">
+      <a:lvl1pPr marL="0" algn="l" defTabSz="981730" rtl="0" eaLnBrk="1" latinLnBrk="1" hangingPunct="1">
+        <a:defRPr sz="1900" kern="1200">
           <a:solidFill>
             <a:schemeClr val="tx1"/>
           </a:solidFill>
@@ -3589,8 +3352,8 @@
           <a:cs typeface="+mn-cs"/>
         </a:defRPr>
       </a:lvl1pPr>
-      <a:lvl2pPr marL="457200" algn="l" defTabSz="914400" rtl="0" eaLnBrk="1" latinLnBrk="1" hangingPunct="1">
-        <a:defRPr sz="1800" kern="1200">
+      <a:lvl2pPr marL="490865" algn="l" defTabSz="981730" rtl="0" eaLnBrk="1" latinLnBrk="1" hangingPunct="1">
+        <a:defRPr sz="1900" kern="1200">
           <a:solidFill>
             <a:schemeClr val="tx1"/>
           </a:solidFill>
@@ -3599,8 +3362,8 @@
           <a:cs typeface="+mn-cs"/>
         </a:defRPr>
       </a:lvl2pPr>
-      <a:lvl3pPr marL="914400" algn="l" defTabSz="914400" rtl="0" eaLnBrk="1" latinLnBrk="1" hangingPunct="1">
-        <a:defRPr sz="1800" kern="1200">
+      <a:lvl3pPr marL="981730" algn="l" defTabSz="981730" rtl="0" eaLnBrk="1" latinLnBrk="1" hangingPunct="1">
+        <a:defRPr sz="1900" kern="1200">
           <a:solidFill>
             <a:schemeClr val="tx1"/>
           </a:solidFill>
@@ -3609,8 +3372,8 @@
           <a:cs typeface="+mn-cs"/>
         </a:defRPr>
       </a:lvl3pPr>
-      <a:lvl4pPr marL="1371600" algn="l" defTabSz="914400" rtl="0" eaLnBrk="1" latinLnBrk="1" hangingPunct="1">
-        <a:defRPr sz="1800" kern="1200">
+      <a:lvl4pPr marL="1472596" algn="l" defTabSz="981730" rtl="0" eaLnBrk="1" latinLnBrk="1" hangingPunct="1">
+        <a:defRPr sz="1900" kern="1200">
           <a:solidFill>
             <a:schemeClr val="tx1"/>
           </a:solidFill>
@@ -3619,8 +3382,8 @@
           <a:cs typeface="+mn-cs"/>
         </a:defRPr>
       </a:lvl4pPr>
-      <a:lvl5pPr marL="1828800" algn="l" defTabSz="914400" rtl="0" eaLnBrk="1" latinLnBrk="1" hangingPunct="1">
-        <a:defRPr sz="1800" kern="1200">
+      <a:lvl5pPr marL="1963460" algn="l" defTabSz="981730" rtl="0" eaLnBrk="1" latinLnBrk="1" hangingPunct="1">
+        <a:defRPr sz="1900" kern="1200">
           <a:solidFill>
             <a:schemeClr val="tx1"/>
           </a:solidFill>
@@ -3629,8 +3392,8 @@
           <a:cs typeface="+mn-cs"/>
         </a:defRPr>
       </a:lvl5pPr>
-      <a:lvl6pPr marL="2286000" algn="l" defTabSz="914400" rtl="0" eaLnBrk="1" latinLnBrk="1" hangingPunct="1">
-        <a:defRPr sz="1800" kern="1200">
+      <a:lvl6pPr marL="2454327" algn="l" defTabSz="981730" rtl="0" eaLnBrk="1" latinLnBrk="1" hangingPunct="1">
+        <a:defRPr sz="1900" kern="1200">
           <a:solidFill>
             <a:schemeClr val="tx1"/>
           </a:solidFill>
@@ -3639,8 +3402,8 @@
           <a:cs typeface="+mn-cs"/>
         </a:defRPr>
       </a:lvl6pPr>
-      <a:lvl7pPr marL="2743200" algn="l" defTabSz="914400" rtl="0" eaLnBrk="1" latinLnBrk="1" hangingPunct="1">
-        <a:defRPr sz="1800" kern="1200">
+      <a:lvl7pPr marL="2945191" algn="l" defTabSz="981730" rtl="0" eaLnBrk="1" latinLnBrk="1" hangingPunct="1">
+        <a:defRPr sz="1900" kern="1200">
           <a:solidFill>
             <a:schemeClr val="tx1"/>
           </a:solidFill>
@@ -3649,8 +3412,8 @@
           <a:cs typeface="+mn-cs"/>
         </a:defRPr>
       </a:lvl7pPr>
-      <a:lvl8pPr marL="3200400" algn="l" defTabSz="914400" rtl="0" eaLnBrk="1" latinLnBrk="1" hangingPunct="1">
-        <a:defRPr sz="1800" kern="1200">
+      <a:lvl8pPr marL="3436058" algn="l" defTabSz="981730" rtl="0" eaLnBrk="1" latinLnBrk="1" hangingPunct="1">
+        <a:defRPr sz="1900" kern="1200">
           <a:solidFill>
             <a:schemeClr val="tx1"/>
           </a:solidFill>
@@ -3659,8 +3422,8 @@
           <a:cs typeface="+mn-cs"/>
         </a:defRPr>
       </a:lvl8pPr>
-      <a:lvl9pPr marL="3657600" algn="l" defTabSz="914400" rtl="0" eaLnBrk="1" latinLnBrk="1" hangingPunct="1">
-        <a:defRPr sz="1800" kern="1200">
+      <a:lvl9pPr marL="3926923" algn="l" defTabSz="981730" rtl="0" eaLnBrk="1" latinLnBrk="1" hangingPunct="1">
+        <a:defRPr sz="1900" kern="1200">
           <a:solidFill>
             <a:schemeClr val="tx1"/>
           </a:solidFill>
@@ -3691,67 +3454,9 @@
           <a:chExt cx="0" cy="0"/>
         </a:xfrm>
       </p:grpSpPr>
-      <p:sp>
-        <p:nvSpPr>
-          <p:cNvPr id="4" name="직사각형">
-            <a:extLst>
-              <a:ext uri="{FF2B5EF4-FFF2-40B4-BE49-F238E27FC236}">
-                <a16:creationId xmlns:a16="http://schemas.microsoft.com/office/drawing/2014/main" id="{E29727B3-DAB0-4A6A-8C1F-B3C1F5A77720}"/>
-              </a:ext>
-            </a:extLst>
-          </p:cNvPr>
-          <p:cNvSpPr/>
-          <p:nvPr/>
-        </p:nvSpPr>
-        <p:spPr>
-          <a:xfrm>
-            <a:off x="0" y="2371767"/>
-            <a:ext cx="12192000" cy="4478138"/>
-          </a:xfrm>
-          <a:prstGeom prst="rect">
-            <a:avLst/>
-          </a:prstGeom>
-          <a:solidFill>
-            <a:srgbClr val="1520FF"/>
-          </a:solidFill>
-          <a:ln>
-            <a:noFill/>
-          </a:ln>
-        </p:spPr>
-        <p:style>
-          <a:lnRef idx="2">
-            <a:schemeClr val="accent1">
-              <a:shade val="50000"/>
-            </a:schemeClr>
-          </a:lnRef>
-          <a:fillRef idx="1">
-            <a:schemeClr val="accent1"/>
-          </a:fillRef>
-          <a:effectRef idx="0">
-            <a:schemeClr val="accent1"/>
-          </a:effectRef>
-          <a:fontRef idx="minor">
-            <a:schemeClr val="lt1"/>
-          </a:fontRef>
-        </p:style>
-        <p:txBody>
-          <a:bodyPr rtlCol="0" anchor="ctr"/>
-          <a:lstStyle/>
-          <a:p>
-            <a:pPr algn="ctr"/>
-            <a:endParaRPr lang="ko-KR" altLang="en-US" dirty="0"/>
-          </a:p>
-        </p:txBody>
-      </p:sp>
       <p:pic>
         <p:nvPicPr>
-          <p:cNvPr id="3" name="logo" descr="2조원 파급 효과 내고도 매 맞은 &amp;#39;인천관광공사&amp;#39; - 위키리크스한국">
-            <a:extLst>
-              <a:ext uri="{FF2B5EF4-FFF2-40B4-BE49-F238E27FC236}">
-                <a16:creationId xmlns:a16="http://schemas.microsoft.com/office/drawing/2014/main" id="{E2D33970-FE8B-4A0A-AD13-6F0D6F5FB73A}"/>
-              </a:ext>
-            </a:extLst>
-          </p:cNvPr>
+          <p:cNvPr id="2050" name="Picture 2"/>
           <p:cNvPicPr>
             <a:picLocks noChangeAspect="1" noChangeArrowheads="1"/>
           </p:cNvPicPr>
@@ -3772,8 +3477,149 @@
         </p:blipFill>
         <p:spPr bwMode="auto">
           <a:xfrm>
-            <a:off x="3238499" y="95880"/>
-            <a:ext cx="5715000" cy="2219325"/>
+            <a:off x="3150" y="-1667"/>
+            <a:ext cx="10701276" cy="1151475"/>
+          </a:xfrm>
+          <a:prstGeom prst="rect">
+            <a:avLst/>
+          </a:prstGeom>
+          <a:noFill/>
+          <a:ln>
+            <a:noFill/>
+          </a:ln>
+          <a:extLst>
+            <a:ext uri="{909E8E84-426E-40DD-AFC4-6F175D3DCCD1}">
+              <a14:hiddenFill xmlns:a14="http://schemas.microsoft.com/office/drawing/2010/main">
+                <a:solidFill>
+                  <a:schemeClr val="accent1"/>
+                </a:solidFill>
+              </a14:hiddenFill>
+            </a:ext>
+            <a:ext uri="{91240B29-F687-4F45-9708-019B960494DF}">
+              <a14:hiddenLine xmlns:a14="http://schemas.microsoft.com/office/drawing/2010/main" w="9525">
+                <a:solidFill>
+                  <a:schemeClr val="tx1"/>
+                </a:solidFill>
+                <a:miter lim="800000"/>
+                <a:headEnd/>
+                <a:tailEnd/>
+              </a14:hiddenLine>
+            </a:ext>
+          </a:extLst>
+        </p:spPr>
+      </p:pic>
+      <p:sp>
+        <p:nvSpPr>
+          <p:cNvPr id="9" name="직사각형 8"/>
+          <p:cNvSpPr/>
+          <p:nvPr/>
+        </p:nvSpPr>
+        <p:spPr>
+          <a:xfrm>
+            <a:off x="3150" y="1149808"/>
+            <a:ext cx="10687100" cy="6398607"/>
+          </a:xfrm>
+          <a:prstGeom prst="rect">
+            <a:avLst/>
+          </a:prstGeom>
+          <a:noFill/>
+          <a:ln w="3175"/>
+        </p:spPr>
+        <p:style>
+          <a:lnRef idx="2">
+            <a:schemeClr val="accent1">
+              <a:shade val="50000"/>
+            </a:schemeClr>
+          </a:lnRef>
+          <a:fillRef idx="1">
+            <a:schemeClr val="accent1"/>
+          </a:fillRef>
+          <a:effectRef idx="0">
+            <a:schemeClr val="accent1"/>
+          </a:effectRef>
+          <a:fontRef idx="minor">
+            <a:schemeClr val="lt1"/>
+          </a:fontRef>
+        </p:style>
+        <p:txBody>
+          <a:bodyPr lIns="98173" tIns="49087" rIns="98173" bIns="49087" rtlCol="0" anchor="ctr"/>
+          <a:lstStyle/>
+          <a:p>
+            <a:pPr algn="ctr"/>
+            <a:endParaRPr lang="ko-KR" altLang="en-US" dirty="0"/>
+          </a:p>
+        </p:txBody>
+      </p:sp>
+      <p:sp>
+        <p:nvSpPr>
+          <p:cNvPr id="19" name="name"/>
+          <p:cNvSpPr txBox="1">
+            <a:spLocks/>
+          </p:cNvSpPr>
+          <p:nvPr/>
+        </p:nvSpPr>
+        <p:spPr>
+          <a:xfrm>
+            <a:off x="3150" y="2729156"/>
+            <a:ext cx="10701276" cy="2910858"/>
+          </a:xfrm>
+          <a:prstGeom prst="rect">
+            <a:avLst/>
+          </a:prstGeom>
+        </p:spPr>
+        <p:txBody>
+          <a:bodyPr vert="horz" lIns="98173" tIns="49087" rIns="98173" bIns="49087" rtlCol="0" anchor="ctr">
+            <a:normAutofit/>
+          </a:bodyPr>
+          <a:lstStyle>
+            <a:lvl1pPr algn="ctr" defTabSz="914400" rtl="0" eaLnBrk="1" latinLnBrk="1" hangingPunct="1">
+              <a:spcBef>
+                <a:spcPct val="0"/>
+              </a:spcBef>
+              <a:buNone/>
+              <a:defRPr sz="4400" kern="1200">
+                <a:solidFill>
+                  <a:schemeClr val="tx1"/>
+                </a:solidFill>
+                <a:latin typeface="+mj-lt"/>
+                <a:ea typeface="+mj-ea"/>
+                <a:cs typeface="+mj-cs"/>
+              </a:defRPr>
+            </a:lvl1pPr>
+          </a:lstStyle>
+          <a:p>
+            <a:r>
+              <a:rPr sz="13300"/>
+              <a:t>소현</a:t>
+            </a:r>
+          </a:p>
+        </p:txBody>
+      </p:sp>
+      <p:pic>
+        <p:nvPicPr>
+          <p:cNvPr id="2052" name="logo" descr="F:\★인천관광공사-디자인자료\★인천시_인천관광공사등-CI,BI\인천관광공사CI\공사CI-국문\인천관광공사-국문(가로).png"/>
+          <p:cNvPicPr>
+            <a:picLocks noChangeAspect="1" noChangeArrowheads="1"/>
+          </p:cNvPicPr>
+          <p:nvPr/>
+        </p:nvPicPr>
+        <p:blipFill>
+          <a:blip r:embed="rId3" cstate="print">
+            <a:extLst>
+              <a:ext uri="{28A0092B-C50C-407E-A947-70E740481C1C}">
+                <a14:useLocalDpi xmlns:a14="http://schemas.microsoft.com/office/drawing/2010/main" val="0"/>
+              </a:ext>
+            </a:extLst>
+          </a:blip>
+          <a:srcRect/>
+          <a:stretch>
+            <a:fillRect/>
+          </a:stretch>
+        </p:blipFill>
+        <p:spPr bwMode="auto">
+          <a:xfrm>
+            <a:off x="231042" y="227295"/>
+            <a:ext cx="1895554" cy="696674"/>
           </a:xfrm>
           <a:prstGeom prst="rect">
             <a:avLst/>
@@ -3792,89 +3638,36 @@
       </p:pic>
       <p:sp>
         <p:nvSpPr>
-          <p:cNvPr id="2" name="name">
+          <p:cNvPr id="7" name="pos">
             <a:extLst>
               <a:ext uri="{FF2B5EF4-FFF2-40B4-BE49-F238E27FC236}">
-                <a16:creationId xmlns:a16="http://schemas.microsoft.com/office/drawing/2014/main" id="{DD276CAC-41EF-4FEB-9E9F-65510454E4A2}"/>
+                <a16:creationId xmlns:a16="http://schemas.microsoft.com/office/drawing/2014/main" id="{B1532AC5-2DF7-4FA0-9A7A-4211F29B9C1B}"/>
               </a:ext>
             </a:extLst>
           </p:cNvPr>
-          <p:cNvSpPr>
-            <a:spLocks noGrp="1"/>
-          </p:cNvSpPr>
-          <p:nvPr>
-            <p:ph type="ctrTitle"/>
-          </p:nvPr>
+          <p:cNvSpPr txBox="1"/>
+          <p:nvPr/>
         </p:nvSpPr>
         <p:spPr>
           <a:xfrm>
-            <a:off x="0" y="4024822"/>
-            <a:ext cx="12191997" cy="2387600"/>
-          </a:xfrm>
-        </p:spPr>
-        <p:txBody>
-          <a:bodyPr anchor="ctr">
-            <a:noAutofit/>
+            <a:off x="3978548" y="377091"/>
+            <a:ext cx="6489598" cy="523220"/>
+          </a:xfrm>
+          <a:prstGeom prst="rect">
+            <a:avLst/>
+          </a:prstGeom>
+          <a:noFill/>
+        </p:spPr>
+        <p:txBody>
+          <a:bodyPr wrap="square" rtlCol="0">
+            <a:spAutoFit/>
           </a:bodyPr>
           <a:lstStyle/>
           <a:p>
-            <a:r>
-              <a:rPr sz="16800"/>
-              <a:t/>
-            </a:r>
-          </a:p>
-        </p:txBody>
-      </p:sp>
-      <p:sp>
-        <p:nvSpPr>
-          <p:cNvPr id="8" name="pos">
-            <a:extLst>
-              <a:ext uri="{FF2B5EF4-FFF2-40B4-BE49-F238E27FC236}">
-                <a16:creationId xmlns:a16="http://schemas.microsoft.com/office/drawing/2014/main" id="{631BD788-4196-42D9-AA81-6AD559485306}"/>
-              </a:ext>
-            </a:extLst>
-          </p:cNvPr>
-          <p:cNvSpPr txBox="1">
-            <a:spLocks/>
-          </p:cNvSpPr>
-          <p:nvPr/>
-        </p:nvSpPr>
-        <p:spPr>
-          <a:xfrm>
-            <a:off x="0" y="2776616"/>
-            <a:ext cx="12191998" cy="1057153"/>
-          </a:xfrm>
-          <a:prstGeom prst="rect">
-            <a:avLst/>
-          </a:prstGeom>
-        </p:spPr>
-        <p:txBody>
-          <a:bodyPr vert="horz" lIns="91440" tIns="45720" rIns="91440" bIns="45720" rtlCol="0" anchor="ctr">
-            <a:noAutofit/>
-          </a:bodyPr>
-          <a:lstStyle>
-            <a:lvl1pPr algn="ctr" defTabSz="914400" rtl="0" eaLnBrk="1" latinLnBrk="1" hangingPunct="1">
-              <a:lnSpc>
-                <a:spcPct val="90000"/>
-              </a:lnSpc>
-              <a:spcBef>
-                <a:spcPct val="0"/>
-              </a:spcBef>
-              <a:buNone/>
-              <a:defRPr sz="6000" kern="1200">
-                <a:solidFill>
-                  <a:schemeClr val="tx1"/>
-                </a:solidFill>
-                <a:latin typeface="+mj-lt"/>
-                <a:ea typeface="+mj-ea"/>
-                <a:cs typeface="+mj-cs"/>
-              </a:defRPr>
-            </a:lvl1pPr>
-          </a:lstStyle>
-          <a:p>
-            <a:r>
-              <a:rPr sz="5000"/>
-              <a:t/>
+            <a:pPr algn="ctr"/>
+            <a:r>
+              <a:rPr sz="2800"/>
+              <a:t>123123</a:t>
             </a:r>
           </a:p>
         </p:txBody>
@@ -3882,7 +3675,7 @@
     </p:spTree>
     <p:extLst>
       <p:ext uri="{BB962C8B-B14F-4D97-AF65-F5344CB8AC3E}">
-        <p14:creationId xmlns:p14="http://schemas.microsoft.com/office/powerpoint/2010/main" val="1142651298"/>
+        <p14:creationId xmlns:p14="http://schemas.microsoft.com/office/powerpoint/2010/main" val="3507663579"/>
       </p:ext>
     </p:extLst>
   </p:cSld>
@@ -3909,67 +3702,9 @@
           <a:chExt cx="0" cy="0"/>
         </a:xfrm>
       </p:grpSpPr>
-      <p:sp>
-        <p:nvSpPr>
-          <p:cNvPr id="4" name="직사각형">
-            <a:extLst>
-              <a:ext uri="{FF2B5EF4-FFF2-40B4-BE49-F238E27FC236}">
-                <a16:creationId xmlns:a16="http://schemas.microsoft.com/office/drawing/2014/main" id="{E29727B3-DAB0-4A6A-8C1F-B3C1F5A77720}"/>
-              </a:ext>
-            </a:extLst>
-          </p:cNvPr>
-          <p:cNvSpPr/>
-          <p:nvPr/>
-        </p:nvSpPr>
-        <p:spPr>
-          <a:xfrm>
-            <a:off x="0" y="2371767"/>
-            <a:ext cx="12192000" cy="4478138"/>
-          </a:xfrm>
-          <a:prstGeom prst="rect">
-            <a:avLst/>
-          </a:prstGeom>
-          <a:solidFill>
-            <a:srgbClr val="1520FF"/>
-          </a:solidFill>
-          <a:ln>
-            <a:noFill/>
-          </a:ln>
-        </p:spPr>
-        <p:style>
-          <a:lnRef idx="2">
-            <a:schemeClr val="accent1">
-              <a:shade val="50000"/>
-            </a:schemeClr>
-          </a:lnRef>
-          <a:fillRef idx="1">
-            <a:schemeClr val="accent1"/>
-          </a:fillRef>
-          <a:effectRef idx="0">
-            <a:schemeClr val="accent1"/>
-          </a:effectRef>
-          <a:fontRef idx="minor">
-            <a:schemeClr val="lt1"/>
-          </a:fontRef>
-        </p:style>
-        <p:txBody>
-          <a:bodyPr rtlCol="0" anchor="ctr"/>
-          <a:lstStyle/>
-          <a:p>
-            <a:pPr algn="ctr"/>
-            <a:endParaRPr lang="ko-KR" altLang="en-US" dirty="0"/>
-          </a:p>
-        </p:txBody>
-      </p:sp>
       <p:pic>
         <p:nvPicPr>
-          <p:cNvPr id="3" name="logo" descr="2조원 파급 효과 내고도 매 맞은 &amp;#39;인천관광공사&amp;#39; - 위키리크스한국">
-            <a:extLst>
-              <a:ext uri="{FF2B5EF4-FFF2-40B4-BE49-F238E27FC236}">
-                <a16:creationId xmlns:a16="http://schemas.microsoft.com/office/drawing/2014/main" id="{E2D33970-FE8B-4A0A-AD13-6F0D6F5FB73A}"/>
-              </a:ext>
-            </a:extLst>
-          </p:cNvPr>
+          <p:cNvPr id="2050" name="Picture 2"/>
           <p:cNvPicPr>
             <a:picLocks noChangeAspect="1" noChangeArrowheads="1"/>
           </p:cNvPicPr>
@@ -3990,8 +3725,149 @@
         </p:blipFill>
         <p:spPr bwMode="auto">
           <a:xfrm>
-            <a:off x="3238499" y="95880"/>
-            <a:ext cx="5715000" cy="2219325"/>
+            <a:off x="3150" y="-1667"/>
+            <a:ext cx="10701276" cy="1151475"/>
+          </a:xfrm>
+          <a:prstGeom prst="rect">
+            <a:avLst/>
+          </a:prstGeom>
+          <a:noFill/>
+          <a:ln>
+            <a:noFill/>
+          </a:ln>
+          <a:extLst>
+            <a:ext uri="{909E8E84-426E-40DD-AFC4-6F175D3DCCD1}">
+              <a14:hiddenFill xmlns:a14="http://schemas.microsoft.com/office/drawing/2010/main">
+                <a:solidFill>
+                  <a:schemeClr val="accent1"/>
+                </a:solidFill>
+              </a14:hiddenFill>
+            </a:ext>
+            <a:ext uri="{91240B29-F687-4F45-9708-019B960494DF}">
+              <a14:hiddenLine xmlns:a14="http://schemas.microsoft.com/office/drawing/2010/main" w="9525">
+                <a:solidFill>
+                  <a:schemeClr val="tx1"/>
+                </a:solidFill>
+                <a:miter lim="800000"/>
+                <a:headEnd/>
+                <a:tailEnd/>
+              </a14:hiddenLine>
+            </a:ext>
+          </a:extLst>
+        </p:spPr>
+      </p:pic>
+      <p:sp>
+        <p:nvSpPr>
+          <p:cNvPr id="9" name="직사각형 8"/>
+          <p:cNvSpPr/>
+          <p:nvPr/>
+        </p:nvSpPr>
+        <p:spPr>
+          <a:xfrm>
+            <a:off x="3150" y="1149808"/>
+            <a:ext cx="10687100" cy="6398607"/>
+          </a:xfrm>
+          <a:prstGeom prst="rect">
+            <a:avLst/>
+          </a:prstGeom>
+          <a:noFill/>
+          <a:ln w="3175"/>
+        </p:spPr>
+        <p:style>
+          <a:lnRef idx="2">
+            <a:schemeClr val="accent1">
+              <a:shade val="50000"/>
+            </a:schemeClr>
+          </a:lnRef>
+          <a:fillRef idx="1">
+            <a:schemeClr val="accent1"/>
+          </a:fillRef>
+          <a:effectRef idx="0">
+            <a:schemeClr val="accent1"/>
+          </a:effectRef>
+          <a:fontRef idx="minor">
+            <a:schemeClr val="lt1"/>
+          </a:fontRef>
+        </p:style>
+        <p:txBody>
+          <a:bodyPr lIns="98173" tIns="49087" rIns="98173" bIns="49087" rtlCol="0" anchor="ctr"/>
+          <a:lstStyle/>
+          <a:p>
+            <a:pPr algn="ctr"/>
+            <a:endParaRPr lang="ko-KR" altLang="en-US" dirty="0"/>
+          </a:p>
+        </p:txBody>
+      </p:sp>
+      <p:sp>
+        <p:nvSpPr>
+          <p:cNvPr id="19" name="name"/>
+          <p:cNvSpPr txBox="1">
+            <a:spLocks/>
+          </p:cNvSpPr>
+          <p:nvPr/>
+        </p:nvSpPr>
+        <p:spPr>
+          <a:xfrm>
+            <a:off x="3150" y="2729156"/>
+            <a:ext cx="10701276" cy="2910858"/>
+          </a:xfrm>
+          <a:prstGeom prst="rect">
+            <a:avLst/>
+          </a:prstGeom>
+        </p:spPr>
+        <p:txBody>
+          <a:bodyPr vert="horz" lIns="98173" tIns="49087" rIns="98173" bIns="49087" rtlCol="0" anchor="ctr">
+            <a:normAutofit/>
+          </a:bodyPr>
+          <a:lstStyle>
+            <a:lvl1pPr algn="ctr" defTabSz="914400" rtl="0" eaLnBrk="1" latinLnBrk="1" hangingPunct="1">
+              <a:spcBef>
+                <a:spcPct val="0"/>
+              </a:spcBef>
+              <a:buNone/>
+              <a:defRPr sz="4400" kern="1200">
+                <a:solidFill>
+                  <a:schemeClr val="tx1"/>
+                </a:solidFill>
+                <a:latin typeface="+mj-lt"/>
+                <a:ea typeface="+mj-ea"/>
+                <a:cs typeface="+mj-cs"/>
+              </a:defRPr>
+            </a:lvl1pPr>
+          </a:lstStyle>
+          <a:p>
+            <a:r>
+              <a:rPr sz="13300"/>
+              <a:t/>
+            </a:r>
+          </a:p>
+        </p:txBody>
+      </p:sp>
+      <p:pic>
+        <p:nvPicPr>
+          <p:cNvPr id="2052" name="logo" descr="F:\★인천관광공사-디자인자료\★인천시_인천관광공사등-CI,BI\인천관광공사CI\공사CI-국문\인천관광공사-국문(가로).png"/>
+          <p:cNvPicPr>
+            <a:picLocks noChangeAspect="1" noChangeArrowheads="1"/>
+          </p:cNvPicPr>
+          <p:nvPr/>
+        </p:nvPicPr>
+        <p:blipFill>
+          <a:blip r:embed="rId3" cstate="print">
+            <a:extLst>
+              <a:ext uri="{28A0092B-C50C-407E-A947-70E740481C1C}">
+                <a14:useLocalDpi xmlns:a14="http://schemas.microsoft.com/office/drawing/2010/main" val="0"/>
+              </a:ext>
+            </a:extLst>
+          </a:blip>
+          <a:srcRect/>
+          <a:stretch>
+            <a:fillRect/>
+          </a:stretch>
+        </p:blipFill>
+        <p:spPr bwMode="auto">
+          <a:xfrm>
+            <a:off x="231042" y="227295"/>
+            <a:ext cx="1895554" cy="696674"/>
           </a:xfrm>
           <a:prstGeom prst="rect">
             <a:avLst/>
@@ -4010,88 +3886,35 @@
       </p:pic>
       <p:sp>
         <p:nvSpPr>
-          <p:cNvPr id="2" name="name">
+          <p:cNvPr id="7" name="pos">
             <a:extLst>
               <a:ext uri="{FF2B5EF4-FFF2-40B4-BE49-F238E27FC236}">
-                <a16:creationId xmlns:a16="http://schemas.microsoft.com/office/drawing/2014/main" id="{DD276CAC-41EF-4FEB-9E9F-65510454E4A2}"/>
+                <a16:creationId xmlns:a16="http://schemas.microsoft.com/office/drawing/2014/main" id="{B1532AC5-2DF7-4FA0-9A7A-4211F29B9C1B}"/>
               </a:ext>
             </a:extLst>
           </p:cNvPr>
-          <p:cNvSpPr>
-            <a:spLocks noGrp="1"/>
-          </p:cNvSpPr>
-          <p:nvPr>
-            <p:ph type="ctrTitle"/>
-          </p:nvPr>
+          <p:cNvSpPr txBox="1"/>
+          <p:nvPr/>
         </p:nvSpPr>
         <p:spPr>
           <a:xfrm>
-            <a:off x="0" y="4024822"/>
-            <a:ext cx="12191997" cy="2387600"/>
-          </a:xfrm>
-        </p:spPr>
-        <p:txBody>
-          <a:bodyPr anchor="ctr">
-            <a:noAutofit/>
+            <a:off x="3978548" y="377091"/>
+            <a:ext cx="6489598" cy="523220"/>
+          </a:xfrm>
+          <a:prstGeom prst="rect">
+            <a:avLst/>
+          </a:prstGeom>
+          <a:noFill/>
+        </p:spPr>
+        <p:txBody>
+          <a:bodyPr wrap="square" rtlCol="0">
+            <a:spAutoFit/>
           </a:bodyPr>
           <a:lstStyle/>
           <a:p>
-            <a:r>
-              <a:rPr sz="16800"/>
-              <a:t/>
-            </a:r>
-          </a:p>
-        </p:txBody>
-      </p:sp>
-      <p:sp>
-        <p:nvSpPr>
-          <p:cNvPr id="8" name="pos">
-            <a:extLst>
-              <a:ext uri="{FF2B5EF4-FFF2-40B4-BE49-F238E27FC236}">
-                <a16:creationId xmlns:a16="http://schemas.microsoft.com/office/drawing/2014/main" id="{631BD788-4196-42D9-AA81-6AD559485306}"/>
-              </a:ext>
-            </a:extLst>
-          </p:cNvPr>
-          <p:cNvSpPr txBox="1">
-            <a:spLocks/>
-          </p:cNvSpPr>
-          <p:nvPr/>
-        </p:nvSpPr>
-        <p:spPr>
-          <a:xfrm>
-            <a:off x="0" y="2776616"/>
-            <a:ext cx="12191998" cy="1057153"/>
-          </a:xfrm>
-          <a:prstGeom prst="rect">
-            <a:avLst/>
-          </a:prstGeom>
-        </p:spPr>
-        <p:txBody>
-          <a:bodyPr vert="horz" lIns="91440" tIns="45720" rIns="91440" bIns="45720" rtlCol="0" anchor="ctr">
-            <a:noAutofit/>
-          </a:bodyPr>
-          <a:lstStyle>
-            <a:lvl1pPr algn="ctr" defTabSz="914400" rtl="0" eaLnBrk="1" latinLnBrk="1" hangingPunct="1">
-              <a:lnSpc>
-                <a:spcPct val="90000"/>
-              </a:lnSpc>
-              <a:spcBef>
-                <a:spcPct val="0"/>
-              </a:spcBef>
-              <a:buNone/>
-              <a:defRPr sz="6000" kern="1200">
-                <a:solidFill>
-                  <a:schemeClr val="tx1"/>
-                </a:solidFill>
-                <a:latin typeface="+mj-lt"/>
-                <a:ea typeface="+mj-ea"/>
-                <a:cs typeface="+mj-cs"/>
-              </a:defRPr>
-            </a:lvl1pPr>
-          </a:lstStyle>
-          <a:p>
-            <a:r>
-              <a:rPr sz="5000"/>
+            <a:pPr algn="ctr"/>
+            <a:r>
+              <a:rPr sz="2800"/>
               <a:t/>
             </a:r>
           </a:p>
@@ -4100,7 +3923,7 @@
     </p:spTree>
     <p:extLst>
       <p:ext uri="{BB962C8B-B14F-4D97-AF65-F5344CB8AC3E}">
-        <p14:creationId xmlns:p14="http://schemas.microsoft.com/office/powerpoint/2010/main" val="1884241942"/>
+        <p14:creationId xmlns:p14="http://schemas.microsoft.com/office/powerpoint/2010/main" val="12143711"/>
       </p:ext>
     </p:extLst>
   </p:cSld>
@@ -4127,67 +3950,9 @@
           <a:chExt cx="0" cy="0"/>
         </a:xfrm>
       </p:grpSpPr>
-      <p:sp>
-        <p:nvSpPr>
-          <p:cNvPr id="4" name="직사각형">
-            <a:extLst>
-              <a:ext uri="{FF2B5EF4-FFF2-40B4-BE49-F238E27FC236}">
-                <a16:creationId xmlns:a16="http://schemas.microsoft.com/office/drawing/2014/main" id="{E29727B3-DAB0-4A6A-8C1F-B3C1F5A77720}"/>
-              </a:ext>
-            </a:extLst>
-          </p:cNvPr>
-          <p:cNvSpPr/>
-          <p:nvPr/>
-        </p:nvSpPr>
-        <p:spPr>
-          <a:xfrm>
-            <a:off x="0" y="2371767"/>
-            <a:ext cx="12192000" cy="4478138"/>
-          </a:xfrm>
-          <a:prstGeom prst="rect">
-            <a:avLst/>
-          </a:prstGeom>
-          <a:solidFill>
-            <a:srgbClr val="1520FF"/>
-          </a:solidFill>
-          <a:ln>
-            <a:noFill/>
-          </a:ln>
-        </p:spPr>
-        <p:style>
-          <a:lnRef idx="2">
-            <a:schemeClr val="accent1">
-              <a:shade val="50000"/>
-            </a:schemeClr>
-          </a:lnRef>
-          <a:fillRef idx="1">
-            <a:schemeClr val="accent1"/>
-          </a:fillRef>
-          <a:effectRef idx="0">
-            <a:schemeClr val="accent1"/>
-          </a:effectRef>
-          <a:fontRef idx="minor">
-            <a:schemeClr val="lt1"/>
-          </a:fontRef>
-        </p:style>
-        <p:txBody>
-          <a:bodyPr rtlCol="0" anchor="ctr"/>
-          <a:lstStyle/>
-          <a:p>
-            <a:pPr algn="ctr"/>
-            <a:endParaRPr lang="ko-KR" altLang="en-US" dirty="0"/>
-          </a:p>
-        </p:txBody>
-      </p:sp>
       <p:pic>
         <p:nvPicPr>
-          <p:cNvPr id="3" name="logo" descr="2조원 파급 효과 내고도 매 맞은 &amp;#39;인천관광공사&amp;#39; - 위키리크스한국">
-            <a:extLst>
-              <a:ext uri="{FF2B5EF4-FFF2-40B4-BE49-F238E27FC236}">
-                <a16:creationId xmlns:a16="http://schemas.microsoft.com/office/drawing/2014/main" id="{E2D33970-FE8B-4A0A-AD13-6F0D6F5FB73A}"/>
-              </a:ext>
-            </a:extLst>
-          </p:cNvPr>
+          <p:cNvPr id="2050" name="Picture 2"/>
           <p:cNvPicPr>
             <a:picLocks noChangeAspect="1" noChangeArrowheads="1"/>
           </p:cNvPicPr>
@@ -4208,8 +3973,149 @@
         </p:blipFill>
         <p:spPr bwMode="auto">
           <a:xfrm>
-            <a:off x="3238499" y="95880"/>
-            <a:ext cx="5715000" cy="2219325"/>
+            <a:off x="3150" y="-1667"/>
+            <a:ext cx="10701276" cy="1151475"/>
+          </a:xfrm>
+          <a:prstGeom prst="rect">
+            <a:avLst/>
+          </a:prstGeom>
+          <a:noFill/>
+          <a:ln>
+            <a:noFill/>
+          </a:ln>
+          <a:extLst>
+            <a:ext uri="{909E8E84-426E-40DD-AFC4-6F175D3DCCD1}">
+              <a14:hiddenFill xmlns:a14="http://schemas.microsoft.com/office/drawing/2010/main">
+                <a:solidFill>
+                  <a:schemeClr val="accent1"/>
+                </a:solidFill>
+              </a14:hiddenFill>
+            </a:ext>
+            <a:ext uri="{91240B29-F687-4F45-9708-019B960494DF}">
+              <a14:hiddenLine xmlns:a14="http://schemas.microsoft.com/office/drawing/2010/main" w="9525">
+                <a:solidFill>
+                  <a:schemeClr val="tx1"/>
+                </a:solidFill>
+                <a:miter lim="800000"/>
+                <a:headEnd/>
+                <a:tailEnd/>
+              </a14:hiddenLine>
+            </a:ext>
+          </a:extLst>
+        </p:spPr>
+      </p:pic>
+      <p:sp>
+        <p:nvSpPr>
+          <p:cNvPr id="9" name="직사각형 8"/>
+          <p:cNvSpPr/>
+          <p:nvPr/>
+        </p:nvSpPr>
+        <p:spPr>
+          <a:xfrm>
+            <a:off x="3150" y="1149808"/>
+            <a:ext cx="10687100" cy="6398607"/>
+          </a:xfrm>
+          <a:prstGeom prst="rect">
+            <a:avLst/>
+          </a:prstGeom>
+          <a:noFill/>
+          <a:ln w="3175"/>
+        </p:spPr>
+        <p:style>
+          <a:lnRef idx="2">
+            <a:schemeClr val="accent1">
+              <a:shade val="50000"/>
+            </a:schemeClr>
+          </a:lnRef>
+          <a:fillRef idx="1">
+            <a:schemeClr val="accent1"/>
+          </a:fillRef>
+          <a:effectRef idx="0">
+            <a:schemeClr val="accent1"/>
+          </a:effectRef>
+          <a:fontRef idx="minor">
+            <a:schemeClr val="lt1"/>
+          </a:fontRef>
+        </p:style>
+        <p:txBody>
+          <a:bodyPr lIns="98173" tIns="49087" rIns="98173" bIns="49087" rtlCol="0" anchor="ctr"/>
+          <a:lstStyle/>
+          <a:p>
+            <a:pPr algn="ctr"/>
+            <a:endParaRPr lang="ko-KR" altLang="en-US" dirty="0"/>
+          </a:p>
+        </p:txBody>
+      </p:sp>
+      <p:sp>
+        <p:nvSpPr>
+          <p:cNvPr id="19" name="name"/>
+          <p:cNvSpPr txBox="1">
+            <a:spLocks/>
+          </p:cNvSpPr>
+          <p:nvPr/>
+        </p:nvSpPr>
+        <p:spPr>
+          <a:xfrm>
+            <a:off x="3150" y="2729156"/>
+            <a:ext cx="10701276" cy="2910858"/>
+          </a:xfrm>
+          <a:prstGeom prst="rect">
+            <a:avLst/>
+          </a:prstGeom>
+        </p:spPr>
+        <p:txBody>
+          <a:bodyPr vert="horz" lIns="98173" tIns="49087" rIns="98173" bIns="49087" rtlCol="0" anchor="ctr">
+            <a:normAutofit/>
+          </a:bodyPr>
+          <a:lstStyle>
+            <a:lvl1pPr algn="ctr" defTabSz="914400" rtl="0" eaLnBrk="1" latinLnBrk="1" hangingPunct="1">
+              <a:spcBef>
+                <a:spcPct val="0"/>
+              </a:spcBef>
+              <a:buNone/>
+              <a:defRPr sz="4400" kern="1200">
+                <a:solidFill>
+                  <a:schemeClr val="tx1"/>
+                </a:solidFill>
+                <a:latin typeface="+mj-lt"/>
+                <a:ea typeface="+mj-ea"/>
+                <a:cs typeface="+mj-cs"/>
+              </a:defRPr>
+            </a:lvl1pPr>
+          </a:lstStyle>
+          <a:p>
+            <a:r>
+              <a:rPr sz="13300"/>
+              <a:t/>
+            </a:r>
+          </a:p>
+        </p:txBody>
+      </p:sp>
+      <p:pic>
+        <p:nvPicPr>
+          <p:cNvPr id="2052" name="logo" descr="F:\★인천관광공사-디자인자료\★인천시_인천관광공사등-CI,BI\인천관광공사CI\공사CI-국문\인천관광공사-국문(가로).png"/>
+          <p:cNvPicPr>
+            <a:picLocks noChangeAspect="1" noChangeArrowheads="1"/>
+          </p:cNvPicPr>
+          <p:nvPr/>
+        </p:nvPicPr>
+        <p:blipFill>
+          <a:blip r:embed="rId3" cstate="print">
+            <a:extLst>
+              <a:ext uri="{28A0092B-C50C-407E-A947-70E740481C1C}">
+                <a14:useLocalDpi xmlns:a14="http://schemas.microsoft.com/office/drawing/2010/main" val="0"/>
+              </a:ext>
+            </a:extLst>
+          </a:blip>
+          <a:srcRect/>
+          <a:stretch>
+            <a:fillRect/>
+          </a:stretch>
+        </p:blipFill>
+        <p:spPr bwMode="auto">
+          <a:xfrm>
+            <a:off x="231042" y="227295"/>
+            <a:ext cx="1895554" cy="696674"/>
           </a:xfrm>
           <a:prstGeom prst="rect">
             <a:avLst/>
@@ -4228,88 +4134,35 @@
       </p:pic>
       <p:sp>
         <p:nvSpPr>
-          <p:cNvPr id="2" name="name">
+          <p:cNvPr id="7" name="pos">
             <a:extLst>
               <a:ext uri="{FF2B5EF4-FFF2-40B4-BE49-F238E27FC236}">
-                <a16:creationId xmlns:a16="http://schemas.microsoft.com/office/drawing/2014/main" id="{DD276CAC-41EF-4FEB-9E9F-65510454E4A2}"/>
+                <a16:creationId xmlns:a16="http://schemas.microsoft.com/office/drawing/2014/main" id="{B1532AC5-2DF7-4FA0-9A7A-4211F29B9C1B}"/>
               </a:ext>
             </a:extLst>
           </p:cNvPr>
-          <p:cNvSpPr>
-            <a:spLocks noGrp="1"/>
-          </p:cNvSpPr>
-          <p:nvPr>
-            <p:ph type="ctrTitle"/>
-          </p:nvPr>
+          <p:cNvSpPr txBox="1"/>
+          <p:nvPr/>
         </p:nvSpPr>
         <p:spPr>
           <a:xfrm>
-            <a:off x="0" y="4024822"/>
-            <a:ext cx="12191997" cy="2387600"/>
-          </a:xfrm>
-        </p:spPr>
-        <p:txBody>
-          <a:bodyPr anchor="ctr">
-            <a:noAutofit/>
+            <a:off x="3978548" y="377091"/>
+            <a:ext cx="6489598" cy="523220"/>
+          </a:xfrm>
+          <a:prstGeom prst="rect">
+            <a:avLst/>
+          </a:prstGeom>
+          <a:noFill/>
+        </p:spPr>
+        <p:txBody>
+          <a:bodyPr wrap="square" rtlCol="0">
+            <a:spAutoFit/>
           </a:bodyPr>
           <a:lstStyle/>
           <a:p>
-            <a:r>
-              <a:rPr sz="16800"/>
-              <a:t/>
-            </a:r>
-          </a:p>
-        </p:txBody>
-      </p:sp>
-      <p:sp>
-        <p:nvSpPr>
-          <p:cNvPr id="8" name="pos">
-            <a:extLst>
-              <a:ext uri="{FF2B5EF4-FFF2-40B4-BE49-F238E27FC236}">
-                <a16:creationId xmlns:a16="http://schemas.microsoft.com/office/drawing/2014/main" id="{631BD788-4196-42D9-AA81-6AD559485306}"/>
-              </a:ext>
-            </a:extLst>
-          </p:cNvPr>
-          <p:cNvSpPr txBox="1">
-            <a:spLocks/>
-          </p:cNvSpPr>
-          <p:nvPr/>
-        </p:nvSpPr>
-        <p:spPr>
-          <a:xfrm>
-            <a:off x="0" y="2776616"/>
-            <a:ext cx="12191998" cy="1057153"/>
-          </a:xfrm>
-          <a:prstGeom prst="rect">
-            <a:avLst/>
-          </a:prstGeom>
-        </p:spPr>
-        <p:txBody>
-          <a:bodyPr vert="horz" lIns="91440" tIns="45720" rIns="91440" bIns="45720" rtlCol="0" anchor="ctr">
-            <a:noAutofit/>
-          </a:bodyPr>
-          <a:lstStyle>
-            <a:lvl1pPr algn="ctr" defTabSz="914400" rtl="0" eaLnBrk="1" latinLnBrk="1" hangingPunct="1">
-              <a:lnSpc>
-                <a:spcPct val="90000"/>
-              </a:lnSpc>
-              <a:spcBef>
-                <a:spcPct val="0"/>
-              </a:spcBef>
-              <a:buNone/>
-              <a:defRPr sz="6000" kern="1200">
-                <a:solidFill>
-                  <a:schemeClr val="tx1"/>
-                </a:solidFill>
-                <a:latin typeface="+mj-lt"/>
-                <a:ea typeface="+mj-ea"/>
-                <a:cs typeface="+mj-cs"/>
-              </a:defRPr>
-            </a:lvl1pPr>
-          </a:lstStyle>
-          <a:p>
-            <a:r>
-              <a:rPr sz="5000"/>
+            <a:pPr algn="ctr"/>
+            <a:r>
+              <a:rPr sz="2800"/>
               <a:t/>
             </a:r>
           </a:p>
@@ -4318,7 +4171,7 @@
     </p:spTree>
     <p:extLst>
       <p:ext uri="{BB962C8B-B14F-4D97-AF65-F5344CB8AC3E}">
-        <p14:creationId xmlns:p14="http://schemas.microsoft.com/office/powerpoint/2010/main" val="3065046218"/>
+        <p14:creationId xmlns:p14="http://schemas.microsoft.com/office/powerpoint/2010/main" val="4263602761"/>
       </p:ext>
     </p:extLst>
   </p:cSld>
@@ -4345,67 +4198,9 @@
           <a:chExt cx="0" cy="0"/>
         </a:xfrm>
       </p:grpSpPr>
-      <p:sp>
-        <p:nvSpPr>
-          <p:cNvPr id="4" name="직사각형">
-            <a:extLst>
-              <a:ext uri="{FF2B5EF4-FFF2-40B4-BE49-F238E27FC236}">
-                <a16:creationId xmlns:a16="http://schemas.microsoft.com/office/drawing/2014/main" id="{E29727B3-DAB0-4A6A-8C1F-B3C1F5A77720}"/>
-              </a:ext>
-            </a:extLst>
-          </p:cNvPr>
-          <p:cNvSpPr/>
-          <p:nvPr/>
-        </p:nvSpPr>
-        <p:spPr>
-          <a:xfrm>
-            <a:off x="0" y="2371767"/>
-            <a:ext cx="12192000" cy="4478138"/>
-          </a:xfrm>
-          <a:prstGeom prst="rect">
-            <a:avLst/>
-          </a:prstGeom>
-          <a:solidFill>
-            <a:srgbClr val="1520FF"/>
-          </a:solidFill>
-          <a:ln>
-            <a:noFill/>
-          </a:ln>
-        </p:spPr>
-        <p:style>
-          <a:lnRef idx="2">
-            <a:schemeClr val="accent1">
-              <a:shade val="50000"/>
-            </a:schemeClr>
-          </a:lnRef>
-          <a:fillRef idx="1">
-            <a:schemeClr val="accent1"/>
-          </a:fillRef>
-          <a:effectRef idx="0">
-            <a:schemeClr val="accent1"/>
-          </a:effectRef>
-          <a:fontRef idx="minor">
-            <a:schemeClr val="lt1"/>
-          </a:fontRef>
-        </p:style>
-        <p:txBody>
-          <a:bodyPr rtlCol="0" anchor="ctr"/>
-          <a:lstStyle/>
-          <a:p>
-            <a:pPr algn="ctr"/>
-            <a:endParaRPr lang="ko-KR" altLang="en-US" dirty="0"/>
-          </a:p>
-        </p:txBody>
-      </p:sp>
       <p:pic>
         <p:nvPicPr>
-          <p:cNvPr id="3" name="logo" descr="2조원 파급 효과 내고도 매 맞은 &amp;#39;인천관광공사&amp;#39; - 위키리크스한국">
-            <a:extLst>
-              <a:ext uri="{FF2B5EF4-FFF2-40B4-BE49-F238E27FC236}">
-                <a16:creationId xmlns:a16="http://schemas.microsoft.com/office/drawing/2014/main" id="{E2D33970-FE8B-4A0A-AD13-6F0D6F5FB73A}"/>
-              </a:ext>
-            </a:extLst>
-          </p:cNvPr>
+          <p:cNvPr id="2050" name="Picture 2"/>
           <p:cNvPicPr>
             <a:picLocks noChangeAspect="1" noChangeArrowheads="1"/>
           </p:cNvPicPr>
@@ -4426,8 +4221,149 @@
         </p:blipFill>
         <p:spPr bwMode="auto">
           <a:xfrm>
-            <a:off x="3238499" y="95880"/>
-            <a:ext cx="5715000" cy="2219325"/>
+            <a:off x="3150" y="-1667"/>
+            <a:ext cx="10701276" cy="1151475"/>
+          </a:xfrm>
+          <a:prstGeom prst="rect">
+            <a:avLst/>
+          </a:prstGeom>
+          <a:noFill/>
+          <a:ln>
+            <a:noFill/>
+          </a:ln>
+          <a:extLst>
+            <a:ext uri="{909E8E84-426E-40DD-AFC4-6F175D3DCCD1}">
+              <a14:hiddenFill xmlns:a14="http://schemas.microsoft.com/office/drawing/2010/main">
+                <a:solidFill>
+                  <a:schemeClr val="accent1"/>
+                </a:solidFill>
+              </a14:hiddenFill>
+            </a:ext>
+            <a:ext uri="{91240B29-F687-4F45-9708-019B960494DF}">
+              <a14:hiddenLine xmlns:a14="http://schemas.microsoft.com/office/drawing/2010/main" w="9525">
+                <a:solidFill>
+                  <a:schemeClr val="tx1"/>
+                </a:solidFill>
+                <a:miter lim="800000"/>
+                <a:headEnd/>
+                <a:tailEnd/>
+              </a14:hiddenLine>
+            </a:ext>
+          </a:extLst>
+        </p:spPr>
+      </p:pic>
+      <p:sp>
+        <p:nvSpPr>
+          <p:cNvPr id="9" name="직사각형 8"/>
+          <p:cNvSpPr/>
+          <p:nvPr/>
+        </p:nvSpPr>
+        <p:spPr>
+          <a:xfrm>
+            <a:off x="3150" y="1149808"/>
+            <a:ext cx="10687100" cy="6398607"/>
+          </a:xfrm>
+          <a:prstGeom prst="rect">
+            <a:avLst/>
+          </a:prstGeom>
+          <a:noFill/>
+          <a:ln w="3175"/>
+        </p:spPr>
+        <p:style>
+          <a:lnRef idx="2">
+            <a:schemeClr val="accent1">
+              <a:shade val="50000"/>
+            </a:schemeClr>
+          </a:lnRef>
+          <a:fillRef idx="1">
+            <a:schemeClr val="accent1"/>
+          </a:fillRef>
+          <a:effectRef idx="0">
+            <a:schemeClr val="accent1"/>
+          </a:effectRef>
+          <a:fontRef idx="minor">
+            <a:schemeClr val="lt1"/>
+          </a:fontRef>
+        </p:style>
+        <p:txBody>
+          <a:bodyPr lIns="98173" tIns="49087" rIns="98173" bIns="49087" rtlCol="0" anchor="ctr"/>
+          <a:lstStyle/>
+          <a:p>
+            <a:pPr algn="ctr"/>
+            <a:endParaRPr lang="ko-KR" altLang="en-US" dirty="0"/>
+          </a:p>
+        </p:txBody>
+      </p:sp>
+      <p:sp>
+        <p:nvSpPr>
+          <p:cNvPr id="19" name="name"/>
+          <p:cNvSpPr txBox="1">
+            <a:spLocks/>
+          </p:cNvSpPr>
+          <p:nvPr/>
+        </p:nvSpPr>
+        <p:spPr>
+          <a:xfrm>
+            <a:off x="3150" y="2729156"/>
+            <a:ext cx="10701276" cy="2910858"/>
+          </a:xfrm>
+          <a:prstGeom prst="rect">
+            <a:avLst/>
+          </a:prstGeom>
+        </p:spPr>
+        <p:txBody>
+          <a:bodyPr vert="horz" lIns="98173" tIns="49087" rIns="98173" bIns="49087" rtlCol="0" anchor="ctr">
+            <a:normAutofit/>
+          </a:bodyPr>
+          <a:lstStyle>
+            <a:lvl1pPr algn="ctr" defTabSz="914400" rtl="0" eaLnBrk="1" latinLnBrk="1" hangingPunct="1">
+              <a:spcBef>
+                <a:spcPct val="0"/>
+              </a:spcBef>
+              <a:buNone/>
+              <a:defRPr sz="4400" kern="1200">
+                <a:solidFill>
+                  <a:schemeClr val="tx1"/>
+                </a:solidFill>
+                <a:latin typeface="+mj-lt"/>
+                <a:ea typeface="+mj-ea"/>
+                <a:cs typeface="+mj-cs"/>
+              </a:defRPr>
+            </a:lvl1pPr>
+          </a:lstStyle>
+          <a:p>
+            <a:r>
+              <a:rPr sz="13300"/>
+              <a:t/>
+            </a:r>
+          </a:p>
+        </p:txBody>
+      </p:sp>
+      <p:pic>
+        <p:nvPicPr>
+          <p:cNvPr id="2052" name="logo" descr="F:\★인천관광공사-디자인자료\★인천시_인천관광공사등-CI,BI\인천관광공사CI\공사CI-국문\인천관광공사-국문(가로).png"/>
+          <p:cNvPicPr>
+            <a:picLocks noChangeAspect="1" noChangeArrowheads="1"/>
+          </p:cNvPicPr>
+          <p:nvPr/>
+        </p:nvPicPr>
+        <p:blipFill>
+          <a:blip r:embed="rId3" cstate="print">
+            <a:extLst>
+              <a:ext uri="{28A0092B-C50C-407E-A947-70E740481C1C}">
+                <a14:useLocalDpi xmlns:a14="http://schemas.microsoft.com/office/drawing/2010/main" val="0"/>
+              </a:ext>
+            </a:extLst>
+          </a:blip>
+          <a:srcRect/>
+          <a:stretch>
+            <a:fillRect/>
+          </a:stretch>
+        </p:blipFill>
+        <p:spPr bwMode="auto">
+          <a:xfrm>
+            <a:off x="231042" y="227295"/>
+            <a:ext cx="1895554" cy="696674"/>
           </a:xfrm>
           <a:prstGeom prst="rect">
             <a:avLst/>
@@ -4446,88 +4382,35 @@
       </p:pic>
       <p:sp>
         <p:nvSpPr>
-          <p:cNvPr id="2" name="name">
+          <p:cNvPr id="7" name="pos">
             <a:extLst>
               <a:ext uri="{FF2B5EF4-FFF2-40B4-BE49-F238E27FC236}">
-                <a16:creationId xmlns:a16="http://schemas.microsoft.com/office/drawing/2014/main" id="{DD276CAC-41EF-4FEB-9E9F-65510454E4A2}"/>
+                <a16:creationId xmlns:a16="http://schemas.microsoft.com/office/drawing/2014/main" id="{B1532AC5-2DF7-4FA0-9A7A-4211F29B9C1B}"/>
               </a:ext>
             </a:extLst>
           </p:cNvPr>
-          <p:cNvSpPr>
-            <a:spLocks noGrp="1"/>
-          </p:cNvSpPr>
-          <p:nvPr>
-            <p:ph type="ctrTitle"/>
-          </p:nvPr>
+          <p:cNvSpPr txBox="1"/>
+          <p:nvPr/>
         </p:nvSpPr>
         <p:spPr>
           <a:xfrm>
-            <a:off x="0" y="4024822"/>
-            <a:ext cx="12191997" cy="2387600"/>
-          </a:xfrm>
-        </p:spPr>
-        <p:txBody>
-          <a:bodyPr anchor="ctr">
-            <a:noAutofit/>
+            <a:off x="3978548" y="377091"/>
+            <a:ext cx="6489598" cy="523220"/>
+          </a:xfrm>
+          <a:prstGeom prst="rect">
+            <a:avLst/>
+          </a:prstGeom>
+          <a:noFill/>
+        </p:spPr>
+        <p:txBody>
+          <a:bodyPr wrap="square" rtlCol="0">
+            <a:spAutoFit/>
           </a:bodyPr>
           <a:lstStyle/>
           <a:p>
-            <a:r>
-              <a:rPr sz="16800"/>
-              <a:t/>
-            </a:r>
-          </a:p>
-        </p:txBody>
-      </p:sp>
-      <p:sp>
-        <p:nvSpPr>
-          <p:cNvPr id="8" name="pos">
-            <a:extLst>
-              <a:ext uri="{FF2B5EF4-FFF2-40B4-BE49-F238E27FC236}">
-                <a16:creationId xmlns:a16="http://schemas.microsoft.com/office/drawing/2014/main" id="{631BD788-4196-42D9-AA81-6AD559485306}"/>
-              </a:ext>
-            </a:extLst>
-          </p:cNvPr>
-          <p:cNvSpPr txBox="1">
-            <a:spLocks/>
-          </p:cNvSpPr>
-          <p:nvPr/>
-        </p:nvSpPr>
-        <p:spPr>
-          <a:xfrm>
-            <a:off x="0" y="2776616"/>
-            <a:ext cx="12191998" cy="1057153"/>
-          </a:xfrm>
-          <a:prstGeom prst="rect">
-            <a:avLst/>
-          </a:prstGeom>
-        </p:spPr>
-        <p:txBody>
-          <a:bodyPr vert="horz" lIns="91440" tIns="45720" rIns="91440" bIns="45720" rtlCol="0" anchor="ctr">
-            <a:noAutofit/>
-          </a:bodyPr>
-          <a:lstStyle>
-            <a:lvl1pPr algn="ctr" defTabSz="914400" rtl="0" eaLnBrk="1" latinLnBrk="1" hangingPunct="1">
-              <a:lnSpc>
-                <a:spcPct val="90000"/>
-              </a:lnSpc>
-              <a:spcBef>
-                <a:spcPct val="0"/>
-              </a:spcBef>
-              <a:buNone/>
-              <a:defRPr sz="6000" kern="1200">
-                <a:solidFill>
-                  <a:schemeClr val="tx1"/>
-                </a:solidFill>
-                <a:latin typeface="+mj-lt"/>
-                <a:ea typeface="+mj-ea"/>
-                <a:cs typeface="+mj-cs"/>
-              </a:defRPr>
-            </a:lvl1pPr>
-          </a:lstStyle>
-          <a:p>
-            <a:r>
-              <a:rPr sz="5000"/>
+            <a:pPr algn="ctr"/>
+            <a:r>
+              <a:rPr sz="2800"/>
               <a:t/>
             </a:r>
           </a:p>
@@ -4536,7 +4419,7 @@
     </p:spTree>
     <p:extLst>
       <p:ext uri="{BB962C8B-B14F-4D97-AF65-F5344CB8AC3E}">
-        <p14:creationId xmlns:p14="http://schemas.microsoft.com/office/powerpoint/2010/main" val="1073636120"/>
+        <p14:creationId xmlns:p14="http://schemas.microsoft.com/office/powerpoint/2010/main" val="1308646282"/>
       </p:ext>
     </p:extLst>
   </p:cSld>
@@ -4563,67 +4446,9 @@
           <a:chExt cx="0" cy="0"/>
         </a:xfrm>
       </p:grpSpPr>
-      <p:sp>
-        <p:nvSpPr>
-          <p:cNvPr id="4" name="직사각형">
-            <a:extLst>
-              <a:ext uri="{FF2B5EF4-FFF2-40B4-BE49-F238E27FC236}">
-                <a16:creationId xmlns:a16="http://schemas.microsoft.com/office/drawing/2014/main" id="{E29727B3-DAB0-4A6A-8C1F-B3C1F5A77720}"/>
-              </a:ext>
-            </a:extLst>
-          </p:cNvPr>
-          <p:cNvSpPr/>
-          <p:nvPr/>
-        </p:nvSpPr>
-        <p:spPr>
-          <a:xfrm>
-            <a:off x="0" y="2371767"/>
-            <a:ext cx="12192000" cy="4478138"/>
-          </a:xfrm>
-          <a:prstGeom prst="rect">
-            <a:avLst/>
-          </a:prstGeom>
-          <a:solidFill>
-            <a:srgbClr val="1520FF"/>
-          </a:solidFill>
-          <a:ln>
-            <a:noFill/>
-          </a:ln>
-        </p:spPr>
-        <p:style>
-          <a:lnRef idx="2">
-            <a:schemeClr val="accent1">
-              <a:shade val="50000"/>
-            </a:schemeClr>
-          </a:lnRef>
-          <a:fillRef idx="1">
-            <a:schemeClr val="accent1"/>
-          </a:fillRef>
-          <a:effectRef idx="0">
-            <a:schemeClr val="accent1"/>
-          </a:effectRef>
-          <a:fontRef idx="minor">
-            <a:schemeClr val="lt1"/>
-          </a:fontRef>
-        </p:style>
-        <p:txBody>
-          <a:bodyPr rtlCol="0" anchor="ctr"/>
-          <a:lstStyle/>
-          <a:p>
-            <a:pPr algn="ctr"/>
-            <a:endParaRPr lang="ko-KR" altLang="en-US" dirty="0"/>
-          </a:p>
-        </p:txBody>
-      </p:sp>
       <p:pic>
         <p:nvPicPr>
-          <p:cNvPr id="3" name="logo" descr="2조원 파급 효과 내고도 매 맞은 &amp;#39;인천관광공사&amp;#39; - 위키리크스한국">
-            <a:extLst>
-              <a:ext uri="{FF2B5EF4-FFF2-40B4-BE49-F238E27FC236}">
-                <a16:creationId xmlns:a16="http://schemas.microsoft.com/office/drawing/2014/main" id="{E2D33970-FE8B-4A0A-AD13-6F0D6F5FB73A}"/>
-              </a:ext>
-            </a:extLst>
-          </p:cNvPr>
+          <p:cNvPr id="2050" name="Picture 2"/>
           <p:cNvPicPr>
             <a:picLocks noChangeAspect="1" noChangeArrowheads="1"/>
           </p:cNvPicPr>
@@ -4644,8 +4469,149 @@
         </p:blipFill>
         <p:spPr bwMode="auto">
           <a:xfrm>
-            <a:off x="3238499" y="95880"/>
-            <a:ext cx="5715000" cy="2219325"/>
+            <a:off x="3150" y="-1667"/>
+            <a:ext cx="10701276" cy="1151475"/>
+          </a:xfrm>
+          <a:prstGeom prst="rect">
+            <a:avLst/>
+          </a:prstGeom>
+          <a:noFill/>
+          <a:ln>
+            <a:noFill/>
+          </a:ln>
+          <a:extLst>
+            <a:ext uri="{909E8E84-426E-40DD-AFC4-6F175D3DCCD1}">
+              <a14:hiddenFill xmlns:a14="http://schemas.microsoft.com/office/drawing/2010/main">
+                <a:solidFill>
+                  <a:schemeClr val="accent1"/>
+                </a:solidFill>
+              </a14:hiddenFill>
+            </a:ext>
+            <a:ext uri="{91240B29-F687-4F45-9708-019B960494DF}">
+              <a14:hiddenLine xmlns:a14="http://schemas.microsoft.com/office/drawing/2010/main" w="9525">
+                <a:solidFill>
+                  <a:schemeClr val="tx1"/>
+                </a:solidFill>
+                <a:miter lim="800000"/>
+                <a:headEnd/>
+                <a:tailEnd/>
+              </a14:hiddenLine>
+            </a:ext>
+          </a:extLst>
+        </p:spPr>
+      </p:pic>
+      <p:sp>
+        <p:nvSpPr>
+          <p:cNvPr id="9" name="직사각형 8"/>
+          <p:cNvSpPr/>
+          <p:nvPr/>
+        </p:nvSpPr>
+        <p:spPr>
+          <a:xfrm>
+            <a:off x="3150" y="1149808"/>
+            <a:ext cx="10687100" cy="6398607"/>
+          </a:xfrm>
+          <a:prstGeom prst="rect">
+            <a:avLst/>
+          </a:prstGeom>
+          <a:noFill/>
+          <a:ln w="3175"/>
+        </p:spPr>
+        <p:style>
+          <a:lnRef idx="2">
+            <a:schemeClr val="accent1">
+              <a:shade val="50000"/>
+            </a:schemeClr>
+          </a:lnRef>
+          <a:fillRef idx="1">
+            <a:schemeClr val="accent1"/>
+          </a:fillRef>
+          <a:effectRef idx="0">
+            <a:schemeClr val="accent1"/>
+          </a:effectRef>
+          <a:fontRef idx="minor">
+            <a:schemeClr val="lt1"/>
+          </a:fontRef>
+        </p:style>
+        <p:txBody>
+          <a:bodyPr lIns="98173" tIns="49087" rIns="98173" bIns="49087" rtlCol="0" anchor="ctr"/>
+          <a:lstStyle/>
+          <a:p>
+            <a:pPr algn="ctr"/>
+            <a:endParaRPr lang="ko-KR" altLang="en-US" dirty="0"/>
+          </a:p>
+        </p:txBody>
+      </p:sp>
+      <p:sp>
+        <p:nvSpPr>
+          <p:cNvPr id="19" name="name"/>
+          <p:cNvSpPr txBox="1">
+            <a:spLocks/>
+          </p:cNvSpPr>
+          <p:nvPr/>
+        </p:nvSpPr>
+        <p:spPr>
+          <a:xfrm>
+            <a:off x="3150" y="2729156"/>
+            <a:ext cx="10701276" cy="2910858"/>
+          </a:xfrm>
+          <a:prstGeom prst="rect">
+            <a:avLst/>
+          </a:prstGeom>
+        </p:spPr>
+        <p:txBody>
+          <a:bodyPr vert="horz" lIns="98173" tIns="49087" rIns="98173" bIns="49087" rtlCol="0" anchor="ctr">
+            <a:normAutofit/>
+          </a:bodyPr>
+          <a:lstStyle>
+            <a:lvl1pPr algn="ctr" defTabSz="914400" rtl="0" eaLnBrk="1" latinLnBrk="1" hangingPunct="1">
+              <a:spcBef>
+                <a:spcPct val="0"/>
+              </a:spcBef>
+              <a:buNone/>
+              <a:defRPr sz="4400" kern="1200">
+                <a:solidFill>
+                  <a:schemeClr val="tx1"/>
+                </a:solidFill>
+                <a:latin typeface="+mj-lt"/>
+                <a:ea typeface="+mj-ea"/>
+                <a:cs typeface="+mj-cs"/>
+              </a:defRPr>
+            </a:lvl1pPr>
+          </a:lstStyle>
+          <a:p>
+            <a:r>
+              <a:rPr sz="13300"/>
+              <a:t/>
+            </a:r>
+          </a:p>
+        </p:txBody>
+      </p:sp>
+      <p:pic>
+        <p:nvPicPr>
+          <p:cNvPr id="2052" name="logo" descr="F:\★인천관광공사-디자인자료\★인천시_인천관광공사등-CI,BI\인천관광공사CI\공사CI-국문\인천관광공사-국문(가로).png"/>
+          <p:cNvPicPr>
+            <a:picLocks noChangeAspect="1" noChangeArrowheads="1"/>
+          </p:cNvPicPr>
+          <p:nvPr/>
+        </p:nvPicPr>
+        <p:blipFill>
+          <a:blip r:embed="rId3" cstate="print">
+            <a:extLst>
+              <a:ext uri="{28A0092B-C50C-407E-A947-70E740481C1C}">
+                <a14:useLocalDpi xmlns:a14="http://schemas.microsoft.com/office/drawing/2010/main" val="0"/>
+              </a:ext>
+            </a:extLst>
+          </a:blip>
+          <a:srcRect/>
+          <a:stretch>
+            <a:fillRect/>
+          </a:stretch>
+        </p:blipFill>
+        <p:spPr bwMode="auto">
+          <a:xfrm>
+            <a:off x="231042" y="227295"/>
+            <a:ext cx="1895554" cy="696674"/>
           </a:xfrm>
           <a:prstGeom prst="rect">
             <a:avLst/>
@@ -4664,88 +4630,35 @@
       </p:pic>
       <p:sp>
         <p:nvSpPr>
-          <p:cNvPr id="2" name="name">
+          <p:cNvPr id="7" name="pos">
             <a:extLst>
               <a:ext uri="{FF2B5EF4-FFF2-40B4-BE49-F238E27FC236}">
-                <a16:creationId xmlns:a16="http://schemas.microsoft.com/office/drawing/2014/main" id="{DD276CAC-41EF-4FEB-9E9F-65510454E4A2}"/>
+                <a16:creationId xmlns:a16="http://schemas.microsoft.com/office/drawing/2014/main" id="{B1532AC5-2DF7-4FA0-9A7A-4211F29B9C1B}"/>
               </a:ext>
             </a:extLst>
           </p:cNvPr>
-          <p:cNvSpPr>
-            <a:spLocks noGrp="1"/>
-          </p:cNvSpPr>
-          <p:nvPr>
-            <p:ph type="ctrTitle"/>
-          </p:nvPr>
+          <p:cNvSpPr txBox="1"/>
+          <p:nvPr/>
         </p:nvSpPr>
         <p:spPr>
           <a:xfrm>
-            <a:off x="0" y="4024822"/>
-            <a:ext cx="12191997" cy="2387600"/>
-          </a:xfrm>
-        </p:spPr>
-        <p:txBody>
-          <a:bodyPr anchor="ctr">
-            <a:noAutofit/>
+            <a:off x="3978548" y="377091"/>
+            <a:ext cx="6489598" cy="523220"/>
+          </a:xfrm>
+          <a:prstGeom prst="rect">
+            <a:avLst/>
+          </a:prstGeom>
+          <a:noFill/>
+        </p:spPr>
+        <p:txBody>
+          <a:bodyPr wrap="square" rtlCol="0">
+            <a:spAutoFit/>
           </a:bodyPr>
           <a:lstStyle/>
           <a:p>
-            <a:r>
-              <a:rPr sz="16800"/>
-              <a:t/>
-            </a:r>
-          </a:p>
-        </p:txBody>
-      </p:sp>
-      <p:sp>
-        <p:nvSpPr>
-          <p:cNvPr id="8" name="pos">
-            <a:extLst>
-              <a:ext uri="{FF2B5EF4-FFF2-40B4-BE49-F238E27FC236}">
-                <a16:creationId xmlns:a16="http://schemas.microsoft.com/office/drawing/2014/main" id="{631BD788-4196-42D9-AA81-6AD559485306}"/>
-              </a:ext>
-            </a:extLst>
-          </p:cNvPr>
-          <p:cNvSpPr txBox="1">
-            <a:spLocks/>
-          </p:cNvSpPr>
-          <p:nvPr/>
-        </p:nvSpPr>
-        <p:spPr>
-          <a:xfrm>
-            <a:off x="0" y="2776616"/>
-            <a:ext cx="12191998" cy="1057153"/>
-          </a:xfrm>
-          <a:prstGeom prst="rect">
-            <a:avLst/>
-          </a:prstGeom>
-        </p:spPr>
-        <p:txBody>
-          <a:bodyPr vert="horz" lIns="91440" tIns="45720" rIns="91440" bIns="45720" rtlCol="0" anchor="ctr">
-            <a:noAutofit/>
-          </a:bodyPr>
-          <a:lstStyle>
-            <a:lvl1pPr algn="ctr" defTabSz="914400" rtl="0" eaLnBrk="1" latinLnBrk="1" hangingPunct="1">
-              <a:lnSpc>
-                <a:spcPct val="90000"/>
-              </a:lnSpc>
-              <a:spcBef>
-                <a:spcPct val="0"/>
-              </a:spcBef>
-              <a:buNone/>
-              <a:defRPr sz="6000" kern="1200">
-                <a:solidFill>
-                  <a:schemeClr val="tx1"/>
-                </a:solidFill>
-                <a:latin typeface="+mj-lt"/>
-                <a:ea typeface="+mj-ea"/>
-                <a:cs typeface="+mj-cs"/>
-              </a:defRPr>
-            </a:lvl1pPr>
-          </a:lstStyle>
-          <a:p>
-            <a:r>
-              <a:rPr sz="5000"/>
+            <a:pPr algn="ctr"/>
+            <a:r>
+              <a:rPr sz="2800"/>
               <a:t/>
             </a:r>
           </a:p>
@@ -4754,7 +4667,7 @@
     </p:spTree>
     <p:extLst>
       <p:ext uri="{BB962C8B-B14F-4D97-AF65-F5344CB8AC3E}">
-        <p14:creationId xmlns:p14="http://schemas.microsoft.com/office/powerpoint/2010/main" val="3300928280"/>
+        <p14:creationId xmlns:p14="http://schemas.microsoft.com/office/powerpoint/2010/main" val="789465723"/>
       </p:ext>
     </p:extLst>
   </p:cSld>
@@ -4781,67 +4694,9 @@
           <a:chExt cx="0" cy="0"/>
         </a:xfrm>
       </p:grpSpPr>
-      <p:sp>
-        <p:nvSpPr>
-          <p:cNvPr id="4" name="직사각형">
-            <a:extLst>
-              <a:ext uri="{FF2B5EF4-FFF2-40B4-BE49-F238E27FC236}">
-                <a16:creationId xmlns:a16="http://schemas.microsoft.com/office/drawing/2014/main" id="{E29727B3-DAB0-4A6A-8C1F-B3C1F5A77720}"/>
-              </a:ext>
-            </a:extLst>
-          </p:cNvPr>
-          <p:cNvSpPr/>
-          <p:nvPr/>
-        </p:nvSpPr>
-        <p:spPr>
-          <a:xfrm>
-            <a:off x="0" y="2371767"/>
-            <a:ext cx="12192000" cy="4478138"/>
-          </a:xfrm>
-          <a:prstGeom prst="rect">
-            <a:avLst/>
-          </a:prstGeom>
-          <a:solidFill>
-            <a:srgbClr val="1520FF"/>
-          </a:solidFill>
-          <a:ln>
-            <a:noFill/>
-          </a:ln>
-        </p:spPr>
-        <p:style>
-          <a:lnRef idx="2">
-            <a:schemeClr val="accent1">
-              <a:shade val="50000"/>
-            </a:schemeClr>
-          </a:lnRef>
-          <a:fillRef idx="1">
-            <a:schemeClr val="accent1"/>
-          </a:fillRef>
-          <a:effectRef idx="0">
-            <a:schemeClr val="accent1"/>
-          </a:effectRef>
-          <a:fontRef idx="minor">
-            <a:schemeClr val="lt1"/>
-          </a:fontRef>
-        </p:style>
-        <p:txBody>
-          <a:bodyPr rtlCol="0" anchor="ctr"/>
-          <a:lstStyle/>
-          <a:p>
-            <a:pPr algn="ctr"/>
-            <a:endParaRPr lang="ko-KR" altLang="en-US" dirty="0"/>
-          </a:p>
-        </p:txBody>
-      </p:sp>
       <p:pic>
         <p:nvPicPr>
-          <p:cNvPr id="3" name="logo" descr="2조원 파급 효과 내고도 매 맞은 &amp;#39;인천관광공사&amp;#39; - 위키리크스한국">
-            <a:extLst>
-              <a:ext uri="{FF2B5EF4-FFF2-40B4-BE49-F238E27FC236}">
-                <a16:creationId xmlns:a16="http://schemas.microsoft.com/office/drawing/2014/main" id="{E2D33970-FE8B-4A0A-AD13-6F0D6F5FB73A}"/>
-              </a:ext>
-            </a:extLst>
-          </p:cNvPr>
+          <p:cNvPr id="2050" name="Picture 2"/>
           <p:cNvPicPr>
             <a:picLocks noChangeAspect="1" noChangeArrowheads="1"/>
           </p:cNvPicPr>
@@ -4862,8 +4717,149 @@
         </p:blipFill>
         <p:spPr bwMode="auto">
           <a:xfrm>
-            <a:off x="3238499" y="95880"/>
-            <a:ext cx="5715000" cy="2219325"/>
+            <a:off x="3150" y="-1667"/>
+            <a:ext cx="10701276" cy="1151475"/>
+          </a:xfrm>
+          <a:prstGeom prst="rect">
+            <a:avLst/>
+          </a:prstGeom>
+          <a:noFill/>
+          <a:ln>
+            <a:noFill/>
+          </a:ln>
+          <a:extLst>
+            <a:ext uri="{909E8E84-426E-40DD-AFC4-6F175D3DCCD1}">
+              <a14:hiddenFill xmlns:a14="http://schemas.microsoft.com/office/drawing/2010/main">
+                <a:solidFill>
+                  <a:schemeClr val="accent1"/>
+                </a:solidFill>
+              </a14:hiddenFill>
+            </a:ext>
+            <a:ext uri="{91240B29-F687-4F45-9708-019B960494DF}">
+              <a14:hiddenLine xmlns:a14="http://schemas.microsoft.com/office/drawing/2010/main" w="9525">
+                <a:solidFill>
+                  <a:schemeClr val="tx1"/>
+                </a:solidFill>
+                <a:miter lim="800000"/>
+                <a:headEnd/>
+                <a:tailEnd/>
+              </a14:hiddenLine>
+            </a:ext>
+          </a:extLst>
+        </p:spPr>
+      </p:pic>
+      <p:sp>
+        <p:nvSpPr>
+          <p:cNvPr id="9" name="직사각형 8"/>
+          <p:cNvSpPr/>
+          <p:nvPr/>
+        </p:nvSpPr>
+        <p:spPr>
+          <a:xfrm>
+            <a:off x="3150" y="1149808"/>
+            <a:ext cx="10687100" cy="6398607"/>
+          </a:xfrm>
+          <a:prstGeom prst="rect">
+            <a:avLst/>
+          </a:prstGeom>
+          <a:noFill/>
+          <a:ln w="3175"/>
+        </p:spPr>
+        <p:style>
+          <a:lnRef idx="2">
+            <a:schemeClr val="accent1">
+              <a:shade val="50000"/>
+            </a:schemeClr>
+          </a:lnRef>
+          <a:fillRef idx="1">
+            <a:schemeClr val="accent1"/>
+          </a:fillRef>
+          <a:effectRef idx="0">
+            <a:schemeClr val="accent1"/>
+          </a:effectRef>
+          <a:fontRef idx="minor">
+            <a:schemeClr val="lt1"/>
+          </a:fontRef>
+        </p:style>
+        <p:txBody>
+          <a:bodyPr lIns="98173" tIns="49087" rIns="98173" bIns="49087" rtlCol="0" anchor="ctr"/>
+          <a:lstStyle/>
+          <a:p>
+            <a:pPr algn="ctr"/>
+            <a:endParaRPr lang="ko-KR" altLang="en-US" dirty="0"/>
+          </a:p>
+        </p:txBody>
+      </p:sp>
+      <p:sp>
+        <p:nvSpPr>
+          <p:cNvPr id="19" name="name"/>
+          <p:cNvSpPr txBox="1">
+            <a:spLocks/>
+          </p:cNvSpPr>
+          <p:nvPr/>
+        </p:nvSpPr>
+        <p:spPr>
+          <a:xfrm>
+            <a:off x="3150" y="2729156"/>
+            <a:ext cx="10701276" cy="2910858"/>
+          </a:xfrm>
+          <a:prstGeom prst="rect">
+            <a:avLst/>
+          </a:prstGeom>
+        </p:spPr>
+        <p:txBody>
+          <a:bodyPr vert="horz" lIns="98173" tIns="49087" rIns="98173" bIns="49087" rtlCol="0" anchor="ctr">
+            <a:normAutofit/>
+          </a:bodyPr>
+          <a:lstStyle>
+            <a:lvl1pPr algn="ctr" defTabSz="914400" rtl="0" eaLnBrk="1" latinLnBrk="1" hangingPunct="1">
+              <a:spcBef>
+                <a:spcPct val="0"/>
+              </a:spcBef>
+              <a:buNone/>
+              <a:defRPr sz="4400" kern="1200">
+                <a:solidFill>
+                  <a:schemeClr val="tx1"/>
+                </a:solidFill>
+                <a:latin typeface="+mj-lt"/>
+                <a:ea typeface="+mj-ea"/>
+                <a:cs typeface="+mj-cs"/>
+              </a:defRPr>
+            </a:lvl1pPr>
+          </a:lstStyle>
+          <a:p>
+            <a:r>
+              <a:rPr sz="13300"/>
+              <a:t/>
+            </a:r>
+          </a:p>
+        </p:txBody>
+      </p:sp>
+      <p:pic>
+        <p:nvPicPr>
+          <p:cNvPr id="2052" name="logo" descr="F:\★인천관광공사-디자인자료\★인천시_인천관광공사등-CI,BI\인천관광공사CI\공사CI-국문\인천관광공사-국문(가로).png"/>
+          <p:cNvPicPr>
+            <a:picLocks noChangeAspect="1" noChangeArrowheads="1"/>
+          </p:cNvPicPr>
+          <p:nvPr/>
+        </p:nvPicPr>
+        <p:blipFill>
+          <a:blip r:embed="rId3" cstate="print">
+            <a:extLst>
+              <a:ext uri="{28A0092B-C50C-407E-A947-70E740481C1C}">
+                <a14:useLocalDpi xmlns:a14="http://schemas.microsoft.com/office/drawing/2010/main" val="0"/>
+              </a:ext>
+            </a:extLst>
+          </a:blip>
+          <a:srcRect/>
+          <a:stretch>
+            <a:fillRect/>
+          </a:stretch>
+        </p:blipFill>
+        <p:spPr bwMode="auto">
+          <a:xfrm>
+            <a:off x="231042" y="227295"/>
+            <a:ext cx="1895554" cy="696674"/>
           </a:xfrm>
           <a:prstGeom prst="rect">
             <a:avLst/>
@@ -4882,88 +4878,35 @@
       </p:pic>
       <p:sp>
         <p:nvSpPr>
-          <p:cNvPr id="2" name="name">
+          <p:cNvPr id="7" name="pos">
             <a:extLst>
               <a:ext uri="{FF2B5EF4-FFF2-40B4-BE49-F238E27FC236}">
-                <a16:creationId xmlns:a16="http://schemas.microsoft.com/office/drawing/2014/main" id="{DD276CAC-41EF-4FEB-9E9F-65510454E4A2}"/>
+                <a16:creationId xmlns:a16="http://schemas.microsoft.com/office/drawing/2014/main" id="{B1532AC5-2DF7-4FA0-9A7A-4211F29B9C1B}"/>
               </a:ext>
             </a:extLst>
           </p:cNvPr>
-          <p:cNvSpPr>
-            <a:spLocks noGrp="1"/>
-          </p:cNvSpPr>
-          <p:nvPr>
-            <p:ph type="ctrTitle"/>
-          </p:nvPr>
+          <p:cNvSpPr txBox="1"/>
+          <p:nvPr/>
         </p:nvSpPr>
         <p:spPr>
           <a:xfrm>
-            <a:off x="0" y="4024822"/>
-            <a:ext cx="12191997" cy="2387600"/>
-          </a:xfrm>
-        </p:spPr>
-        <p:txBody>
-          <a:bodyPr anchor="ctr">
-            <a:noAutofit/>
+            <a:off x="3978548" y="377091"/>
+            <a:ext cx="6489598" cy="523220"/>
+          </a:xfrm>
+          <a:prstGeom prst="rect">
+            <a:avLst/>
+          </a:prstGeom>
+          <a:noFill/>
+        </p:spPr>
+        <p:txBody>
+          <a:bodyPr wrap="square" rtlCol="0">
+            <a:spAutoFit/>
           </a:bodyPr>
           <a:lstStyle/>
           <a:p>
-            <a:r>
-              <a:rPr sz="16800"/>
-              <a:t/>
-            </a:r>
-          </a:p>
-        </p:txBody>
-      </p:sp>
-      <p:sp>
-        <p:nvSpPr>
-          <p:cNvPr id="8" name="pos">
-            <a:extLst>
-              <a:ext uri="{FF2B5EF4-FFF2-40B4-BE49-F238E27FC236}">
-                <a16:creationId xmlns:a16="http://schemas.microsoft.com/office/drawing/2014/main" id="{631BD788-4196-42D9-AA81-6AD559485306}"/>
-              </a:ext>
-            </a:extLst>
-          </p:cNvPr>
-          <p:cNvSpPr txBox="1">
-            <a:spLocks/>
-          </p:cNvSpPr>
-          <p:nvPr/>
-        </p:nvSpPr>
-        <p:spPr>
-          <a:xfrm>
-            <a:off x="0" y="2776616"/>
-            <a:ext cx="12191998" cy="1057153"/>
-          </a:xfrm>
-          <a:prstGeom prst="rect">
-            <a:avLst/>
-          </a:prstGeom>
-        </p:spPr>
-        <p:txBody>
-          <a:bodyPr vert="horz" lIns="91440" tIns="45720" rIns="91440" bIns="45720" rtlCol="0" anchor="ctr">
-            <a:noAutofit/>
-          </a:bodyPr>
-          <a:lstStyle>
-            <a:lvl1pPr algn="ctr" defTabSz="914400" rtl="0" eaLnBrk="1" latinLnBrk="1" hangingPunct="1">
-              <a:lnSpc>
-                <a:spcPct val="90000"/>
-              </a:lnSpc>
-              <a:spcBef>
-                <a:spcPct val="0"/>
-              </a:spcBef>
-              <a:buNone/>
-              <a:defRPr sz="6000" kern="1200">
-                <a:solidFill>
-                  <a:schemeClr val="tx1"/>
-                </a:solidFill>
-                <a:latin typeface="+mj-lt"/>
-                <a:ea typeface="+mj-ea"/>
-                <a:cs typeface="+mj-cs"/>
-              </a:defRPr>
-            </a:lvl1pPr>
-          </a:lstStyle>
-          <a:p>
-            <a:r>
-              <a:rPr sz="5000"/>
+            <a:pPr algn="ctr"/>
+            <a:r>
+              <a:rPr sz="2800"/>
               <a:t/>
             </a:r>
           </a:p>
@@ -4972,7 +4915,7 @@
     </p:spTree>
     <p:extLst>
       <p:ext uri="{BB962C8B-B14F-4D97-AF65-F5344CB8AC3E}">
-        <p14:creationId xmlns:p14="http://schemas.microsoft.com/office/powerpoint/2010/main" val="493464421"/>
+        <p14:creationId xmlns:p14="http://schemas.microsoft.com/office/powerpoint/2010/main" val="1418140849"/>
       </p:ext>
     </p:extLst>
   </p:cSld>
@@ -4999,67 +4942,9 @@
           <a:chExt cx="0" cy="0"/>
         </a:xfrm>
       </p:grpSpPr>
-      <p:sp>
-        <p:nvSpPr>
-          <p:cNvPr id="4" name="직사각형">
-            <a:extLst>
-              <a:ext uri="{FF2B5EF4-FFF2-40B4-BE49-F238E27FC236}">
-                <a16:creationId xmlns:a16="http://schemas.microsoft.com/office/drawing/2014/main" id="{E29727B3-DAB0-4A6A-8C1F-B3C1F5A77720}"/>
-              </a:ext>
-            </a:extLst>
-          </p:cNvPr>
-          <p:cNvSpPr/>
-          <p:nvPr/>
-        </p:nvSpPr>
-        <p:spPr>
-          <a:xfrm>
-            <a:off x="0" y="2371767"/>
-            <a:ext cx="12192000" cy="4478138"/>
-          </a:xfrm>
-          <a:prstGeom prst="rect">
-            <a:avLst/>
-          </a:prstGeom>
-          <a:solidFill>
-            <a:srgbClr val="1520FF"/>
-          </a:solidFill>
-          <a:ln>
-            <a:noFill/>
-          </a:ln>
-        </p:spPr>
-        <p:style>
-          <a:lnRef idx="2">
-            <a:schemeClr val="accent1">
-              <a:shade val="50000"/>
-            </a:schemeClr>
-          </a:lnRef>
-          <a:fillRef idx="1">
-            <a:schemeClr val="accent1"/>
-          </a:fillRef>
-          <a:effectRef idx="0">
-            <a:schemeClr val="accent1"/>
-          </a:effectRef>
-          <a:fontRef idx="minor">
-            <a:schemeClr val="lt1"/>
-          </a:fontRef>
-        </p:style>
-        <p:txBody>
-          <a:bodyPr rtlCol="0" anchor="ctr"/>
-          <a:lstStyle/>
-          <a:p>
-            <a:pPr algn="ctr"/>
-            <a:endParaRPr lang="ko-KR" altLang="en-US" dirty="0"/>
-          </a:p>
-        </p:txBody>
-      </p:sp>
       <p:pic>
         <p:nvPicPr>
-          <p:cNvPr id="3" name="logo" descr="2조원 파급 효과 내고도 매 맞은 &amp;#39;인천관광공사&amp;#39; - 위키리크스한국">
-            <a:extLst>
-              <a:ext uri="{FF2B5EF4-FFF2-40B4-BE49-F238E27FC236}">
-                <a16:creationId xmlns:a16="http://schemas.microsoft.com/office/drawing/2014/main" id="{E2D33970-FE8B-4A0A-AD13-6F0D6F5FB73A}"/>
-              </a:ext>
-            </a:extLst>
-          </p:cNvPr>
+          <p:cNvPr id="2050" name="Picture 2"/>
           <p:cNvPicPr>
             <a:picLocks noChangeAspect="1" noChangeArrowheads="1"/>
           </p:cNvPicPr>
@@ -5080,8 +4965,149 @@
         </p:blipFill>
         <p:spPr bwMode="auto">
           <a:xfrm>
-            <a:off x="3238499" y="95880"/>
-            <a:ext cx="5715000" cy="2219325"/>
+            <a:off x="3150" y="-1667"/>
+            <a:ext cx="10701276" cy="1151475"/>
+          </a:xfrm>
+          <a:prstGeom prst="rect">
+            <a:avLst/>
+          </a:prstGeom>
+          <a:noFill/>
+          <a:ln>
+            <a:noFill/>
+          </a:ln>
+          <a:extLst>
+            <a:ext uri="{909E8E84-426E-40DD-AFC4-6F175D3DCCD1}">
+              <a14:hiddenFill xmlns:a14="http://schemas.microsoft.com/office/drawing/2010/main">
+                <a:solidFill>
+                  <a:schemeClr val="accent1"/>
+                </a:solidFill>
+              </a14:hiddenFill>
+            </a:ext>
+            <a:ext uri="{91240B29-F687-4F45-9708-019B960494DF}">
+              <a14:hiddenLine xmlns:a14="http://schemas.microsoft.com/office/drawing/2010/main" w="9525">
+                <a:solidFill>
+                  <a:schemeClr val="tx1"/>
+                </a:solidFill>
+                <a:miter lim="800000"/>
+                <a:headEnd/>
+                <a:tailEnd/>
+              </a14:hiddenLine>
+            </a:ext>
+          </a:extLst>
+        </p:spPr>
+      </p:pic>
+      <p:sp>
+        <p:nvSpPr>
+          <p:cNvPr id="9" name="직사각형 8"/>
+          <p:cNvSpPr/>
+          <p:nvPr/>
+        </p:nvSpPr>
+        <p:spPr>
+          <a:xfrm>
+            <a:off x="3150" y="1149808"/>
+            <a:ext cx="10687100" cy="6398607"/>
+          </a:xfrm>
+          <a:prstGeom prst="rect">
+            <a:avLst/>
+          </a:prstGeom>
+          <a:noFill/>
+          <a:ln w="3175"/>
+        </p:spPr>
+        <p:style>
+          <a:lnRef idx="2">
+            <a:schemeClr val="accent1">
+              <a:shade val="50000"/>
+            </a:schemeClr>
+          </a:lnRef>
+          <a:fillRef idx="1">
+            <a:schemeClr val="accent1"/>
+          </a:fillRef>
+          <a:effectRef idx="0">
+            <a:schemeClr val="accent1"/>
+          </a:effectRef>
+          <a:fontRef idx="minor">
+            <a:schemeClr val="lt1"/>
+          </a:fontRef>
+        </p:style>
+        <p:txBody>
+          <a:bodyPr lIns="98173" tIns="49087" rIns="98173" bIns="49087" rtlCol="0" anchor="ctr"/>
+          <a:lstStyle/>
+          <a:p>
+            <a:pPr algn="ctr"/>
+            <a:endParaRPr lang="ko-KR" altLang="en-US" dirty="0"/>
+          </a:p>
+        </p:txBody>
+      </p:sp>
+      <p:sp>
+        <p:nvSpPr>
+          <p:cNvPr id="19" name="name"/>
+          <p:cNvSpPr txBox="1">
+            <a:spLocks/>
+          </p:cNvSpPr>
+          <p:nvPr/>
+        </p:nvSpPr>
+        <p:spPr>
+          <a:xfrm>
+            <a:off x="3150" y="2729156"/>
+            <a:ext cx="10701276" cy="2910858"/>
+          </a:xfrm>
+          <a:prstGeom prst="rect">
+            <a:avLst/>
+          </a:prstGeom>
+        </p:spPr>
+        <p:txBody>
+          <a:bodyPr vert="horz" lIns="98173" tIns="49087" rIns="98173" bIns="49087" rtlCol="0" anchor="ctr">
+            <a:normAutofit/>
+          </a:bodyPr>
+          <a:lstStyle>
+            <a:lvl1pPr algn="ctr" defTabSz="914400" rtl="0" eaLnBrk="1" latinLnBrk="1" hangingPunct="1">
+              <a:spcBef>
+                <a:spcPct val="0"/>
+              </a:spcBef>
+              <a:buNone/>
+              <a:defRPr sz="4400" kern="1200">
+                <a:solidFill>
+                  <a:schemeClr val="tx1"/>
+                </a:solidFill>
+                <a:latin typeface="+mj-lt"/>
+                <a:ea typeface="+mj-ea"/>
+                <a:cs typeface="+mj-cs"/>
+              </a:defRPr>
+            </a:lvl1pPr>
+          </a:lstStyle>
+          <a:p>
+            <a:r>
+              <a:rPr sz="13300"/>
+              <a:t/>
+            </a:r>
+          </a:p>
+        </p:txBody>
+      </p:sp>
+      <p:pic>
+        <p:nvPicPr>
+          <p:cNvPr id="2052" name="logo" descr="F:\★인천관광공사-디자인자료\★인천시_인천관광공사등-CI,BI\인천관광공사CI\공사CI-국문\인천관광공사-국문(가로).png"/>
+          <p:cNvPicPr>
+            <a:picLocks noChangeAspect="1" noChangeArrowheads="1"/>
+          </p:cNvPicPr>
+          <p:nvPr/>
+        </p:nvPicPr>
+        <p:blipFill>
+          <a:blip r:embed="rId3" cstate="print">
+            <a:extLst>
+              <a:ext uri="{28A0092B-C50C-407E-A947-70E740481C1C}">
+                <a14:useLocalDpi xmlns:a14="http://schemas.microsoft.com/office/drawing/2010/main" val="0"/>
+              </a:ext>
+            </a:extLst>
+          </a:blip>
+          <a:srcRect/>
+          <a:stretch>
+            <a:fillRect/>
+          </a:stretch>
+        </p:blipFill>
+        <p:spPr bwMode="auto">
+          <a:xfrm>
+            <a:off x="231042" y="227295"/>
+            <a:ext cx="1895554" cy="696674"/>
           </a:xfrm>
           <a:prstGeom prst="rect">
             <a:avLst/>
@@ -5100,88 +5126,35 @@
       </p:pic>
       <p:sp>
         <p:nvSpPr>
-          <p:cNvPr id="2" name="name">
+          <p:cNvPr id="7" name="pos">
             <a:extLst>
               <a:ext uri="{FF2B5EF4-FFF2-40B4-BE49-F238E27FC236}">
-                <a16:creationId xmlns:a16="http://schemas.microsoft.com/office/drawing/2014/main" id="{DD276CAC-41EF-4FEB-9E9F-65510454E4A2}"/>
+                <a16:creationId xmlns:a16="http://schemas.microsoft.com/office/drawing/2014/main" id="{B1532AC5-2DF7-4FA0-9A7A-4211F29B9C1B}"/>
               </a:ext>
             </a:extLst>
           </p:cNvPr>
-          <p:cNvSpPr>
-            <a:spLocks noGrp="1"/>
-          </p:cNvSpPr>
-          <p:nvPr>
-            <p:ph type="ctrTitle"/>
-          </p:nvPr>
+          <p:cNvSpPr txBox="1"/>
+          <p:nvPr/>
         </p:nvSpPr>
         <p:spPr>
           <a:xfrm>
-            <a:off x="0" y="4024822"/>
-            <a:ext cx="12191997" cy="2387600"/>
-          </a:xfrm>
-        </p:spPr>
-        <p:txBody>
-          <a:bodyPr anchor="ctr">
-            <a:noAutofit/>
+            <a:off x="3978548" y="377091"/>
+            <a:ext cx="6489598" cy="523220"/>
+          </a:xfrm>
+          <a:prstGeom prst="rect">
+            <a:avLst/>
+          </a:prstGeom>
+          <a:noFill/>
+        </p:spPr>
+        <p:txBody>
+          <a:bodyPr wrap="square" rtlCol="0">
+            <a:spAutoFit/>
           </a:bodyPr>
           <a:lstStyle/>
           <a:p>
-            <a:r>
-              <a:rPr sz="16800"/>
-              <a:t/>
-            </a:r>
-          </a:p>
-        </p:txBody>
-      </p:sp>
-      <p:sp>
-        <p:nvSpPr>
-          <p:cNvPr id="8" name="pos">
-            <a:extLst>
-              <a:ext uri="{FF2B5EF4-FFF2-40B4-BE49-F238E27FC236}">
-                <a16:creationId xmlns:a16="http://schemas.microsoft.com/office/drawing/2014/main" id="{631BD788-4196-42D9-AA81-6AD559485306}"/>
-              </a:ext>
-            </a:extLst>
-          </p:cNvPr>
-          <p:cNvSpPr txBox="1">
-            <a:spLocks/>
-          </p:cNvSpPr>
-          <p:nvPr/>
-        </p:nvSpPr>
-        <p:spPr>
-          <a:xfrm>
-            <a:off x="0" y="2776616"/>
-            <a:ext cx="12191998" cy="1057153"/>
-          </a:xfrm>
-          <a:prstGeom prst="rect">
-            <a:avLst/>
-          </a:prstGeom>
-        </p:spPr>
-        <p:txBody>
-          <a:bodyPr vert="horz" lIns="91440" tIns="45720" rIns="91440" bIns="45720" rtlCol="0" anchor="ctr">
-            <a:noAutofit/>
-          </a:bodyPr>
-          <a:lstStyle>
-            <a:lvl1pPr algn="ctr" defTabSz="914400" rtl="0" eaLnBrk="1" latinLnBrk="1" hangingPunct="1">
-              <a:lnSpc>
-                <a:spcPct val="90000"/>
-              </a:lnSpc>
-              <a:spcBef>
-                <a:spcPct val="0"/>
-              </a:spcBef>
-              <a:buNone/>
-              <a:defRPr sz="6000" kern="1200">
-                <a:solidFill>
-                  <a:schemeClr val="tx1"/>
-                </a:solidFill>
-                <a:latin typeface="+mj-lt"/>
-                <a:ea typeface="+mj-ea"/>
-                <a:cs typeface="+mj-cs"/>
-              </a:defRPr>
-            </a:lvl1pPr>
-          </a:lstStyle>
-          <a:p>
-            <a:r>
-              <a:rPr sz="5000"/>
+            <a:pPr algn="ctr"/>
+            <a:r>
+              <a:rPr sz="2800"/>
               <a:t/>
             </a:r>
           </a:p>
@@ -5190,7 +5163,7 @@
     </p:spTree>
     <p:extLst>
       <p:ext uri="{BB962C8B-B14F-4D97-AF65-F5344CB8AC3E}">
-        <p14:creationId xmlns:p14="http://schemas.microsoft.com/office/powerpoint/2010/main" val="4158011357"/>
+        <p14:creationId xmlns:p14="http://schemas.microsoft.com/office/powerpoint/2010/main" val="3514062656"/>
       </p:ext>
     </p:extLst>
   </p:cSld>
@@ -5217,67 +5190,9 @@
           <a:chExt cx="0" cy="0"/>
         </a:xfrm>
       </p:grpSpPr>
-      <p:sp>
-        <p:nvSpPr>
-          <p:cNvPr id="4" name="직사각형">
-            <a:extLst>
-              <a:ext uri="{FF2B5EF4-FFF2-40B4-BE49-F238E27FC236}">
-                <a16:creationId xmlns:a16="http://schemas.microsoft.com/office/drawing/2014/main" id="{E29727B3-DAB0-4A6A-8C1F-B3C1F5A77720}"/>
-              </a:ext>
-            </a:extLst>
-          </p:cNvPr>
-          <p:cNvSpPr/>
-          <p:nvPr/>
-        </p:nvSpPr>
-        <p:spPr>
-          <a:xfrm>
-            <a:off x="0" y="2371767"/>
-            <a:ext cx="12192000" cy="4478138"/>
-          </a:xfrm>
-          <a:prstGeom prst="rect">
-            <a:avLst/>
-          </a:prstGeom>
-          <a:solidFill>
-            <a:srgbClr val="1520FF"/>
-          </a:solidFill>
-          <a:ln>
-            <a:noFill/>
-          </a:ln>
-        </p:spPr>
-        <p:style>
-          <a:lnRef idx="2">
-            <a:schemeClr val="accent1">
-              <a:shade val="50000"/>
-            </a:schemeClr>
-          </a:lnRef>
-          <a:fillRef idx="1">
-            <a:schemeClr val="accent1"/>
-          </a:fillRef>
-          <a:effectRef idx="0">
-            <a:schemeClr val="accent1"/>
-          </a:effectRef>
-          <a:fontRef idx="minor">
-            <a:schemeClr val="lt1"/>
-          </a:fontRef>
-        </p:style>
-        <p:txBody>
-          <a:bodyPr rtlCol="0" anchor="ctr"/>
-          <a:lstStyle/>
-          <a:p>
-            <a:pPr algn="ctr"/>
-            <a:endParaRPr lang="ko-KR" altLang="en-US" dirty="0"/>
-          </a:p>
-        </p:txBody>
-      </p:sp>
       <p:pic>
         <p:nvPicPr>
-          <p:cNvPr id="3" name="logo" descr="2조원 파급 효과 내고도 매 맞은 &amp;#39;인천관광공사&amp;#39; - 위키리크스한국">
-            <a:extLst>
-              <a:ext uri="{FF2B5EF4-FFF2-40B4-BE49-F238E27FC236}">
-                <a16:creationId xmlns:a16="http://schemas.microsoft.com/office/drawing/2014/main" id="{E2D33970-FE8B-4A0A-AD13-6F0D6F5FB73A}"/>
-              </a:ext>
-            </a:extLst>
-          </p:cNvPr>
+          <p:cNvPr id="2050" name="Picture 2"/>
           <p:cNvPicPr>
             <a:picLocks noChangeAspect="1" noChangeArrowheads="1"/>
           </p:cNvPicPr>
@@ -5298,8 +5213,149 @@
         </p:blipFill>
         <p:spPr bwMode="auto">
           <a:xfrm>
-            <a:off x="3238499" y="95880"/>
-            <a:ext cx="5715000" cy="2219325"/>
+            <a:off x="3150" y="-1667"/>
+            <a:ext cx="10701276" cy="1151475"/>
+          </a:xfrm>
+          <a:prstGeom prst="rect">
+            <a:avLst/>
+          </a:prstGeom>
+          <a:noFill/>
+          <a:ln>
+            <a:noFill/>
+          </a:ln>
+          <a:extLst>
+            <a:ext uri="{909E8E84-426E-40DD-AFC4-6F175D3DCCD1}">
+              <a14:hiddenFill xmlns:a14="http://schemas.microsoft.com/office/drawing/2010/main">
+                <a:solidFill>
+                  <a:schemeClr val="accent1"/>
+                </a:solidFill>
+              </a14:hiddenFill>
+            </a:ext>
+            <a:ext uri="{91240B29-F687-4F45-9708-019B960494DF}">
+              <a14:hiddenLine xmlns:a14="http://schemas.microsoft.com/office/drawing/2010/main" w="9525">
+                <a:solidFill>
+                  <a:schemeClr val="tx1"/>
+                </a:solidFill>
+                <a:miter lim="800000"/>
+                <a:headEnd/>
+                <a:tailEnd/>
+              </a14:hiddenLine>
+            </a:ext>
+          </a:extLst>
+        </p:spPr>
+      </p:pic>
+      <p:sp>
+        <p:nvSpPr>
+          <p:cNvPr id="9" name="직사각형 8"/>
+          <p:cNvSpPr/>
+          <p:nvPr/>
+        </p:nvSpPr>
+        <p:spPr>
+          <a:xfrm>
+            <a:off x="3150" y="1149808"/>
+            <a:ext cx="10687100" cy="6398607"/>
+          </a:xfrm>
+          <a:prstGeom prst="rect">
+            <a:avLst/>
+          </a:prstGeom>
+          <a:noFill/>
+          <a:ln w="3175"/>
+        </p:spPr>
+        <p:style>
+          <a:lnRef idx="2">
+            <a:schemeClr val="accent1">
+              <a:shade val="50000"/>
+            </a:schemeClr>
+          </a:lnRef>
+          <a:fillRef idx="1">
+            <a:schemeClr val="accent1"/>
+          </a:fillRef>
+          <a:effectRef idx="0">
+            <a:schemeClr val="accent1"/>
+          </a:effectRef>
+          <a:fontRef idx="minor">
+            <a:schemeClr val="lt1"/>
+          </a:fontRef>
+        </p:style>
+        <p:txBody>
+          <a:bodyPr lIns="98173" tIns="49087" rIns="98173" bIns="49087" rtlCol="0" anchor="ctr"/>
+          <a:lstStyle/>
+          <a:p>
+            <a:pPr algn="ctr"/>
+            <a:endParaRPr lang="ko-KR" altLang="en-US" dirty="0"/>
+          </a:p>
+        </p:txBody>
+      </p:sp>
+      <p:sp>
+        <p:nvSpPr>
+          <p:cNvPr id="19" name="name"/>
+          <p:cNvSpPr txBox="1">
+            <a:spLocks/>
+          </p:cNvSpPr>
+          <p:nvPr/>
+        </p:nvSpPr>
+        <p:spPr>
+          <a:xfrm>
+            <a:off x="3150" y="2729156"/>
+            <a:ext cx="10701276" cy="2910858"/>
+          </a:xfrm>
+          <a:prstGeom prst="rect">
+            <a:avLst/>
+          </a:prstGeom>
+        </p:spPr>
+        <p:txBody>
+          <a:bodyPr vert="horz" lIns="98173" tIns="49087" rIns="98173" bIns="49087" rtlCol="0" anchor="ctr">
+            <a:normAutofit/>
+          </a:bodyPr>
+          <a:lstStyle>
+            <a:lvl1pPr algn="ctr" defTabSz="914400" rtl="0" eaLnBrk="1" latinLnBrk="1" hangingPunct="1">
+              <a:spcBef>
+                <a:spcPct val="0"/>
+              </a:spcBef>
+              <a:buNone/>
+              <a:defRPr sz="4400" kern="1200">
+                <a:solidFill>
+                  <a:schemeClr val="tx1"/>
+                </a:solidFill>
+                <a:latin typeface="+mj-lt"/>
+                <a:ea typeface="+mj-ea"/>
+                <a:cs typeface="+mj-cs"/>
+              </a:defRPr>
+            </a:lvl1pPr>
+          </a:lstStyle>
+          <a:p>
+            <a:r>
+              <a:rPr sz="13300"/>
+              <a:t/>
+            </a:r>
+          </a:p>
+        </p:txBody>
+      </p:sp>
+      <p:pic>
+        <p:nvPicPr>
+          <p:cNvPr id="2052" name="logo" descr="F:\★인천관광공사-디자인자료\★인천시_인천관광공사등-CI,BI\인천관광공사CI\공사CI-국문\인천관광공사-국문(가로).png"/>
+          <p:cNvPicPr>
+            <a:picLocks noChangeAspect="1" noChangeArrowheads="1"/>
+          </p:cNvPicPr>
+          <p:nvPr/>
+        </p:nvPicPr>
+        <p:blipFill>
+          <a:blip r:embed="rId3" cstate="print">
+            <a:extLst>
+              <a:ext uri="{28A0092B-C50C-407E-A947-70E740481C1C}">
+                <a14:useLocalDpi xmlns:a14="http://schemas.microsoft.com/office/drawing/2010/main" val="0"/>
+              </a:ext>
+            </a:extLst>
+          </a:blip>
+          <a:srcRect/>
+          <a:stretch>
+            <a:fillRect/>
+          </a:stretch>
+        </p:blipFill>
+        <p:spPr bwMode="auto">
+          <a:xfrm>
+            <a:off x="231042" y="227295"/>
+            <a:ext cx="1895554" cy="696674"/>
           </a:xfrm>
           <a:prstGeom prst="rect">
             <a:avLst/>
@@ -5318,88 +5374,35 @@
       </p:pic>
       <p:sp>
         <p:nvSpPr>
-          <p:cNvPr id="2" name="name">
+          <p:cNvPr id="7" name="pos">
             <a:extLst>
               <a:ext uri="{FF2B5EF4-FFF2-40B4-BE49-F238E27FC236}">
-                <a16:creationId xmlns:a16="http://schemas.microsoft.com/office/drawing/2014/main" id="{DD276CAC-41EF-4FEB-9E9F-65510454E4A2}"/>
+                <a16:creationId xmlns:a16="http://schemas.microsoft.com/office/drawing/2014/main" id="{B1532AC5-2DF7-4FA0-9A7A-4211F29B9C1B}"/>
               </a:ext>
             </a:extLst>
           </p:cNvPr>
-          <p:cNvSpPr>
-            <a:spLocks noGrp="1"/>
-          </p:cNvSpPr>
-          <p:nvPr>
-            <p:ph type="ctrTitle"/>
-          </p:nvPr>
+          <p:cNvSpPr txBox="1"/>
+          <p:nvPr/>
         </p:nvSpPr>
         <p:spPr>
           <a:xfrm>
-            <a:off x="0" y="4024822"/>
-            <a:ext cx="12191997" cy="2387600"/>
-          </a:xfrm>
-        </p:spPr>
-        <p:txBody>
-          <a:bodyPr anchor="ctr">
-            <a:noAutofit/>
+            <a:off x="3978548" y="377091"/>
+            <a:ext cx="6489598" cy="523220"/>
+          </a:xfrm>
+          <a:prstGeom prst="rect">
+            <a:avLst/>
+          </a:prstGeom>
+          <a:noFill/>
+        </p:spPr>
+        <p:txBody>
+          <a:bodyPr wrap="square" rtlCol="0">
+            <a:spAutoFit/>
           </a:bodyPr>
           <a:lstStyle/>
           <a:p>
-            <a:r>
-              <a:rPr sz="16800"/>
-              <a:t/>
-            </a:r>
-          </a:p>
-        </p:txBody>
-      </p:sp>
-      <p:sp>
-        <p:nvSpPr>
-          <p:cNvPr id="8" name="pos">
-            <a:extLst>
-              <a:ext uri="{FF2B5EF4-FFF2-40B4-BE49-F238E27FC236}">
-                <a16:creationId xmlns:a16="http://schemas.microsoft.com/office/drawing/2014/main" id="{631BD788-4196-42D9-AA81-6AD559485306}"/>
-              </a:ext>
-            </a:extLst>
-          </p:cNvPr>
-          <p:cNvSpPr txBox="1">
-            <a:spLocks/>
-          </p:cNvSpPr>
-          <p:nvPr/>
-        </p:nvSpPr>
-        <p:spPr>
-          <a:xfrm>
-            <a:off x="0" y="2776616"/>
-            <a:ext cx="12191998" cy="1057153"/>
-          </a:xfrm>
-          <a:prstGeom prst="rect">
-            <a:avLst/>
-          </a:prstGeom>
-        </p:spPr>
-        <p:txBody>
-          <a:bodyPr vert="horz" lIns="91440" tIns="45720" rIns="91440" bIns="45720" rtlCol="0" anchor="ctr">
-            <a:noAutofit/>
-          </a:bodyPr>
-          <a:lstStyle>
-            <a:lvl1pPr algn="ctr" defTabSz="914400" rtl="0" eaLnBrk="1" latinLnBrk="1" hangingPunct="1">
-              <a:lnSpc>
-                <a:spcPct val="90000"/>
-              </a:lnSpc>
-              <a:spcBef>
-                <a:spcPct val="0"/>
-              </a:spcBef>
-              <a:buNone/>
-              <a:defRPr sz="6000" kern="1200">
-                <a:solidFill>
-                  <a:schemeClr val="tx1"/>
-                </a:solidFill>
-                <a:latin typeface="+mj-lt"/>
-                <a:ea typeface="+mj-ea"/>
-                <a:cs typeface="+mj-cs"/>
-              </a:defRPr>
-            </a:lvl1pPr>
-          </a:lstStyle>
-          <a:p>
-            <a:r>
-              <a:rPr sz="5000"/>
+            <a:pPr algn="ctr"/>
+            <a:r>
+              <a:rPr sz="2800"/>
               <a:t/>
             </a:r>
           </a:p>
@@ -5408,7 +5411,7 @@
     </p:spTree>
     <p:extLst>
       <p:ext uri="{BB962C8B-B14F-4D97-AF65-F5344CB8AC3E}">
-        <p14:creationId xmlns:p14="http://schemas.microsoft.com/office/powerpoint/2010/main" val="2580959340"/>
+        <p14:creationId xmlns:p14="http://schemas.microsoft.com/office/powerpoint/2010/main" val="1241745978"/>
       </p:ext>
     </p:extLst>
   </p:cSld>
@@ -5435,67 +5438,9 @@
           <a:chExt cx="0" cy="0"/>
         </a:xfrm>
       </p:grpSpPr>
-      <p:sp>
-        <p:nvSpPr>
-          <p:cNvPr id="4" name="직사각형">
-            <a:extLst>
-              <a:ext uri="{FF2B5EF4-FFF2-40B4-BE49-F238E27FC236}">
-                <a16:creationId xmlns:a16="http://schemas.microsoft.com/office/drawing/2014/main" id="{E29727B3-DAB0-4A6A-8C1F-B3C1F5A77720}"/>
-              </a:ext>
-            </a:extLst>
-          </p:cNvPr>
-          <p:cNvSpPr/>
-          <p:nvPr/>
-        </p:nvSpPr>
-        <p:spPr>
-          <a:xfrm>
-            <a:off x="0" y="2371767"/>
-            <a:ext cx="12192000" cy="4478138"/>
-          </a:xfrm>
-          <a:prstGeom prst="rect">
-            <a:avLst/>
-          </a:prstGeom>
-          <a:solidFill>
-            <a:srgbClr val="1520FF"/>
-          </a:solidFill>
-          <a:ln>
-            <a:noFill/>
-          </a:ln>
-        </p:spPr>
-        <p:style>
-          <a:lnRef idx="2">
-            <a:schemeClr val="accent1">
-              <a:shade val="50000"/>
-            </a:schemeClr>
-          </a:lnRef>
-          <a:fillRef idx="1">
-            <a:schemeClr val="accent1"/>
-          </a:fillRef>
-          <a:effectRef idx="0">
-            <a:schemeClr val="accent1"/>
-          </a:effectRef>
-          <a:fontRef idx="minor">
-            <a:schemeClr val="lt1"/>
-          </a:fontRef>
-        </p:style>
-        <p:txBody>
-          <a:bodyPr rtlCol="0" anchor="ctr"/>
-          <a:lstStyle/>
-          <a:p>
-            <a:pPr algn="ctr"/>
-            <a:endParaRPr lang="ko-KR" altLang="en-US" dirty="0"/>
-          </a:p>
-        </p:txBody>
-      </p:sp>
       <p:pic>
         <p:nvPicPr>
-          <p:cNvPr id="3" name="logo" descr="2조원 파급 효과 내고도 매 맞은 &amp;#39;인천관광공사&amp;#39; - 위키리크스한국">
-            <a:extLst>
-              <a:ext uri="{FF2B5EF4-FFF2-40B4-BE49-F238E27FC236}">
-                <a16:creationId xmlns:a16="http://schemas.microsoft.com/office/drawing/2014/main" id="{E2D33970-FE8B-4A0A-AD13-6F0D6F5FB73A}"/>
-              </a:ext>
-            </a:extLst>
-          </p:cNvPr>
+          <p:cNvPr id="2050" name="Picture 2"/>
           <p:cNvPicPr>
             <a:picLocks noChangeAspect="1" noChangeArrowheads="1"/>
           </p:cNvPicPr>
@@ -5516,8 +5461,149 @@
         </p:blipFill>
         <p:spPr bwMode="auto">
           <a:xfrm>
-            <a:off x="3238499" y="95880"/>
-            <a:ext cx="5715000" cy="2219325"/>
+            <a:off x="3150" y="-1667"/>
+            <a:ext cx="10701276" cy="1151475"/>
+          </a:xfrm>
+          <a:prstGeom prst="rect">
+            <a:avLst/>
+          </a:prstGeom>
+          <a:noFill/>
+          <a:ln>
+            <a:noFill/>
+          </a:ln>
+          <a:extLst>
+            <a:ext uri="{909E8E84-426E-40DD-AFC4-6F175D3DCCD1}">
+              <a14:hiddenFill xmlns:a14="http://schemas.microsoft.com/office/drawing/2010/main">
+                <a:solidFill>
+                  <a:schemeClr val="accent1"/>
+                </a:solidFill>
+              </a14:hiddenFill>
+            </a:ext>
+            <a:ext uri="{91240B29-F687-4F45-9708-019B960494DF}">
+              <a14:hiddenLine xmlns:a14="http://schemas.microsoft.com/office/drawing/2010/main" w="9525">
+                <a:solidFill>
+                  <a:schemeClr val="tx1"/>
+                </a:solidFill>
+                <a:miter lim="800000"/>
+                <a:headEnd/>
+                <a:tailEnd/>
+              </a14:hiddenLine>
+            </a:ext>
+          </a:extLst>
+        </p:spPr>
+      </p:pic>
+      <p:sp>
+        <p:nvSpPr>
+          <p:cNvPr id="9" name="직사각형 8"/>
+          <p:cNvSpPr/>
+          <p:nvPr/>
+        </p:nvSpPr>
+        <p:spPr>
+          <a:xfrm>
+            <a:off x="3150" y="1149808"/>
+            <a:ext cx="10687100" cy="6398607"/>
+          </a:xfrm>
+          <a:prstGeom prst="rect">
+            <a:avLst/>
+          </a:prstGeom>
+          <a:noFill/>
+          <a:ln w="3175"/>
+        </p:spPr>
+        <p:style>
+          <a:lnRef idx="2">
+            <a:schemeClr val="accent1">
+              <a:shade val="50000"/>
+            </a:schemeClr>
+          </a:lnRef>
+          <a:fillRef idx="1">
+            <a:schemeClr val="accent1"/>
+          </a:fillRef>
+          <a:effectRef idx="0">
+            <a:schemeClr val="accent1"/>
+          </a:effectRef>
+          <a:fontRef idx="minor">
+            <a:schemeClr val="lt1"/>
+          </a:fontRef>
+        </p:style>
+        <p:txBody>
+          <a:bodyPr lIns="98173" tIns="49087" rIns="98173" bIns="49087" rtlCol="0" anchor="ctr"/>
+          <a:lstStyle/>
+          <a:p>
+            <a:pPr algn="ctr"/>
+            <a:endParaRPr lang="ko-KR" altLang="en-US" dirty="0"/>
+          </a:p>
+        </p:txBody>
+      </p:sp>
+      <p:sp>
+        <p:nvSpPr>
+          <p:cNvPr id="19" name="name"/>
+          <p:cNvSpPr txBox="1">
+            <a:spLocks/>
+          </p:cNvSpPr>
+          <p:nvPr/>
+        </p:nvSpPr>
+        <p:spPr>
+          <a:xfrm>
+            <a:off x="3150" y="2729156"/>
+            <a:ext cx="10701276" cy="2910858"/>
+          </a:xfrm>
+          <a:prstGeom prst="rect">
+            <a:avLst/>
+          </a:prstGeom>
+        </p:spPr>
+        <p:txBody>
+          <a:bodyPr vert="horz" lIns="98173" tIns="49087" rIns="98173" bIns="49087" rtlCol="0" anchor="ctr">
+            <a:normAutofit/>
+          </a:bodyPr>
+          <a:lstStyle>
+            <a:lvl1pPr algn="ctr" defTabSz="914400" rtl="0" eaLnBrk="1" latinLnBrk="1" hangingPunct="1">
+              <a:spcBef>
+                <a:spcPct val="0"/>
+              </a:spcBef>
+              <a:buNone/>
+              <a:defRPr sz="4400" kern="1200">
+                <a:solidFill>
+                  <a:schemeClr val="tx1"/>
+                </a:solidFill>
+                <a:latin typeface="+mj-lt"/>
+                <a:ea typeface="+mj-ea"/>
+                <a:cs typeface="+mj-cs"/>
+              </a:defRPr>
+            </a:lvl1pPr>
+          </a:lstStyle>
+          <a:p>
+            <a:r>
+              <a:rPr sz="13300"/>
+              <a:t/>
+            </a:r>
+          </a:p>
+        </p:txBody>
+      </p:sp>
+      <p:pic>
+        <p:nvPicPr>
+          <p:cNvPr id="2052" name="logo" descr="F:\★인천관광공사-디자인자료\★인천시_인천관광공사등-CI,BI\인천관광공사CI\공사CI-국문\인천관광공사-국문(가로).png"/>
+          <p:cNvPicPr>
+            <a:picLocks noChangeAspect="1" noChangeArrowheads="1"/>
+          </p:cNvPicPr>
+          <p:nvPr/>
+        </p:nvPicPr>
+        <p:blipFill>
+          <a:blip r:embed="rId3" cstate="print">
+            <a:extLst>
+              <a:ext uri="{28A0092B-C50C-407E-A947-70E740481C1C}">
+                <a14:useLocalDpi xmlns:a14="http://schemas.microsoft.com/office/drawing/2010/main" val="0"/>
+              </a:ext>
+            </a:extLst>
+          </a:blip>
+          <a:srcRect/>
+          <a:stretch>
+            <a:fillRect/>
+          </a:stretch>
+        </p:blipFill>
+        <p:spPr bwMode="auto">
+          <a:xfrm>
+            <a:off x="231042" y="227295"/>
+            <a:ext cx="1895554" cy="696674"/>
           </a:xfrm>
           <a:prstGeom prst="rect">
             <a:avLst/>
@@ -5536,88 +5622,35 @@
       </p:pic>
       <p:sp>
         <p:nvSpPr>
-          <p:cNvPr id="2" name="name">
+          <p:cNvPr id="7" name="pos">
             <a:extLst>
               <a:ext uri="{FF2B5EF4-FFF2-40B4-BE49-F238E27FC236}">
-                <a16:creationId xmlns:a16="http://schemas.microsoft.com/office/drawing/2014/main" id="{DD276CAC-41EF-4FEB-9E9F-65510454E4A2}"/>
+                <a16:creationId xmlns:a16="http://schemas.microsoft.com/office/drawing/2014/main" id="{B1532AC5-2DF7-4FA0-9A7A-4211F29B9C1B}"/>
               </a:ext>
             </a:extLst>
           </p:cNvPr>
-          <p:cNvSpPr>
-            <a:spLocks noGrp="1"/>
-          </p:cNvSpPr>
-          <p:nvPr>
-            <p:ph type="ctrTitle"/>
-          </p:nvPr>
+          <p:cNvSpPr txBox="1"/>
+          <p:nvPr/>
         </p:nvSpPr>
         <p:spPr>
           <a:xfrm>
-            <a:off x="0" y="4024822"/>
-            <a:ext cx="12191997" cy="2387600"/>
-          </a:xfrm>
-        </p:spPr>
-        <p:txBody>
-          <a:bodyPr anchor="ctr">
-            <a:noAutofit/>
+            <a:off x="3978548" y="377091"/>
+            <a:ext cx="6489598" cy="523220"/>
+          </a:xfrm>
+          <a:prstGeom prst="rect">
+            <a:avLst/>
+          </a:prstGeom>
+          <a:noFill/>
+        </p:spPr>
+        <p:txBody>
+          <a:bodyPr wrap="square" rtlCol="0">
+            <a:spAutoFit/>
           </a:bodyPr>
           <a:lstStyle/>
           <a:p>
-            <a:r>
-              <a:rPr sz="16800"/>
-              <a:t/>
-            </a:r>
-          </a:p>
-        </p:txBody>
-      </p:sp>
-      <p:sp>
-        <p:nvSpPr>
-          <p:cNvPr id="8" name="pos">
-            <a:extLst>
-              <a:ext uri="{FF2B5EF4-FFF2-40B4-BE49-F238E27FC236}">
-                <a16:creationId xmlns:a16="http://schemas.microsoft.com/office/drawing/2014/main" id="{631BD788-4196-42D9-AA81-6AD559485306}"/>
-              </a:ext>
-            </a:extLst>
-          </p:cNvPr>
-          <p:cNvSpPr txBox="1">
-            <a:spLocks/>
-          </p:cNvSpPr>
-          <p:nvPr/>
-        </p:nvSpPr>
-        <p:spPr>
-          <a:xfrm>
-            <a:off x="0" y="2776616"/>
-            <a:ext cx="12191998" cy="1057153"/>
-          </a:xfrm>
-          <a:prstGeom prst="rect">
-            <a:avLst/>
-          </a:prstGeom>
-        </p:spPr>
-        <p:txBody>
-          <a:bodyPr vert="horz" lIns="91440" tIns="45720" rIns="91440" bIns="45720" rtlCol="0" anchor="ctr">
-            <a:noAutofit/>
-          </a:bodyPr>
-          <a:lstStyle>
-            <a:lvl1pPr algn="ctr" defTabSz="914400" rtl="0" eaLnBrk="1" latinLnBrk="1" hangingPunct="1">
-              <a:lnSpc>
-                <a:spcPct val="90000"/>
-              </a:lnSpc>
-              <a:spcBef>
-                <a:spcPct val="0"/>
-              </a:spcBef>
-              <a:buNone/>
-              <a:defRPr sz="6000" kern="1200">
-                <a:solidFill>
-                  <a:schemeClr val="tx1"/>
-                </a:solidFill>
-                <a:latin typeface="+mj-lt"/>
-                <a:ea typeface="+mj-ea"/>
-                <a:cs typeface="+mj-cs"/>
-              </a:defRPr>
-            </a:lvl1pPr>
-          </a:lstStyle>
-          <a:p>
-            <a:r>
-              <a:rPr sz="5000"/>
+            <a:pPr algn="ctr"/>
+            <a:r>
+              <a:rPr sz="2800"/>
               <a:t/>
             </a:r>
           </a:p>
@@ -5626,7 +5659,7 @@
     </p:spTree>
     <p:extLst>
       <p:ext uri="{BB962C8B-B14F-4D97-AF65-F5344CB8AC3E}">
-        <p14:creationId xmlns:p14="http://schemas.microsoft.com/office/powerpoint/2010/main" val="2278874990"/>
+        <p14:creationId xmlns:p14="http://schemas.microsoft.com/office/powerpoint/2010/main" val="1525127838"/>
       </p:ext>
     </p:extLst>
   </p:cSld>
@@ -5653,67 +5686,9 @@
           <a:chExt cx="0" cy="0"/>
         </a:xfrm>
       </p:grpSpPr>
-      <p:sp>
-        <p:nvSpPr>
-          <p:cNvPr id="4" name="직사각형">
-            <a:extLst>
-              <a:ext uri="{FF2B5EF4-FFF2-40B4-BE49-F238E27FC236}">
-                <a16:creationId xmlns:a16="http://schemas.microsoft.com/office/drawing/2014/main" id="{E29727B3-DAB0-4A6A-8C1F-B3C1F5A77720}"/>
-              </a:ext>
-            </a:extLst>
-          </p:cNvPr>
-          <p:cNvSpPr/>
-          <p:nvPr/>
-        </p:nvSpPr>
-        <p:spPr>
-          <a:xfrm>
-            <a:off x="0" y="2371767"/>
-            <a:ext cx="12192000" cy="4478138"/>
-          </a:xfrm>
-          <a:prstGeom prst="rect">
-            <a:avLst/>
-          </a:prstGeom>
-          <a:solidFill>
-            <a:srgbClr val="1520FF"/>
-          </a:solidFill>
-          <a:ln>
-            <a:noFill/>
-          </a:ln>
-        </p:spPr>
-        <p:style>
-          <a:lnRef idx="2">
-            <a:schemeClr val="accent1">
-              <a:shade val="50000"/>
-            </a:schemeClr>
-          </a:lnRef>
-          <a:fillRef idx="1">
-            <a:schemeClr val="accent1"/>
-          </a:fillRef>
-          <a:effectRef idx="0">
-            <a:schemeClr val="accent1"/>
-          </a:effectRef>
-          <a:fontRef idx="minor">
-            <a:schemeClr val="lt1"/>
-          </a:fontRef>
-        </p:style>
-        <p:txBody>
-          <a:bodyPr rtlCol="0" anchor="ctr"/>
-          <a:lstStyle/>
-          <a:p>
-            <a:pPr algn="ctr"/>
-            <a:endParaRPr lang="ko-KR" altLang="en-US" dirty="0"/>
-          </a:p>
-        </p:txBody>
-      </p:sp>
       <p:pic>
         <p:nvPicPr>
-          <p:cNvPr id="3" name="logo" descr="2조원 파급 효과 내고도 매 맞은 &amp;#39;인천관광공사&amp;#39; - 위키리크스한국">
-            <a:extLst>
-              <a:ext uri="{FF2B5EF4-FFF2-40B4-BE49-F238E27FC236}">
-                <a16:creationId xmlns:a16="http://schemas.microsoft.com/office/drawing/2014/main" id="{E2D33970-FE8B-4A0A-AD13-6F0D6F5FB73A}"/>
-              </a:ext>
-            </a:extLst>
-          </p:cNvPr>
+          <p:cNvPr id="2050" name="Picture 2"/>
           <p:cNvPicPr>
             <a:picLocks noChangeAspect="1" noChangeArrowheads="1"/>
           </p:cNvPicPr>
@@ -5734,8 +5709,149 @@
         </p:blipFill>
         <p:spPr bwMode="auto">
           <a:xfrm>
-            <a:off x="3238499" y="95880"/>
-            <a:ext cx="5715000" cy="2219325"/>
+            <a:off x="3150" y="-1667"/>
+            <a:ext cx="10701276" cy="1151475"/>
+          </a:xfrm>
+          <a:prstGeom prst="rect">
+            <a:avLst/>
+          </a:prstGeom>
+          <a:noFill/>
+          <a:ln>
+            <a:noFill/>
+          </a:ln>
+          <a:extLst>
+            <a:ext uri="{909E8E84-426E-40DD-AFC4-6F175D3DCCD1}">
+              <a14:hiddenFill xmlns:a14="http://schemas.microsoft.com/office/drawing/2010/main">
+                <a:solidFill>
+                  <a:schemeClr val="accent1"/>
+                </a:solidFill>
+              </a14:hiddenFill>
+            </a:ext>
+            <a:ext uri="{91240B29-F687-4F45-9708-019B960494DF}">
+              <a14:hiddenLine xmlns:a14="http://schemas.microsoft.com/office/drawing/2010/main" w="9525">
+                <a:solidFill>
+                  <a:schemeClr val="tx1"/>
+                </a:solidFill>
+                <a:miter lim="800000"/>
+                <a:headEnd/>
+                <a:tailEnd/>
+              </a14:hiddenLine>
+            </a:ext>
+          </a:extLst>
+        </p:spPr>
+      </p:pic>
+      <p:sp>
+        <p:nvSpPr>
+          <p:cNvPr id="9" name="직사각형 8"/>
+          <p:cNvSpPr/>
+          <p:nvPr/>
+        </p:nvSpPr>
+        <p:spPr>
+          <a:xfrm>
+            <a:off x="3150" y="1149808"/>
+            <a:ext cx="10687100" cy="6398607"/>
+          </a:xfrm>
+          <a:prstGeom prst="rect">
+            <a:avLst/>
+          </a:prstGeom>
+          <a:noFill/>
+          <a:ln w="3175"/>
+        </p:spPr>
+        <p:style>
+          <a:lnRef idx="2">
+            <a:schemeClr val="accent1">
+              <a:shade val="50000"/>
+            </a:schemeClr>
+          </a:lnRef>
+          <a:fillRef idx="1">
+            <a:schemeClr val="accent1"/>
+          </a:fillRef>
+          <a:effectRef idx="0">
+            <a:schemeClr val="accent1"/>
+          </a:effectRef>
+          <a:fontRef idx="minor">
+            <a:schemeClr val="lt1"/>
+          </a:fontRef>
+        </p:style>
+        <p:txBody>
+          <a:bodyPr lIns="98173" tIns="49087" rIns="98173" bIns="49087" rtlCol="0" anchor="ctr"/>
+          <a:lstStyle/>
+          <a:p>
+            <a:pPr algn="ctr"/>
+            <a:endParaRPr lang="ko-KR" altLang="en-US" dirty="0"/>
+          </a:p>
+        </p:txBody>
+      </p:sp>
+      <p:sp>
+        <p:nvSpPr>
+          <p:cNvPr id="19" name="name"/>
+          <p:cNvSpPr txBox="1">
+            <a:spLocks/>
+          </p:cNvSpPr>
+          <p:nvPr/>
+        </p:nvSpPr>
+        <p:spPr>
+          <a:xfrm>
+            <a:off x="3150" y="2729156"/>
+            <a:ext cx="10701276" cy="2910858"/>
+          </a:xfrm>
+          <a:prstGeom prst="rect">
+            <a:avLst/>
+          </a:prstGeom>
+        </p:spPr>
+        <p:txBody>
+          <a:bodyPr vert="horz" lIns="98173" tIns="49087" rIns="98173" bIns="49087" rtlCol="0" anchor="ctr">
+            <a:normAutofit/>
+          </a:bodyPr>
+          <a:lstStyle>
+            <a:lvl1pPr algn="ctr" defTabSz="914400" rtl="0" eaLnBrk="1" latinLnBrk="1" hangingPunct="1">
+              <a:spcBef>
+                <a:spcPct val="0"/>
+              </a:spcBef>
+              <a:buNone/>
+              <a:defRPr sz="4400" kern="1200">
+                <a:solidFill>
+                  <a:schemeClr val="tx1"/>
+                </a:solidFill>
+                <a:latin typeface="+mj-lt"/>
+                <a:ea typeface="+mj-ea"/>
+                <a:cs typeface="+mj-cs"/>
+              </a:defRPr>
+            </a:lvl1pPr>
+          </a:lstStyle>
+          <a:p>
+            <a:r>
+              <a:rPr sz="13300"/>
+              <a:t/>
+            </a:r>
+          </a:p>
+        </p:txBody>
+      </p:sp>
+      <p:pic>
+        <p:nvPicPr>
+          <p:cNvPr id="2052" name="logo" descr="F:\★인천관광공사-디자인자료\★인천시_인천관광공사등-CI,BI\인천관광공사CI\공사CI-국문\인천관광공사-국문(가로).png"/>
+          <p:cNvPicPr>
+            <a:picLocks noChangeAspect="1" noChangeArrowheads="1"/>
+          </p:cNvPicPr>
+          <p:nvPr/>
+        </p:nvPicPr>
+        <p:blipFill>
+          <a:blip r:embed="rId3" cstate="print">
+            <a:extLst>
+              <a:ext uri="{28A0092B-C50C-407E-A947-70E740481C1C}">
+                <a14:useLocalDpi xmlns:a14="http://schemas.microsoft.com/office/drawing/2010/main" val="0"/>
+              </a:ext>
+            </a:extLst>
+          </a:blip>
+          <a:srcRect/>
+          <a:stretch>
+            <a:fillRect/>
+          </a:stretch>
+        </p:blipFill>
+        <p:spPr bwMode="auto">
+          <a:xfrm>
+            <a:off x="231042" y="227295"/>
+            <a:ext cx="1895554" cy="696674"/>
           </a:xfrm>
           <a:prstGeom prst="rect">
             <a:avLst/>
@@ -5754,88 +5870,35 @@
       </p:pic>
       <p:sp>
         <p:nvSpPr>
-          <p:cNvPr id="2" name="name">
+          <p:cNvPr id="7" name="pos">
             <a:extLst>
               <a:ext uri="{FF2B5EF4-FFF2-40B4-BE49-F238E27FC236}">
-                <a16:creationId xmlns:a16="http://schemas.microsoft.com/office/drawing/2014/main" id="{DD276CAC-41EF-4FEB-9E9F-65510454E4A2}"/>
+                <a16:creationId xmlns:a16="http://schemas.microsoft.com/office/drawing/2014/main" id="{B1532AC5-2DF7-4FA0-9A7A-4211F29B9C1B}"/>
               </a:ext>
             </a:extLst>
           </p:cNvPr>
-          <p:cNvSpPr>
-            <a:spLocks noGrp="1"/>
-          </p:cNvSpPr>
-          <p:nvPr>
-            <p:ph type="ctrTitle"/>
-          </p:nvPr>
+          <p:cNvSpPr txBox="1"/>
+          <p:nvPr/>
         </p:nvSpPr>
         <p:spPr>
           <a:xfrm>
-            <a:off x="0" y="4024822"/>
-            <a:ext cx="12191997" cy="2387600"/>
-          </a:xfrm>
-        </p:spPr>
-        <p:txBody>
-          <a:bodyPr anchor="ctr">
-            <a:noAutofit/>
+            <a:off x="3978548" y="377091"/>
+            <a:ext cx="6489598" cy="523220"/>
+          </a:xfrm>
+          <a:prstGeom prst="rect">
+            <a:avLst/>
+          </a:prstGeom>
+          <a:noFill/>
+        </p:spPr>
+        <p:txBody>
+          <a:bodyPr wrap="square" rtlCol="0">
+            <a:spAutoFit/>
           </a:bodyPr>
           <a:lstStyle/>
           <a:p>
-            <a:r>
-              <a:rPr sz="16800"/>
-              <a:t/>
-            </a:r>
-          </a:p>
-        </p:txBody>
-      </p:sp>
-      <p:sp>
-        <p:nvSpPr>
-          <p:cNvPr id="8" name="pos">
-            <a:extLst>
-              <a:ext uri="{FF2B5EF4-FFF2-40B4-BE49-F238E27FC236}">
-                <a16:creationId xmlns:a16="http://schemas.microsoft.com/office/drawing/2014/main" id="{631BD788-4196-42D9-AA81-6AD559485306}"/>
-              </a:ext>
-            </a:extLst>
-          </p:cNvPr>
-          <p:cNvSpPr txBox="1">
-            <a:spLocks/>
-          </p:cNvSpPr>
-          <p:nvPr/>
-        </p:nvSpPr>
-        <p:spPr>
-          <a:xfrm>
-            <a:off x="0" y="2776616"/>
-            <a:ext cx="12191998" cy="1057153"/>
-          </a:xfrm>
-          <a:prstGeom prst="rect">
-            <a:avLst/>
-          </a:prstGeom>
-        </p:spPr>
-        <p:txBody>
-          <a:bodyPr vert="horz" lIns="91440" tIns="45720" rIns="91440" bIns="45720" rtlCol="0" anchor="ctr">
-            <a:noAutofit/>
-          </a:bodyPr>
-          <a:lstStyle>
-            <a:lvl1pPr algn="ctr" defTabSz="914400" rtl="0" eaLnBrk="1" latinLnBrk="1" hangingPunct="1">
-              <a:lnSpc>
-                <a:spcPct val="90000"/>
-              </a:lnSpc>
-              <a:spcBef>
-                <a:spcPct val="0"/>
-              </a:spcBef>
-              <a:buNone/>
-              <a:defRPr sz="6000" kern="1200">
-                <a:solidFill>
-                  <a:schemeClr val="tx1"/>
-                </a:solidFill>
-                <a:latin typeface="+mj-lt"/>
-                <a:ea typeface="+mj-ea"/>
-                <a:cs typeface="+mj-cs"/>
-              </a:defRPr>
-            </a:lvl1pPr>
-          </a:lstStyle>
-          <a:p>
-            <a:r>
-              <a:rPr sz="5000"/>
+            <a:pPr algn="ctr"/>
+            <a:r>
+              <a:rPr sz="2800"/>
               <a:t/>
             </a:r>
           </a:p>
@@ -5844,7 +5907,7 @@
     </p:spTree>
     <p:extLst>
       <p:ext uri="{BB962C8B-B14F-4D97-AF65-F5344CB8AC3E}">
-        <p14:creationId xmlns:p14="http://schemas.microsoft.com/office/powerpoint/2010/main" val="1875801021"/>
+        <p14:creationId xmlns:p14="http://schemas.microsoft.com/office/powerpoint/2010/main" val="4146325567"/>
       </p:ext>
     </p:extLst>
   </p:cSld>
@@ -5871,67 +5934,9 @@
           <a:chExt cx="0" cy="0"/>
         </a:xfrm>
       </p:grpSpPr>
-      <p:sp>
-        <p:nvSpPr>
-          <p:cNvPr id="4" name="직사각형">
-            <a:extLst>
-              <a:ext uri="{FF2B5EF4-FFF2-40B4-BE49-F238E27FC236}">
-                <a16:creationId xmlns:a16="http://schemas.microsoft.com/office/drawing/2014/main" id="{E29727B3-DAB0-4A6A-8C1F-B3C1F5A77720}"/>
-              </a:ext>
-            </a:extLst>
-          </p:cNvPr>
-          <p:cNvSpPr/>
-          <p:nvPr/>
-        </p:nvSpPr>
-        <p:spPr>
-          <a:xfrm>
-            <a:off x="0" y="2371767"/>
-            <a:ext cx="12192000" cy="4478138"/>
-          </a:xfrm>
-          <a:prstGeom prst="rect">
-            <a:avLst/>
-          </a:prstGeom>
-          <a:solidFill>
-            <a:srgbClr val="1520FF"/>
-          </a:solidFill>
-          <a:ln>
-            <a:noFill/>
-          </a:ln>
-        </p:spPr>
-        <p:style>
-          <a:lnRef idx="2">
-            <a:schemeClr val="accent1">
-              <a:shade val="50000"/>
-            </a:schemeClr>
-          </a:lnRef>
-          <a:fillRef idx="1">
-            <a:schemeClr val="accent1"/>
-          </a:fillRef>
-          <a:effectRef idx="0">
-            <a:schemeClr val="accent1"/>
-          </a:effectRef>
-          <a:fontRef idx="minor">
-            <a:schemeClr val="lt1"/>
-          </a:fontRef>
-        </p:style>
-        <p:txBody>
-          <a:bodyPr rtlCol="0" anchor="ctr"/>
-          <a:lstStyle/>
-          <a:p>
-            <a:pPr algn="ctr"/>
-            <a:endParaRPr lang="ko-KR" altLang="en-US" dirty="0"/>
-          </a:p>
-        </p:txBody>
-      </p:sp>
       <p:pic>
         <p:nvPicPr>
-          <p:cNvPr id="3" name="logo" descr="2조원 파급 효과 내고도 매 맞은 &amp;#39;인천관광공사&amp;#39; - 위키리크스한국">
-            <a:extLst>
-              <a:ext uri="{FF2B5EF4-FFF2-40B4-BE49-F238E27FC236}">
-                <a16:creationId xmlns:a16="http://schemas.microsoft.com/office/drawing/2014/main" id="{E2D33970-FE8B-4A0A-AD13-6F0D6F5FB73A}"/>
-              </a:ext>
-            </a:extLst>
-          </p:cNvPr>
+          <p:cNvPr id="2050" name="Picture 2"/>
           <p:cNvPicPr>
             <a:picLocks noChangeAspect="1" noChangeArrowheads="1"/>
           </p:cNvPicPr>
@@ -5952,8 +5957,149 @@
         </p:blipFill>
         <p:spPr bwMode="auto">
           <a:xfrm>
-            <a:off x="3238499" y="95880"/>
-            <a:ext cx="5715000" cy="2219325"/>
+            <a:off x="3150" y="-1667"/>
+            <a:ext cx="10701276" cy="1151475"/>
+          </a:xfrm>
+          <a:prstGeom prst="rect">
+            <a:avLst/>
+          </a:prstGeom>
+          <a:noFill/>
+          <a:ln>
+            <a:noFill/>
+          </a:ln>
+          <a:extLst>
+            <a:ext uri="{909E8E84-426E-40DD-AFC4-6F175D3DCCD1}">
+              <a14:hiddenFill xmlns:a14="http://schemas.microsoft.com/office/drawing/2010/main">
+                <a:solidFill>
+                  <a:schemeClr val="accent1"/>
+                </a:solidFill>
+              </a14:hiddenFill>
+            </a:ext>
+            <a:ext uri="{91240B29-F687-4F45-9708-019B960494DF}">
+              <a14:hiddenLine xmlns:a14="http://schemas.microsoft.com/office/drawing/2010/main" w="9525">
+                <a:solidFill>
+                  <a:schemeClr val="tx1"/>
+                </a:solidFill>
+                <a:miter lim="800000"/>
+                <a:headEnd/>
+                <a:tailEnd/>
+              </a14:hiddenLine>
+            </a:ext>
+          </a:extLst>
+        </p:spPr>
+      </p:pic>
+      <p:sp>
+        <p:nvSpPr>
+          <p:cNvPr id="9" name="직사각형 8"/>
+          <p:cNvSpPr/>
+          <p:nvPr/>
+        </p:nvSpPr>
+        <p:spPr>
+          <a:xfrm>
+            <a:off x="3150" y="1149808"/>
+            <a:ext cx="10687100" cy="6398607"/>
+          </a:xfrm>
+          <a:prstGeom prst="rect">
+            <a:avLst/>
+          </a:prstGeom>
+          <a:noFill/>
+          <a:ln w="3175"/>
+        </p:spPr>
+        <p:style>
+          <a:lnRef idx="2">
+            <a:schemeClr val="accent1">
+              <a:shade val="50000"/>
+            </a:schemeClr>
+          </a:lnRef>
+          <a:fillRef idx="1">
+            <a:schemeClr val="accent1"/>
+          </a:fillRef>
+          <a:effectRef idx="0">
+            <a:schemeClr val="accent1"/>
+          </a:effectRef>
+          <a:fontRef idx="minor">
+            <a:schemeClr val="lt1"/>
+          </a:fontRef>
+        </p:style>
+        <p:txBody>
+          <a:bodyPr lIns="98173" tIns="49087" rIns="98173" bIns="49087" rtlCol="0" anchor="ctr"/>
+          <a:lstStyle/>
+          <a:p>
+            <a:pPr algn="ctr"/>
+            <a:endParaRPr lang="ko-KR" altLang="en-US" dirty="0"/>
+          </a:p>
+        </p:txBody>
+      </p:sp>
+      <p:sp>
+        <p:nvSpPr>
+          <p:cNvPr id="19" name="name"/>
+          <p:cNvSpPr txBox="1">
+            <a:spLocks/>
+          </p:cNvSpPr>
+          <p:nvPr/>
+        </p:nvSpPr>
+        <p:spPr>
+          <a:xfrm>
+            <a:off x="3150" y="2729156"/>
+            <a:ext cx="10701276" cy="2910858"/>
+          </a:xfrm>
+          <a:prstGeom prst="rect">
+            <a:avLst/>
+          </a:prstGeom>
+        </p:spPr>
+        <p:txBody>
+          <a:bodyPr vert="horz" lIns="98173" tIns="49087" rIns="98173" bIns="49087" rtlCol="0" anchor="ctr">
+            <a:normAutofit/>
+          </a:bodyPr>
+          <a:lstStyle>
+            <a:lvl1pPr algn="ctr" defTabSz="914400" rtl="0" eaLnBrk="1" latinLnBrk="1" hangingPunct="1">
+              <a:spcBef>
+                <a:spcPct val="0"/>
+              </a:spcBef>
+              <a:buNone/>
+              <a:defRPr sz="4400" kern="1200">
+                <a:solidFill>
+                  <a:schemeClr val="tx1"/>
+                </a:solidFill>
+                <a:latin typeface="+mj-lt"/>
+                <a:ea typeface="+mj-ea"/>
+                <a:cs typeface="+mj-cs"/>
+              </a:defRPr>
+            </a:lvl1pPr>
+          </a:lstStyle>
+          <a:p>
+            <a:r>
+              <a:rPr sz="13300"/>
+              <a:t/>
+            </a:r>
+          </a:p>
+        </p:txBody>
+      </p:sp>
+      <p:pic>
+        <p:nvPicPr>
+          <p:cNvPr id="2052" name="logo" descr="F:\★인천관광공사-디자인자료\★인천시_인천관광공사등-CI,BI\인천관광공사CI\공사CI-국문\인천관광공사-국문(가로).png"/>
+          <p:cNvPicPr>
+            <a:picLocks noChangeAspect="1" noChangeArrowheads="1"/>
+          </p:cNvPicPr>
+          <p:nvPr/>
+        </p:nvPicPr>
+        <p:blipFill>
+          <a:blip r:embed="rId3" cstate="print">
+            <a:extLst>
+              <a:ext uri="{28A0092B-C50C-407E-A947-70E740481C1C}">
+                <a14:useLocalDpi xmlns:a14="http://schemas.microsoft.com/office/drawing/2010/main" val="0"/>
+              </a:ext>
+            </a:extLst>
+          </a:blip>
+          <a:srcRect/>
+          <a:stretch>
+            <a:fillRect/>
+          </a:stretch>
+        </p:blipFill>
+        <p:spPr bwMode="auto">
+          <a:xfrm>
+            <a:off x="231042" y="227295"/>
+            <a:ext cx="1895554" cy="696674"/>
           </a:xfrm>
           <a:prstGeom prst="rect">
             <a:avLst/>
@@ -5972,88 +6118,35 @@
       </p:pic>
       <p:sp>
         <p:nvSpPr>
-          <p:cNvPr id="2" name="name">
+          <p:cNvPr id="7" name="pos">
             <a:extLst>
               <a:ext uri="{FF2B5EF4-FFF2-40B4-BE49-F238E27FC236}">
-                <a16:creationId xmlns:a16="http://schemas.microsoft.com/office/drawing/2014/main" id="{DD276CAC-41EF-4FEB-9E9F-65510454E4A2}"/>
+                <a16:creationId xmlns:a16="http://schemas.microsoft.com/office/drawing/2014/main" id="{B1532AC5-2DF7-4FA0-9A7A-4211F29B9C1B}"/>
               </a:ext>
             </a:extLst>
           </p:cNvPr>
-          <p:cNvSpPr>
-            <a:spLocks noGrp="1"/>
-          </p:cNvSpPr>
-          <p:nvPr>
-            <p:ph type="ctrTitle"/>
-          </p:nvPr>
+          <p:cNvSpPr txBox="1"/>
+          <p:nvPr/>
         </p:nvSpPr>
         <p:spPr>
           <a:xfrm>
-            <a:off x="0" y="4024822"/>
-            <a:ext cx="12191997" cy="2387600"/>
-          </a:xfrm>
-        </p:spPr>
-        <p:txBody>
-          <a:bodyPr anchor="ctr">
-            <a:noAutofit/>
+            <a:off x="3978548" y="377091"/>
+            <a:ext cx="6489598" cy="523220"/>
+          </a:xfrm>
+          <a:prstGeom prst="rect">
+            <a:avLst/>
+          </a:prstGeom>
+          <a:noFill/>
+        </p:spPr>
+        <p:txBody>
+          <a:bodyPr wrap="square" rtlCol="0">
+            <a:spAutoFit/>
           </a:bodyPr>
           <a:lstStyle/>
           <a:p>
-            <a:r>
-              <a:rPr sz="16800"/>
-              <a:t/>
-            </a:r>
-          </a:p>
-        </p:txBody>
-      </p:sp>
-      <p:sp>
-        <p:nvSpPr>
-          <p:cNvPr id="8" name="pos">
-            <a:extLst>
-              <a:ext uri="{FF2B5EF4-FFF2-40B4-BE49-F238E27FC236}">
-                <a16:creationId xmlns:a16="http://schemas.microsoft.com/office/drawing/2014/main" id="{631BD788-4196-42D9-AA81-6AD559485306}"/>
-              </a:ext>
-            </a:extLst>
-          </p:cNvPr>
-          <p:cNvSpPr txBox="1">
-            <a:spLocks/>
-          </p:cNvSpPr>
-          <p:nvPr/>
-        </p:nvSpPr>
-        <p:spPr>
-          <a:xfrm>
-            <a:off x="0" y="2776616"/>
-            <a:ext cx="12191998" cy="1057153"/>
-          </a:xfrm>
-          <a:prstGeom prst="rect">
-            <a:avLst/>
-          </a:prstGeom>
-        </p:spPr>
-        <p:txBody>
-          <a:bodyPr vert="horz" lIns="91440" tIns="45720" rIns="91440" bIns="45720" rtlCol="0" anchor="ctr">
-            <a:noAutofit/>
-          </a:bodyPr>
-          <a:lstStyle>
-            <a:lvl1pPr algn="ctr" defTabSz="914400" rtl="0" eaLnBrk="1" latinLnBrk="1" hangingPunct="1">
-              <a:lnSpc>
-                <a:spcPct val="90000"/>
-              </a:lnSpc>
-              <a:spcBef>
-                <a:spcPct val="0"/>
-              </a:spcBef>
-              <a:buNone/>
-              <a:defRPr sz="6000" kern="1200">
-                <a:solidFill>
-                  <a:schemeClr val="tx1"/>
-                </a:solidFill>
-                <a:latin typeface="+mj-lt"/>
-                <a:ea typeface="+mj-ea"/>
-                <a:cs typeface="+mj-cs"/>
-              </a:defRPr>
-            </a:lvl1pPr>
-          </a:lstStyle>
-          <a:p>
-            <a:r>
-              <a:rPr sz="5000"/>
+            <a:pPr algn="ctr"/>
+            <a:r>
+              <a:rPr sz="2800"/>
               <a:t/>
             </a:r>
           </a:p>
@@ -6062,7 +6155,7 @@
     </p:spTree>
     <p:extLst>
       <p:ext uri="{BB962C8B-B14F-4D97-AF65-F5344CB8AC3E}">
-        <p14:creationId xmlns:p14="http://schemas.microsoft.com/office/powerpoint/2010/main" val="1478025612"/>
+        <p14:creationId xmlns:p14="http://schemas.microsoft.com/office/powerpoint/2010/main" val="3198415775"/>
       </p:ext>
     </p:extLst>
   </p:cSld>
@@ -6089,67 +6182,9 @@
           <a:chExt cx="0" cy="0"/>
         </a:xfrm>
       </p:grpSpPr>
-      <p:sp>
-        <p:nvSpPr>
-          <p:cNvPr id="4" name="직사각형">
-            <a:extLst>
-              <a:ext uri="{FF2B5EF4-FFF2-40B4-BE49-F238E27FC236}">
-                <a16:creationId xmlns:a16="http://schemas.microsoft.com/office/drawing/2014/main" id="{E29727B3-DAB0-4A6A-8C1F-B3C1F5A77720}"/>
-              </a:ext>
-            </a:extLst>
-          </p:cNvPr>
-          <p:cNvSpPr/>
-          <p:nvPr/>
-        </p:nvSpPr>
-        <p:spPr>
-          <a:xfrm>
-            <a:off x="0" y="2371767"/>
-            <a:ext cx="12192000" cy="4478138"/>
-          </a:xfrm>
-          <a:prstGeom prst="rect">
-            <a:avLst/>
-          </a:prstGeom>
-          <a:solidFill>
-            <a:srgbClr val="1520FF"/>
-          </a:solidFill>
-          <a:ln>
-            <a:noFill/>
-          </a:ln>
-        </p:spPr>
-        <p:style>
-          <a:lnRef idx="2">
-            <a:schemeClr val="accent1">
-              <a:shade val="50000"/>
-            </a:schemeClr>
-          </a:lnRef>
-          <a:fillRef idx="1">
-            <a:schemeClr val="accent1"/>
-          </a:fillRef>
-          <a:effectRef idx="0">
-            <a:schemeClr val="accent1"/>
-          </a:effectRef>
-          <a:fontRef idx="minor">
-            <a:schemeClr val="lt1"/>
-          </a:fontRef>
-        </p:style>
-        <p:txBody>
-          <a:bodyPr rtlCol="0" anchor="ctr"/>
-          <a:lstStyle/>
-          <a:p>
-            <a:pPr algn="ctr"/>
-            <a:endParaRPr lang="ko-KR" altLang="en-US" dirty="0"/>
-          </a:p>
-        </p:txBody>
-      </p:sp>
       <p:pic>
         <p:nvPicPr>
-          <p:cNvPr id="3" name="logo" descr="2조원 파급 효과 내고도 매 맞은 &amp;#39;인천관광공사&amp;#39; - 위키리크스한국">
-            <a:extLst>
-              <a:ext uri="{FF2B5EF4-FFF2-40B4-BE49-F238E27FC236}">
-                <a16:creationId xmlns:a16="http://schemas.microsoft.com/office/drawing/2014/main" id="{E2D33970-FE8B-4A0A-AD13-6F0D6F5FB73A}"/>
-              </a:ext>
-            </a:extLst>
-          </p:cNvPr>
+          <p:cNvPr id="2050" name="Picture 2"/>
           <p:cNvPicPr>
             <a:picLocks noChangeAspect="1" noChangeArrowheads="1"/>
           </p:cNvPicPr>
@@ -6170,8 +6205,149 @@
         </p:blipFill>
         <p:spPr bwMode="auto">
           <a:xfrm>
-            <a:off x="3238499" y="95880"/>
-            <a:ext cx="5715000" cy="2219325"/>
+            <a:off x="3150" y="-1667"/>
+            <a:ext cx="10701276" cy="1151475"/>
+          </a:xfrm>
+          <a:prstGeom prst="rect">
+            <a:avLst/>
+          </a:prstGeom>
+          <a:noFill/>
+          <a:ln>
+            <a:noFill/>
+          </a:ln>
+          <a:extLst>
+            <a:ext uri="{909E8E84-426E-40DD-AFC4-6F175D3DCCD1}">
+              <a14:hiddenFill xmlns:a14="http://schemas.microsoft.com/office/drawing/2010/main">
+                <a:solidFill>
+                  <a:schemeClr val="accent1"/>
+                </a:solidFill>
+              </a14:hiddenFill>
+            </a:ext>
+            <a:ext uri="{91240B29-F687-4F45-9708-019B960494DF}">
+              <a14:hiddenLine xmlns:a14="http://schemas.microsoft.com/office/drawing/2010/main" w="9525">
+                <a:solidFill>
+                  <a:schemeClr val="tx1"/>
+                </a:solidFill>
+                <a:miter lim="800000"/>
+                <a:headEnd/>
+                <a:tailEnd/>
+              </a14:hiddenLine>
+            </a:ext>
+          </a:extLst>
+        </p:spPr>
+      </p:pic>
+      <p:sp>
+        <p:nvSpPr>
+          <p:cNvPr id="9" name="직사각형 8"/>
+          <p:cNvSpPr/>
+          <p:nvPr/>
+        </p:nvSpPr>
+        <p:spPr>
+          <a:xfrm>
+            <a:off x="3150" y="1149808"/>
+            <a:ext cx="10687100" cy="6398607"/>
+          </a:xfrm>
+          <a:prstGeom prst="rect">
+            <a:avLst/>
+          </a:prstGeom>
+          <a:noFill/>
+          <a:ln w="3175"/>
+        </p:spPr>
+        <p:style>
+          <a:lnRef idx="2">
+            <a:schemeClr val="accent1">
+              <a:shade val="50000"/>
+            </a:schemeClr>
+          </a:lnRef>
+          <a:fillRef idx="1">
+            <a:schemeClr val="accent1"/>
+          </a:fillRef>
+          <a:effectRef idx="0">
+            <a:schemeClr val="accent1"/>
+          </a:effectRef>
+          <a:fontRef idx="minor">
+            <a:schemeClr val="lt1"/>
+          </a:fontRef>
+        </p:style>
+        <p:txBody>
+          <a:bodyPr lIns="98173" tIns="49087" rIns="98173" bIns="49087" rtlCol="0" anchor="ctr"/>
+          <a:lstStyle/>
+          <a:p>
+            <a:pPr algn="ctr"/>
+            <a:endParaRPr lang="ko-KR" altLang="en-US" dirty="0"/>
+          </a:p>
+        </p:txBody>
+      </p:sp>
+      <p:sp>
+        <p:nvSpPr>
+          <p:cNvPr id="19" name="name"/>
+          <p:cNvSpPr txBox="1">
+            <a:spLocks/>
+          </p:cNvSpPr>
+          <p:nvPr/>
+        </p:nvSpPr>
+        <p:spPr>
+          <a:xfrm>
+            <a:off x="3150" y="2729156"/>
+            <a:ext cx="10701276" cy="2910858"/>
+          </a:xfrm>
+          <a:prstGeom prst="rect">
+            <a:avLst/>
+          </a:prstGeom>
+        </p:spPr>
+        <p:txBody>
+          <a:bodyPr vert="horz" lIns="98173" tIns="49087" rIns="98173" bIns="49087" rtlCol="0" anchor="ctr">
+            <a:normAutofit/>
+          </a:bodyPr>
+          <a:lstStyle>
+            <a:lvl1pPr algn="ctr" defTabSz="914400" rtl="0" eaLnBrk="1" latinLnBrk="1" hangingPunct="1">
+              <a:spcBef>
+                <a:spcPct val="0"/>
+              </a:spcBef>
+              <a:buNone/>
+              <a:defRPr sz="4400" kern="1200">
+                <a:solidFill>
+                  <a:schemeClr val="tx1"/>
+                </a:solidFill>
+                <a:latin typeface="+mj-lt"/>
+                <a:ea typeface="+mj-ea"/>
+                <a:cs typeface="+mj-cs"/>
+              </a:defRPr>
+            </a:lvl1pPr>
+          </a:lstStyle>
+          <a:p>
+            <a:r>
+              <a:rPr sz="13300"/>
+              <a:t/>
+            </a:r>
+          </a:p>
+        </p:txBody>
+      </p:sp>
+      <p:pic>
+        <p:nvPicPr>
+          <p:cNvPr id="2052" name="logo" descr="F:\★인천관광공사-디자인자료\★인천시_인천관광공사등-CI,BI\인천관광공사CI\공사CI-국문\인천관광공사-국문(가로).png"/>
+          <p:cNvPicPr>
+            <a:picLocks noChangeAspect="1" noChangeArrowheads="1"/>
+          </p:cNvPicPr>
+          <p:nvPr/>
+        </p:nvPicPr>
+        <p:blipFill>
+          <a:blip r:embed="rId3" cstate="print">
+            <a:extLst>
+              <a:ext uri="{28A0092B-C50C-407E-A947-70E740481C1C}">
+                <a14:useLocalDpi xmlns:a14="http://schemas.microsoft.com/office/drawing/2010/main" val="0"/>
+              </a:ext>
+            </a:extLst>
+          </a:blip>
+          <a:srcRect/>
+          <a:stretch>
+            <a:fillRect/>
+          </a:stretch>
+        </p:blipFill>
+        <p:spPr bwMode="auto">
+          <a:xfrm>
+            <a:off x="231042" y="227295"/>
+            <a:ext cx="1895554" cy="696674"/>
           </a:xfrm>
           <a:prstGeom prst="rect">
             <a:avLst/>
@@ -6190,88 +6366,35 @@
       </p:pic>
       <p:sp>
         <p:nvSpPr>
-          <p:cNvPr id="2" name="name">
+          <p:cNvPr id="7" name="pos">
             <a:extLst>
               <a:ext uri="{FF2B5EF4-FFF2-40B4-BE49-F238E27FC236}">
-                <a16:creationId xmlns:a16="http://schemas.microsoft.com/office/drawing/2014/main" id="{DD276CAC-41EF-4FEB-9E9F-65510454E4A2}"/>
+                <a16:creationId xmlns:a16="http://schemas.microsoft.com/office/drawing/2014/main" id="{B1532AC5-2DF7-4FA0-9A7A-4211F29B9C1B}"/>
               </a:ext>
             </a:extLst>
           </p:cNvPr>
-          <p:cNvSpPr>
-            <a:spLocks noGrp="1"/>
-          </p:cNvSpPr>
-          <p:nvPr>
-            <p:ph type="ctrTitle"/>
-          </p:nvPr>
+          <p:cNvSpPr txBox="1"/>
+          <p:nvPr/>
         </p:nvSpPr>
         <p:spPr>
           <a:xfrm>
-            <a:off x="0" y="4024822"/>
-            <a:ext cx="12191997" cy="2387600"/>
-          </a:xfrm>
-        </p:spPr>
-        <p:txBody>
-          <a:bodyPr anchor="ctr">
-            <a:noAutofit/>
+            <a:off x="3978548" y="377091"/>
+            <a:ext cx="6489598" cy="523220"/>
+          </a:xfrm>
+          <a:prstGeom prst="rect">
+            <a:avLst/>
+          </a:prstGeom>
+          <a:noFill/>
+        </p:spPr>
+        <p:txBody>
+          <a:bodyPr wrap="square" rtlCol="0">
+            <a:spAutoFit/>
           </a:bodyPr>
           <a:lstStyle/>
           <a:p>
-            <a:r>
-              <a:rPr sz="16800"/>
-              <a:t/>
-            </a:r>
-          </a:p>
-        </p:txBody>
-      </p:sp>
-      <p:sp>
-        <p:nvSpPr>
-          <p:cNvPr id="8" name="pos">
-            <a:extLst>
-              <a:ext uri="{FF2B5EF4-FFF2-40B4-BE49-F238E27FC236}">
-                <a16:creationId xmlns:a16="http://schemas.microsoft.com/office/drawing/2014/main" id="{631BD788-4196-42D9-AA81-6AD559485306}"/>
-              </a:ext>
-            </a:extLst>
-          </p:cNvPr>
-          <p:cNvSpPr txBox="1">
-            <a:spLocks/>
-          </p:cNvSpPr>
-          <p:nvPr/>
-        </p:nvSpPr>
-        <p:spPr>
-          <a:xfrm>
-            <a:off x="0" y="2776616"/>
-            <a:ext cx="12191998" cy="1057153"/>
-          </a:xfrm>
-          <a:prstGeom prst="rect">
-            <a:avLst/>
-          </a:prstGeom>
-        </p:spPr>
-        <p:txBody>
-          <a:bodyPr vert="horz" lIns="91440" tIns="45720" rIns="91440" bIns="45720" rtlCol="0" anchor="ctr">
-            <a:noAutofit/>
-          </a:bodyPr>
-          <a:lstStyle>
-            <a:lvl1pPr algn="ctr" defTabSz="914400" rtl="0" eaLnBrk="1" latinLnBrk="1" hangingPunct="1">
-              <a:lnSpc>
-                <a:spcPct val="90000"/>
-              </a:lnSpc>
-              <a:spcBef>
-                <a:spcPct val="0"/>
-              </a:spcBef>
-              <a:buNone/>
-              <a:defRPr sz="6000" kern="1200">
-                <a:solidFill>
-                  <a:schemeClr val="tx1"/>
-                </a:solidFill>
-                <a:latin typeface="+mj-lt"/>
-                <a:ea typeface="+mj-ea"/>
-                <a:cs typeface="+mj-cs"/>
-              </a:defRPr>
-            </a:lvl1pPr>
-          </a:lstStyle>
-          <a:p>
-            <a:r>
-              <a:rPr sz="5000"/>
+            <a:pPr algn="ctr"/>
+            <a:r>
+              <a:rPr sz="2800"/>
               <a:t/>
             </a:r>
           </a:p>
@@ -6280,7 +6403,7 @@
     </p:spTree>
     <p:extLst>
       <p:ext uri="{BB962C8B-B14F-4D97-AF65-F5344CB8AC3E}">
-        <p14:creationId xmlns:p14="http://schemas.microsoft.com/office/powerpoint/2010/main" val="1525684669"/>
+        <p14:creationId xmlns:p14="http://schemas.microsoft.com/office/powerpoint/2010/main" val="2536698199"/>
       </p:ext>
     </p:extLst>
   </p:cSld>
@@ -6307,67 +6430,9 @@
           <a:chExt cx="0" cy="0"/>
         </a:xfrm>
       </p:grpSpPr>
-      <p:sp>
-        <p:nvSpPr>
-          <p:cNvPr id="4" name="직사각형">
-            <a:extLst>
-              <a:ext uri="{FF2B5EF4-FFF2-40B4-BE49-F238E27FC236}">
-                <a16:creationId xmlns:a16="http://schemas.microsoft.com/office/drawing/2014/main" id="{E29727B3-DAB0-4A6A-8C1F-B3C1F5A77720}"/>
-              </a:ext>
-            </a:extLst>
-          </p:cNvPr>
-          <p:cNvSpPr/>
-          <p:nvPr/>
-        </p:nvSpPr>
-        <p:spPr>
-          <a:xfrm>
-            <a:off x="0" y="2371767"/>
-            <a:ext cx="12192000" cy="4478138"/>
-          </a:xfrm>
-          <a:prstGeom prst="rect">
-            <a:avLst/>
-          </a:prstGeom>
-          <a:solidFill>
-            <a:srgbClr val="1520FF"/>
-          </a:solidFill>
-          <a:ln>
-            <a:noFill/>
-          </a:ln>
-        </p:spPr>
-        <p:style>
-          <a:lnRef idx="2">
-            <a:schemeClr val="accent1">
-              <a:shade val="50000"/>
-            </a:schemeClr>
-          </a:lnRef>
-          <a:fillRef idx="1">
-            <a:schemeClr val="accent1"/>
-          </a:fillRef>
-          <a:effectRef idx="0">
-            <a:schemeClr val="accent1"/>
-          </a:effectRef>
-          <a:fontRef idx="minor">
-            <a:schemeClr val="lt1"/>
-          </a:fontRef>
-        </p:style>
-        <p:txBody>
-          <a:bodyPr rtlCol="0" anchor="ctr"/>
-          <a:lstStyle/>
-          <a:p>
-            <a:pPr algn="ctr"/>
-            <a:endParaRPr lang="ko-KR" altLang="en-US" dirty="0"/>
-          </a:p>
-        </p:txBody>
-      </p:sp>
       <p:pic>
         <p:nvPicPr>
-          <p:cNvPr id="3" name="logo" descr="2조원 파급 효과 내고도 매 맞은 &amp;#39;인천관광공사&amp;#39; - 위키리크스한국">
-            <a:extLst>
-              <a:ext uri="{FF2B5EF4-FFF2-40B4-BE49-F238E27FC236}">
-                <a16:creationId xmlns:a16="http://schemas.microsoft.com/office/drawing/2014/main" id="{E2D33970-FE8B-4A0A-AD13-6F0D6F5FB73A}"/>
-              </a:ext>
-            </a:extLst>
-          </p:cNvPr>
+          <p:cNvPr id="2050" name="Picture 2"/>
           <p:cNvPicPr>
             <a:picLocks noChangeAspect="1" noChangeArrowheads="1"/>
           </p:cNvPicPr>
@@ -6388,8 +6453,149 @@
         </p:blipFill>
         <p:spPr bwMode="auto">
           <a:xfrm>
-            <a:off x="3238499" y="95880"/>
-            <a:ext cx="5715000" cy="2219325"/>
+            <a:off x="3150" y="-1667"/>
+            <a:ext cx="10701276" cy="1151475"/>
+          </a:xfrm>
+          <a:prstGeom prst="rect">
+            <a:avLst/>
+          </a:prstGeom>
+          <a:noFill/>
+          <a:ln>
+            <a:noFill/>
+          </a:ln>
+          <a:extLst>
+            <a:ext uri="{909E8E84-426E-40DD-AFC4-6F175D3DCCD1}">
+              <a14:hiddenFill xmlns:a14="http://schemas.microsoft.com/office/drawing/2010/main">
+                <a:solidFill>
+                  <a:schemeClr val="accent1"/>
+                </a:solidFill>
+              </a14:hiddenFill>
+            </a:ext>
+            <a:ext uri="{91240B29-F687-4F45-9708-019B960494DF}">
+              <a14:hiddenLine xmlns:a14="http://schemas.microsoft.com/office/drawing/2010/main" w="9525">
+                <a:solidFill>
+                  <a:schemeClr val="tx1"/>
+                </a:solidFill>
+                <a:miter lim="800000"/>
+                <a:headEnd/>
+                <a:tailEnd/>
+              </a14:hiddenLine>
+            </a:ext>
+          </a:extLst>
+        </p:spPr>
+      </p:pic>
+      <p:sp>
+        <p:nvSpPr>
+          <p:cNvPr id="9" name="직사각형 8"/>
+          <p:cNvSpPr/>
+          <p:nvPr/>
+        </p:nvSpPr>
+        <p:spPr>
+          <a:xfrm>
+            <a:off x="3150" y="1149808"/>
+            <a:ext cx="10687100" cy="6398607"/>
+          </a:xfrm>
+          <a:prstGeom prst="rect">
+            <a:avLst/>
+          </a:prstGeom>
+          <a:noFill/>
+          <a:ln w="3175"/>
+        </p:spPr>
+        <p:style>
+          <a:lnRef idx="2">
+            <a:schemeClr val="accent1">
+              <a:shade val="50000"/>
+            </a:schemeClr>
+          </a:lnRef>
+          <a:fillRef idx="1">
+            <a:schemeClr val="accent1"/>
+          </a:fillRef>
+          <a:effectRef idx="0">
+            <a:schemeClr val="accent1"/>
+          </a:effectRef>
+          <a:fontRef idx="minor">
+            <a:schemeClr val="lt1"/>
+          </a:fontRef>
+        </p:style>
+        <p:txBody>
+          <a:bodyPr lIns="98173" tIns="49087" rIns="98173" bIns="49087" rtlCol="0" anchor="ctr"/>
+          <a:lstStyle/>
+          <a:p>
+            <a:pPr algn="ctr"/>
+            <a:endParaRPr lang="ko-KR" altLang="en-US" dirty="0"/>
+          </a:p>
+        </p:txBody>
+      </p:sp>
+      <p:sp>
+        <p:nvSpPr>
+          <p:cNvPr id="19" name="name"/>
+          <p:cNvSpPr txBox="1">
+            <a:spLocks/>
+          </p:cNvSpPr>
+          <p:nvPr/>
+        </p:nvSpPr>
+        <p:spPr>
+          <a:xfrm>
+            <a:off x="3150" y="2729156"/>
+            <a:ext cx="10701276" cy="2910858"/>
+          </a:xfrm>
+          <a:prstGeom prst="rect">
+            <a:avLst/>
+          </a:prstGeom>
+        </p:spPr>
+        <p:txBody>
+          <a:bodyPr vert="horz" lIns="98173" tIns="49087" rIns="98173" bIns="49087" rtlCol="0" anchor="ctr">
+            <a:normAutofit/>
+          </a:bodyPr>
+          <a:lstStyle>
+            <a:lvl1pPr algn="ctr" defTabSz="914400" rtl="0" eaLnBrk="1" latinLnBrk="1" hangingPunct="1">
+              <a:spcBef>
+                <a:spcPct val="0"/>
+              </a:spcBef>
+              <a:buNone/>
+              <a:defRPr sz="4400" kern="1200">
+                <a:solidFill>
+                  <a:schemeClr val="tx1"/>
+                </a:solidFill>
+                <a:latin typeface="+mj-lt"/>
+                <a:ea typeface="+mj-ea"/>
+                <a:cs typeface="+mj-cs"/>
+              </a:defRPr>
+            </a:lvl1pPr>
+          </a:lstStyle>
+          <a:p>
+            <a:r>
+              <a:rPr sz="13300"/>
+              <a:t/>
+            </a:r>
+          </a:p>
+        </p:txBody>
+      </p:sp>
+      <p:pic>
+        <p:nvPicPr>
+          <p:cNvPr id="2052" name="logo" descr="F:\★인천관광공사-디자인자료\★인천시_인천관광공사등-CI,BI\인천관광공사CI\공사CI-국문\인천관광공사-국문(가로).png"/>
+          <p:cNvPicPr>
+            <a:picLocks noChangeAspect="1" noChangeArrowheads="1"/>
+          </p:cNvPicPr>
+          <p:nvPr/>
+        </p:nvPicPr>
+        <p:blipFill>
+          <a:blip r:embed="rId3" cstate="print">
+            <a:extLst>
+              <a:ext uri="{28A0092B-C50C-407E-A947-70E740481C1C}">
+                <a14:useLocalDpi xmlns:a14="http://schemas.microsoft.com/office/drawing/2010/main" val="0"/>
+              </a:ext>
+            </a:extLst>
+          </a:blip>
+          <a:srcRect/>
+          <a:stretch>
+            <a:fillRect/>
+          </a:stretch>
+        </p:blipFill>
+        <p:spPr bwMode="auto">
+          <a:xfrm>
+            <a:off x="231042" y="227295"/>
+            <a:ext cx="1895554" cy="696674"/>
           </a:xfrm>
           <a:prstGeom prst="rect">
             <a:avLst/>
@@ -6408,88 +6614,35 @@
       </p:pic>
       <p:sp>
         <p:nvSpPr>
-          <p:cNvPr id="2" name="name">
+          <p:cNvPr id="7" name="pos">
             <a:extLst>
               <a:ext uri="{FF2B5EF4-FFF2-40B4-BE49-F238E27FC236}">
-                <a16:creationId xmlns:a16="http://schemas.microsoft.com/office/drawing/2014/main" id="{DD276CAC-41EF-4FEB-9E9F-65510454E4A2}"/>
+                <a16:creationId xmlns:a16="http://schemas.microsoft.com/office/drawing/2014/main" id="{B1532AC5-2DF7-4FA0-9A7A-4211F29B9C1B}"/>
               </a:ext>
             </a:extLst>
           </p:cNvPr>
-          <p:cNvSpPr>
-            <a:spLocks noGrp="1"/>
-          </p:cNvSpPr>
-          <p:nvPr>
-            <p:ph type="ctrTitle"/>
-          </p:nvPr>
+          <p:cNvSpPr txBox="1"/>
+          <p:nvPr/>
         </p:nvSpPr>
         <p:spPr>
           <a:xfrm>
-            <a:off x="0" y="4024822"/>
-            <a:ext cx="12191997" cy="2387600"/>
-          </a:xfrm>
-        </p:spPr>
-        <p:txBody>
-          <a:bodyPr anchor="ctr">
-            <a:noAutofit/>
+            <a:off x="3978548" y="377091"/>
+            <a:ext cx="6489598" cy="523220"/>
+          </a:xfrm>
+          <a:prstGeom prst="rect">
+            <a:avLst/>
+          </a:prstGeom>
+          <a:noFill/>
+        </p:spPr>
+        <p:txBody>
+          <a:bodyPr wrap="square" rtlCol="0">
+            <a:spAutoFit/>
           </a:bodyPr>
           <a:lstStyle/>
           <a:p>
-            <a:r>
-              <a:rPr sz="16800"/>
-              <a:t/>
-            </a:r>
-          </a:p>
-        </p:txBody>
-      </p:sp>
-      <p:sp>
-        <p:nvSpPr>
-          <p:cNvPr id="8" name="pos">
-            <a:extLst>
-              <a:ext uri="{FF2B5EF4-FFF2-40B4-BE49-F238E27FC236}">
-                <a16:creationId xmlns:a16="http://schemas.microsoft.com/office/drawing/2014/main" id="{631BD788-4196-42D9-AA81-6AD559485306}"/>
-              </a:ext>
-            </a:extLst>
-          </p:cNvPr>
-          <p:cNvSpPr txBox="1">
-            <a:spLocks/>
-          </p:cNvSpPr>
-          <p:nvPr/>
-        </p:nvSpPr>
-        <p:spPr>
-          <a:xfrm>
-            <a:off x="0" y="2776616"/>
-            <a:ext cx="12191998" cy="1057153"/>
-          </a:xfrm>
-          <a:prstGeom prst="rect">
-            <a:avLst/>
-          </a:prstGeom>
-        </p:spPr>
-        <p:txBody>
-          <a:bodyPr vert="horz" lIns="91440" tIns="45720" rIns="91440" bIns="45720" rtlCol="0" anchor="ctr">
-            <a:noAutofit/>
-          </a:bodyPr>
-          <a:lstStyle>
-            <a:lvl1pPr algn="ctr" defTabSz="914400" rtl="0" eaLnBrk="1" latinLnBrk="1" hangingPunct="1">
-              <a:lnSpc>
-                <a:spcPct val="90000"/>
-              </a:lnSpc>
-              <a:spcBef>
-                <a:spcPct val="0"/>
-              </a:spcBef>
-              <a:buNone/>
-              <a:defRPr sz="6000" kern="1200">
-                <a:solidFill>
-                  <a:schemeClr val="tx1"/>
-                </a:solidFill>
-                <a:latin typeface="+mj-lt"/>
-                <a:ea typeface="+mj-ea"/>
-                <a:cs typeface="+mj-cs"/>
-              </a:defRPr>
-            </a:lvl1pPr>
-          </a:lstStyle>
-          <a:p>
-            <a:r>
-              <a:rPr sz="5000"/>
+            <a:pPr algn="ctr"/>
+            <a:r>
+              <a:rPr sz="2800"/>
               <a:t/>
             </a:r>
           </a:p>
@@ -6498,7 +6651,7 @@
     </p:spTree>
     <p:extLst>
       <p:ext uri="{BB962C8B-B14F-4D97-AF65-F5344CB8AC3E}">
-        <p14:creationId xmlns:p14="http://schemas.microsoft.com/office/powerpoint/2010/main" val="2031236678"/>
+        <p14:creationId xmlns:p14="http://schemas.microsoft.com/office/powerpoint/2010/main" val="3506238820"/>
       </p:ext>
     </p:extLst>
   </p:cSld>
@@ -6519,44 +6672,44 @@
         <a:sysClr val="window" lastClr="FFFFFF"/>
       </a:lt1>
       <a:dk2>
-        <a:srgbClr val="44546A"/>
+        <a:srgbClr val="1F497D"/>
       </a:dk2>
       <a:lt2>
-        <a:srgbClr val="E7E6E6"/>
+        <a:srgbClr val="EEECE1"/>
       </a:lt2>
       <a:accent1>
-        <a:srgbClr val="4472C4"/>
+        <a:srgbClr val="4F81BD"/>
       </a:accent1>
       <a:accent2>
-        <a:srgbClr val="ED7D31"/>
+        <a:srgbClr val="C0504D"/>
       </a:accent2>
       <a:accent3>
-        <a:srgbClr val="A5A5A5"/>
+        <a:srgbClr val="9BBB59"/>
       </a:accent3>
       <a:accent4>
-        <a:srgbClr val="FFC000"/>
+        <a:srgbClr val="8064A2"/>
       </a:accent4>
       <a:accent5>
-        <a:srgbClr val="5B9BD5"/>
+        <a:srgbClr val="4BACC6"/>
       </a:accent5>
       <a:accent6>
-        <a:srgbClr val="70AD47"/>
+        <a:srgbClr val="F79646"/>
       </a:accent6>
       <a:hlink>
-        <a:srgbClr val="0563C1"/>
+        <a:srgbClr val="0000FF"/>
       </a:hlink>
       <a:folHlink>
-        <a:srgbClr val="954F72"/>
+        <a:srgbClr val="800080"/>
       </a:folHlink>
     </a:clrScheme>
     <a:fontScheme name="Office">
       <a:majorFont>
-        <a:latin typeface="맑은 고딕" panose="020F0302020204030204"/>
+        <a:latin typeface="맑은 고딕"/>
         <a:ea typeface=""/>
         <a:cs typeface=""/>
-        <a:font script="Jpan" typeface="游ゴシック Light"/>
+        <a:font script="Jpan" typeface="ＭＳ Ｐゴシック"/>
         <a:font script="Hang" typeface="맑은 고딕"/>
-        <a:font script="Hans" typeface="等线 Light"/>
+        <a:font script="Hans" typeface="宋体"/>
         <a:font script="Hant" typeface="新細明體"/>
         <a:font script="Arab" typeface="Times New Roman"/>
         <a:font script="Hebr" typeface="Times New Roman"/>
@@ -6584,31 +6737,14 @@
         <a:font script="Viet" typeface="Times New Roman"/>
         <a:font script="Uigh" typeface="Microsoft Uighur"/>
         <a:font script="Geor" typeface="Sylfaen"/>
-        <a:font script="Armn" typeface="Arial"/>
-        <a:font script="Bugi" typeface="Leelawadee UI"/>
-        <a:font script="Bopo" typeface="Microsoft JhengHei"/>
-        <a:font script="Java" typeface="Javanese Text"/>
-        <a:font script="Lisu" typeface="Segoe UI"/>
-        <a:font script="Mymr" typeface="Myanmar Text"/>
-        <a:font script="Nkoo" typeface="Ebrima"/>
-        <a:font script="Olck" typeface="Nirmala UI"/>
-        <a:font script="Osma" typeface="Ebrima"/>
-        <a:font script="Phag" typeface="Phagspa"/>
-        <a:font script="Syrn" typeface="Estrangelo Edessa"/>
-        <a:font script="Syrj" typeface="Estrangelo Edessa"/>
-        <a:font script="Syre" typeface="Estrangelo Edessa"/>
-        <a:font script="Sora" typeface="Nirmala UI"/>
-        <a:font script="Tale" typeface="Microsoft Tai Le"/>
-        <a:font script="Talu" typeface="Microsoft New Tai Lue"/>
-        <a:font script="Tfng" typeface="Ebrima"/>
       </a:majorFont>
       <a:minorFont>
-        <a:latin typeface="맑은 고딕" panose="020F0502020204030204"/>
+        <a:latin typeface="맑은 고딕"/>
         <a:ea typeface=""/>
         <a:cs typeface=""/>
-        <a:font script="Jpan" typeface="游ゴシック"/>
+        <a:font script="Jpan" typeface="ＭＳ Ｐゴシック"/>
         <a:font script="Hang" typeface="맑은 고딕"/>
-        <a:font script="Hans" typeface="等线"/>
+        <a:font script="Hans" typeface="宋体"/>
         <a:font script="Hant" typeface="新細明體"/>
         <a:font script="Arab" typeface="Arial"/>
         <a:font script="Hebr" typeface="Arial"/>
@@ -6636,23 +6772,6 @@
         <a:font script="Viet" typeface="Arial"/>
         <a:font script="Uigh" typeface="Microsoft Uighur"/>
         <a:font script="Geor" typeface="Sylfaen"/>
-        <a:font script="Armn" typeface="Arial"/>
-        <a:font script="Bugi" typeface="Leelawadee UI"/>
-        <a:font script="Bopo" typeface="Microsoft JhengHei"/>
-        <a:font script="Java" typeface="Javanese Text"/>
-        <a:font script="Lisu" typeface="Segoe UI"/>
-        <a:font script="Mymr" typeface="Myanmar Text"/>
-        <a:font script="Nkoo" typeface="Ebrima"/>
-        <a:font script="Olck" typeface="Nirmala UI"/>
-        <a:font script="Osma" typeface="Ebrima"/>
-        <a:font script="Phag" typeface="Phagspa"/>
-        <a:font script="Syrn" typeface="Estrangelo Edessa"/>
-        <a:font script="Syrj" typeface="Estrangelo Edessa"/>
-        <a:font script="Syre" typeface="Estrangelo Edessa"/>
-        <a:font script="Sora" typeface="Nirmala UI"/>
-        <a:font script="Tale" typeface="Microsoft Tai Le"/>
-        <a:font script="Talu" typeface="Microsoft New Tai Lue"/>
-        <a:font script="Tfng" typeface="Ebrima"/>
       </a:minorFont>
     </a:fontScheme>
     <a:fmtScheme name="Office">
@@ -6664,158 +6783,166 @@
           <a:gsLst>
             <a:gs pos="0">
               <a:schemeClr val="phClr">
-                <a:lumMod val="110000"/>
-                <a:satMod val="105000"/>
-                <a:tint val="67000"/>
+                <a:tint val="50000"/>
+                <a:satMod val="300000"/>
               </a:schemeClr>
             </a:gs>
-            <a:gs pos="50000">
+            <a:gs pos="35000">
               <a:schemeClr val="phClr">
-                <a:lumMod val="105000"/>
-                <a:satMod val="103000"/>
-                <a:tint val="73000"/>
+                <a:tint val="37000"/>
+                <a:satMod val="300000"/>
               </a:schemeClr>
             </a:gs>
             <a:gs pos="100000">
               <a:schemeClr val="phClr">
-                <a:lumMod val="105000"/>
-                <a:satMod val="109000"/>
-                <a:tint val="81000"/>
+                <a:tint val="15000"/>
+                <a:satMod val="350000"/>
               </a:schemeClr>
             </a:gs>
           </a:gsLst>
-          <a:lin ang="5400000" scaled="0"/>
+          <a:lin ang="16200000" scaled="1"/>
         </a:gradFill>
         <a:gradFill rotWithShape="1">
           <a:gsLst>
             <a:gs pos="0">
               <a:schemeClr val="phClr">
-                <a:satMod val="103000"/>
-                <a:lumMod val="102000"/>
-                <a:tint val="94000"/>
+                <a:shade val="51000"/>
+                <a:satMod val="130000"/>
               </a:schemeClr>
             </a:gs>
-            <a:gs pos="50000">
+            <a:gs pos="80000">
               <a:schemeClr val="phClr">
-                <a:satMod val="110000"/>
-                <a:lumMod val="100000"/>
-                <a:shade val="100000"/>
+                <a:shade val="93000"/>
+                <a:satMod val="130000"/>
               </a:schemeClr>
             </a:gs>
             <a:gs pos="100000">
               <a:schemeClr val="phClr">
-                <a:lumMod val="99000"/>
-                <a:satMod val="120000"/>
-                <a:shade val="78000"/>
+                <a:shade val="94000"/>
+                <a:satMod val="135000"/>
               </a:schemeClr>
             </a:gs>
           </a:gsLst>
-          <a:lin ang="5400000" scaled="0"/>
+          <a:lin ang="16200000" scaled="0"/>
         </a:gradFill>
       </a:fillStyleLst>
       <a:lnStyleLst>
-        <a:ln w="6350" cap="flat" cmpd="sng" algn="ctr">
+        <a:ln w="9525" cap="flat" cmpd="sng" algn="ctr">
+          <a:solidFill>
+            <a:schemeClr val="phClr">
+              <a:shade val="95000"/>
+              <a:satMod val="105000"/>
+            </a:schemeClr>
+          </a:solidFill>
+          <a:prstDash val="solid"/>
+        </a:ln>
+        <a:ln w="25400" cap="flat" cmpd="sng" algn="ctr">
           <a:solidFill>
             <a:schemeClr val="phClr"/>
           </a:solidFill>
           <a:prstDash val="solid"/>
-          <a:miter lim="800000"/>
         </a:ln>
-        <a:ln w="12700" cap="flat" cmpd="sng" algn="ctr">
+        <a:ln w="38100" cap="flat" cmpd="sng" algn="ctr">
           <a:solidFill>
             <a:schemeClr val="phClr"/>
           </a:solidFill>
           <a:prstDash val="solid"/>
-          <a:miter lim="800000"/>
-        </a:ln>
-        <a:ln w="19050" cap="flat" cmpd="sng" algn="ctr">
-          <a:solidFill>
-            <a:schemeClr val="phClr"/>
-          </a:solidFill>
-          <a:prstDash val="solid"/>
-          <a:miter lim="800000"/>
         </a:ln>
       </a:lnStyleLst>
       <a:effectStyleLst>
         <a:effectStyle>
-          <a:effectLst/>
-        </a:effectStyle>
-        <a:effectStyle>
-          <a:effectLst/>
+          <a:effectLst>
+            <a:outerShdw blurRad="40000" dist="20000" dir="5400000" rotWithShape="0">
+              <a:srgbClr val="000000">
+                <a:alpha val="38000"/>
+              </a:srgbClr>
+            </a:outerShdw>
+          </a:effectLst>
         </a:effectStyle>
         <a:effectStyle>
           <a:effectLst>
-            <a:outerShdw blurRad="57150" dist="19050" dir="5400000" algn="ctr" rotWithShape="0">
+            <a:outerShdw blurRad="40000" dist="23000" dir="5400000" rotWithShape="0">
               <a:srgbClr val="000000">
-                <a:alpha val="63000"/>
+                <a:alpha val="35000"/>
               </a:srgbClr>
             </a:outerShdw>
           </a:effectLst>
+        </a:effectStyle>
+        <a:effectStyle>
+          <a:effectLst>
+            <a:outerShdw blurRad="40000" dist="23000" dir="5400000" rotWithShape="0">
+              <a:srgbClr val="000000">
+                <a:alpha val="35000"/>
+              </a:srgbClr>
+            </a:outerShdw>
+          </a:effectLst>
+          <a:scene3d>
+            <a:camera prst="orthographicFront">
+              <a:rot lat="0" lon="0" rev="0"/>
+            </a:camera>
+            <a:lightRig rig="threePt" dir="t">
+              <a:rot lat="0" lon="0" rev="1200000"/>
+            </a:lightRig>
+          </a:scene3d>
+          <a:sp3d>
+            <a:bevelT w="63500" h="25400"/>
+          </a:sp3d>
         </a:effectStyle>
       </a:effectStyleLst>
       <a:bgFillStyleLst>
         <a:solidFill>
           <a:schemeClr val="phClr"/>
         </a:solidFill>
-        <a:solidFill>
-          <a:schemeClr val="phClr">
-            <a:tint val="95000"/>
-            <a:satMod val="170000"/>
-          </a:schemeClr>
-        </a:solidFill>
         <a:gradFill rotWithShape="1">
           <a:gsLst>
             <a:gs pos="0">
               <a:schemeClr val="phClr">
-                <a:tint val="93000"/>
-                <a:satMod val="150000"/>
-                <a:shade val="98000"/>
-                <a:lumMod val="102000"/>
+                <a:tint val="40000"/>
+                <a:satMod val="350000"/>
               </a:schemeClr>
             </a:gs>
-            <a:gs pos="50000">
+            <a:gs pos="40000">
               <a:schemeClr val="phClr">
-                <a:tint val="98000"/>
-                <a:satMod val="130000"/>
-                <a:shade val="90000"/>
-                <a:lumMod val="103000"/>
+                <a:tint val="45000"/>
+                <a:shade val="99000"/>
+                <a:satMod val="350000"/>
               </a:schemeClr>
             </a:gs>
             <a:gs pos="100000">
               <a:schemeClr val="phClr">
-                <a:shade val="63000"/>
-                <a:satMod val="120000"/>
+                <a:shade val="20000"/>
+                <a:satMod val="255000"/>
               </a:schemeClr>
             </a:gs>
           </a:gsLst>
-          <a:lin ang="5400000" scaled="0"/>
+          <a:path path="circle">
+            <a:fillToRect l="50000" t="-80000" r="50000" b="180000"/>
+          </a:path>
+        </a:gradFill>
+        <a:gradFill rotWithShape="1">
+          <a:gsLst>
+            <a:gs pos="0">
+              <a:schemeClr val="phClr">
+                <a:tint val="80000"/>
+                <a:satMod val="300000"/>
+              </a:schemeClr>
+            </a:gs>
+            <a:gs pos="100000">
+              <a:schemeClr val="phClr">
+                <a:shade val="30000"/>
+                <a:satMod val="200000"/>
+              </a:schemeClr>
+            </a:gs>
+          </a:gsLst>
+          <a:path path="circle">
+            <a:fillToRect l="50000" t="50000" r="50000" b="50000"/>
+          </a:path>
         </a:gradFill>
       </a:bgFillStyleLst>
     </a:fmtScheme>
   </a:themeElements>
-  <a:objectDefaults>
-    <a:txDef>
-      <a:spPr/>
-      <a:bodyPr vert="horz" lIns="91440" tIns="45720" rIns="91440" bIns="45720" rtlCol="0" anchor="ctr">
-        <a:noAutofit/>
-      </a:bodyPr>
-      <a:lstStyle>
-        <a:defPPr algn="l">
-          <a:defRPr sz="5000" b="1" dirty="0">
-            <a:solidFill>
-              <a:schemeClr val="bg1"/>
-            </a:solidFill>
-          </a:defRPr>
-        </a:defPPr>
-      </a:lstStyle>
-    </a:txDef>
-  </a:objectDefaults>
+  <a:objectDefaults/>
   <a:extraClrSchemeLst/>
-  <a:extLst>
-    <a:ext uri="{05A4C25C-085E-4340-85A3-A5531E510DB2}">
-      <thm15:themeFamily xmlns:thm15="http://schemas.microsoft.com/office/thememl/2012/main" name="Office Theme" id="{62F939B6-93AF-4DB8-9C6B-D6C7DFDC589F}" vid="{4A3C46E8-61CC-4603-A589-7422A47A8E4A}"/>
-    </a:ext>
-  </a:extLst>
 </a:theme>
 </file>
 
@@ -6830,44 +6957,44 @@
         <a:sysClr val="window" lastClr="FFFFFF"/>
       </a:lt1>
       <a:dk2>
-        <a:srgbClr val="44546A"/>
+        <a:srgbClr val="1F497D"/>
       </a:dk2>
       <a:lt2>
-        <a:srgbClr val="E7E6E6"/>
+        <a:srgbClr val="EEECE1"/>
       </a:lt2>
       <a:accent1>
-        <a:srgbClr val="4472C4"/>
+        <a:srgbClr val="4F81BD"/>
       </a:accent1>
       <a:accent2>
-        <a:srgbClr val="ED7D31"/>
+        <a:srgbClr val="C0504D"/>
       </a:accent2>
       <a:accent3>
-        <a:srgbClr val="A5A5A5"/>
+        <a:srgbClr val="9BBB59"/>
       </a:accent3>
       <a:accent4>
-        <a:srgbClr val="FFC000"/>
+        <a:srgbClr val="8064A2"/>
       </a:accent4>
       <a:accent5>
-        <a:srgbClr val="5B9BD5"/>
+        <a:srgbClr val="4BACC6"/>
       </a:accent5>
       <a:accent6>
-        <a:srgbClr val="70AD47"/>
+        <a:srgbClr val="F79646"/>
       </a:accent6>
       <a:hlink>
-        <a:srgbClr val="0563C1"/>
+        <a:srgbClr val="0000FF"/>
       </a:hlink>
       <a:folHlink>
-        <a:srgbClr val="954F72"/>
+        <a:srgbClr val="800080"/>
       </a:folHlink>
     </a:clrScheme>
     <a:fontScheme name="Office">
       <a:majorFont>
-        <a:latin typeface="맑은 고딕" panose="020F0302020204030204"/>
+        <a:latin typeface="맑은 고딕"/>
         <a:ea typeface=""/>
         <a:cs typeface=""/>
-        <a:font script="Jpan" typeface="游ゴシック Light"/>
+        <a:font script="Jpan" typeface="ＭＳ Ｐゴシック"/>
         <a:font script="Hang" typeface="맑은 고딕"/>
-        <a:font script="Hans" typeface="等线 Light"/>
+        <a:font script="Hans" typeface="宋体"/>
         <a:font script="Hant" typeface="新細明體"/>
         <a:font script="Arab" typeface="Times New Roman"/>
         <a:font script="Hebr" typeface="Times New Roman"/>
@@ -6895,31 +7022,14 @@
         <a:font script="Viet" typeface="Times New Roman"/>
         <a:font script="Uigh" typeface="Microsoft Uighur"/>
         <a:font script="Geor" typeface="Sylfaen"/>
-        <a:font script="Armn" typeface="Arial"/>
-        <a:font script="Bugi" typeface="Leelawadee UI"/>
-        <a:font script="Bopo" typeface="Microsoft JhengHei"/>
-        <a:font script="Java" typeface="Javanese Text"/>
-        <a:font script="Lisu" typeface="Segoe UI"/>
-        <a:font script="Mymr" typeface="Myanmar Text"/>
-        <a:font script="Nkoo" typeface="Ebrima"/>
-        <a:font script="Olck" typeface="Nirmala UI"/>
-        <a:font script="Osma" typeface="Ebrima"/>
-        <a:font script="Phag" typeface="Phagspa"/>
-        <a:font script="Syrn" typeface="Estrangelo Edessa"/>
-        <a:font script="Syrj" typeface="Estrangelo Edessa"/>
-        <a:font script="Syre" typeface="Estrangelo Edessa"/>
-        <a:font script="Sora" typeface="Nirmala UI"/>
-        <a:font script="Tale" typeface="Microsoft Tai Le"/>
-        <a:font script="Talu" typeface="Microsoft New Tai Lue"/>
-        <a:font script="Tfng" typeface="Ebrima"/>
       </a:majorFont>
       <a:minorFont>
-        <a:latin typeface="맑은 고딕" panose="020F0502020204030204"/>
+        <a:latin typeface="맑은 고딕"/>
         <a:ea typeface=""/>
         <a:cs typeface=""/>
-        <a:font script="Jpan" typeface="游ゴシック"/>
+        <a:font script="Jpan" typeface="ＭＳ Ｐゴシック"/>
         <a:font script="Hang" typeface="맑은 고딕"/>
-        <a:font script="Hans" typeface="等线"/>
+        <a:font script="Hans" typeface="宋体"/>
         <a:font script="Hant" typeface="新細明體"/>
         <a:font script="Arab" typeface="Arial"/>
         <a:font script="Hebr" typeface="Arial"/>
@@ -6947,23 +7057,6 @@
         <a:font script="Viet" typeface="Arial"/>
         <a:font script="Uigh" typeface="Microsoft Uighur"/>
         <a:font script="Geor" typeface="Sylfaen"/>
-        <a:font script="Armn" typeface="Arial"/>
-        <a:font script="Bugi" typeface="Leelawadee UI"/>
-        <a:font script="Bopo" typeface="Microsoft JhengHei"/>
-        <a:font script="Java" typeface="Javanese Text"/>
-        <a:font script="Lisu" typeface="Segoe UI"/>
-        <a:font script="Mymr" typeface="Myanmar Text"/>
-        <a:font script="Nkoo" typeface="Ebrima"/>
-        <a:font script="Olck" typeface="Nirmala UI"/>
-        <a:font script="Osma" typeface="Ebrima"/>
-        <a:font script="Phag" typeface="Phagspa"/>
-        <a:font script="Syrn" typeface="Estrangelo Edessa"/>
-        <a:font script="Syrj" typeface="Estrangelo Edessa"/>
-        <a:font script="Syre" typeface="Estrangelo Edessa"/>
-        <a:font script="Sora" typeface="Nirmala UI"/>
-        <a:font script="Tale" typeface="Microsoft Tai Le"/>
-        <a:font script="Talu" typeface="Microsoft New Tai Lue"/>
-        <a:font script="Tfng" typeface="Ebrima"/>
       </a:minorFont>
     </a:fontScheme>
     <a:fmtScheme name="Office">
@@ -6975,141 +7068,165 @@
           <a:gsLst>
             <a:gs pos="0">
               <a:schemeClr val="phClr">
-                <a:lumMod val="110000"/>
-                <a:satMod val="105000"/>
-                <a:tint val="67000"/>
+                <a:tint val="50000"/>
+                <a:satMod val="300000"/>
               </a:schemeClr>
             </a:gs>
-            <a:gs pos="50000">
+            <a:gs pos="35000">
               <a:schemeClr val="phClr">
-                <a:lumMod val="105000"/>
-                <a:satMod val="103000"/>
-                <a:tint val="73000"/>
+                <a:tint val="37000"/>
+                <a:satMod val="300000"/>
               </a:schemeClr>
             </a:gs>
             <a:gs pos="100000">
               <a:schemeClr val="phClr">
-                <a:lumMod val="105000"/>
-                <a:satMod val="109000"/>
-                <a:tint val="81000"/>
+                <a:tint val="15000"/>
+                <a:satMod val="350000"/>
               </a:schemeClr>
             </a:gs>
           </a:gsLst>
-          <a:lin ang="5400000" scaled="0"/>
+          <a:lin ang="16200000" scaled="1"/>
         </a:gradFill>
         <a:gradFill rotWithShape="1">
           <a:gsLst>
             <a:gs pos="0">
               <a:schemeClr val="phClr">
-                <a:satMod val="103000"/>
-                <a:lumMod val="102000"/>
-                <a:tint val="94000"/>
+                <a:shade val="51000"/>
+                <a:satMod val="130000"/>
               </a:schemeClr>
             </a:gs>
-            <a:gs pos="50000">
+            <a:gs pos="80000">
               <a:schemeClr val="phClr">
-                <a:satMod val="110000"/>
-                <a:lumMod val="100000"/>
-                <a:shade val="100000"/>
+                <a:shade val="93000"/>
+                <a:satMod val="130000"/>
               </a:schemeClr>
             </a:gs>
             <a:gs pos="100000">
               <a:schemeClr val="phClr">
-                <a:lumMod val="99000"/>
-                <a:satMod val="120000"/>
-                <a:shade val="78000"/>
+                <a:shade val="94000"/>
+                <a:satMod val="135000"/>
               </a:schemeClr>
             </a:gs>
           </a:gsLst>
-          <a:lin ang="5400000" scaled="0"/>
+          <a:lin ang="16200000" scaled="0"/>
         </a:gradFill>
       </a:fillStyleLst>
       <a:lnStyleLst>
-        <a:ln w="6350" cap="flat" cmpd="sng" algn="ctr">
+        <a:ln w="9525" cap="flat" cmpd="sng" algn="ctr">
+          <a:solidFill>
+            <a:schemeClr val="phClr">
+              <a:shade val="95000"/>
+              <a:satMod val="105000"/>
+            </a:schemeClr>
+          </a:solidFill>
+          <a:prstDash val="solid"/>
+        </a:ln>
+        <a:ln w="25400" cap="flat" cmpd="sng" algn="ctr">
           <a:solidFill>
             <a:schemeClr val="phClr"/>
           </a:solidFill>
           <a:prstDash val="solid"/>
-          <a:miter lim="800000"/>
         </a:ln>
-        <a:ln w="12700" cap="flat" cmpd="sng" algn="ctr">
+        <a:ln w="38100" cap="flat" cmpd="sng" algn="ctr">
           <a:solidFill>
             <a:schemeClr val="phClr"/>
           </a:solidFill>
           <a:prstDash val="solid"/>
-          <a:miter lim="800000"/>
-        </a:ln>
-        <a:ln w="19050" cap="flat" cmpd="sng" algn="ctr">
-          <a:solidFill>
-            <a:schemeClr val="phClr"/>
-          </a:solidFill>
-          <a:prstDash val="solid"/>
-          <a:miter lim="800000"/>
         </a:ln>
       </a:lnStyleLst>
       <a:effectStyleLst>
         <a:effectStyle>
-          <a:effectLst/>
-        </a:effectStyle>
-        <a:effectStyle>
-          <a:effectLst/>
+          <a:effectLst>
+            <a:outerShdw blurRad="40000" dist="20000" dir="5400000" rotWithShape="0">
+              <a:srgbClr val="000000">
+                <a:alpha val="38000"/>
+              </a:srgbClr>
+            </a:outerShdw>
+          </a:effectLst>
         </a:effectStyle>
         <a:effectStyle>
           <a:effectLst>
-            <a:outerShdw blurRad="57150" dist="19050" dir="5400000" algn="ctr" rotWithShape="0">
+            <a:outerShdw blurRad="40000" dist="23000" dir="5400000" rotWithShape="0">
               <a:srgbClr val="000000">
-                <a:alpha val="63000"/>
+                <a:alpha val="35000"/>
               </a:srgbClr>
             </a:outerShdw>
           </a:effectLst>
+        </a:effectStyle>
+        <a:effectStyle>
+          <a:effectLst>
+            <a:outerShdw blurRad="40000" dist="23000" dir="5400000" rotWithShape="0">
+              <a:srgbClr val="000000">
+                <a:alpha val="35000"/>
+              </a:srgbClr>
+            </a:outerShdw>
+          </a:effectLst>
+          <a:scene3d>
+            <a:camera prst="orthographicFront">
+              <a:rot lat="0" lon="0" rev="0"/>
+            </a:camera>
+            <a:lightRig rig="threePt" dir="t">
+              <a:rot lat="0" lon="0" rev="1200000"/>
+            </a:lightRig>
+          </a:scene3d>
+          <a:sp3d>
+            <a:bevelT w="63500" h="25400"/>
+          </a:sp3d>
         </a:effectStyle>
       </a:effectStyleLst>
       <a:bgFillStyleLst>
         <a:solidFill>
           <a:schemeClr val="phClr"/>
         </a:solidFill>
-        <a:solidFill>
-          <a:schemeClr val="phClr">
-            <a:tint val="95000"/>
-            <a:satMod val="170000"/>
-          </a:schemeClr>
-        </a:solidFill>
         <a:gradFill rotWithShape="1">
           <a:gsLst>
             <a:gs pos="0">
               <a:schemeClr val="phClr">
-                <a:tint val="93000"/>
-                <a:satMod val="150000"/>
-                <a:shade val="98000"/>
-                <a:lumMod val="102000"/>
+                <a:tint val="40000"/>
+                <a:satMod val="350000"/>
               </a:schemeClr>
             </a:gs>
-            <a:gs pos="50000">
+            <a:gs pos="40000">
               <a:schemeClr val="phClr">
-                <a:tint val="98000"/>
-                <a:satMod val="130000"/>
-                <a:shade val="90000"/>
-                <a:lumMod val="103000"/>
+                <a:tint val="45000"/>
+                <a:shade val="99000"/>
+                <a:satMod val="350000"/>
               </a:schemeClr>
             </a:gs>
             <a:gs pos="100000">
               <a:schemeClr val="phClr">
-                <a:shade val="63000"/>
-                <a:satMod val="120000"/>
+                <a:shade val="20000"/>
+                <a:satMod val="255000"/>
               </a:schemeClr>
             </a:gs>
           </a:gsLst>
-          <a:lin ang="5400000" scaled="0"/>
+          <a:path path="circle">
+            <a:fillToRect l="50000" t="-80000" r="50000" b="180000"/>
+          </a:path>
+        </a:gradFill>
+        <a:gradFill rotWithShape="1">
+          <a:gsLst>
+            <a:gs pos="0">
+              <a:schemeClr val="phClr">
+                <a:tint val="80000"/>
+                <a:satMod val="300000"/>
+              </a:schemeClr>
+            </a:gs>
+            <a:gs pos="100000">
+              <a:schemeClr val="phClr">
+                <a:shade val="30000"/>
+                <a:satMod val="200000"/>
+              </a:schemeClr>
+            </a:gs>
+          </a:gsLst>
+          <a:path path="circle">
+            <a:fillToRect l="50000" t="50000" r="50000" b="50000"/>
+          </a:path>
         </a:gradFill>
       </a:bgFillStyleLst>
     </a:fmtScheme>
   </a:themeElements>
   <a:objectDefaults/>
   <a:extraClrSchemeLst/>
-  <a:extLst>
-    <a:ext uri="{05A4C25C-085E-4340-85A3-A5531E510DB2}">
-      <thm15:themeFamily xmlns:thm15="http://schemas.microsoft.com/office/thememl/2012/main" name="Office Theme" id="{62F939B6-93AF-4DB8-9C6B-D6C7DFDC589F}" vid="{4A3C46E8-61CC-4603-A589-7422A47A8E4A}"/>
-    </a:ext>
-  </a:extLst>
 </a:theme>
 </file>